--- a/05. 객체 리터럴/presentation5/jaehoo1/객체_리터럴.pptx
+++ b/05. 객체 리터럴/presentation5/jaehoo1/객체_리터럴.pptx
@@ -8,44 +8,46 @@
     <p:sldId id="256" r:id="rId2"/>
     <p:sldId id="257" r:id="rId3"/>
     <p:sldId id="283" r:id="rId4"/>
-    <p:sldId id="258" r:id="rId5"/>
-    <p:sldId id="259" r:id="rId6"/>
-    <p:sldId id="267" r:id="rId7"/>
-    <p:sldId id="268" r:id="rId8"/>
-    <p:sldId id="269" r:id="rId9"/>
-    <p:sldId id="270" r:id="rId10"/>
-    <p:sldId id="271" r:id="rId11"/>
-    <p:sldId id="272" r:id="rId12"/>
-    <p:sldId id="273" r:id="rId13"/>
-    <p:sldId id="274" r:id="rId14"/>
-    <p:sldId id="275" r:id="rId15"/>
-    <p:sldId id="276" r:id="rId16"/>
-    <p:sldId id="277" r:id="rId17"/>
-    <p:sldId id="278" r:id="rId18"/>
-    <p:sldId id="279" r:id="rId19"/>
-    <p:sldId id="281" r:id="rId20"/>
-    <p:sldId id="282" r:id="rId21"/>
-    <p:sldId id="265" r:id="rId22"/>
+    <p:sldId id="284" r:id="rId5"/>
+    <p:sldId id="258" r:id="rId6"/>
+    <p:sldId id="285" r:id="rId7"/>
+    <p:sldId id="259" r:id="rId8"/>
+    <p:sldId id="267" r:id="rId9"/>
+    <p:sldId id="268" r:id="rId10"/>
+    <p:sldId id="269" r:id="rId11"/>
+    <p:sldId id="270" r:id="rId12"/>
+    <p:sldId id="271" r:id="rId13"/>
+    <p:sldId id="272" r:id="rId14"/>
+    <p:sldId id="273" r:id="rId15"/>
+    <p:sldId id="274" r:id="rId16"/>
+    <p:sldId id="275" r:id="rId17"/>
+    <p:sldId id="276" r:id="rId18"/>
+    <p:sldId id="277" r:id="rId19"/>
+    <p:sldId id="278" r:id="rId20"/>
+    <p:sldId id="279" r:id="rId21"/>
+    <p:sldId id="281" r:id="rId22"/>
+    <p:sldId id="282" r:id="rId23"/>
+    <p:sldId id="265" r:id="rId24"/>
   </p:sldIdLst>
   <p:sldSz cx="12192000" cy="6858000"/>
   <p:notesSz cx="6858000" cy="9144000"/>
   <p:embeddedFontLst>
     <p:embeddedFont>
       <p:font typeface="나눔스퀘어 Bold" panose="020B0600000101010101" pitchFamily="50" charset="-127"/>
-      <p:bold r:id="rId23"/>
+      <p:bold r:id="rId25"/>
     </p:embeddedFont>
     <p:embeddedFont>
       <p:font typeface="나눔스퀘어 ExtraBold" panose="020B0600000101010101" pitchFamily="50" charset="-127"/>
-      <p:bold r:id="rId24"/>
+      <p:bold r:id="rId26"/>
     </p:embeddedFont>
     <p:embeddedFont>
       <p:font typeface="나눔스퀘어 Light" panose="020B0600000101010101" pitchFamily="50" charset="-127"/>
-      <p:regular r:id="rId25"/>
+      <p:regular r:id="rId27"/>
     </p:embeddedFont>
     <p:embeddedFont>
       <p:font typeface="맑은 고딕" panose="020B0503020000020004" pitchFamily="50" charset="-127"/>
-      <p:regular r:id="rId26"/>
-      <p:bold r:id="rId27"/>
+      <p:regular r:id="rId28"/>
+      <p:bold r:id="rId29"/>
     </p:embeddedFont>
   </p:embeddedFontLst>
   <p:defaultTextStyle>
@@ -6946,7 +6948,7 @@
         </p:nvSpPr>
         <p:spPr>
           <a:xfrm>
-            <a:off x="815498" y="1003270"/>
+            <a:off x="975753" y="965168"/>
             <a:ext cx="3496600" cy="461665"/>
           </a:xfrm>
           <a:prstGeom prst="rect">
@@ -6961,57 +6963,21 @@
           <a:lstStyle/>
           <a:p>
             <a:r>
-              <a:rPr lang="en-US" altLang="ko-KR" sz="2400" spc="100" dirty="0">
+              <a:rPr lang="ko-KR" altLang="en-US" sz="2400" spc="100" dirty="0">
                 <a:solidFill>
                   <a:srgbClr val="44546A"/>
                 </a:solidFill>
                 <a:latin typeface="나눔스퀘어 Bold" panose="020B0600000101010101" pitchFamily="50" charset="-127"/>
                 <a:ea typeface="나눔스퀘어 Bold" panose="020B0600000101010101" pitchFamily="50" charset="-127"/>
               </a:rPr>
-              <a:t>UI </a:t>
-            </a:r>
-            <a:r>
-              <a:rPr lang="ko-KR" altLang="en-US" sz="2400" spc="100" dirty="0">
-                <a:solidFill>
-                  <a:srgbClr val="44546A"/>
-                </a:solidFill>
-                <a:latin typeface="나눔스퀘어 Bold" panose="020B0600000101010101" pitchFamily="50" charset="-127"/>
-                <a:ea typeface="나눔스퀘어 Bold" panose="020B0600000101010101" pitchFamily="50" charset="-127"/>
-              </a:rPr>
-              <a:t>명세서 </a:t>
-            </a:r>
-            <a:r>
-              <a:rPr lang="en-US" altLang="ko-KR" sz="2400" spc="100" dirty="0">
-                <a:solidFill>
-                  <a:srgbClr val="44546A"/>
-                </a:solidFill>
-                <a:latin typeface="나눔스퀘어 Bold" panose="020B0600000101010101" pitchFamily="50" charset="-127"/>
-                <a:ea typeface="나눔스퀘어 Bold" panose="020B0600000101010101" pitchFamily="50" charset="-127"/>
-              </a:rPr>
-              <a:t>– </a:t>
-            </a:r>
-            <a:r>
-              <a:rPr lang="ko-KR" altLang="en-US" sz="2400" spc="100" dirty="0">
-                <a:solidFill>
-                  <a:srgbClr val="44546A"/>
-                </a:solidFill>
-                <a:latin typeface="나눔스퀘어 Bold" panose="020B0600000101010101" pitchFamily="50" charset="-127"/>
-                <a:ea typeface="나눔스퀘어 Bold" panose="020B0600000101010101" pitchFamily="50" charset="-127"/>
-              </a:rPr>
-              <a:t>메인 화면</a:t>
+              <a:t>요구사항 정의서</a:t>
             </a:r>
           </a:p>
         </p:txBody>
       </p:sp>
       <p:pic>
         <p:nvPicPr>
-          <p:cNvPr id="4" name="그림 3">
-            <a:extLst>
-              <a:ext uri="{FF2B5EF4-FFF2-40B4-BE49-F238E27FC236}">
-                <a16:creationId xmlns:a16="http://schemas.microsoft.com/office/drawing/2014/main" id="{245590EC-306A-4006-A64D-4637067A4633}"/>
-              </a:ext>
-            </a:extLst>
-          </p:cNvPr>
+          <p:cNvPr id="2" name="그림 1"/>
           <p:cNvPicPr>
             <a:picLocks noChangeAspect="1"/>
           </p:cNvPicPr>
@@ -7025,232 +6991,20 @@
         </p:blipFill>
         <p:spPr>
           <a:xfrm>
-            <a:off x="740083" y="1603435"/>
-            <a:ext cx="8193447" cy="4908645"/>
+            <a:off x="1627695" y="1527230"/>
+            <a:ext cx="9144000" cy="5076825"/>
           </a:xfrm>
           <a:prstGeom prst="rect">
             <a:avLst/>
           </a:prstGeom>
         </p:spPr>
       </p:pic>
-      <p:pic>
-        <p:nvPicPr>
-          <p:cNvPr id="7" name="그림 6">
-            <a:extLst>
-              <a:ext uri="{FF2B5EF4-FFF2-40B4-BE49-F238E27FC236}">
-                <a16:creationId xmlns:a16="http://schemas.microsoft.com/office/drawing/2014/main" id="{7502D650-AF8F-4F79-B59A-7FE266F47070}"/>
-              </a:ext>
-            </a:extLst>
-          </p:cNvPr>
-          <p:cNvPicPr>
-            <a:picLocks noChangeAspect="1"/>
-          </p:cNvPicPr>
-          <p:nvPr/>
-        </p:nvPicPr>
-        <p:blipFill rotWithShape="1">
-          <a:blip r:embed="rId3"/>
-          <a:srcRect b="23700"/>
-          <a:stretch/>
-        </p:blipFill>
-        <p:spPr>
-          <a:xfrm>
-            <a:off x="7907319" y="3056529"/>
-            <a:ext cx="3762900" cy="1817129"/>
-          </a:xfrm>
-          <a:prstGeom prst="rect">
-            <a:avLst/>
-          </a:prstGeom>
-        </p:spPr>
-      </p:pic>
-      <p:sp>
-        <p:nvSpPr>
-          <p:cNvPr id="16" name="사다리꼴 15">
-            <a:extLst>
-              <a:ext uri="{FF2B5EF4-FFF2-40B4-BE49-F238E27FC236}">
-                <a16:creationId xmlns:a16="http://schemas.microsoft.com/office/drawing/2014/main" id="{FD66CF5E-6E4D-4F17-98B3-E3DEBCBADF36}"/>
-              </a:ext>
-            </a:extLst>
-          </p:cNvPr>
-          <p:cNvSpPr/>
-          <p:nvPr/>
-        </p:nvSpPr>
-        <p:spPr>
-          <a:xfrm rot="16200000">
-            <a:off x="6318373" y="2953848"/>
-            <a:ext cx="1548179" cy="1992924"/>
-          </a:xfrm>
-          <a:prstGeom prst="trapezoid">
-            <a:avLst>
-              <a:gd name="adj" fmla="val 30502"/>
-            </a:avLst>
-          </a:prstGeom>
-          <a:solidFill>
-            <a:schemeClr val="bg1"/>
-          </a:solidFill>
-          <a:ln w="19050">
-            <a:solidFill>
-              <a:srgbClr val="000000"/>
-            </a:solidFill>
-          </a:ln>
-        </p:spPr>
-        <p:style>
-          <a:lnRef idx="2">
-            <a:schemeClr val="accent1">
-              <a:shade val="50000"/>
-            </a:schemeClr>
-          </a:lnRef>
-          <a:fillRef idx="1">
-            <a:schemeClr val="accent1"/>
-          </a:fillRef>
-          <a:effectRef idx="0">
-            <a:schemeClr val="accent1"/>
-          </a:effectRef>
-          <a:fontRef idx="minor">
-            <a:schemeClr val="lt1"/>
-          </a:fontRef>
-        </p:style>
-        <p:txBody>
-          <a:bodyPr rtlCol="0" anchor="ctr"/>
-          <a:lstStyle/>
-          <a:p>
-            <a:pPr algn="ctr"/>
-            <a:endParaRPr lang="ko-KR" altLang="en-US"/>
-          </a:p>
-        </p:txBody>
-      </p:sp>
-      <p:sp>
-        <p:nvSpPr>
-          <p:cNvPr id="17" name="TextBox 16">
-            <a:extLst>
-              <a:ext uri="{FF2B5EF4-FFF2-40B4-BE49-F238E27FC236}">
-                <a16:creationId xmlns:a16="http://schemas.microsoft.com/office/drawing/2014/main" id="{B537775D-13BF-411A-BD7F-7E60A50D2C54}"/>
-              </a:ext>
-            </a:extLst>
-          </p:cNvPr>
-          <p:cNvSpPr txBox="1"/>
-          <p:nvPr/>
-        </p:nvSpPr>
-        <p:spPr>
-          <a:xfrm>
-            <a:off x="6709721" y="3765644"/>
-            <a:ext cx="1082348" cy="369332"/>
-          </a:xfrm>
-          <a:prstGeom prst="rect">
-            <a:avLst/>
-          </a:prstGeom>
-          <a:noFill/>
-        </p:spPr>
-        <p:txBody>
-          <a:bodyPr wrap="none" rtlCol="0">
-            <a:spAutoFit/>
-          </a:bodyPr>
-          <a:lstStyle/>
-          <a:p>
-            <a:r>
-              <a:rPr lang="ko-KR" altLang="en-US" dirty="0" err="1">
-                <a:latin typeface="나눔스퀘어 Light" panose="020B0600000101010101" pitchFamily="50" charset="-127"/>
-                <a:ea typeface="나눔스퀘어 Light" panose="020B0600000101010101" pitchFamily="50" charset="-127"/>
-              </a:rPr>
-              <a:t>팝업창</a:t>
-            </a:r>
-            <a:r>
-              <a:rPr lang="ko-KR" altLang="en-US" dirty="0">
-                <a:latin typeface="나눔스퀘어 Light" panose="020B0600000101010101" pitchFamily="50" charset="-127"/>
-                <a:ea typeface="나눔스퀘어 Light" panose="020B0600000101010101" pitchFamily="50" charset="-127"/>
-              </a:rPr>
-              <a:t> →</a:t>
-            </a:r>
-          </a:p>
-        </p:txBody>
-      </p:sp>
-      <p:sp>
-        <p:nvSpPr>
-          <p:cNvPr id="18" name="TextBox 17">
-            <a:extLst>
-              <a:ext uri="{FF2B5EF4-FFF2-40B4-BE49-F238E27FC236}">
-                <a16:creationId xmlns:a16="http://schemas.microsoft.com/office/drawing/2014/main" id="{1EF38C5D-8CA8-49F4-B680-D399333A0A62}"/>
-              </a:ext>
-            </a:extLst>
-          </p:cNvPr>
-          <p:cNvSpPr txBox="1"/>
-          <p:nvPr/>
-        </p:nvSpPr>
-        <p:spPr>
-          <a:xfrm>
-            <a:off x="7938332" y="4816377"/>
-            <a:ext cx="3791423" cy="353943"/>
-          </a:xfrm>
-          <a:prstGeom prst="rect">
-            <a:avLst/>
-          </a:prstGeom>
-          <a:solidFill>
-            <a:schemeClr val="bg1"/>
-          </a:solidFill>
-        </p:spPr>
-        <p:txBody>
-          <a:bodyPr wrap="none" rtlCol="0">
-            <a:spAutoFit/>
-          </a:bodyPr>
-          <a:lstStyle/>
-          <a:p>
-            <a:r>
-              <a:rPr lang="ko-KR" altLang="en-US" sz="1700" dirty="0">
-                <a:latin typeface="나눔스퀘어 Light" panose="020B0600000101010101" pitchFamily="50" charset="-127"/>
-                <a:ea typeface="나눔스퀘어 Light" panose="020B0600000101010101" pitchFamily="50" charset="-127"/>
-              </a:rPr>
-              <a:t>모든 버튼 </a:t>
-            </a:r>
-            <a:r>
-              <a:rPr lang="ko-KR" altLang="en-US" sz="1700" dirty="0" err="1">
-                <a:latin typeface="나눔스퀘어 Light" panose="020B0600000101010101" pitchFamily="50" charset="-127"/>
-                <a:ea typeface="나눔스퀘어 Light" panose="020B0600000101010101" pitchFamily="50" charset="-127"/>
-              </a:rPr>
-              <a:t>클릭시</a:t>
-            </a:r>
-            <a:r>
-              <a:rPr lang="ko-KR" altLang="en-US" sz="1700" dirty="0">
-                <a:latin typeface="나눔스퀘어 Light" panose="020B0600000101010101" pitchFamily="50" charset="-127"/>
-                <a:ea typeface="나눔스퀘어 Light" panose="020B0600000101010101" pitchFamily="50" charset="-127"/>
-              </a:rPr>
-              <a:t> </a:t>
-            </a:r>
-            <a:r>
-              <a:rPr lang="en-US" altLang="ko-KR" sz="1700" dirty="0">
-                <a:latin typeface="나눔스퀘어 Light" panose="020B0600000101010101" pitchFamily="50" charset="-127"/>
-                <a:ea typeface="나눔스퀘어 Light" panose="020B0600000101010101" pitchFamily="50" charset="-127"/>
-              </a:rPr>
-              <a:t>“</a:t>
-            </a:r>
-            <a:r>
-              <a:rPr lang="ko-KR" altLang="en-US" sz="1700" dirty="0" err="1">
-                <a:latin typeface="나눔스퀘어 Light" panose="020B0600000101010101" pitchFamily="50" charset="-127"/>
-                <a:ea typeface="나눔스퀘어 Light" panose="020B0600000101010101" pitchFamily="50" charset="-127"/>
-              </a:rPr>
-              <a:t>삐용</a:t>
-            </a:r>
-            <a:r>
-              <a:rPr lang="en-US" altLang="ko-KR" sz="1700" dirty="0">
-                <a:latin typeface="나눔스퀘어 Light" panose="020B0600000101010101" pitchFamily="50" charset="-127"/>
-                <a:ea typeface="나눔스퀘어 Light" panose="020B0600000101010101" pitchFamily="50" charset="-127"/>
-              </a:rPr>
-              <a:t>”</a:t>
-            </a:r>
-            <a:r>
-              <a:rPr lang="ko-KR" altLang="en-US" sz="1700" dirty="0">
-                <a:latin typeface="나눔스퀘어 Light" panose="020B0600000101010101" pitchFamily="50" charset="-127"/>
-                <a:ea typeface="나눔스퀘어 Light" panose="020B0600000101010101" pitchFamily="50" charset="-127"/>
-              </a:rPr>
-              <a:t>이란 효과음 부여</a:t>
-            </a:r>
-          </a:p>
-        </p:txBody>
-      </p:sp>
       <p:cxnSp>
         <p:nvCxnSpPr>
-          <p:cNvPr id="12" name="직선 연결선 11">
-            <a:extLst>
-              <a:ext uri="{FF2B5EF4-FFF2-40B4-BE49-F238E27FC236}">
-                <a16:creationId xmlns:a16="http://schemas.microsoft.com/office/drawing/2014/main" id="{40E453A2-AF43-4361-9F7C-02A94DF6A36E}"/>
+          <p:cNvPr id="10" name="직선 연결선 9">
+            <a:extLst>
+              <a:ext uri="{FF2B5EF4-FFF2-40B4-BE49-F238E27FC236}">
+                <a16:creationId xmlns:a16="http://schemas.microsoft.com/office/drawing/2014/main" id="{FF39D7EF-AF3F-4E0F-B66B-D2486CB8A9C0}"/>
               </a:ext>
             </a:extLst>
           </p:cNvPr>
@@ -7290,10 +7044,10 @@
       </p:cxnSp>
       <p:sp>
         <p:nvSpPr>
-          <p:cNvPr id="13" name="TextBox 12">
-            <a:extLst>
-              <a:ext uri="{FF2B5EF4-FFF2-40B4-BE49-F238E27FC236}">
-                <a16:creationId xmlns:a16="http://schemas.microsoft.com/office/drawing/2014/main" id="{06959907-94C7-44AD-860E-4059A0E1A930}"/>
+          <p:cNvPr id="12" name="TextBox 11">
+            <a:extLst>
+              <a:ext uri="{FF2B5EF4-FFF2-40B4-BE49-F238E27FC236}">
+                <a16:creationId xmlns:a16="http://schemas.microsoft.com/office/drawing/2014/main" id="{CE2045C1-B217-482A-B9AC-279EE95C1FF3}"/>
               </a:ext>
             </a:extLst>
           </p:cNvPr>
@@ -7379,10 +7133,10 @@
       </p:sp>
       <p:cxnSp>
         <p:nvCxnSpPr>
-          <p:cNvPr id="14" name="직선 연결선 13">
-            <a:extLst>
-              <a:ext uri="{FF2B5EF4-FFF2-40B4-BE49-F238E27FC236}">
-                <a16:creationId xmlns:a16="http://schemas.microsoft.com/office/drawing/2014/main" id="{35B1891E-AF07-4028-BCE8-DA2144F4F8F6}"/>
+          <p:cNvPr id="13" name="직선 연결선 12">
+            <a:extLst>
+              <a:ext uri="{FF2B5EF4-FFF2-40B4-BE49-F238E27FC236}">
+                <a16:creationId xmlns:a16="http://schemas.microsoft.com/office/drawing/2014/main" id="{43C9D508-2704-49FD-800C-7BC74D3B963B}"/>
               </a:ext>
             </a:extLst>
           </p:cNvPr>
@@ -7423,7 +7177,7 @@
     </p:spTree>
     <p:extLst>
       <p:ext uri="{BB962C8B-B14F-4D97-AF65-F5344CB8AC3E}">
-        <p14:creationId xmlns:p14="http://schemas.microsoft.com/office/powerpoint/2010/main" val="601869729"/>
+        <p14:creationId xmlns:p14="http://schemas.microsoft.com/office/powerpoint/2010/main" val="1748593336"/>
       </p:ext>
     </p:extLst>
   </p:cSld>
@@ -7476,7 +7230,7 @@
         </p:nvSpPr>
         <p:spPr>
           <a:xfrm>
-            <a:off x="276223" y="310773"/>
+            <a:off x="276223" y="267285"/>
             <a:ext cx="3496600" cy="553998"/>
           </a:xfrm>
           <a:prstGeom prst="rect">
@@ -7531,7 +7285,7 @@
         </p:nvSpPr>
         <p:spPr>
           <a:xfrm>
-            <a:off x="843778" y="960828"/>
+            <a:off x="872058" y="932606"/>
             <a:ext cx="3496600" cy="461665"/>
           </a:xfrm>
           <a:prstGeom prst="rect">
@@ -7546,14 +7300,14 @@
           <a:lstStyle/>
           <a:p>
             <a:r>
-              <a:rPr lang="en-US" altLang="ko-KR" sz="2400" spc="100" dirty="0">
+              <a:rPr lang="ko-KR" altLang="en-US" sz="2400" spc="100" dirty="0" err="1">
                 <a:solidFill>
                   <a:srgbClr val="44546A"/>
                 </a:solidFill>
                 <a:latin typeface="나눔스퀘어 Bold" panose="020B0600000101010101" pitchFamily="50" charset="-127"/>
                 <a:ea typeface="나눔스퀘어 Bold" panose="020B0600000101010101" pitchFamily="50" charset="-127"/>
               </a:rPr>
-              <a:t>UI </a:t>
+              <a:t>유스케이스</a:t>
             </a:r>
             <a:r>
               <a:rPr lang="ko-KR" altLang="en-US" sz="2400" spc="100" dirty="0">
@@ -7563,40 +7317,14 @@
                 <a:latin typeface="나눔스퀘어 Bold" panose="020B0600000101010101" pitchFamily="50" charset="-127"/>
                 <a:ea typeface="나눔스퀘어 Bold" panose="020B0600000101010101" pitchFamily="50" charset="-127"/>
               </a:rPr>
-              <a:t>명세서 </a:t>
-            </a:r>
-            <a:r>
-              <a:rPr lang="en-US" altLang="ko-KR" sz="2400" spc="100" dirty="0">
-                <a:solidFill>
-                  <a:srgbClr val="44546A"/>
-                </a:solidFill>
-                <a:latin typeface="나눔스퀘어 Bold" panose="020B0600000101010101" pitchFamily="50" charset="-127"/>
-                <a:ea typeface="나눔스퀘어 Bold" panose="020B0600000101010101" pitchFamily="50" charset="-127"/>
-              </a:rPr>
-              <a:t>– </a:t>
-            </a:r>
-            <a:r>
-              <a:rPr lang="ko-KR" altLang="en-US" sz="2400" spc="100" dirty="0">
-                <a:solidFill>
-                  <a:srgbClr val="44546A"/>
-                </a:solidFill>
-                <a:latin typeface="나눔스퀘어 Bold" panose="020B0600000101010101" pitchFamily="50" charset="-127"/>
-                <a:ea typeface="나눔스퀘어 Bold" panose="020B0600000101010101" pitchFamily="50" charset="-127"/>
-              </a:rPr>
-              <a:t>메인 화면</a:t>
+              <a:t> 다이어그램</a:t>
             </a:r>
           </a:p>
         </p:txBody>
       </p:sp>
       <p:pic>
         <p:nvPicPr>
-          <p:cNvPr id="5" name="그림 4">
-            <a:extLst>
-              <a:ext uri="{FF2B5EF4-FFF2-40B4-BE49-F238E27FC236}">
-                <a16:creationId xmlns:a16="http://schemas.microsoft.com/office/drawing/2014/main" id="{D59CD172-963E-4C71-BCD5-E0AE70DDE9C2}"/>
-              </a:ext>
-            </a:extLst>
-          </p:cNvPr>
+          <p:cNvPr id="2" name="그림 1"/>
           <p:cNvPicPr>
             <a:picLocks noChangeAspect="1"/>
           </p:cNvPicPr>
@@ -7610,8 +7338,8 @@
         </p:blipFill>
         <p:spPr>
           <a:xfrm>
-            <a:off x="1214954" y="1576819"/>
-            <a:ext cx="9762093" cy="4931997"/>
+            <a:off x="3412503" y="1394272"/>
+            <a:ext cx="5544527" cy="5294210"/>
           </a:xfrm>
           <a:prstGeom prst="rect">
             <a:avLst/>
@@ -7623,7 +7351,7 @@
           <p:cNvPr id="10" name="직선 연결선 9">
             <a:extLst>
               <a:ext uri="{FF2B5EF4-FFF2-40B4-BE49-F238E27FC236}">
-                <a16:creationId xmlns:a16="http://schemas.microsoft.com/office/drawing/2014/main" id="{F89719A5-D99E-4C83-95F9-1CD9F261D1F3}"/>
+                <a16:creationId xmlns:a16="http://schemas.microsoft.com/office/drawing/2014/main" id="{01682371-E2C4-433F-A91D-909FE77C4BC5}"/>
               </a:ext>
             </a:extLst>
           </p:cNvPr>
@@ -7666,7 +7394,7 @@
           <p:cNvPr id="12" name="TextBox 11">
             <a:extLst>
               <a:ext uri="{FF2B5EF4-FFF2-40B4-BE49-F238E27FC236}">
-                <a16:creationId xmlns:a16="http://schemas.microsoft.com/office/drawing/2014/main" id="{F5471194-96BF-4C99-B771-29163A16F8A9}"/>
+                <a16:creationId xmlns:a16="http://schemas.microsoft.com/office/drawing/2014/main" id="{525CC816-9742-4A50-99E8-2B86369B2B26}"/>
               </a:ext>
             </a:extLst>
           </p:cNvPr>
@@ -7755,7 +7483,7 @@
           <p:cNvPr id="13" name="직선 연결선 12">
             <a:extLst>
               <a:ext uri="{FF2B5EF4-FFF2-40B4-BE49-F238E27FC236}">
-                <a16:creationId xmlns:a16="http://schemas.microsoft.com/office/drawing/2014/main" id="{A8BA66C4-579D-4B7A-B3A1-5A8CE2E9FB25}"/>
+                <a16:creationId xmlns:a16="http://schemas.microsoft.com/office/drawing/2014/main" id="{BEA2BF4D-B552-4FB5-81E6-E9175845A331}"/>
               </a:ext>
             </a:extLst>
           </p:cNvPr>
@@ -7796,7 +7524,7 @@
     </p:spTree>
     <p:extLst>
       <p:ext uri="{BB962C8B-B14F-4D97-AF65-F5344CB8AC3E}">
-        <p14:creationId xmlns:p14="http://schemas.microsoft.com/office/powerpoint/2010/main" val="3850070576"/>
+        <p14:creationId xmlns:p14="http://schemas.microsoft.com/office/powerpoint/2010/main" val="3758882484"/>
       </p:ext>
     </p:extLst>
   </p:cSld>
@@ -7904,7 +7632,7 @@
         </p:nvSpPr>
         <p:spPr>
           <a:xfrm>
-            <a:off x="749510" y="910937"/>
+            <a:off x="815498" y="1003270"/>
             <a:ext cx="3496600" cy="461665"/>
           </a:xfrm>
           <a:prstGeom prst="rect">
@@ -7956,7 +7684,7 @@
                 <a:latin typeface="나눔스퀘어 Bold" panose="020B0600000101010101" pitchFamily="50" charset="-127"/>
                 <a:ea typeface="나눔스퀘어 Bold" panose="020B0600000101010101" pitchFamily="50" charset="-127"/>
               </a:rPr>
-              <a:t>방 목록 화면</a:t>
+              <a:t>메인 화면</a:t>
             </a:r>
           </a:p>
         </p:txBody>
@@ -7966,7 +7694,7 @@
           <p:cNvPr id="4" name="그림 3">
             <a:extLst>
               <a:ext uri="{FF2B5EF4-FFF2-40B4-BE49-F238E27FC236}">
-                <a16:creationId xmlns:a16="http://schemas.microsoft.com/office/drawing/2014/main" id="{9C341ECA-70F8-43BC-BCCA-DAAF906AA593}"/>
+                <a16:creationId xmlns:a16="http://schemas.microsoft.com/office/drawing/2014/main" id="{245590EC-306A-4006-A64D-4637067A4633}"/>
               </a:ext>
             </a:extLst>
           </p:cNvPr>
@@ -7983,20 +7711,232 @@
         </p:blipFill>
         <p:spPr>
           <a:xfrm>
-            <a:off x="1875836" y="1418769"/>
-            <a:ext cx="8440328" cy="5220429"/>
+            <a:off x="740083" y="1603435"/>
+            <a:ext cx="8193447" cy="4908645"/>
           </a:xfrm>
           <a:prstGeom prst="rect">
             <a:avLst/>
           </a:prstGeom>
         </p:spPr>
       </p:pic>
+      <p:pic>
+        <p:nvPicPr>
+          <p:cNvPr id="7" name="그림 6">
+            <a:extLst>
+              <a:ext uri="{FF2B5EF4-FFF2-40B4-BE49-F238E27FC236}">
+                <a16:creationId xmlns:a16="http://schemas.microsoft.com/office/drawing/2014/main" id="{7502D650-AF8F-4F79-B59A-7FE266F47070}"/>
+              </a:ext>
+            </a:extLst>
+          </p:cNvPr>
+          <p:cNvPicPr>
+            <a:picLocks noChangeAspect="1"/>
+          </p:cNvPicPr>
+          <p:nvPr/>
+        </p:nvPicPr>
+        <p:blipFill rotWithShape="1">
+          <a:blip r:embed="rId3"/>
+          <a:srcRect b="23700"/>
+          <a:stretch/>
+        </p:blipFill>
+        <p:spPr>
+          <a:xfrm>
+            <a:off x="7907319" y="3056529"/>
+            <a:ext cx="3762900" cy="1817129"/>
+          </a:xfrm>
+          <a:prstGeom prst="rect">
+            <a:avLst/>
+          </a:prstGeom>
+        </p:spPr>
+      </p:pic>
+      <p:sp>
+        <p:nvSpPr>
+          <p:cNvPr id="16" name="사다리꼴 15">
+            <a:extLst>
+              <a:ext uri="{FF2B5EF4-FFF2-40B4-BE49-F238E27FC236}">
+                <a16:creationId xmlns:a16="http://schemas.microsoft.com/office/drawing/2014/main" id="{FD66CF5E-6E4D-4F17-98B3-E3DEBCBADF36}"/>
+              </a:ext>
+            </a:extLst>
+          </p:cNvPr>
+          <p:cNvSpPr/>
+          <p:nvPr/>
+        </p:nvSpPr>
+        <p:spPr>
+          <a:xfrm rot="16200000">
+            <a:off x="6318373" y="2953848"/>
+            <a:ext cx="1548179" cy="1992924"/>
+          </a:xfrm>
+          <a:prstGeom prst="trapezoid">
+            <a:avLst>
+              <a:gd name="adj" fmla="val 30502"/>
+            </a:avLst>
+          </a:prstGeom>
+          <a:solidFill>
+            <a:schemeClr val="bg1"/>
+          </a:solidFill>
+          <a:ln w="19050">
+            <a:solidFill>
+              <a:srgbClr val="000000"/>
+            </a:solidFill>
+          </a:ln>
+        </p:spPr>
+        <p:style>
+          <a:lnRef idx="2">
+            <a:schemeClr val="accent1">
+              <a:shade val="50000"/>
+            </a:schemeClr>
+          </a:lnRef>
+          <a:fillRef idx="1">
+            <a:schemeClr val="accent1"/>
+          </a:fillRef>
+          <a:effectRef idx="0">
+            <a:schemeClr val="accent1"/>
+          </a:effectRef>
+          <a:fontRef idx="minor">
+            <a:schemeClr val="lt1"/>
+          </a:fontRef>
+        </p:style>
+        <p:txBody>
+          <a:bodyPr rtlCol="0" anchor="ctr"/>
+          <a:lstStyle/>
+          <a:p>
+            <a:pPr algn="ctr"/>
+            <a:endParaRPr lang="ko-KR" altLang="en-US"/>
+          </a:p>
+        </p:txBody>
+      </p:sp>
+      <p:sp>
+        <p:nvSpPr>
+          <p:cNvPr id="17" name="TextBox 16">
+            <a:extLst>
+              <a:ext uri="{FF2B5EF4-FFF2-40B4-BE49-F238E27FC236}">
+                <a16:creationId xmlns:a16="http://schemas.microsoft.com/office/drawing/2014/main" id="{B537775D-13BF-411A-BD7F-7E60A50D2C54}"/>
+              </a:ext>
+            </a:extLst>
+          </p:cNvPr>
+          <p:cNvSpPr txBox="1"/>
+          <p:nvPr/>
+        </p:nvSpPr>
+        <p:spPr>
+          <a:xfrm>
+            <a:off x="6709721" y="3765644"/>
+            <a:ext cx="1082348" cy="369332"/>
+          </a:xfrm>
+          <a:prstGeom prst="rect">
+            <a:avLst/>
+          </a:prstGeom>
+          <a:noFill/>
+        </p:spPr>
+        <p:txBody>
+          <a:bodyPr wrap="none" rtlCol="0">
+            <a:spAutoFit/>
+          </a:bodyPr>
+          <a:lstStyle/>
+          <a:p>
+            <a:r>
+              <a:rPr lang="ko-KR" altLang="en-US" dirty="0" err="1">
+                <a:latin typeface="나눔스퀘어 Light" panose="020B0600000101010101" pitchFamily="50" charset="-127"/>
+                <a:ea typeface="나눔스퀘어 Light" panose="020B0600000101010101" pitchFamily="50" charset="-127"/>
+              </a:rPr>
+              <a:t>팝업창</a:t>
+            </a:r>
+            <a:r>
+              <a:rPr lang="ko-KR" altLang="en-US" dirty="0">
+                <a:latin typeface="나눔스퀘어 Light" panose="020B0600000101010101" pitchFamily="50" charset="-127"/>
+                <a:ea typeface="나눔스퀘어 Light" panose="020B0600000101010101" pitchFamily="50" charset="-127"/>
+              </a:rPr>
+              <a:t> →</a:t>
+            </a:r>
+          </a:p>
+        </p:txBody>
+      </p:sp>
+      <p:sp>
+        <p:nvSpPr>
+          <p:cNvPr id="18" name="TextBox 17">
+            <a:extLst>
+              <a:ext uri="{FF2B5EF4-FFF2-40B4-BE49-F238E27FC236}">
+                <a16:creationId xmlns:a16="http://schemas.microsoft.com/office/drawing/2014/main" id="{1EF38C5D-8CA8-49F4-B680-D399333A0A62}"/>
+              </a:ext>
+            </a:extLst>
+          </p:cNvPr>
+          <p:cNvSpPr txBox="1"/>
+          <p:nvPr/>
+        </p:nvSpPr>
+        <p:spPr>
+          <a:xfrm>
+            <a:off x="7938332" y="4816377"/>
+            <a:ext cx="3791423" cy="353943"/>
+          </a:xfrm>
+          <a:prstGeom prst="rect">
+            <a:avLst/>
+          </a:prstGeom>
+          <a:solidFill>
+            <a:schemeClr val="bg1"/>
+          </a:solidFill>
+        </p:spPr>
+        <p:txBody>
+          <a:bodyPr wrap="none" rtlCol="0">
+            <a:spAutoFit/>
+          </a:bodyPr>
+          <a:lstStyle/>
+          <a:p>
+            <a:r>
+              <a:rPr lang="ko-KR" altLang="en-US" sz="1700" dirty="0">
+                <a:latin typeface="나눔스퀘어 Light" panose="020B0600000101010101" pitchFamily="50" charset="-127"/>
+                <a:ea typeface="나눔스퀘어 Light" panose="020B0600000101010101" pitchFamily="50" charset="-127"/>
+              </a:rPr>
+              <a:t>모든 버튼 </a:t>
+            </a:r>
+            <a:r>
+              <a:rPr lang="ko-KR" altLang="en-US" sz="1700" dirty="0" err="1">
+                <a:latin typeface="나눔스퀘어 Light" panose="020B0600000101010101" pitchFamily="50" charset="-127"/>
+                <a:ea typeface="나눔스퀘어 Light" panose="020B0600000101010101" pitchFamily="50" charset="-127"/>
+              </a:rPr>
+              <a:t>클릭시</a:t>
+            </a:r>
+            <a:r>
+              <a:rPr lang="ko-KR" altLang="en-US" sz="1700" dirty="0">
+                <a:latin typeface="나눔스퀘어 Light" panose="020B0600000101010101" pitchFamily="50" charset="-127"/>
+                <a:ea typeface="나눔스퀘어 Light" panose="020B0600000101010101" pitchFamily="50" charset="-127"/>
+              </a:rPr>
+              <a:t> </a:t>
+            </a:r>
+            <a:r>
+              <a:rPr lang="en-US" altLang="ko-KR" sz="1700" dirty="0">
+                <a:latin typeface="나눔스퀘어 Light" panose="020B0600000101010101" pitchFamily="50" charset="-127"/>
+                <a:ea typeface="나눔스퀘어 Light" panose="020B0600000101010101" pitchFamily="50" charset="-127"/>
+              </a:rPr>
+              <a:t>“</a:t>
+            </a:r>
+            <a:r>
+              <a:rPr lang="ko-KR" altLang="en-US" sz="1700" dirty="0" err="1">
+                <a:latin typeface="나눔스퀘어 Light" panose="020B0600000101010101" pitchFamily="50" charset="-127"/>
+                <a:ea typeface="나눔스퀘어 Light" panose="020B0600000101010101" pitchFamily="50" charset="-127"/>
+              </a:rPr>
+              <a:t>삐용</a:t>
+            </a:r>
+            <a:r>
+              <a:rPr lang="en-US" altLang="ko-KR" sz="1700" dirty="0">
+                <a:latin typeface="나눔스퀘어 Light" panose="020B0600000101010101" pitchFamily="50" charset="-127"/>
+                <a:ea typeface="나눔스퀘어 Light" panose="020B0600000101010101" pitchFamily="50" charset="-127"/>
+              </a:rPr>
+              <a:t>”</a:t>
+            </a:r>
+            <a:r>
+              <a:rPr lang="ko-KR" altLang="en-US" sz="1700" dirty="0">
+                <a:latin typeface="나눔스퀘어 Light" panose="020B0600000101010101" pitchFamily="50" charset="-127"/>
+                <a:ea typeface="나눔스퀘어 Light" panose="020B0600000101010101" pitchFamily="50" charset="-127"/>
+              </a:rPr>
+              <a:t>이란 효과음 부여</a:t>
+            </a:r>
+          </a:p>
+        </p:txBody>
+      </p:sp>
       <p:cxnSp>
         <p:nvCxnSpPr>
-          <p:cNvPr id="10" name="직선 연결선 9">
-            <a:extLst>
-              <a:ext uri="{FF2B5EF4-FFF2-40B4-BE49-F238E27FC236}">
-                <a16:creationId xmlns:a16="http://schemas.microsoft.com/office/drawing/2014/main" id="{604AB684-6E67-4ABA-8634-8E3F9D83E4B3}"/>
+          <p:cNvPr id="12" name="직선 연결선 11">
+            <a:extLst>
+              <a:ext uri="{FF2B5EF4-FFF2-40B4-BE49-F238E27FC236}">
+                <a16:creationId xmlns:a16="http://schemas.microsoft.com/office/drawing/2014/main" id="{40E453A2-AF43-4361-9F7C-02A94DF6A36E}"/>
               </a:ext>
             </a:extLst>
           </p:cNvPr>
@@ -8036,10 +7976,10 @@
       </p:cxnSp>
       <p:sp>
         <p:nvSpPr>
-          <p:cNvPr id="12" name="TextBox 11">
-            <a:extLst>
-              <a:ext uri="{FF2B5EF4-FFF2-40B4-BE49-F238E27FC236}">
-                <a16:creationId xmlns:a16="http://schemas.microsoft.com/office/drawing/2014/main" id="{D67F9376-FDF9-4F33-8E8C-879B9BFD054E}"/>
+          <p:cNvPr id="13" name="TextBox 12">
+            <a:extLst>
+              <a:ext uri="{FF2B5EF4-FFF2-40B4-BE49-F238E27FC236}">
+                <a16:creationId xmlns:a16="http://schemas.microsoft.com/office/drawing/2014/main" id="{06959907-94C7-44AD-860E-4059A0E1A930}"/>
               </a:ext>
             </a:extLst>
           </p:cNvPr>
@@ -8125,10 +8065,10 @@
       </p:sp>
       <p:cxnSp>
         <p:nvCxnSpPr>
-          <p:cNvPr id="13" name="직선 연결선 12">
-            <a:extLst>
-              <a:ext uri="{FF2B5EF4-FFF2-40B4-BE49-F238E27FC236}">
-                <a16:creationId xmlns:a16="http://schemas.microsoft.com/office/drawing/2014/main" id="{D2BF9A12-CC03-4D9E-84E0-8E099CE00421}"/>
+          <p:cNvPr id="14" name="직선 연결선 13">
+            <a:extLst>
+              <a:ext uri="{FF2B5EF4-FFF2-40B4-BE49-F238E27FC236}">
+                <a16:creationId xmlns:a16="http://schemas.microsoft.com/office/drawing/2014/main" id="{35B1891E-AF07-4028-BCE8-DA2144F4F8F6}"/>
               </a:ext>
             </a:extLst>
           </p:cNvPr>
@@ -8169,7 +8109,7 @@
     </p:spTree>
     <p:extLst>
       <p:ext uri="{BB962C8B-B14F-4D97-AF65-F5344CB8AC3E}">
-        <p14:creationId xmlns:p14="http://schemas.microsoft.com/office/powerpoint/2010/main" val="3111219138"/>
+        <p14:creationId xmlns:p14="http://schemas.microsoft.com/office/powerpoint/2010/main" val="601869729"/>
       </p:ext>
     </p:extLst>
   </p:cSld>
@@ -8277,7 +8217,7 @@
         </p:nvSpPr>
         <p:spPr>
           <a:xfrm>
-            <a:off x="853204" y="910937"/>
+            <a:off x="843778" y="960828"/>
             <a:ext cx="3496600" cy="461665"/>
           </a:xfrm>
           <a:prstGeom prst="rect">
@@ -8329,7 +8269,7 @@
                 <a:latin typeface="나눔스퀘어 Bold" panose="020B0600000101010101" pitchFamily="50" charset="-127"/>
                 <a:ea typeface="나눔스퀘어 Bold" panose="020B0600000101010101" pitchFamily="50" charset="-127"/>
               </a:rPr>
-              <a:t>플레이 화면</a:t>
+              <a:t>메인 화면</a:t>
             </a:r>
           </a:p>
         </p:txBody>
@@ -8339,7 +8279,7 @@
           <p:cNvPr id="5" name="그림 4">
             <a:extLst>
               <a:ext uri="{FF2B5EF4-FFF2-40B4-BE49-F238E27FC236}">
-                <a16:creationId xmlns:a16="http://schemas.microsoft.com/office/drawing/2014/main" id="{9DCB0E76-4232-42FB-A512-9810F919DA23}"/>
+                <a16:creationId xmlns:a16="http://schemas.microsoft.com/office/drawing/2014/main" id="{D59CD172-963E-4C71-BCD5-E0AE70DDE9C2}"/>
               </a:ext>
             </a:extLst>
           </p:cNvPr>
@@ -8356,8 +8296,8 @@
         </p:blipFill>
         <p:spPr>
           <a:xfrm>
-            <a:off x="2218784" y="1418769"/>
-            <a:ext cx="7754432" cy="5229955"/>
+            <a:off x="1214954" y="1576819"/>
+            <a:ext cx="9762093" cy="4931997"/>
           </a:xfrm>
           <a:prstGeom prst="rect">
             <a:avLst/>
@@ -8369,7 +8309,7 @@
           <p:cNvPr id="10" name="직선 연결선 9">
             <a:extLst>
               <a:ext uri="{FF2B5EF4-FFF2-40B4-BE49-F238E27FC236}">
-                <a16:creationId xmlns:a16="http://schemas.microsoft.com/office/drawing/2014/main" id="{E1130416-0368-4745-8DD4-3A5AE926A0F9}"/>
+                <a16:creationId xmlns:a16="http://schemas.microsoft.com/office/drawing/2014/main" id="{F89719A5-D99E-4C83-95F9-1CD9F261D1F3}"/>
               </a:ext>
             </a:extLst>
           </p:cNvPr>
@@ -8412,7 +8352,7 @@
           <p:cNvPr id="12" name="TextBox 11">
             <a:extLst>
               <a:ext uri="{FF2B5EF4-FFF2-40B4-BE49-F238E27FC236}">
-                <a16:creationId xmlns:a16="http://schemas.microsoft.com/office/drawing/2014/main" id="{0498AB07-6098-44CE-BBD6-B76115B7BBCA}"/>
+                <a16:creationId xmlns:a16="http://schemas.microsoft.com/office/drawing/2014/main" id="{F5471194-96BF-4C99-B771-29163A16F8A9}"/>
               </a:ext>
             </a:extLst>
           </p:cNvPr>
@@ -8501,7 +8441,7 @@
           <p:cNvPr id="13" name="직선 연결선 12">
             <a:extLst>
               <a:ext uri="{FF2B5EF4-FFF2-40B4-BE49-F238E27FC236}">
-                <a16:creationId xmlns:a16="http://schemas.microsoft.com/office/drawing/2014/main" id="{AF72E568-9DBE-4990-A1FE-4C32BF016243}"/>
+                <a16:creationId xmlns:a16="http://schemas.microsoft.com/office/drawing/2014/main" id="{A8BA66C4-579D-4B7A-B3A1-5A8CE2E9FB25}"/>
               </a:ext>
             </a:extLst>
           </p:cNvPr>
@@ -8542,7 +8482,7 @@
     </p:spTree>
     <p:extLst>
       <p:ext uri="{BB962C8B-B14F-4D97-AF65-F5344CB8AC3E}">
-        <p14:creationId xmlns:p14="http://schemas.microsoft.com/office/powerpoint/2010/main" val="3437259499"/>
+        <p14:creationId xmlns:p14="http://schemas.microsoft.com/office/powerpoint/2010/main" val="3850070576"/>
       </p:ext>
     </p:extLst>
   </p:cSld>
@@ -8619,7 +8559,7 @@
                 <a:latin typeface="나눔스퀘어 ExtraBold" panose="020B0600000101010101" pitchFamily="50" charset="-127"/>
                 <a:ea typeface="나눔스퀘어 ExtraBold" panose="020B0600000101010101" pitchFamily="50" charset="-127"/>
               </a:rPr>
-              <a:t>Ⅲ. </a:t>
+              <a:t>Ⅱ. </a:t>
             </a:r>
             <a:r>
               <a:rPr lang="ko-KR" altLang="en-US" sz="3000" spc="100" dirty="0">
@@ -8631,7 +8571,7 @@
                 <a:latin typeface="나눔스퀘어 ExtraBold" panose="020B0600000101010101" pitchFamily="50" charset="-127"/>
                 <a:ea typeface="나눔스퀘어 ExtraBold" panose="020B0600000101010101" pitchFamily="50" charset="-127"/>
               </a:rPr>
-              <a:t>구현 기술</a:t>
+              <a:t>프로그램 개요</a:t>
             </a:r>
           </a:p>
         </p:txBody>
@@ -8650,8 +8590,8 @@
         </p:nvSpPr>
         <p:spPr>
           <a:xfrm>
-            <a:off x="748269" y="1225860"/>
-            <a:ext cx="3603317" cy="461665"/>
+            <a:off x="749510" y="910937"/>
+            <a:ext cx="3496600" cy="461665"/>
           </a:xfrm>
           <a:prstGeom prst="rect">
             <a:avLst/>
@@ -8665,478 +8605,84 @@
           <a:lstStyle/>
           <a:p>
             <a:r>
-              <a:rPr lang="ko-KR" altLang="en-US" sz="2400" spc="100" dirty="0">
+              <a:rPr lang="en-US" altLang="ko-KR" sz="2400" spc="100" dirty="0">
                 <a:solidFill>
                   <a:srgbClr val="44546A"/>
                 </a:solidFill>
                 <a:latin typeface="나눔스퀘어 Bold" panose="020B0600000101010101" pitchFamily="50" charset="-127"/>
                 <a:ea typeface="나눔스퀘어 Bold" panose="020B0600000101010101" pitchFamily="50" charset="-127"/>
               </a:rPr>
-              <a:t>사용 툴 </a:t>
-            </a:r>
-            <a:r>
-              <a:rPr lang="en-US" altLang="ko-KR" sz="2400" spc="100" dirty="0">
+              <a:t>UI </a:t>
+            </a:r>
+            <a:r>
+              <a:rPr lang="ko-KR" altLang="en-US" sz="2400" spc="100" dirty="0">
                 <a:solidFill>
                   <a:srgbClr val="44546A"/>
                 </a:solidFill>
                 <a:latin typeface="나눔스퀘어 Bold" panose="020B0600000101010101" pitchFamily="50" charset="-127"/>
                 <a:ea typeface="나눔스퀘어 Bold" panose="020B0600000101010101" pitchFamily="50" charset="-127"/>
               </a:rPr>
-              <a:t>– </a:t>
-            </a:r>
-            <a:r>
-              <a:rPr lang="ko-KR" altLang="en-US" sz="2400" spc="100" dirty="0">
+              <a:t>명세서 </a:t>
+            </a:r>
+            <a:r>
+              <a:rPr lang="en-US" altLang="ko-KR" sz="2400" spc="100" dirty="0">
                 <a:solidFill>
                   <a:srgbClr val="44546A"/>
                 </a:solidFill>
                 <a:latin typeface="나눔스퀘어 Bold" panose="020B0600000101010101" pitchFamily="50" charset="-127"/>
                 <a:ea typeface="나눔스퀘어 Bold" panose="020B0600000101010101" pitchFamily="50" charset="-127"/>
               </a:rPr>
-              <a:t>인터넷 브라우저</a:t>
-            </a:r>
-          </a:p>
-        </p:txBody>
-      </p:sp>
-      <p:sp>
-        <p:nvSpPr>
-          <p:cNvPr id="10" name="사각형: 둥근 모서리 9">
-            <a:extLst>
-              <a:ext uri="{FF2B5EF4-FFF2-40B4-BE49-F238E27FC236}">
-                <a16:creationId xmlns:a16="http://schemas.microsoft.com/office/drawing/2014/main" id="{A16FBEF5-3F78-4827-8063-7CEC6B517BC6}"/>
-              </a:ext>
-            </a:extLst>
-          </p:cNvPr>
-          <p:cNvSpPr/>
-          <p:nvPr/>
-        </p:nvSpPr>
-        <p:spPr>
-          <a:xfrm>
-            <a:off x="748269" y="2307101"/>
-            <a:ext cx="3024554" cy="3024554"/>
-          </a:xfrm>
-          <a:prstGeom prst="roundRect">
-            <a:avLst/>
-          </a:prstGeom>
-          <a:solidFill>
-            <a:schemeClr val="tx2">
-              <a:lumMod val="20000"/>
-              <a:lumOff val="80000"/>
-              <a:alpha val="69000"/>
-            </a:schemeClr>
-          </a:solidFill>
-          <a:ln>
-            <a:noFill/>
-          </a:ln>
-        </p:spPr>
-        <p:style>
-          <a:lnRef idx="2">
-            <a:schemeClr val="accent1">
-              <a:shade val="50000"/>
-            </a:schemeClr>
-          </a:lnRef>
-          <a:fillRef idx="1">
-            <a:schemeClr val="accent1"/>
-          </a:fillRef>
-          <a:effectRef idx="0">
-            <a:schemeClr val="accent1"/>
-          </a:effectRef>
-          <a:fontRef idx="minor">
-            <a:schemeClr val="lt1"/>
-          </a:fontRef>
-        </p:style>
-        <p:txBody>
-          <a:bodyPr rtlCol="0" anchor="ctr"/>
-          <a:lstStyle/>
-          <a:p>
-            <a:pPr algn="ctr"/>
-            <a:endParaRPr lang="ko-KR" altLang="en-US"/>
-          </a:p>
-        </p:txBody>
-      </p:sp>
-      <p:sp>
-        <p:nvSpPr>
-          <p:cNvPr id="12" name="사각형: 둥근 모서리 11">
-            <a:extLst>
-              <a:ext uri="{FF2B5EF4-FFF2-40B4-BE49-F238E27FC236}">
-                <a16:creationId xmlns:a16="http://schemas.microsoft.com/office/drawing/2014/main" id="{7FB0628A-FE25-4DA9-B334-14448B55685C}"/>
-              </a:ext>
-            </a:extLst>
-          </p:cNvPr>
-          <p:cNvSpPr/>
-          <p:nvPr/>
-        </p:nvSpPr>
-        <p:spPr>
-          <a:xfrm>
-            <a:off x="8419177" y="2307101"/>
-            <a:ext cx="3024554" cy="3024554"/>
-          </a:xfrm>
-          <a:prstGeom prst="roundRect">
-            <a:avLst/>
-          </a:prstGeom>
-          <a:solidFill>
-            <a:schemeClr val="accent1">
-              <a:lumMod val="60000"/>
-              <a:lumOff val="40000"/>
-              <a:alpha val="69000"/>
-            </a:schemeClr>
-          </a:solidFill>
-          <a:ln>
-            <a:noFill/>
-          </a:ln>
-        </p:spPr>
-        <p:style>
-          <a:lnRef idx="2">
-            <a:schemeClr val="accent1">
-              <a:shade val="50000"/>
-            </a:schemeClr>
-          </a:lnRef>
-          <a:fillRef idx="1">
-            <a:schemeClr val="accent1"/>
-          </a:fillRef>
-          <a:effectRef idx="0">
-            <a:schemeClr val="accent1"/>
-          </a:effectRef>
-          <a:fontRef idx="minor">
-            <a:schemeClr val="lt1"/>
-          </a:fontRef>
-        </p:style>
-        <p:txBody>
-          <a:bodyPr rtlCol="0" anchor="ctr"/>
-          <a:lstStyle/>
-          <a:p>
-            <a:pPr algn="ctr"/>
-            <a:endParaRPr lang="ko-KR" altLang="en-US"/>
-          </a:p>
-        </p:txBody>
-      </p:sp>
-      <p:sp>
-        <p:nvSpPr>
-          <p:cNvPr id="13" name="사각형: 둥근 모서리 12">
-            <a:extLst>
-              <a:ext uri="{FF2B5EF4-FFF2-40B4-BE49-F238E27FC236}">
-                <a16:creationId xmlns:a16="http://schemas.microsoft.com/office/drawing/2014/main" id="{4D258816-5E1E-4FC7-8BF4-B46409CD415D}"/>
-              </a:ext>
-            </a:extLst>
-          </p:cNvPr>
-          <p:cNvSpPr/>
-          <p:nvPr/>
-        </p:nvSpPr>
-        <p:spPr>
-          <a:xfrm>
-            <a:off x="4583723" y="2307101"/>
-            <a:ext cx="3024554" cy="3024554"/>
-          </a:xfrm>
-          <a:prstGeom prst="roundRect">
-            <a:avLst/>
-          </a:prstGeom>
-          <a:solidFill>
-            <a:schemeClr val="accent1">
-              <a:lumMod val="40000"/>
-              <a:lumOff val="60000"/>
-              <a:alpha val="71000"/>
-            </a:schemeClr>
-          </a:solidFill>
-          <a:ln>
-            <a:noFill/>
-          </a:ln>
-        </p:spPr>
-        <p:style>
-          <a:lnRef idx="2">
-            <a:schemeClr val="accent1">
-              <a:shade val="50000"/>
-            </a:schemeClr>
-          </a:lnRef>
-          <a:fillRef idx="1">
-            <a:schemeClr val="accent1"/>
-          </a:fillRef>
-          <a:effectRef idx="0">
-            <a:schemeClr val="accent1"/>
-          </a:effectRef>
-          <a:fontRef idx="minor">
-            <a:schemeClr val="lt1"/>
-          </a:fontRef>
-        </p:style>
-        <p:txBody>
-          <a:bodyPr rtlCol="0" anchor="ctr"/>
-          <a:lstStyle/>
-          <a:p>
-            <a:pPr algn="ctr"/>
-            <a:endParaRPr lang="ko-KR" altLang="en-US"/>
+              <a:t>– </a:t>
+            </a:r>
+            <a:r>
+              <a:rPr lang="ko-KR" altLang="en-US" sz="2400" spc="100" dirty="0">
+                <a:solidFill>
+                  <a:srgbClr val="44546A"/>
+                </a:solidFill>
+                <a:latin typeface="나눔스퀘어 Bold" panose="020B0600000101010101" pitchFamily="50" charset="-127"/>
+                <a:ea typeface="나눔스퀘어 Bold" panose="020B0600000101010101" pitchFamily="50" charset="-127"/>
+              </a:rPr>
+              <a:t>방 목록 화면</a:t>
+            </a:r>
           </a:p>
         </p:txBody>
       </p:sp>
       <p:pic>
         <p:nvPicPr>
-          <p:cNvPr id="1026" name="Picture 2" descr="Microsoft Edge 웹 브라우저 다운로드 | Microsoft">
-            <a:extLst>
-              <a:ext uri="{FF2B5EF4-FFF2-40B4-BE49-F238E27FC236}">
-                <a16:creationId xmlns:a16="http://schemas.microsoft.com/office/drawing/2014/main" id="{317427C1-2C60-4ED7-B817-B1779499CFC0}"/>
+          <p:cNvPr id="4" name="그림 3">
+            <a:extLst>
+              <a:ext uri="{FF2B5EF4-FFF2-40B4-BE49-F238E27FC236}">
+                <a16:creationId xmlns:a16="http://schemas.microsoft.com/office/drawing/2014/main" id="{9C341ECA-70F8-43BC-BCCA-DAAF906AA593}"/>
               </a:ext>
             </a:extLst>
           </p:cNvPr>
           <p:cNvPicPr>
-            <a:picLocks noChangeAspect="1" noChangeArrowheads="1"/>
-          </p:cNvPicPr>
-          <p:nvPr/>
-        </p:nvPicPr>
-        <p:blipFill rotWithShape="1">
-          <a:blip r:embed="rId2">
-            <a:extLst>
-              <a:ext uri="{28A0092B-C50C-407E-A947-70E740481C1C}">
-                <a14:useLocalDpi xmlns:a14="http://schemas.microsoft.com/office/drawing/2010/main" val="0"/>
-              </a:ext>
-            </a:extLst>
-          </a:blip>
-          <a:srcRect l="14174" t="7025" r="13152" b="7066"/>
-          <a:stretch/>
-        </p:blipFill>
-        <p:spPr bwMode="auto">
-          <a:xfrm>
-            <a:off x="1546170" y="2889215"/>
-            <a:ext cx="1446815" cy="1440000"/>
-          </a:xfrm>
-          <a:prstGeom prst="rect">
-            <a:avLst/>
-          </a:prstGeom>
-          <a:noFill/>
-          <a:extLst>
-            <a:ext uri="{909E8E84-426E-40DD-AFC4-6F175D3DCCD1}">
-              <a14:hiddenFill xmlns:a14="http://schemas.microsoft.com/office/drawing/2010/main">
-                <a:solidFill>
-                  <a:srgbClr val="FFFFFF"/>
-                </a:solidFill>
-              </a14:hiddenFill>
-            </a:ext>
-          </a:extLst>
-        </p:spPr>
-      </p:pic>
-      <p:pic>
-        <p:nvPicPr>
-          <p:cNvPr id="1030" name="Picture 6" descr="Google Chrome Portable을 위한 Windows - Uptodown에서 무료로 다운로드하세요">
-            <a:extLst>
-              <a:ext uri="{FF2B5EF4-FFF2-40B4-BE49-F238E27FC236}">
-                <a16:creationId xmlns:a16="http://schemas.microsoft.com/office/drawing/2014/main" id="{F9C446E9-E131-4CAD-A6D3-E391232AF86A}"/>
-              </a:ext>
-            </a:extLst>
-          </p:cNvPr>
-          <p:cNvPicPr>
-            <a:picLocks noChangeAspect="1" noChangeArrowheads="1"/>
-          </p:cNvPicPr>
-          <p:nvPr/>
-        </p:nvPicPr>
-        <p:blipFill rotWithShape="1">
-          <a:blip r:embed="rId3">
-            <a:extLst>
-              <a:ext uri="{28A0092B-C50C-407E-A947-70E740481C1C}">
-                <a14:useLocalDpi xmlns:a14="http://schemas.microsoft.com/office/drawing/2010/main" val="0"/>
-              </a:ext>
-            </a:extLst>
-          </a:blip>
-          <a:srcRect l="4500" t="4500" r="4500" b="4500"/>
-          <a:stretch/>
-        </p:blipFill>
-        <p:spPr bwMode="auto">
-          <a:xfrm>
-            <a:off x="5385032" y="2889215"/>
-            <a:ext cx="1440000" cy="1440000"/>
-          </a:xfrm>
-          <a:prstGeom prst="ellipse">
-            <a:avLst/>
-          </a:prstGeom>
-          <a:noFill/>
-          <a:extLst>
-            <a:ext uri="{909E8E84-426E-40DD-AFC4-6F175D3DCCD1}">
-              <a14:hiddenFill xmlns:a14="http://schemas.microsoft.com/office/drawing/2010/main">
-                <a:solidFill>
-                  <a:srgbClr val="FFFFFF"/>
-                </a:solidFill>
-              </a14:hiddenFill>
-            </a:ext>
-          </a:extLst>
-        </p:spPr>
-      </p:pic>
-      <p:pic>
-        <p:nvPicPr>
-          <p:cNvPr id="1032" name="Picture 8" descr="Firefox Browser 다운로드 — Mozilla가 만든 빠르고 사생활 보호를 위한 무료 브라우저">
-            <a:extLst>
-              <a:ext uri="{FF2B5EF4-FFF2-40B4-BE49-F238E27FC236}">
-                <a16:creationId xmlns:a16="http://schemas.microsoft.com/office/drawing/2014/main" id="{229D453D-4424-4172-A0C2-8040FFE54FAE}"/>
-              </a:ext>
-            </a:extLst>
-          </p:cNvPr>
-          <p:cNvPicPr>
-            <a:picLocks noChangeAspect="1" noChangeArrowheads="1"/>
+            <a:picLocks noChangeAspect="1"/>
           </p:cNvPicPr>
           <p:nvPr/>
         </p:nvPicPr>
         <p:blipFill>
-          <a:blip r:embed="rId4">
-            <a:extLst>
-              <a:ext uri="{28A0092B-C50C-407E-A947-70E740481C1C}">
-                <a14:useLocalDpi xmlns:a14="http://schemas.microsoft.com/office/drawing/2010/main" val="0"/>
-              </a:ext>
-            </a:extLst>
-          </a:blip>
-          <a:srcRect/>
+          <a:blip r:embed="rId2"/>
           <a:stretch>
             <a:fillRect/>
           </a:stretch>
         </p:blipFill>
-        <p:spPr bwMode="auto">
-          <a:xfrm>
-            <a:off x="9217079" y="2889215"/>
-            <a:ext cx="1440000" cy="1440000"/>
+        <p:spPr>
+          <a:xfrm>
+            <a:off x="1875836" y="1418769"/>
+            <a:ext cx="8440328" cy="5220429"/>
           </a:xfrm>
           <a:prstGeom prst="rect">
             <a:avLst/>
           </a:prstGeom>
-          <a:noFill/>
-          <a:extLst>
-            <a:ext uri="{909E8E84-426E-40DD-AFC4-6F175D3DCCD1}">
-              <a14:hiddenFill xmlns:a14="http://schemas.microsoft.com/office/drawing/2010/main">
-                <a:solidFill>
-                  <a:srgbClr val="FFFFFF"/>
-                </a:solidFill>
-              </a14:hiddenFill>
-            </a:ext>
-          </a:extLst>
         </p:spPr>
       </p:pic>
-      <p:sp>
-        <p:nvSpPr>
-          <p:cNvPr id="21" name="TextBox 20">
-            <a:extLst>
-              <a:ext uri="{FF2B5EF4-FFF2-40B4-BE49-F238E27FC236}">
-                <a16:creationId xmlns:a16="http://schemas.microsoft.com/office/drawing/2014/main" id="{9737B1CA-CDC6-4B7D-9CB7-FC147EC1312D}"/>
-              </a:ext>
-            </a:extLst>
-          </p:cNvPr>
-          <p:cNvSpPr txBox="1"/>
-          <p:nvPr/>
-        </p:nvSpPr>
-        <p:spPr>
-          <a:xfrm>
-            <a:off x="1394668" y="4810570"/>
-            <a:ext cx="1731756" cy="369332"/>
-          </a:xfrm>
-          <a:prstGeom prst="rect">
-            <a:avLst/>
-          </a:prstGeom>
-          <a:noFill/>
-        </p:spPr>
-        <p:txBody>
-          <a:bodyPr wrap="none" rtlCol="0">
-            <a:spAutoFit/>
-          </a:bodyPr>
-          <a:lstStyle/>
-          <a:p>
-            <a:pPr algn="ctr"/>
-            <a:r>
-              <a:rPr lang="en-US" altLang="ko-KR" dirty="0">
-                <a:latin typeface="나눔스퀘어 Light" panose="020B0600000101010101" pitchFamily="50" charset="-127"/>
-                <a:ea typeface="나눔스퀘어 Light" panose="020B0600000101010101" pitchFamily="50" charset="-127"/>
-              </a:rPr>
-              <a:t>Microsoft Edge</a:t>
-            </a:r>
-            <a:endParaRPr lang="ko-KR" altLang="en-US" dirty="0">
-              <a:latin typeface="나눔스퀘어 Light" panose="020B0600000101010101" pitchFamily="50" charset="-127"/>
-              <a:ea typeface="나눔스퀘어 Light" panose="020B0600000101010101" pitchFamily="50" charset="-127"/>
-            </a:endParaRPr>
-          </a:p>
-        </p:txBody>
-      </p:sp>
-      <p:sp>
-        <p:nvSpPr>
-          <p:cNvPr id="22" name="TextBox 21">
-            <a:extLst>
-              <a:ext uri="{FF2B5EF4-FFF2-40B4-BE49-F238E27FC236}">
-                <a16:creationId xmlns:a16="http://schemas.microsoft.com/office/drawing/2014/main" id="{63C52D1A-3970-411F-8969-9461381BB551}"/>
-              </a:ext>
-            </a:extLst>
-          </p:cNvPr>
-          <p:cNvSpPr txBox="1"/>
-          <p:nvPr/>
-        </p:nvSpPr>
-        <p:spPr>
-          <a:xfrm>
-            <a:off x="5216499" y="4810570"/>
-            <a:ext cx="1759008" cy="369332"/>
-          </a:xfrm>
-          <a:prstGeom prst="rect">
-            <a:avLst/>
-          </a:prstGeom>
-          <a:noFill/>
-        </p:spPr>
-        <p:txBody>
-          <a:bodyPr wrap="none" rtlCol="0">
-            <a:spAutoFit/>
-          </a:bodyPr>
-          <a:lstStyle/>
-          <a:p>
-            <a:pPr algn="ctr"/>
-            <a:r>
-              <a:rPr lang="en-US" altLang="ko-KR" dirty="0">
-                <a:latin typeface="나눔스퀘어 Light" panose="020B0600000101010101" pitchFamily="50" charset="-127"/>
-                <a:ea typeface="나눔스퀘어 Light" panose="020B0600000101010101" pitchFamily="50" charset="-127"/>
-              </a:rPr>
-              <a:t>Google Chrome</a:t>
-            </a:r>
-            <a:endParaRPr lang="ko-KR" altLang="en-US" dirty="0">
-              <a:latin typeface="나눔스퀘어 Light" panose="020B0600000101010101" pitchFamily="50" charset="-127"/>
-              <a:ea typeface="나눔스퀘어 Light" panose="020B0600000101010101" pitchFamily="50" charset="-127"/>
-            </a:endParaRPr>
-          </a:p>
-        </p:txBody>
-      </p:sp>
-      <p:sp>
-        <p:nvSpPr>
-          <p:cNvPr id="23" name="TextBox 22">
-            <a:extLst>
-              <a:ext uri="{FF2B5EF4-FFF2-40B4-BE49-F238E27FC236}">
-                <a16:creationId xmlns:a16="http://schemas.microsoft.com/office/drawing/2014/main" id="{BEF6E86D-38AB-485A-8AF2-DCDFB231D9F2}"/>
-              </a:ext>
-            </a:extLst>
-          </p:cNvPr>
-          <p:cNvSpPr txBox="1"/>
-          <p:nvPr/>
-        </p:nvSpPr>
-        <p:spPr>
-          <a:xfrm>
-            <a:off x="9110940" y="4810570"/>
-            <a:ext cx="1641027" cy="369332"/>
-          </a:xfrm>
-          <a:prstGeom prst="rect">
-            <a:avLst/>
-          </a:prstGeom>
-          <a:noFill/>
-        </p:spPr>
-        <p:txBody>
-          <a:bodyPr wrap="none" rtlCol="0">
-            <a:spAutoFit/>
-          </a:bodyPr>
-          <a:lstStyle/>
-          <a:p>
-            <a:pPr algn="ctr"/>
-            <a:r>
-              <a:rPr lang="en-US" altLang="ko-KR" dirty="0">
-                <a:latin typeface="나눔스퀘어 Light" panose="020B0600000101010101" pitchFamily="50" charset="-127"/>
-                <a:ea typeface="나눔스퀘어 Light" panose="020B0600000101010101" pitchFamily="50" charset="-127"/>
-              </a:rPr>
-              <a:t>Mozilla Firefox</a:t>
-            </a:r>
-            <a:endParaRPr lang="ko-KR" altLang="en-US" dirty="0">
-              <a:latin typeface="나눔스퀘어 Light" panose="020B0600000101010101" pitchFamily="50" charset="-127"/>
-              <a:ea typeface="나눔스퀘어 Light" panose="020B0600000101010101" pitchFamily="50" charset="-127"/>
-            </a:endParaRPr>
-          </a:p>
-        </p:txBody>
-      </p:sp>
       <p:cxnSp>
         <p:nvCxnSpPr>
-          <p:cNvPr id="16" name="직선 연결선 15">
-            <a:extLst>
-              <a:ext uri="{FF2B5EF4-FFF2-40B4-BE49-F238E27FC236}">
-                <a16:creationId xmlns:a16="http://schemas.microsoft.com/office/drawing/2014/main" id="{66A6E8F8-7FDC-43F5-9124-3B6FBD209B51}"/>
+          <p:cNvPr id="10" name="직선 연결선 9">
+            <a:extLst>
+              <a:ext uri="{FF2B5EF4-FFF2-40B4-BE49-F238E27FC236}">
+                <a16:creationId xmlns:a16="http://schemas.microsoft.com/office/drawing/2014/main" id="{604AB684-6E67-4ABA-8634-8E3F9D83E4B3}"/>
               </a:ext>
             </a:extLst>
           </p:cNvPr>
@@ -9176,10 +8722,10 @@
       </p:cxnSp>
       <p:sp>
         <p:nvSpPr>
-          <p:cNvPr id="17" name="TextBox 16">
-            <a:extLst>
-              <a:ext uri="{FF2B5EF4-FFF2-40B4-BE49-F238E27FC236}">
-                <a16:creationId xmlns:a16="http://schemas.microsoft.com/office/drawing/2014/main" id="{1622F56D-1D31-4AB4-902E-3ADCA35EB0A7}"/>
+          <p:cNvPr id="12" name="TextBox 11">
+            <a:extLst>
+              <a:ext uri="{FF2B5EF4-FFF2-40B4-BE49-F238E27FC236}">
+                <a16:creationId xmlns:a16="http://schemas.microsoft.com/office/drawing/2014/main" id="{D67F9376-FDF9-4F33-8E8C-879B9BFD054E}"/>
               </a:ext>
             </a:extLst>
           </p:cNvPr>
@@ -9265,10 +8811,10 @@
       </p:sp>
       <p:cxnSp>
         <p:nvCxnSpPr>
-          <p:cNvPr id="18" name="직선 연결선 17">
-            <a:extLst>
-              <a:ext uri="{FF2B5EF4-FFF2-40B4-BE49-F238E27FC236}">
-                <a16:creationId xmlns:a16="http://schemas.microsoft.com/office/drawing/2014/main" id="{03A2AE67-AEAE-4FE0-8EB4-E7A289468FFC}"/>
+          <p:cNvPr id="13" name="직선 연결선 12">
+            <a:extLst>
+              <a:ext uri="{FF2B5EF4-FFF2-40B4-BE49-F238E27FC236}">
+                <a16:creationId xmlns:a16="http://schemas.microsoft.com/office/drawing/2014/main" id="{D2BF9A12-CC03-4D9E-84E0-8E099CE00421}"/>
               </a:ext>
             </a:extLst>
           </p:cNvPr>
@@ -9309,7 +8855,7 @@
     </p:spTree>
     <p:extLst>
       <p:ext uri="{BB962C8B-B14F-4D97-AF65-F5344CB8AC3E}">
-        <p14:creationId xmlns:p14="http://schemas.microsoft.com/office/powerpoint/2010/main" val="2687939301"/>
+        <p14:creationId xmlns:p14="http://schemas.microsoft.com/office/powerpoint/2010/main" val="3111219138"/>
       </p:ext>
     </p:extLst>
   </p:cSld>
@@ -9386,7 +8932,7 @@
                 <a:latin typeface="나눔스퀘어 ExtraBold" panose="020B0600000101010101" pitchFamily="50" charset="-127"/>
                 <a:ea typeface="나눔스퀘어 ExtraBold" panose="020B0600000101010101" pitchFamily="50" charset="-127"/>
               </a:rPr>
-              <a:t>Ⅲ. </a:t>
+              <a:t>Ⅱ. </a:t>
             </a:r>
             <a:r>
               <a:rPr lang="ko-KR" altLang="en-US" sz="3000" spc="100" dirty="0">
@@ -9398,7 +8944,7 @@
                 <a:latin typeface="나눔스퀘어 ExtraBold" panose="020B0600000101010101" pitchFamily="50" charset="-127"/>
                 <a:ea typeface="나눔스퀘어 ExtraBold" panose="020B0600000101010101" pitchFamily="50" charset="-127"/>
               </a:rPr>
-              <a:t>구현 기술</a:t>
+              <a:t>프로그램 개요</a:t>
             </a:r>
           </a:p>
         </p:txBody>
@@ -9417,8 +8963,8 @@
         </p:nvSpPr>
         <p:spPr>
           <a:xfrm>
-            <a:off x="748269" y="1247211"/>
-            <a:ext cx="4012893" cy="461665"/>
+            <a:off x="853204" y="910937"/>
+            <a:ext cx="3496600" cy="461665"/>
           </a:xfrm>
           <a:prstGeom prst="rect">
             <a:avLst/>
@@ -9432,411 +8978,54 @@
           <a:lstStyle/>
           <a:p>
             <a:r>
-              <a:rPr lang="ko-KR" altLang="en-US" sz="2400" spc="100" dirty="0">
+              <a:rPr lang="en-US" altLang="ko-KR" sz="2400" spc="100" dirty="0">
                 <a:solidFill>
                   <a:srgbClr val="44546A"/>
                 </a:solidFill>
                 <a:latin typeface="나눔스퀘어 Bold" panose="020B0600000101010101" pitchFamily="50" charset="-127"/>
                 <a:ea typeface="나눔스퀘어 Bold" panose="020B0600000101010101" pitchFamily="50" charset="-127"/>
               </a:rPr>
-              <a:t>사용 툴 </a:t>
-            </a:r>
-            <a:r>
-              <a:rPr lang="en-US" altLang="ko-KR" sz="2400" spc="100" dirty="0">
+              <a:t>UI </a:t>
+            </a:r>
+            <a:r>
+              <a:rPr lang="ko-KR" altLang="en-US" sz="2400" spc="100" dirty="0">
                 <a:solidFill>
                   <a:srgbClr val="44546A"/>
                 </a:solidFill>
                 <a:latin typeface="나눔스퀘어 Bold" panose="020B0600000101010101" pitchFamily="50" charset="-127"/>
                 <a:ea typeface="나눔스퀘어 Bold" panose="020B0600000101010101" pitchFamily="50" charset="-127"/>
               </a:rPr>
-              <a:t>– </a:t>
-            </a:r>
-            <a:r>
-              <a:rPr lang="ko-KR" altLang="en-US" sz="2400" spc="100" dirty="0">
+              <a:t>명세서 </a:t>
+            </a:r>
+            <a:r>
+              <a:rPr lang="en-US" altLang="ko-KR" sz="2400" spc="100" dirty="0">
                 <a:solidFill>
                   <a:srgbClr val="44546A"/>
                 </a:solidFill>
                 <a:latin typeface="나눔스퀘어 Bold" panose="020B0600000101010101" pitchFamily="50" charset="-127"/>
                 <a:ea typeface="나눔스퀘어 Bold" panose="020B0600000101010101" pitchFamily="50" charset="-127"/>
               </a:rPr>
-              <a:t>원격 제어 프로그램</a:t>
-            </a:r>
-          </a:p>
-        </p:txBody>
-      </p:sp>
-      <p:sp>
-        <p:nvSpPr>
-          <p:cNvPr id="10" name="사각형: 둥근 모서리 9">
-            <a:extLst>
-              <a:ext uri="{FF2B5EF4-FFF2-40B4-BE49-F238E27FC236}">
-                <a16:creationId xmlns:a16="http://schemas.microsoft.com/office/drawing/2014/main" id="{A16FBEF5-3F78-4827-8063-7CEC6B517BC6}"/>
-              </a:ext>
-            </a:extLst>
-          </p:cNvPr>
-          <p:cNvSpPr/>
-          <p:nvPr/>
-        </p:nvSpPr>
-        <p:spPr>
-          <a:xfrm>
-            <a:off x="748269" y="2307101"/>
-            <a:ext cx="3024554" cy="3024554"/>
-          </a:xfrm>
-          <a:prstGeom prst="roundRect">
-            <a:avLst/>
-          </a:prstGeom>
-          <a:solidFill>
-            <a:schemeClr val="tx2">
-              <a:lumMod val="20000"/>
-              <a:lumOff val="80000"/>
-              <a:alpha val="69000"/>
-            </a:schemeClr>
-          </a:solidFill>
-          <a:ln>
-            <a:noFill/>
-          </a:ln>
-        </p:spPr>
-        <p:style>
-          <a:lnRef idx="2">
-            <a:schemeClr val="accent1">
-              <a:shade val="50000"/>
-            </a:schemeClr>
-          </a:lnRef>
-          <a:fillRef idx="1">
-            <a:schemeClr val="accent1"/>
-          </a:fillRef>
-          <a:effectRef idx="0">
-            <a:schemeClr val="accent1"/>
-          </a:effectRef>
-          <a:fontRef idx="minor">
-            <a:schemeClr val="lt1"/>
-          </a:fontRef>
-        </p:style>
-        <p:txBody>
-          <a:bodyPr rtlCol="0" anchor="ctr"/>
-          <a:lstStyle/>
-          <a:p>
-            <a:pPr algn="ctr"/>
-            <a:endParaRPr lang="ko-KR" altLang="en-US"/>
-          </a:p>
-        </p:txBody>
-      </p:sp>
-      <p:sp>
-        <p:nvSpPr>
-          <p:cNvPr id="12" name="사각형: 둥근 모서리 11">
-            <a:extLst>
-              <a:ext uri="{FF2B5EF4-FFF2-40B4-BE49-F238E27FC236}">
-                <a16:creationId xmlns:a16="http://schemas.microsoft.com/office/drawing/2014/main" id="{7FB0628A-FE25-4DA9-B334-14448B55685C}"/>
-              </a:ext>
-            </a:extLst>
-          </p:cNvPr>
-          <p:cNvSpPr/>
-          <p:nvPr/>
-        </p:nvSpPr>
-        <p:spPr>
-          <a:xfrm>
-            <a:off x="8419176" y="2307101"/>
-            <a:ext cx="3024554" cy="3024554"/>
-          </a:xfrm>
-          <a:prstGeom prst="roundRect">
-            <a:avLst/>
-          </a:prstGeom>
-          <a:solidFill>
-            <a:schemeClr val="accent1">
-              <a:lumMod val="60000"/>
-              <a:lumOff val="40000"/>
-              <a:alpha val="69000"/>
-            </a:schemeClr>
-          </a:solidFill>
-          <a:ln>
-            <a:noFill/>
-          </a:ln>
-        </p:spPr>
-        <p:style>
-          <a:lnRef idx="2">
-            <a:schemeClr val="accent1">
-              <a:shade val="50000"/>
-            </a:schemeClr>
-          </a:lnRef>
-          <a:fillRef idx="1">
-            <a:schemeClr val="accent1"/>
-          </a:fillRef>
-          <a:effectRef idx="0">
-            <a:schemeClr val="accent1"/>
-          </a:effectRef>
-          <a:fontRef idx="minor">
-            <a:schemeClr val="lt1"/>
-          </a:fontRef>
-        </p:style>
-        <p:txBody>
-          <a:bodyPr rtlCol="0" anchor="ctr"/>
-          <a:lstStyle/>
-          <a:p>
-            <a:pPr algn="ctr"/>
-            <a:endParaRPr lang="ko-KR" altLang="en-US"/>
-          </a:p>
-        </p:txBody>
-      </p:sp>
-      <p:sp>
-        <p:nvSpPr>
-          <p:cNvPr id="13" name="사각형: 둥근 모서리 12">
-            <a:extLst>
-              <a:ext uri="{FF2B5EF4-FFF2-40B4-BE49-F238E27FC236}">
-                <a16:creationId xmlns:a16="http://schemas.microsoft.com/office/drawing/2014/main" id="{4D258816-5E1E-4FC7-8BF4-B46409CD415D}"/>
-              </a:ext>
-            </a:extLst>
-          </p:cNvPr>
-          <p:cNvSpPr/>
-          <p:nvPr/>
-        </p:nvSpPr>
-        <p:spPr>
-          <a:xfrm>
-            <a:off x="4583723" y="2307101"/>
-            <a:ext cx="3024554" cy="3024554"/>
-          </a:xfrm>
-          <a:prstGeom prst="roundRect">
-            <a:avLst/>
-          </a:prstGeom>
-          <a:solidFill>
-            <a:schemeClr val="accent1">
-              <a:lumMod val="40000"/>
-              <a:lumOff val="60000"/>
-              <a:alpha val="71000"/>
-            </a:schemeClr>
-          </a:solidFill>
-          <a:ln>
-            <a:noFill/>
-          </a:ln>
-        </p:spPr>
-        <p:style>
-          <a:lnRef idx="2">
-            <a:schemeClr val="accent1">
-              <a:shade val="50000"/>
-            </a:schemeClr>
-          </a:lnRef>
-          <a:fillRef idx="1">
-            <a:schemeClr val="accent1"/>
-          </a:fillRef>
-          <a:effectRef idx="0">
-            <a:schemeClr val="accent1"/>
-          </a:effectRef>
-          <a:fontRef idx="minor">
-            <a:schemeClr val="lt1"/>
-          </a:fontRef>
-        </p:style>
-        <p:txBody>
-          <a:bodyPr rtlCol="0" anchor="ctr"/>
-          <a:lstStyle/>
-          <a:p>
-            <a:pPr algn="ctr"/>
-            <a:endParaRPr lang="ko-KR" altLang="en-US"/>
-          </a:p>
-        </p:txBody>
-      </p:sp>
-      <p:sp>
-        <p:nvSpPr>
-          <p:cNvPr id="21" name="TextBox 20">
-            <a:extLst>
-              <a:ext uri="{FF2B5EF4-FFF2-40B4-BE49-F238E27FC236}">
-                <a16:creationId xmlns:a16="http://schemas.microsoft.com/office/drawing/2014/main" id="{9737B1CA-CDC6-4B7D-9CB7-FC147EC1312D}"/>
-              </a:ext>
-            </a:extLst>
-          </p:cNvPr>
-          <p:cNvSpPr txBox="1"/>
-          <p:nvPr/>
-        </p:nvSpPr>
-        <p:spPr>
-          <a:xfrm>
-            <a:off x="1042136" y="4810570"/>
-            <a:ext cx="2436821" cy="338554"/>
-          </a:xfrm>
-          <a:prstGeom prst="rect">
-            <a:avLst/>
-          </a:prstGeom>
-          <a:noFill/>
-        </p:spPr>
-        <p:txBody>
-          <a:bodyPr wrap="none" rtlCol="0">
-            <a:spAutoFit/>
-          </a:bodyPr>
-          <a:lstStyle/>
-          <a:p>
-            <a:pPr algn="ctr"/>
-            <a:r>
-              <a:rPr lang="en-US" altLang="ko-KR" sz="1600" dirty="0">
-                <a:latin typeface="나눔스퀘어 Light" panose="020B0600000101010101" pitchFamily="50" charset="-127"/>
-                <a:ea typeface="나눔스퀘어 Light" panose="020B0600000101010101" pitchFamily="50" charset="-127"/>
-              </a:rPr>
-              <a:t>PuTTY &amp; </a:t>
-            </a:r>
-            <a:r>
-              <a:rPr lang="en-US" altLang="ko-KR" sz="1600" dirty="0" err="1">
-                <a:latin typeface="나눔스퀘어 Light" panose="020B0600000101010101" pitchFamily="50" charset="-127"/>
-                <a:ea typeface="나눔스퀘어 Light" panose="020B0600000101010101" pitchFamily="50" charset="-127"/>
-              </a:rPr>
-              <a:t>openssh</a:t>
-            </a:r>
-            <a:r>
-              <a:rPr lang="en-US" altLang="ko-KR" sz="1600" dirty="0">
-                <a:latin typeface="나눔스퀘어 Light" panose="020B0600000101010101" pitchFamily="50" charset="-127"/>
-                <a:ea typeface="나눔스퀘어 Light" panose="020B0600000101010101" pitchFamily="50" charset="-127"/>
-              </a:rPr>
-              <a:t>-server</a:t>
-            </a:r>
-            <a:endParaRPr lang="ko-KR" altLang="en-US" sz="1600" dirty="0">
-              <a:latin typeface="나눔스퀘어 Light" panose="020B0600000101010101" pitchFamily="50" charset="-127"/>
-              <a:ea typeface="나눔스퀘어 Light" panose="020B0600000101010101" pitchFamily="50" charset="-127"/>
-            </a:endParaRPr>
-          </a:p>
-        </p:txBody>
-      </p:sp>
-      <p:sp>
-        <p:nvSpPr>
-          <p:cNvPr id="22" name="TextBox 21">
-            <a:extLst>
-              <a:ext uri="{FF2B5EF4-FFF2-40B4-BE49-F238E27FC236}">
-                <a16:creationId xmlns:a16="http://schemas.microsoft.com/office/drawing/2014/main" id="{63C52D1A-3970-411F-8969-9461381BB551}"/>
-              </a:ext>
-            </a:extLst>
-          </p:cNvPr>
-          <p:cNvSpPr txBox="1"/>
-          <p:nvPr/>
-        </p:nvSpPr>
-        <p:spPr>
-          <a:xfrm>
-            <a:off x="4819802" y="4801594"/>
-            <a:ext cx="2552397" cy="338554"/>
-          </a:xfrm>
-          <a:prstGeom prst="rect">
-            <a:avLst/>
-          </a:prstGeom>
-          <a:noFill/>
-        </p:spPr>
-        <p:txBody>
-          <a:bodyPr wrap="square" rtlCol="0">
-            <a:spAutoFit/>
-          </a:bodyPr>
-          <a:lstStyle/>
-          <a:p>
-            <a:pPr algn="ctr"/>
-            <a:r>
-              <a:rPr lang="en-US" altLang="ko-KR" sz="1600" dirty="0" err="1">
-                <a:latin typeface="나눔스퀘어 Light" panose="020B0600000101010101" pitchFamily="50" charset="-127"/>
-                <a:ea typeface="나눔스퀘어 Light" panose="020B0600000101010101" pitchFamily="50" charset="-127"/>
-              </a:rPr>
-              <a:t>mstsc</a:t>
-            </a:r>
-            <a:r>
-              <a:rPr lang="en-US" altLang="ko-KR" sz="1100" dirty="0">
-                <a:latin typeface="나눔스퀘어 Light" panose="020B0600000101010101" pitchFamily="50" charset="-127"/>
-                <a:ea typeface="나눔스퀘어 Light" panose="020B0600000101010101" pitchFamily="50" charset="-127"/>
-              </a:rPr>
-              <a:t>(</a:t>
-            </a:r>
-            <a:r>
-              <a:rPr lang="ko-KR" altLang="en-US" sz="1100" dirty="0">
-                <a:latin typeface="나눔스퀘어 Light" panose="020B0600000101010101" pitchFamily="50" charset="-127"/>
-                <a:ea typeface="나눔스퀘어 Light" panose="020B0600000101010101" pitchFamily="50" charset="-127"/>
-              </a:rPr>
-              <a:t>원격 데스크톱 연결</a:t>
-            </a:r>
-            <a:r>
-              <a:rPr lang="en-US" altLang="ko-KR" sz="1100" dirty="0">
-                <a:latin typeface="나눔스퀘어 Light" panose="020B0600000101010101" pitchFamily="50" charset="-127"/>
-                <a:ea typeface="나눔스퀘어 Light" panose="020B0600000101010101" pitchFamily="50" charset="-127"/>
-              </a:rPr>
-              <a:t>) </a:t>
-            </a:r>
-            <a:r>
-              <a:rPr lang="en-US" altLang="ko-KR" sz="1600" dirty="0">
-                <a:latin typeface="나눔스퀘어 Light" panose="020B0600000101010101" pitchFamily="50" charset="-127"/>
-                <a:ea typeface="나눔스퀘어 Light" panose="020B0600000101010101" pitchFamily="50" charset="-127"/>
-              </a:rPr>
-              <a:t>&amp; </a:t>
-            </a:r>
-            <a:r>
-              <a:rPr lang="en-US" altLang="ko-KR" sz="1600" dirty="0" err="1">
-                <a:latin typeface="나눔스퀘어 Light" panose="020B0600000101010101" pitchFamily="50" charset="-127"/>
-                <a:ea typeface="나눔스퀘어 Light" panose="020B0600000101010101" pitchFamily="50" charset="-127"/>
-              </a:rPr>
-              <a:t>xrdp</a:t>
-            </a:r>
-            <a:endParaRPr lang="ko-KR" altLang="en-US" sz="1600" dirty="0">
-              <a:latin typeface="나눔스퀘어 Light" panose="020B0600000101010101" pitchFamily="50" charset="-127"/>
-              <a:ea typeface="나눔스퀘어 Light" panose="020B0600000101010101" pitchFamily="50" charset="-127"/>
-            </a:endParaRPr>
-          </a:p>
-        </p:txBody>
-      </p:sp>
-      <p:sp>
-        <p:nvSpPr>
-          <p:cNvPr id="23" name="TextBox 22">
-            <a:extLst>
-              <a:ext uri="{FF2B5EF4-FFF2-40B4-BE49-F238E27FC236}">
-                <a16:creationId xmlns:a16="http://schemas.microsoft.com/office/drawing/2014/main" id="{BEF6E86D-38AB-485A-8AF2-DCDFB231D9F2}"/>
-              </a:ext>
-            </a:extLst>
-          </p:cNvPr>
-          <p:cNvSpPr txBox="1"/>
-          <p:nvPr/>
-        </p:nvSpPr>
-        <p:spPr>
-          <a:xfrm>
-            <a:off x="8288996" y="4775357"/>
-            <a:ext cx="3284915" cy="323165"/>
-          </a:xfrm>
-          <a:prstGeom prst="rect">
-            <a:avLst/>
-          </a:prstGeom>
-          <a:noFill/>
-        </p:spPr>
-        <p:txBody>
-          <a:bodyPr wrap="square" rtlCol="0">
-            <a:spAutoFit/>
-          </a:bodyPr>
-          <a:lstStyle/>
-          <a:p>
-            <a:pPr algn="ctr"/>
-            <a:r>
-              <a:rPr lang="en-US" altLang="ko-KR" sz="1500" dirty="0" err="1">
-                <a:latin typeface="나눔스퀘어 Light" panose="020B0600000101010101" pitchFamily="50" charset="-127"/>
-                <a:ea typeface="나눔스퀘어 Light" panose="020B0600000101010101" pitchFamily="50" charset="-127"/>
-              </a:rPr>
-              <a:t>TightVNC</a:t>
-            </a:r>
-            <a:r>
-              <a:rPr lang="en-US" altLang="ko-KR" sz="1500" dirty="0">
-                <a:latin typeface="나눔스퀘어 Light" panose="020B0600000101010101" pitchFamily="50" charset="-127"/>
-                <a:ea typeface="나눔스퀘어 Light" panose="020B0600000101010101" pitchFamily="50" charset="-127"/>
-              </a:rPr>
-              <a:t> Viewer&amp; </a:t>
-            </a:r>
-            <a:r>
-              <a:rPr lang="en-US" altLang="ko-KR" sz="1500" dirty="0" err="1">
-                <a:latin typeface="나눔스퀘어 Light" panose="020B0600000101010101" pitchFamily="50" charset="-127"/>
-                <a:ea typeface="나눔스퀘어 Light" panose="020B0600000101010101" pitchFamily="50" charset="-127"/>
-              </a:rPr>
-              <a:t>tigervnc</a:t>
-            </a:r>
-            <a:r>
-              <a:rPr lang="en-US" altLang="ko-KR" sz="1500" dirty="0">
-                <a:latin typeface="나눔스퀘어 Light" panose="020B0600000101010101" pitchFamily="50" charset="-127"/>
-                <a:ea typeface="나눔스퀘어 Light" panose="020B0600000101010101" pitchFamily="50" charset="-127"/>
-              </a:rPr>
-              <a:t>-server</a:t>
-            </a:r>
-            <a:endParaRPr lang="ko-KR" altLang="en-US" sz="1500" dirty="0">
-              <a:latin typeface="나눔스퀘어 Light" panose="020B0600000101010101" pitchFamily="50" charset="-127"/>
-              <a:ea typeface="나눔스퀘어 Light" panose="020B0600000101010101" pitchFamily="50" charset="-127"/>
-            </a:endParaRPr>
+              <a:t>– </a:t>
+            </a:r>
+            <a:r>
+              <a:rPr lang="ko-KR" altLang="en-US" sz="2400" spc="100" dirty="0">
+                <a:solidFill>
+                  <a:srgbClr val="44546A"/>
+                </a:solidFill>
+                <a:latin typeface="나눔스퀘어 Bold" panose="020B0600000101010101" pitchFamily="50" charset="-127"/>
+                <a:ea typeface="나눔스퀘어 Bold" panose="020B0600000101010101" pitchFamily="50" charset="-127"/>
+              </a:rPr>
+              <a:t>플레이 화면</a:t>
+            </a:r>
           </a:p>
         </p:txBody>
       </p:sp>
       <p:pic>
         <p:nvPicPr>
-          <p:cNvPr id="4" name="그림 3">
-            <a:extLst>
-              <a:ext uri="{FF2B5EF4-FFF2-40B4-BE49-F238E27FC236}">
-                <a16:creationId xmlns:a16="http://schemas.microsoft.com/office/drawing/2014/main" id="{4C3B8F8B-3B4B-4A55-8587-12F473A247CF}"/>
+          <p:cNvPr id="5" name="그림 4">
+            <a:extLst>
+              <a:ext uri="{FF2B5EF4-FFF2-40B4-BE49-F238E27FC236}">
+                <a16:creationId xmlns:a16="http://schemas.microsoft.com/office/drawing/2014/main" id="{9DCB0E76-4232-42FB-A512-9810F919DA23}"/>
               </a:ext>
             </a:extLst>
           </p:cNvPr>
@@ -9846,93 +9035,15 @@
           <p:nvPr/>
         </p:nvPicPr>
         <p:blipFill>
-          <a:blip r:embed="rId2">
-            <a:extLst>
-              <a:ext uri="{28A0092B-C50C-407E-A947-70E740481C1C}">
-                <a14:useLocalDpi xmlns:a14="http://schemas.microsoft.com/office/drawing/2010/main" val="0"/>
-              </a:ext>
-            </a:extLst>
-          </a:blip>
+          <a:blip r:embed="rId2"/>
           <a:stretch>
             <a:fillRect/>
           </a:stretch>
         </p:blipFill>
         <p:spPr>
           <a:xfrm>
-            <a:off x="1475159" y="2869259"/>
-            <a:ext cx="1440000" cy="1440000"/>
-          </a:xfrm>
-          <a:prstGeom prst="rect">
-            <a:avLst/>
-          </a:prstGeom>
-        </p:spPr>
-      </p:pic>
-      <p:pic>
-        <p:nvPicPr>
-          <p:cNvPr id="7" name="그림 6" descr="텍스트, 모니터, 전자기기, 디스플레이이(가) 표시된 사진&#10;&#10;자동 생성된 설명">
-            <a:extLst>
-              <a:ext uri="{FF2B5EF4-FFF2-40B4-BE49-F238E27FC236}">
-                <a16:creationId xmlns:a16="http://schemas.microsoft.com/office/drawing/2014/main" id="{9CB2E0EB-E4C9-4B36-AE06-95FCB691023D}"/>
-              </a:ext>
-            </a:extLst>
-          </p:cNvPr>
-          <p:cNvPicPr>
-            <a:picLocks noChangeAspect="1"/>
-          </p:cNvPicPr>
-          <p:nvPr/>
-        </p:nvPicPr>
-        <p:blipFill>
-          <a:blip r:embed="rId3">
-            <a:extLst>
-              <a:ext uri="{28A0092B-C50C-407E-A947-70E740481C1C}">
-                <a14:useLocalDpi xmlns:a14="http://schemas.microsoft.com/office/drawing/2010/main" val="0"/>
-              </a:ext>
-            </a:extLst>
-          </a:blip>
-          <a:stretch>
-            <a:fillRect/>
-          </a:stretch>
-        </p:blipFill>
-        <p:spPr>
-          <a:xfrm>
-            <a:off x="5375999" y="2869259"/>
-            <a:ext cx="1440000" cy="1440000"/>
-          </a:xfrm>
-          <a:prstGeom prst="rect">
-            <a:avLst/>
-          </a:prstGeom>
-        </p:spPr>
-      </p:pic>
-      <p:pic>
-        <p:nvPicPr>
-          <p:cNvPr id="15" name="그림 14">
-            <a:extLst>
-              <a:ext uri="{FF2B5EF4-FFF2-40B4-BE49-F238E27FC236}">
-                <a16:creationId xmlns:a16="http://schemas.microsoft.com/office/drawing/2014/main" id="{8871198E-B34D-4FAF-8701-4275CBD7C405}"/>
-              </a:ext>
-            </a:extLst>
-          </p:cNvPr>
-          <p:cNvPicPr>
-            <a:picLocks noChangeAspect="1"/>
-          </p:cNvPicPr>
-          <p:nvPr/>
-        </p:nvPicPr>
-        <p:blipFill>
-          <a:blip r:embed="rId4">
-            <a:extLst>
-              <a:ext uri="{28A0092B-C50C-407E-A947-70E740481C1C}">
-                <a14:useLocalDpi xmlns:a14="http://schemas.microsoft.com/office/drawing/2010/main" val="0"/>
-              </a:ext>
-            </a:extLst>
-          </a:blip>
-          <a:stretch>
-            <a:fillRect/>
-          </a:stretch>
-        </p:blipFill>
-        <p:spPr>
-          <a:xfrm>
-            <a:off x="9276840" y="2869259"/>
-            <a:ext cx="1440000" cy="1440000"/>
+            <a:off x="2218784" y="1418769"/>
+            <a:ext cx="7754432" cy="5229955"/>
           </a:xfrm>
           <a:prstGeom prst="rect">
             <a:avLst/>
@@ -9941,10 +9052,10 @@
       </p:pic>
       <p:cxnSp>
         <p:nvCxnSpPr>
-          <p:cNvPr id="16" name="직선 연결선 15">
-            <a:extLst>
-              <a:ext uri="{FF2B5EF4-FFF2-40B4-BE49-F238E27FC236}">
-                <a16:creationId xmlns:a16="http://schemas.microsoft.com/office/drawing/2014/main" id="{9D60142B-3630-4C1B-8788-9200A7A85C61}"/>
+          <p:cNvPr id="10" name="직선 연결선 9">
+            <a:extLst>
+              <a:ext uri="{FF2B5EF4-FFF2-40B4-BE49-F238E27FC236}">
+                <a16:creationId xmlns:a16="http://schemas.microsoft.com/office/drawing/2014/main" id="{E1130416-0368-4745-8DD4-3A5AE926A0F9}"/>
               </a:ext>
             </a:extLst>
           </p:cNvPr>
@@ -9984,10 +9095,10 @@
       </p:cxnSp>
       <p:sp>
         <p:nvSpPr>
-          <p:cNvPr id="17" name="TextBox 16">
-            <a:extLst>
-              <a:ext uri="{FF2B5EF4-FFF2-40B4-BE49-F238E27FC236}">
-                <a16:creationId xmlns:a16="http://schemas.microsoft.com/office/drawing/2014/main" id="{EA1669D7-2EA4-4F96-8EB5-356CCDA753EA}"/>
+          <p:cNvPr id="12" name="TextBox 11">
+            <a:extLst>
+              <a:ext uri="{FF2B5EF4-FFF2-40B4-BE49-F238E27FC236}">
+                <a16:creationId xmlns:a16="http://schemas.microsoft.com/office/drawing/2014/main" id="{0498AB07-6098-44CE-BBD6-B76115B7BBCA}"/>
               </a:ext>
             </a:extLst>
           </p:cNvPr>
@@ -10073,10 +9184,10 @@
       </p:sp>
       <p:cxnSp>
         <p:nvCxnSpPr>
-          <p:cNvPr id="18" name="직선 연결선 17">
-            <a:extLst>
-              <a:ext uri="{FF2B5EF4-FFF2-40B4-BE49-F238E27FC236}">
-                <a16:creationId xmlns:a16="http://schemas.microsoft.com/office/drawing/2014/main" id="{DAC17504-9F14-42C5-A373-AF8AC1DCD985}"/>
+          <p:cNvPr id="13" name="직선 연결선 12">
+            <a:extLst>
+              <a:ext uri="{FF2B5EF4-FFF2-40B4-BE49-F238E27FC236}">
+                <a16:creationId xmlns:a16="http://schemas.microsoft.com/office/drawing/2014/main" id="{AF72E568-9DBE-4990-A1FE-4C32BF016243}"/>
               </a:ext>
             </a:extLst>
           </p:cNvPr>
@@ -10117,7 +9228,7 @@
     </p:spTree>
     <p:extLst>
       <p:ext uri="{BB962C8B-B14F-4D97-AF65-F5344CB8AC3E}">
-        <p14:creationId xmlns:p14="http://schemas.microsoft.com/office/powerpoint/2010/main" val="19864916"/>
+        <p14:creationId xmlns:p14="http://schemas.microsoft.com/office/powerpoint/2010/main" val="3437259499"/>
       </p:ext>
     </p:extLst>
   </p:cSld>
@@ -10225,8 +9336,8 @@
         </p:nvSpPr>
         <p:spPr>
           <a:xfrm>
-            <a:off x="748269" y="1295512"/>
-            <a:ext cx="4241493" cy="461665"/>
+            <a:off x="748269" y="1225860"/>
+            <a:ext cx="3603317" cy="461665"/>
           </a:xfrm>
           <a:prstGeom prst="rect">
             <a:avLst/>
@@ -10257,15 +9368,18 @@
                 <a:latin typeface="나눔스퀘어 Bold" panose="020B0600000101010101" pitchFamily="50" charset="-127"/>
                 <a:ea typeface="나눔스퀘어 Bold" panose="020B0600000101010101" pitchFamily="50" charset="-127"/>
               </a:rPr>
-              <a:t>– Code Editor &amp; IDE</a:t>
-            </a:r>
-            <a:endParaRPr lang="ko-KR" altLang="en-US" sz="2400" spc="100" dirty="0">
-              <a:solidFill>
-                <a:srgbClr val="44546A"/>
-              </a:solidFill>
-              <a:latin typeface="나눔스퀘어 Bold" panose="020B0600000101010101" pitchFamily="50" charset="-127"/>
-              <a:ea typeface="나눔스퀘어 Bold" panose="020B0600000101010101" pitchFamily="50" charset="-127"/>
-            </a:endParaRPr>
+              <a:t>– </a:t>
+            </a:r>
+            <a:r>
+              <a:rPr lang="ko-KR" altLang="en-US" sz="2400" spc="100" dirty="0">
+                <a:solidFill>
+                  <a:srgbClr val="44546A"/>
+                </a:solidFill>
+                <a:latin typeface="나눔스퀘어 Bold" panose="020B0600000101010101" pitchFamily="50" charset="-127"/>
+                <a:ea typeface="나눔스퀘어 Bold" panose="020B0600000101010101" pitchFamily="50" charset="-127"/>
+              </a:rPr>
+              <a:t>인터넷 브라우저</a:t>
+            </a:r>
           </a:p>
         </p:txBody>
       </p:sp>
@@ -10437,148 +9551,12 @@
           </a:p>
         </p:txBody>
       </p:sp>
-      <p:sp>
-        <p:nvSpPr>
-          <p:cNvPr id="21" name="TextBox 20">
-            <a:extLst>
-              <a:ext uri="{FF2B5EF4-FFF2-40B4-BE49-F238E27FC236}">
-                <a16:creationId xmlns:a16="http://schemas.microsoft.com/office/drawing/2014/main" id="{9737B1CA-CDC6-4B7D-9CB7-FC147EC1312D}"/>
-              </a:ext>
-            </a:extLst>
-          </p:cNvPr>
-          <p:cNvSpPr txBox="1"/>
-          <p:nvPr/>
-        </p:nvSpPr>
-        <p:spPr>
-          <a:xfrm>
-            <a:off x="1809141" y="4810570"/>
-            <a:ext cx="902811" cy="369332"/>
-          </a:xfrm>
-          <a:prstGeom prst="rect">
-            <a:avLst/>
-          </a:prstGeom>
-          <a:noFill/>
-        </p:spPr>
-        <p:txBody>
-          <a:bodyPr wrap="none" rtlCol="0">
-            <a:spAutoFit/>
-          </a:bodyPr>
-          <a:lstStyle/>
-          <a:p>
-            <a:pPr algn="ctr"/>
-            <a:r>
-              <a:rPr lang="en-US" altLang="ko-KR" dirty="0">
-                <a:latin typeface="나눔스퀘어 Light" panose="020B0600000101010101" pitchFamily="50" charset="-127"/>
-                <a:ea typeface="나눔스퀘어 Light" panose="020B0600000101010101" pitchFamily="50" charset="-127"/>
-              </a:rPr>
-              <a:t>Eclipse</a:t>
-            </a:r>
-            <a:endParaRPr lang="ko-KR" altLang="en-US" dirty="0">
-              <a:latin typeface="나눔스퀘어 Light" panose="020B0600000101010101" pitchFamily="50" charset="-127"/>
-              <a:ea typeface="나눔스퀘어 Light" panose="020B0600000101010101" pitchFamily="50" charset="-127"/>
-            </a:endParaRPr>
-          </a:p>
-        </p:txBody>
-      </p:sp>
-      <p:sp>
-        <p:nvSpPr>
-          <p:cNvPr id="22" name="TextBox 21">
-            <a:extLst>
-              <a:ext uri="{FF2B5EF4-FFF2-40B4-BE49-F238E27FC236}">
-                <a16:creationId xmlns:a16="http://schemas.microsoft.com/office/drawing/2014/main" id="{63C52D1A-3970-411F-8969-9461381BB551}"/>
-              </a:ext>
-            </a:extLst>
-          </p:cNvPr>
-          <p:cNvSpPr txBox="1"/>
-          <p:nvPr/>
-        </p:nvSpPr>
-        <p:spPr>
-          <a:xfrm>
-            <a:off x="4758617" y="4805218"/>
-            <a:ext cx="2674771" cy="369332"/>
-          </a:xfrm>
-          <a:prstGeom prst="rect">
-            <a:avLst/>
-          </a:prstGeom>
-          <a:noFill/>
-        </p:spPr>
-        <p:txBody>
-          <a:bodyPr wrap="none" rtlCol="0">
-            <a:spAutoFit/>
-          </a:bodyPr>
-          <a:lstStyle/>
-          <a:p>
-            <a:pPr algn="ctr"/>
-            <a:r>
-              <a:rPr lang="en-US" altLang="ko-KR" dirty="0" err="1">
-                <a:latin typeface="나눔스퀘어 Light" panose="020B0600000101010101" pitchFamily="50" charset="-127"/>
-                <a:ea typeface="나눔스퀘어 Light" panose="020B0600000101010101" pitchFamily="50" charset="-127"/>
-              </a:rPr>
-              <a:t>Intellij</a:t>
-            </a:r>
-            <a:r>
-              <a:rPr lang="en-US" altLang="ko-KR" dirty="0">
-                <a:latin typeface="나눔스퀘어 Light" panose="020B0600000101010101" pitchFamily="50" charset="-127"/>
-                <a:ea typeface="나눔스퀘어 Light" panose="020B0600000101010101" pitchFamily="50" charset="-127"/>
-              </a:rPr>
-              <a:t> IDEA (Community)</a:t>
-            </a:r>
-            <a:endParaRPr lang="ko-KR" altLang="en-US" dirty="0">
-              <a:latin typeface="나눔스퀘어 Light" panose="020B0600000101010101" pitchFamily="50" charset="-127"/>
-              <a:ea typeface="나눔스퀘어 Light" panose="020B0600000101010101" pitchFamily="50" charset="-127"/>
-            </a:endParaRPr>
-          </a:p>
-        </p:txBody>
-      </p:sp>
-      <p:sp>
-        <p:nvSpPr>
-          <p:cNvPr id="23" name="TextBox 22">
-            <a:extLst>
-              <a:ext uri="{FF2B5EF4-FFF2-40B4-BE49-F238E27FC236}">
-                <a16:creationId xmlns:a16="http://schemas.microsoft.com/office/drawing/2014/main" id="{BEF6E86D-38AB-485A-8AF2-DCDFB231D9F2}"/>
-              </a:ext>
-            </a:extLst>
-          </p:cNvPr>
-          <p:cNvSpPr txBox="1"/>
-          <p:nvPr/>
-        </p:nvSpPr>
-        <p:spPr>
-          <a:xfrm>
-            <a:off x="9410669" y="4805218"/>
-            <a:ext cx="1041567" cy="369332"/>
-          </a:xfrm>
-          <a:prstGeom prst="rect">
-            <a:avLst/>
-          </a:prstGeom>
-          <a:noFill/>
-        </p:spPr>
-        <p:txBody>
-          <a:bodyPr wrap="none" rtlCol="0">
-            <a:spAutoFit/>
-          </a:bodyPr>
-          <a:lstStyle/>
-          <a:p>
-            <a:pPr algn="ctr"/>
-            <a:r>
-              <a:rPr lang="en-US" altLang="ko-KR" dirty="0">
-                <a:latin typeface="나눔스퀘어 Light" panose="020B0600000101010101" pitchFamily="50" charset="-127"/>
-                <a:ea typeface="나눔스퀘어 Light" panose="020B0600000101010101" pitchFamily="50" charset="-127"/>
-              </a:rPr>
-              <a:t>VS Code</a:t>
-            </a:r>
-            <a:endParaRPr lang="ko-KR" altLang="en-US" dirty="0">
-              <a:latin typeface="나눔스퀘어 Light" panose="020B0600000101010101" pitchFamily="50" charset="-127"/>
-              <a:ea typeface="나눔스퀘어 Light" panose="020B0600000101010101" pitchFamily="50" charset="-127"/>
-            </a:endParaRPr>
-          </a:p>
-        </p:txBody>
-      </p:sp>
       <p:pic>
         <p:nvPicPr>
-          <p:cNvPr id="3074" name="Picture 2" descr="Eclipse IDE을 위한 Windows - Uptodown에서 무료로 다운로드하세요">
-            <a:extLst>
-              <a:ext uri="{FF2B5EF4-FFF2-40B4-BE49-F238E27FC236}">
-                <a16:creationId xmlns:a16="http://schemas.microsoft.com/office/drawing/2014/main" id="{D0BCDFB1-6D87-4F97-B6B6-91B0B81A616D}"/>
+          <p:cNvPr id="1026" name="Picture 2" descr="Microsoft Edge 웹 브라우저 다운로드 | Microsoft">
+            <a:extLst>
+              <a:ext uri="{FF2B5EF4-FFF2-40B4-BE49-F238E27FC236}">
+                <a16:creationId xmlns:a16="http://schemas.microsoft.com/office/drawing/2014/main" id="{317427C1-2C60-4ED7-B817-B1779499CFC0}"/>
               </a:ext>
             </a:extLst>
           </p:cNvPr>
@@ -10595,15 +9573,15 @@
               </a:ext>
             </a:extLst>
           </a:blip>
-          <a:srcRect l="4164" t="4164" r="4164" b="4164"/>
+          <a:srcRect l="14174" t="7025" r="13152" b="7066"/>
           <a:stretch/>
         </p:blipFill>
         <p:spPr bwMode="auto">
           <a:xfrm>
-            <a:off x="1492142" y="3003838"/>
-            <a:ext cx="1440000" cy="1440000"/>
-          </a:xfrm>
-          <a:prstGeom prst="ellipse">
+            <a:off x="1546170" y="2889215"/>
+            <a:ext cx="1446815" cy="1440000"/>
+          </a:xfrm>
+          <a:prstGeom prst="rect">
             <a:avLst/>
           </a:prstGeom>
           <a:noFill/>
@@ -10620,10 +9598,10 @@
       </p:pic>
       <p:pic>
         <p:nvPicPr>
-          <p:cNvPr id="3076" name="Picture 4" descr="IntelliJ IDEA Tutorial, IntelliJ IDEA Introduction,History of IntelliJ  IDEA,Comparison between Community and Ultimate Edition,IntelliJ IDEA  Index,Prerequisites,Audience,Problem, - W3cschoool.COM">
-            <a:extLst>
-              <a:ext uri="{FF2B5EF4-FFF2-40B4-BE49-F238E27FC236}">
-                <a16:creationId xmlns:a16="http://schemas.microsoft.com/office/drawing/2014/main" id="{9B9C7B8B-F054-487D-8CE7-5410486E2DF6}"/>
+          <p:cNvPr id="1030" name="Picture 6" descr="Google Chrome Portable을 위한 Windows - Uptodown에서 무료로 다운로드하세요">
+            <a:extLst>
+              <a:ext uri="{FF2B5EF4-FFF2-40B4-BE49-F238E27FC236}">
+                <a16:creationId xmlns:a16="http://schemas.microsoft.com/office/drawing/2014/main" id="{F9C446E9-E131-4CAD-A6D3-E391232AF86A}"/>
               </a:ext>
             </a:extLst>
           </p:cNvPr>
@@ -10640,15 +9618,15 @@
               </a:ext>
             </a:extLst>
           </a:blip>
-          <a:srcRect l="12353" t="2545" r="10800" b="2545"/>
+          <a:srcRect l="4500" t="4500" r="4500" b="4500"/>
           <a:stretch/>
         </p:blipFill>
         <p:spPr bwMode="auto">
           <a:xfrm>
-            <a:off x="5539332" y="3003838"/>
-            <a:ext cx="1165953" cy="1440000"/>
-          </a:xfrm>
-          <a:prstGeom prst="rect">
+            <a:off x="5385032" y="2889215"/>
+            <a:ext cx="1440000" cy="1440000"/>
+          </a:xfrm>
+          <a:prstGeom prst="ellipse">
             <a:avLst/>
           </a:prstGeom>
           <a:noFill/>
@@ -10665,10 +9643,10 @@
       </p:pic>
       <p:pic>
         <p:nvPicPr>
-          <p:cNvPr id="3078" name="Picture 6">
-            <a:extLst>
-              <a:ext uri="{FF2B5EF4-FFF2-40B4-BE49-F238E27FC236}">
-                <a16:creationId xmlns:a16="http://schemas.microsoft.com/office/drawing/2014/main" id="{32234110-3124-40F0-9222-241983571A92}"/>
+          <p:cNvPr id="1032" name="Picture 8" descr="Firefox Browser 다운로드 — Mozilla가 만든 빠르고 사생활 보호를 위한 무료 브라우저">
+            <a:extLst>
+              <a:ext uri="{FF2B5EF4-FFF2-40B4-BE49-F238E27FC236}">
+                <a16:creationId xmlns:a16="http://schemas.microsoft.com/office/drawing/2014/main" id="{229D453D-4424-4172-A0C2-8040FFE54FAE}"/>
               </a:ext>
             </a:extLst>
           </p:cNvPr>
@@ -10678,7 +9656,7 @@
           <p:nvPr/>
         </p:nvPicPr>
         <p:blipFill>
-          <a:blip r:embed="rId4" cstate="print">
+          <a:blip r:embed="rId4">
             <a:extLst>
               <a:ext uri="{28A0092B-C50C-407E-A947-70E740481C1C}">
                 <a14:useLocalDpi xmlns:a14="http://schemas.microsoft.com/office/drawing/2010/main" val="0"/>
@@ -10692,7 +9670,7 @@
         </p:blipFill>
         <p:spPr bwMode="auto">
           <a:xfrm>
-            <a:off x="9312474" y="3003838"/>
+            <a:off x="9217079" y="2889215"/>
             <a:ext cx="1440000" cy="1440000"/>
           </a:xfrm>
           <a:prstGeom prst="rect">
@@ -10710,12 +9688,141 @@
           </a:extLst>
         </p:spPr>
       </p:pic>
+      <p:sp>
+        <p:nvSpPr>
+          <p:cNvPr id="21" name="TextBox 20">
+            <a:extLst>
+              <a:ext uri="{FF2B5EF4-FFF2-40B4-BE49-F238E27FC236}">
+                <a16:creationId xmlns:a16="http://schemas.microsoft.com/office/drawing/2014/main" id="{9737B1CA-CDC6-4B7D-9CB7-FC147EC1312D}"/>
+              </a:ext>
+            </a:extLst>
+          </p:cNvPr>
+          <p:cNvSpPr txBox="1"/>
+          <p:nvPr/>
+        </p:nvSpPr>
+        <p:spPr>
+          <a:xfrm>
+            <a:off x="1394668" y="4810570"/>
+            <a:ext cx="1731756" cy="369332"/>
+          </a:xfrm>
+          <a:prstGeom prst="rect">
+            <a:avLst/>
+          </a:prstGeom>
+          <a:noFill/>
+        </p:spPr>
+        <p:txBody>
+          <a:bodyPr wrap="none" rtlCol="0">
+            <a:spAutoFit/>
+          </a:bodyPr>
+          <a:lstStyle/>
+          <a:p>
+            <a:pPr algn="ctr"/>
+            <a:r>
+              <a:rPr lang="en-US" altLang="ko-KR" dirty="0">
+                <a:latin typeface="나눔스퀘어 Light" panose="020B0600000101010101" pitchFamily="50" charset="-127"/>
+                <a:ea typeface="나눔스퀘어 Light" panose="020B0600000101010101" pitchFamily="50" charset="-127"/>
+              </a:rPr>
+              <a:t>Microsoft Edge</a:t>
+            </a:r>
+            <a:endParaRPr lang="ko-KR" altLang="en-US" dirty="0">
+              <a:latin typeface="나눔스퀘어 Light" panose="020B0600000101010101" pitchFamily="50" charset="-127"/>
+              <a:ea typeface="나눔스퀘어 Light" panose="020B0600000101010101" pitchFamily="50" charset="-127"/>
+            </a:endParaRPr>
+          </a:p>
+        </p:txBody>
+      </p:sp>
+      <p:sp>
+        <p:nvSpPr>
+          <p:cNvPr id="22" name="TextBox 21">
+            <a:extLst>
+              <a:ext uri="{FF2B5EF4-FFF2-40B4-BE49-F238E27FC236}">
+                <a16:creationId xmlns:a16="http://schemas.microsoft.com/office/drawing/2014/main" id="{63C52D1A-3970-411F-8969-9461381BB551}"/>
+              </a:ext>
+            </a:extLst>
+          </p:cNvPr>
+          <p:cNvSpPr txBox="1"/>
+          <p:nvPr/>
+        </p:nvSpPr>
+        <p:spPr>
+          <a:xfrm>
+            <a:off x="5216499" y="4810570"/>
+            <a:ext cx="1759008" cy="369332"/>
+          </a:xfrm>
+          <a:prstGeom prst="rect">
+            <a:avLst/>
+          </a:prstGeom>
+          <a:noFill/>
+        </p:spPr>
+        <p:txBody>
+          <a:bodyPr wrap="none" rtlCol="0">
+            <a:spAutoFit/>
+          </a:bodyPr>
+          <a:lstStyle/>
+          <a:p>
+            <a:pPr algn="ctr"/>
+            <a:r>
+              <a:rPr lang="en-US" altLang="ko-KR" dirty="0">
+                <a:latin typeface="나눔스퀘어 Light" panose="020B0600000101010101" pitchFamily="50" charset="-127"/>
+                <a:ea typeface="나눔스퀘어 Light" panose="020B0600000101010101" pitchFamily="50" charset="-127"/>
+              </a:rPr>
+              <a:t>Google Chrome</a:t>
+            </a:r>
+            <a:endParaRPr lang="ko-KR" altLang="en-US" dirty="0">
+              <a:latin typeface="나눔스퀘어 Light" panose="020B0600000101010101" pitchFamily="50" charset="-127"/>
+              <a:ea typeface="나눔스퀘어 Light" panose="020B0600000101010101" pitchFamily="50" charset="-127"/>
+            </a:endParaRPr>
+          </a:p>
+        </p:txBody>
+      </p:sp>
+      <p:sp>
+        <p:nvSpPr>
+          <p:cNvPr id="23" name="TextBox 22">
+            <a:extLst>
+              <a:ext uri="{FF2B5EF4-FFF2-40B4-BE49-F238E27FC236}">
+                <a16:creationId xmlns:a16="http://schemas.microsoft.com/office/drawing/2014/main" id="{BEF6E86D-38AB-485A-8AF2-DCDFB231D9F2}"/>
+              </a:ext>
+            </a:extLst>
+          </p:cNvPr>
+          <p:cNvSpPr txBox="1"/>
+          <p:nvPr/>
+        </p:nvSpPr>
+        <p:spPr>
+          <a:xfrm>
+            <a:off x="9110940" y="4810570"/>
+            <a:ext cx="1641027" cy="369332"/>
+          </a:xfrm>
+          <a:prstGeom prst="rect">
+            <a:avLst/>
+          </a:prstGeom>
+          <a:noFill/>
+        </p:spPr>
+        <p:txBody>
+          <a:bodyPr wrap="none" rtlCol="0">
+            <a:spAutoFit/>
+          </a:bodyPr>
+          <a:lstStyle/>
+          <a:p>
+            <a:pPr algn="ctr"/>
+            <a:r>
+              <a:rPr lang="en-US" altLang="ko-KR" dirty="0">
+                <a:latin typeface="나눔스퀘어 Light" panose="020B0600000101010101" pitchFamily="50" charset="-127"/>
+                <a:ea typeface="나눔스퀘어 Light" panose="020B0600000101010101" pitchFamily="50" charset="-127"/>
+              </a:rPr>
+              <a:t>Mozilla Firefox</a:t>
+            </a:r>
+            <a:endParaRPr lang="ko-KR" altLang="en-US" dirty="0">
+              <a:latin typeface="나눔스퀘어 Light" panose="020B0600000101010101" pitchFamily="50" charset="-127"/>
+              <a:ea typeface="나눔스퀘어 Light" panose="020B0600000101010101" pitchFamily="50" charset="-127"/>
+            </a:endParaRPr>
+          </a:p>
+        </p:txBody>
+      </p:sp>
       <p:cxnSp>
         <p:nvCxnSpPr>
           <p:cNvPr id="16" name="직선 연결선 15">
             <a:extLst>
               <a:ext uri="{FF2B5EF4-FFF2-40B4-BE49-F238E27FC236}">
-                <a16:creationId xmlns:a16="http://schemas.microsoft.com/office/drawing/2014/main" id="{703A1108-63C8-4B9F-B42F-15BDBDE89069}"/>
+                <a16:creationId xmlns:a16="http://schemas.microsoft.com/office/drawing/2014/main" id="{66A6E8F8-7FDC-43F5-9124-3B6FBD209B51}"/>
               </a:ext>
             </a:extLst>
           </p:cNvPr>
@@ -10758,7 +9865,7 @@
           <p:cNvPr id="17" name="TextBox 16">
             <a:extLst>
               <a:ext uri="{FF2B5EF4-FFF2-40B4-BE49-F238E27FC236}">
-                <a16:creationId xmlns:a16="http://schemas.microsoft.com/office/drawing/2014/main" id="{A65D4124-C9BB-49A7-8B64-D87810E50BA9}"/>
+                <a16:creationId xmlns:a16="http://schemas.microsoft.com/office/drawing/2014/main" id="{1622F56D-1D31-4AB4-902E-3ADCA35EB0A7}"/>
               </a:ext>
             </a:extLst>
           </p:cNvPr>
@@ -10847,7 +9954,7 @@
           <p:cNvPr id="18" name="직선 연결선 17">
             <a:extLst>
               <a:ext uri="{FF2B5EF4-FFF2-40B4-BE49-F238E27FC236}">
-                <a16:creationId xmlns:a16="http://schemas.microsoft.com/office/drawing/2014/main" id="{2DFD7295-69E6-4EBB-9ACA-AFDD6F85D456}"/>
+                <a16:creationId xmlns:a16="http://schemas.microsoft.com/office/drawing/2014/main" id="{03A2AE67-AEAE-4FE0-8EB4-E7A289468FFC}"/>
               </a:ext>
             </a:extLst>
           </p:cNvPr>
@@ -10888,7 +9995,7 @@
     </p:spTree>
     <p:extLst>
       <p:ext uri="{BB962C8B-B14F-4D97-AF65-F5344CB8AC3E}">
-        <p14:creationId xmlns:p14="http://schemas.microsoft.com/office/powerpoint/2010/main" val="3362905244"/>
+        <p14:creationId xmlns:p14="http://schemas.microsoft.com/office/powerpoint/2010/main" val="2687939301"/>
       </p:ext>
     </p:extLst>
   </p:cSld>
@@ -10996,8 +10103,8 @@
         </p:nvSpPr>
         <p:spPr>
           <a:xfrm>
-            <a:off x="740082" y="957104"/>
-            <a:ext cx="5045256" cy="461665"/>
+            <a:off x="748269" y="1247211"/>
+            <a:ext cx="4012893" cy="461665"/>
           </a:xfrm>
           <a:prstGeom prst="rect">
             <a:avLst/>
@@ -11018,7 +10125,7 @@
                 <a:latin typeface="나눔스퀘어 Bold" panose="020B0600000101010101" pitchFamily="50" charset="-127"/>
                 <a:ea typeface="나눔스퀘어 Bold" panose="020B0600000101010101" pitchFamily="50" charset="-127"/>
               </a:rPr>
-              <a:t>사용 언어 및 기술 스택 </a:t>
+              <a:t>사용 툴 </a:t>
             </a:r>
             <a:r>
               <a:rPr lang="en-US" altLang="ko-KR" sz="2400" spc="100" dirty="0">
@@ -11028,15 +10135,18 @@
                 <a:latin typeface="나눔스퀘어 Bold" panose="020B0600000101010101" pitchFamily="50" charset="-127"/>
                 <a:ea typeface="나눔스퀘어 Bold" panose="020B0600000101010101" pitchFamily="50" charset="-127"/>
               </a:rPr>
-              <a:t>– Front End</a:t>
-            </a:r>
-            <a:endParaRPr lang="ko-KR" altLang="en-US" sz="2400" spc="100" dirty="0">
-              <a:solidFill>
-                <a:srgbClr val="44546A"/>
-              </a:solidFill>
-              <a:latin typeface="나눔스퀘어 Bold" panose="020B0600000101010101" pitchFamily="50" charset="-127"/>
-              <a:ea typeface="나눔스퀘어 Bold" panose="020B0600000101010101" pitchFamily="50" charset="-127"/>
-            </a:endParaRPr>
+              <a:t>– </a:t>
+            </a:r>
+            <a:r>
+              <a:rPr lang="ko-KR" altLang="en-US" sz="2400" spc="100" dirty="0">
+                <a:solidFill>
+                  <a:srgbClr val="44546A"/>
+                </a:solidFill>
+                <a:latin typeface="나눔스퀘어 Bold" panose="020B0600000101010101" pitchFamily="50" charset="-127"/>
+                <a:ea typeface="나눔스퀘어 Bold" panose="020B0600000101010101" pitchFamily="50" charset="-127"/>
+              </a:rPr>
+              <a:t>원격 제어 프로그램</a:t>
+            </a:r>
           </a:p>
         </p:txBody>
       </p:sp>
@@ -11054,8 +10164,8 @@
         </p:nvSpPr>
         <p:spPr>
           <a:xfrm>
-            <a:off x="873811" y="1700202"/>
-            <a:ext cx="2484000" cy="2484000"/>
+            <a:off x="748269" y="2307101"/>
+            <a:ext cx="3024554" cy="3024554"/>
           </a:xfrm>
           <a:prstGeom prst="roundRect">
             <a:avLst/>
@@ -11110,8 +10220,8 @@
         </p:nvSpPr>
         <p:spPr>
           <a:xfrm>
-            <a:off x="8834190" y="3975622"/>
-            <a:ext cx="2484000" cy="2484000"/>
+            <a:off x="8419176" y="2307101"/>
+            <a:ext cx="3024554" cy="3024554"/>
           </a:xfrm>
           <a:prstGeom prst="roundRect">
             <a:avLst/>
@@ -11166,8 +10276,8 @@
         </p:nvSpPr>
         <p:spPr>
           <a:xfrm>
-            <a:off x="6172163" y="1700202"/>
-            <a:ext cx="2484000" cy="2484000"/>
+            <a:off x="4583723" y="2307101"/>
+            <a:ext cx="3024554" cy="3024554"/>
           </a:xfrm>
           <a:prstGeom prst="roundRect">
             <a:avLst/>
@@ -11204,128 +10314,26 @@
           <a:lstStyle/>
           <a:p>
             <a:pPr algn="ctr"/>
-            <a:endParaRPr lang="ko-KR" altLang="en-US" dirty="0"/>
+            <a:endParaRPr lang="ko-KR" altLang="en-US"/>
           </a:p>
         </p:txBody>
       </p:sp>
       <p:sp>
         <p:nvSpPr>
-          <p:cNvPr id="17" name="사각형: 둥근 모서리 16">
-            <a:extLst>
-              <a:ext uri="{FF2B5EF4-FFF2-40B4-BE49-F238E27FC236}">
-                <a16:creationId xmlns:a16="http://schemas.microsoft.com/office/drawing/2014/main" id="{658DAFE2-AAC4-4176-BBA1-DD10FC19DB68}"/>
-              </a:ext>
-            </a:extLst>
-          </p:cNvPr>
-          <p:cNvSpPr/>
+          <p:cNvPr id="21" name="TextBox 20">
+            <a:extLst>
+              <a:ext uri="{FF2B5EF4-FFF2-40B4-BE49-F238E27FC236}">
+                <a16:creationId xmlns:a16="http://schemas.microsoft.com/office/drawing/2014/main" id="{9737B1CA-CDC6-4B7D-9CB7-FC147EC1312D}"/>
+              </a:ext>
+            </a:extLst>
+          </p:cNvPr>
+          <p:cNvSpPr txBox="1"/>
           <p:nvPr/>
         </p:nvSpPr>
         <p:spPr>
           <a:xfrm>
-            <a:off x="3535838" y="3975622"/>
-            <a:ext cx="2484000" cy="2484000"/>
-          </a:xfrm>
-          <a:prstGeom prst="roundRect">
-            <a:avLst/>
-          </a:prstGeom>
-          <a:solidFill>
-            <a:schemeClr val="bg1">
-              <a:lumMod val="75000"/>
-              <a:alpha val="69000"/>
-            </a:schemeClr>
-          </a:solidFill>
-          <a:ln>
-            <a:noFill/>
-          </a:ln>
-        </p:spPr>
-        <p:style>
-          <a:lnRef idx="2">
-            <a:schemeClr val="accent1">
-              <a:shade val="50000"/>
-            </a:schemeClr>
-          </a:lnRef>
-          <a:fillRef idx="1">
-            <a:schemeClr val="accent1"/>
-          </a:fillRef>
-          <a:effectRef idx="0">
-            <a:schemeClr val="accent1"/>
-          </a:effectRef>
-          <a:fontRef idx="minor">
-            <a:schemeClr val="lt1"/>
-          </a:fontRef>
-        </p:style>
-        <p:txBody>
-          <a:bodyPr rtlCol="0" anchor="ctr"/>
-          <a:lstStyle/>
-          <a:p>
-            <a:pPr algn="ctr"/>
-            <a:endParaRPr lang="ko-KR" altLang="en-US"/>
-          </a:p>
-        </p:txBody>
-      </p:sp>
-      <p:pic>
-        <p:nvPicPr>
-          <p:cNvPr id="1026" name="Picture 2" descr="HTML5 - 위키백과, 우리 모두의 백과사전">
-            <a:extLst>
-              <a:ext uri="{FF2B5EF4-FFF2-40B4-BE49-F238E27FC236}">
-                <a16:creationId xmlns:a16="http://schemas.microsoft.com/office/drawing/2014/main" id="{3CFDA8AA-884F-4552-B49C-D2B9AF58D347}"/>
-              </a:ext>
-            </a:extLst>
-          </p:cNvPr>
-          <p:cNvPicPr>
-            <a:picLocks noChangeAspect="1" noChangeArrowheads="1"/>
-          </p:cNvPicPr>
-          <p:nvPr/>
-        </p:nvPicPr>
-        <p:blipFill>
-          <a:blip r:embed="rId2" cstate="print">
-            <a:extLst>
-              <a:ext uri="{28A0092B-C50C-407E-A947-70E740481C1C}">
-                <a14:useLocalDpi xmlns:a14="http://schemas.microsoft.com/office/drawing/2010/main" val="0"/>
-              </a:ext>
-            </a:extLst>
-          </a:blip>
-          <a:srcRect/>
-          <a:stretch>
-            <a:fillRect/>
-          </a:stretch>
-        </p:blipFill>
-        <p:spPr bwMode="auto">
-          <a:xfrm>
-            <a:off x="1555395" y="2308170"/>
-            <a:ext cx="1120830" cy="1120830"/>
-          </a:xfrm>
-          <a:prstGeom prst="rect">
-            <a:avLst/>
-          </a:prstGeom>
-          <a:noFill/>
-          <a:extLst>
-            <a:ext uri="{909E8E84-426E-40DD-AFC4-6F175D3DCCD1}">
-              <a14:hiddenFill xmlns:a14="http://schemas.microsoft.com/office/drawing/2010/main">
-                <a:solidFill>
-                  <a:srgbClr val="FFFFFF"/>
-                </a:solidFill>
-              </a14:hiddenFill>
-            </a:ext>
-          </a:extLst>
-        </p:spPr>
-      </p:pic>
-      <p:sp>
-        <p:nvSpPr>
-          <p:cNvPr id="20" name="TextBox 19">
-            <a:extLst>
-              <a:ext uri="{FF2B5EF4-FFF2-40B4-BE49-F238E27FC236}">
-                <a16:creationId xmlns:a16="http://schemas.microsoft.com/office/drawing/2014/main" id="{86D22B18-1ED0-4C99-B7D2-E904C79033FB}"/>
-              </a:ext>
-            </a:extLst>
-          </p:cNvPr>
-          <p:cNvSpPr txBox="1"/>
-          <p:nvPr/>
-        </p:nvSpPr>
-        <p:spPr>
-          <a:xfrm>
-            <a:off x="1725319" y="3658743"/>
-            <a:ext cx="780983" cy="369332"/>
+            <a:off x="1042136" y="4810570"/>
+            <a:ext cx="2436821" cy="338554"/>
           </a:xfrm>
           <a:prstGeom prst="rect">
             <a:avLst/>
@@ -11340,13 +10348,169 @@
           <a:p>
             <a:pPr algn="ctr"/>
             <a:r>
-              <a:rPr lang="en-US" altLang="ko-KR" dirty="0">
+              <a:rPr lang="en-US" altLang="ko-KR" sz="1600" dirty="0">
                 <a:latin typeface="나눔스퀘어 Light" panose="020B0600000101010101" pitchFamily="50" charset="-127"/>
                 <a:ea typeface="나눔스퀘어 Light" panose="020B0600000101010101" pitchFamily="50" charset="-127"/>
               </a:rPr>
-              <a:t>HTML</a:t>
-            </a:r>
-            <a:endParaRPr lang="ko-KR" altLang="en-US" dirty="0">
+              <a:t>PuTTY &amp; </a:t>
+            </a:r>
+            <a:r>
+              <a:rPr lang="en-US" altLang="ko-KR" sz="1600" dirty="0" err="1">
+                <a:latin typeface="나눔스퀘어 Light" panose="020B0600000101010101" pitchFamily="50" charset="-127"/>
+                <a:ea typeface="나눔스퀘어 Light" panose="020B0600000101010101" pitchFamily="50" charset="-127"/>
+              </a:rPr>
+              <a:t>openssh</a:t>
+            </a:r>
+            <a:r>
+              <a:rPr lang="en-US" altLang="ko-KR" sz="1600" dirty="0">
+                <a:latin typeface="나눔스퀘어 Light" panose="020B0600000101010101" pitchFamily="50" charset="-127"/>
+                <a:ea typeface="나눔스퀘어 Light" panose="020B0600000101010101" pitchFamily="50" charset="-127"/>
+              </a:rPr>
+              <a:t>-server</a:t>
+            </a:r>
+            <a:endParaRPr lang="ko-KR" altLang="en-US" sz="1600" dirty="0">
+              <a:latin typeface="나눔스퀘어 Light" panose="020B0600000101010101" pitchFamily="50" charset="-127"/>
+              <a:ea typeface="나눔스퀘어 Light" panose="020B0600000101010101" pitchFamily="50" charset="-127"/>
+            </a:endParaRPr>
+          </a:p>
+        </p:txBody>
+      </p:sp>
+      <p:sp>
+        <p:nvSpPr>
+          <p:cNvPr id="22" name="TextBox 21">
+            <a:extLst>
+              <a:ext uri="{FF2B5EF4-FFF2-40B4-BE49-F238E27FC236}">
+                <a16:creationId xmlns:a16="http://schemas.microsoft.com/office/drawing/2014/main" id="{63C52D1A-3970-411F-8969-9461381BB551}"/>
+              </a:ext>
+            </a:extLst>
+          </p:cNvPr>
+          <p:cNvSpPr txBox="1"/>
+          <p:nvPr/>
+        </p:nvSpPr>
+        <p:spPr>
+          <a:xfrm>
+            <a:off x="4819802" y="4801594"/>
+            <a:ext cx="2552397" cy="338554"/>
+          </a:xfrm>
+          <a:prstGeom prst="rect">
+            <a:avLst/>
+          </a:prstGeom>
+          <a:noFill/>
+        </p:spPr>
+        <p:txBody>
+          <a:bodyPr wrap="square" rtlCol="0">
+            <a:spAutoFit/>
+          </a:bodyPr>
+          <a:lstStyle/>
+          <a:p>
+            <a:pPr algn="ctr"/>
+            <a:r>
+              <a:rPr lang="en-US" altLang="ko-KR" sz="1600" dirty="0" err="1">
+                <a:latin typeface="나눔스퀘어 Light" panose="020B0600000101010101" pitchFamily="50" charset="-127"/>
+                <a:ea typeface="나눔스퀘어 Light" panose="020B0600000101010101" pitchFamily="50" charset="-127"/>
+              </a:rPr>
+              <a:t>mstsc</a:t>
+            </a:r>
+            <a:r>
+              <a:rPr lang="en-US" altLang="ko-KR" sz="1100" dirty="0">
+                <a:latin typeface="나눔스퀘어 Light" panose="020B0600000101010101" pitchFamily="50" charset="-127"/>
+                <a:ea typeface="나눔스퀘어 Light" panose="020B0600000101010101" pitchFamily="50" charset="-127"/>
+              </a:rPr>
+              <a:t>(</a:t>
+            </a:r>
+            <a:r>
+              <a:rPr lang="ko-KR" altLang="en-US" sz="1100" dirty="0">
+                <a:latin typeface="나눔스퀘어 Light" panose="020B0600000101010101" pitchFamily="50" charset="-127"/>
+                <a:ea typeface="나눔스퀘어 Light" panose="020B0600000101010101" pitchFamily="50" charset="-127"/>
+              </a:rPr>
+              <a:t>원격 데스크톱 연결</a:t>
+            </a:r>
+            <a:r>
+              <a:rPr lang="en-US" altLang="ko-KR" sz="1100" dirty="0">
+                <a:latin typeface="나눔스퀘어 Light" panose="020B0600000101010101" pitchFamily="50" charset="-127"/>
+                <a:ea typeface="나눔스퀘어 Light" panose="020B0600000101010101" pitchFamily="50" charset="-127"/>
+              </a:rPr>
+              <a:t>) </a:t>
+            </a:r>
+            <a:r>
+              <a:rPr lang="en-US" altLang="ko-KR" sz="1600" dirty="0">
+                <a:latin typeface="나눔스퀘어 Light" panose="020B0600000101010101" pitchFamily="50" charset="-127"/>
+                <a:ea typeface="나눔스퀘어 Light" panose="020B0600000101010101" pitchFamily="50" charset="-127"/>
+              </a:rPr>
+              <a:t>&amp; </a:t>
+            </a:r>
+            <a:r>
+              <a:rPr lang="en-US" altLang="ko-KR" sz="1600" dirty="0" err="1">
+                <a:latin typeface="나눔스퀘어 Light" panose="020B0600000101010101" pitchFamily="50" charset="-127"/>
+                <a:ea typeface="나눔스퀘어 Light" panose="020B0600000101010101" pitchFamily="50" charset="-127"/>
+              </a:rPr>
+              <a:t>xrdp</a:t>
+            </a:r>
+            <a:endParaRPr lang="ko-KR" altLang="en-US" sz="1600" dirty="0">
+              <a:latin typeface="나눔스퀘어 Light" panose="020B0600000101010101" pitchFamily="50" charset="-127"/>
+              <a:ea typeface="나눔스퀘어 Light" panose="020B0600000101010101" pitchFamily="50" charset="-127"/>
+            </a:endParaRPr>
+          </a:p>
+        </p:txBody>
+      </p:sp>
+      <p:sp>
+        <p:nvSpPr>
+          <p:cNvPr id="23" name="TextBox 22">
+            <a:extLst>
+              <a:ext uri="{FF2B5EF4-FFF2-40B4-BE49-F238E27FC236}">
+                <a16:creationId xmlns:a16="http://schemas.microsoft.com/office/drawing/2014/main" id="{BEF6E86D-38AB-485A-8AF2-DCDFB231D9F2}"/>
+              </a:ext>
+            </a:extLst>
+          </p:cNvPr>
+          <p:cNvSpPr txBox="1"/>
+          <p:nvPr/>
+        </p:nvSpPr>
+        <p:spPr>
+          <a:xfrm>
+            <a:off x="8288996" y="4775357"/>
+            <a:ext cx="3284915" cy="323165"/>
+          </a:xfrm>
+          <a:prstGeom prst="rect">
+            <a:avLst/>
+          </a:prstGeom>
+          <a:noFill/>
+        </p:spPr>
+        <p:txBody>
+          <a:bodyPr wrap="square" rtlCol="0">
+            <a:spAutoFit/>
+          </a:bodyPr>
+          <a:lstStyle/>
+          <a:p>
+            <a:pPr algn="ctr"/>
+            <a:r>
+              <a:rPr lang="en-US" altLang="ko-KR" sz="1500" dirty="0" err="1">
+                <a:latin typeface="나눔스퀘어 Light" panose="020B0600000101010101" pitchFamily="50" charset="-127"/>
+                <a:ea typeface="나눔스퀘어 Light" panose="020B0600000101010101" pitchFamily="50" charset="-127"/>
+              </a:rPr>
+              <a:t>TightVNC</a:t>
+            </a:r>
+            <a:r>
+              <a:rPr lang="en-US" altLang="ko-KR" sz="1500" dirty="0">
+                <a:latin typeface="나눔스퀘어 Light" panose="020B0600000101010101" pitchFamily="50" charset="-127"/>
+                <a:ea typeface="나눔스퀘어 Light" panose="020B0600000101010101" pitchFamily="50" charset="-127"/>
+              </a:rPr>
+              <a:t> Viewer&amp; </a:t>
+            </a:r>
+            <a:r>
+              <a:rPr lang="en-US" altLang="ko-KR" sz="1500" dirty="0" err="1">
+                <a:latin typeface="나눔스퀘어 Light" panose="020B0600000101010101" pitchFamily="50" charset="-127"/>
+                <a:ea typeface="나눔스퀘어 Light" panose="020B0600000101010101" pitchFamily="50" charset="-127"/>
+              </a:rPr>
+              <a:t>tigervnc</a:t>
+            </a:r>
+            <a:r>
+              <a:rPr lang="en-US" altLang="ko-KR" sz="1500" dirty="0">
+                <a:latin typeface="나눔스퀘어 Light" panose="020B0600000101010101" pitchFamily="50" charset="-127"/>
+                <a:ea typeface="나눔스퀘어 Light" panose="020B0600000101010101" pitchFamily="50" charset="-127"/>
+              </a:rPr>
+              <a:t>-server</a:t>
+            </a:r>
+            <a:endParaRPr lang="ko-KR" altLang="en-US" sz="1500" dirty="0">
               <a:latin typeface="나눔스퀘어 Light" panose="020B0600000101010101" pitchFamily="50" charset="-127"/>
               <a:ea typeface="나눔스퀘어 Light" panose="020B0600000101010101" pitchFamily="50" charset="-127"/>
             </a:endParaRPr>
@@ -11355,280 +10519,118 @@
       </p:sp>
       <p:pic>
         <p:nvPicPr>
-          <p:cNvPr id="1028" name="Picture 4" descr="CSS - 위키백과, 우리 모두의 백과사전">
-            <a:extLst>
-              <a:ext uri="{FF2B5EF4-FFF2-40B4-BE49-F238E27FC236}">
-                <a16:creationId xmlns:a16="http://schemas.microsoft.com/office/drawing/2014/main" id="{2D3E63D1-7329-45CC-B007-D7F8D8EB4F0B}"/>
+          <p:cNvPr id="4" name="그림 3">
+            <a:extLst>
+              <a:ext uri="{FF2B5EF4-FFF2-40B4-BE49-F238E27FC236}">
+                <a16:creationId xmlns:a16="http://schemas.microsoft.com/office/drawing/2014/main" id="{4C3B8F8B-3B4B-4A55-8587-12F473A247CF}"/>
               </a:ext>
             </a:extLst>
           </p:cNvPr>
           <p:cNvPicPr>
-            <a:picLocks noChangeAspect="1" noChangeArrowheads="1"/>
+            <a:picLocks noChangeAspect="1"/>
           </p:cNvPicPr>
           <p:nvPr/>
         </p:nvPicPr>
         <p:blipFill>
-          <a:blip r:embed="rId3" cstate="print">
+          <a:blip r:embed="rId2">
             <a:extLst>
               <a:ext uri="{28A0092B-C50C-407E-A947-70E740481C1C}">
                 <a14:useLocalDpi xmlns:a14="http://schemas.microsoft.com/office/drawing/2010/main" val="0"/>
               </a:ext>
             </a:extLst>
           </a:blip>
-          <a:srcRect/>
           <a:stretch>
             <a:fillRect/>
           </a:stretch>
         </p:blipFill>
-        <p:spPr bwMode="auto">
-          <a:xfrm>
-            <a:off x="4373728" y="4647486"/>
-            <a:ext cx="808220" cy="1140272"/>
+        <p:spPr>
+          <a:xfrm>
+            <a:off x="1475159" y="2869259"/>
+            <a:ext cx="1440000" cy="1440000"/>
           </a:xfrm>
           <a:prstGeom prst="rect">
             <a:avLst/>
           </a:prstGeom>
-          <a:noFill/>
-          <a:extLst>
-            <a:ext uri="{909E8E84-426E-40DD-AFC4-6F175D3DCCD1}">
-              <a14:hiddenFill xmlns:a14="http://schemas.microsoft.com/office/drawing/2010/main">
-                <a:solidFill>
-                  <a:srgbClr val="FFFFFF"/>
-                </a:solidFill>
-              </a14:hiddenFill>
-            </a:ext>
-          </a:extLst>
         </p:spPr>
       </p:pic>
-      <p:sp>
-        <p:nvSpPr>
-          <p:cNvPr id="24" name="TextBox 23">
-            <a:extLst>
-              <a:ext uri="{FF2B5EF4-FFF2-40B4-BE49-F238E27FC236}">
-                <a16:creationId xmlns:a16="http://schemas.microsoft.com/office/drawing/2014/main" id="{9E69178D-73D0-4403-8C8F-55F0102E3615}"/>
-              </a:ext>
-            </a:extLst>
-          </p:cNvPr>
-          <p:cNvSpPr txBox="1"/>
-          <p:nvPr/>
-        </p:nvSpPr>
-        <p:spPr>
-          <a:xfrm>
-            <a:off x="4480320" y="5939024"/>
-            <a:ext cx="595036" cy="369332"/>
-          </a:xfrm>
-          <a:prstGeom prst="rect">
-            <a:avLst/>
-          </a:prstGeom>
-          <a:noFill/>
-        </p:spPr>
-        <p:txBody>
-          <a:bodyPr wrap="none" rtlCol="0">
-            <a:spAutoFit/>
-          </a:bodyPr>
-          <a:lstStyle/>
-          <a:p>
-            <a:pPr algn="ctr"/>
-            <a:r>
-              <a:rPr lang="en-US" altLang="ko-KR" dirty="0">
-                <a:latin typeface="나눔스퀘어 Light" panose="020B0600000101010101" pitchFamily="50" charset="-127"/>
-                <a:ea typeface="나눔스퀘어 Light" panose="020B0600000101010101" pitchFamily="50" charset="-127"/>
-              </a:rPr>
-              <a:t>CSS</a:t>
-            </a:r>
-            <a:endParaRPr lang="ko-KR" altLang="en-US" dirty="0">
-              <a:latin typeface="나눔스퀘어 Light" panose="020B0600000101010101" pitchFamily="50" charset="-127"/>
-              <a:ea typeface="나눔스퀘어 Light" panose="020B0600000101010101" pitchFamily="50" charset="-127"/>
-            </a:endParaRPr>
-          </a:p>
-        </p:txBody>
-      </p:sp>
       <p:pic>
         <p:nvPicPr>
-          <p:cNvPr id="1030" name="Picture 6" descr="자바스크립트 공부 독학 사이트 추천">
-            <a:extLst>
-              <a:ext uri="{FF2B5EF4-FFF2-40B4-BE49-F238E27FC236}">
-                <a16:creationId xmlns:a16="http://schemas.microsoft.com/office/drawing/2014/main" id="{BC8F6303-94CF-44BD-AE16-DB7F3C01D5FF}"/>
+          <p:cNvPr id="7" name="그림 6" descr="텍스트, 모니터, 전자기기, 디스플레이이(가) 표시된 사진&#10;&#10;자동 생성된 설명">
+            <a:extLst>
+              <a:ext uri="{FF2B5EF4-FFF2-40B4-BE49-F238E27FC236}">
+                <a16:creationId xmlns:a16="http://schemas.microsoft.com/office/drawing/2014/main" id="{9CB2E0EB-E4C9-4B36-AE06-95FCB691023D}"/>
               </a:ext>
             </a:extLst>
           </p:cNvPr>
           <p:cNvPicPr>
-            <a:picLocks noChangeAspect="1" noChangeArrowheads="1"/>
+            <a:picLocks noChangeAspect="1"/>
           </p:cNvPicPr>
           <p:nvPr/>
         </p:nvPicPr>
         <p:blipFill>
-          <a:blip r:embed="rId4" cstate="print">
+          <a:blip r:embed="rId3">
             <a:extLst>
               <a:ext uri="{28A0092B-C50C-407E-A947-70E740481C1C}">
                 <a14:useLocalDpi xmlns:a14="http://schemas.microsoft.com/office/drawing/2010/main" val="0"/>
               </a:ext>
             </a:extLst>
           </a:blip>
-          <a:srcRect/>
           <a:stretch>
             <a:fillRect/>
           </a:stretch>
         </p:blipFill>
-        <p:spPr bwMode="auto">
-          <a:xfrm>
-            <a:off x="6466841" y="2409636"/>
-            <a:ext cx="1894644" cy="1065132"/>
+        <p:spPr>
+          <a:xfrm>
+            <a:off x="5375999" y="2869259"/>
+            <a:ext cx="1440000" cy="1440000"/>
           </a:xfrm>
           <a:prstGeom prst="rect">
             <a:avLst/>
           </a:prstGeom>
-          <a:noFill/>
-          <a:extLst>
-            <a:ext uri="{909E8E84-426E-40DD-AFC4-6F175D3DCCD1}">
-              <a14:hiddenFill xmlns:a14="http://schemas.microsoft.com/office/drawing/2010/main">
-                <a:solidFill>
-                  <a:srgbClr val="FFFFFF"/>
-                </a:solidFill>
-              </a14:hiddenFill>
-            </a:ext>
-          </a:extLst>
         </p:spPr>
       </p:pic>
-      <p:sp>
-        <p:nvSpPr>
-          <p:cNvPr id="25" name="TextBox 24">
-            <a:extLst>
-              <a:ext uri="{FF2B5EF4-FFF2-40B4-BE49-F238E27FC236}">
-                <a16:creationId xmlns:a16="http://schemas.microsoft.com/office/drawing/2014/main" id="{B4EE4161-4A3F-4359-850C-C52F2408D610}"/>
-              </a:ext>
-            </a:extLst>
-          </p:cNvPr>
-          <p:cNvSpPr txBox="1"/>
-          <p:nvPr/>
-        </p:nvSpPr>
-        <p:spPr>
-          <a:xfrm>
-            <a:off x="6798000" y="3658743"/>
-            <a:ext cx="1232325" cy="369332"/>
-          </a:xfrm>
-          <a:prstGeom prst="rect">
-            <a:avLst/>
-          </a:prstGeom>
-          <a:noFill/>
-        </p:spPr>
-        <p:txBody>
-          <a:bodyPr wrap="none" rtlCol="0">
-            <a:spAutoFit/>
-          </a:bodyPr>
-          <a:lstStyle/>
-          <a:p>
-            <a:pPr algn="ctr"/>
-            <a:r>
-              <a:rPr lang="en-US" altLang="ko-KR" dirty="0">
-                <a:latin typeface="나눔스퀘어 Light" panose="020B0600000101010101" pitchFamily="50" charset="-127"/>
-                <a:ea typeface="나눔스퀘어 Light" panose="020B0600000101010101" pitchFamily="50" charset="-127"/>
-              </a:rPr>
-              <a:t>JavaScript</a:t>
-            </a:r>
-            <a:endParaRPr lang="ko-KR" altLang="en-US" dirty="0">
-              <a:latin typeface="나눔스퀘어 Light" panose="020B0600000101010101" pitchFamily="50" charset="-127"/>
-              <a:ea typeface="나눔스퀘어 Light" panose="020B0600000101010101" pitchFamily="50" charset="-127"/>
-            </a:endParaRPr>
-          </a:p>
-        </p:txBody>
-      </p:sp>
       <p:pic>
         <p:nvPicPr>
-          <p:cNvPr id="1032" name="Picture 8" descr="JSP😇">
-            <a:extLst>
-              <a:ext uri="{FF2B5EF4-FFF2-40B4-BE49-F238E27FC236}">
-                <a16:creationId xmlns:a16="http://schemas.microsoft.com/office/drawing/2014/main" id="{898AA222-C45E-442F-920D-B93210A88C87}"/>
+          <p:cNvPr id="15" name="그림 14">
+            <a:extLst>
+              <a:ext uri="{FF2B5EF4-FFF2-40B4-BE49-F238E27FC236}">
+                <a16:creationId xmlns:a16="http://schemas.microsoft.com/office/drawing/2014/main" id="{8871198E-B34D-4FAF-8701-4275CBD7C405}"/>
               </a:ext>
             </a:extLst>
           </p:cNvPr>
           <p:cNvPicPr>
-            <a:picLocks noChangeAspect="1" noChangeArrowheads="1"/>
+            <a:picLocks noChangeAspect="1"/>
           </p:cNvPicPr>
           <p:nvPr/>
         </p:nvPicPr>
         <p:blipFill>
-          <a:blip r:embed="rId5" cstate="print">
+          <a:blip r:embed="rId4">
             <a:extLst>
               <a:ext uri="{28A0092B-C50C-407E-A947-70E740481C1C}">
                 <a14:useLocalDpi xmlns:a14="http://schemas.microsoft.com/office/drawing/2010/main" val="0"/>
               </a:ext>
             </a:extLst>
           </a:blip>
-          <a:srcRect/>
           <a:stretch>
             <a:fillRect/>
           </a:stretch>
         </p:blipFill>
-        <p:spPr bwMode="auto">
-          <a:xfrm>
-            <a:off x="9516390" y="4657822"/>
-            <a:ext cx="1119600" cy="1119600"/>
+        <p:spPr>
+          <a:xfrm>
+            <a:off x="9276840" y="2869259"/>
+            <a:ext cx="1440000" cy="1440000"/>
           </a:xfrm>
           <a:prstGeom prst="rect">
             <a:avLst/>
           </a:prstGeom>
-          <a:noFill/>
-          <a:extLst>
-            <a:ext uri="{909E8E84-426E-40DD-AFC4-6F175D3DCCD1}">
-              <a14:hiddenFill xmlns:a14="http://schemas.microsoft.com/office/drawing/2010/main">
-                <a:solidFill>
-                  <a:srgbClr val="FFFFFF"/>
-                </a:solidFill>
-              </a14:hiddenFill>
-            </a:ext>
-          </a:extLst>
         </p:spPr>
       </p:pic>
-      <p:sp>
-        <p:nvSpPr>
-          <p:cNvPr id="26" name="TextBox 25">
-            <a:extLst>
-              <a:ext uri="{FF2B5EF4-FFF2-40B4-BE49-F238E27FC236}">
-                <a16:creationId xmlns:a16="http://schemas.microsoft.com/office/drawing/2014/main" id="{6A80BBE1-2FA6-47D7-9464-92A63258B1DE}"/>
-              </a:ext>
-            </a:extLst>
-          </p:cNvPr>
-          <p:cNvSpPr txBox="1"/>
-          <p:nvPr/>
-        </p:nvSpPr>
-        <p:spPr>
-          <a:xfrm>
-            <a:off x="9800314" y="5939024"/>
-            <a:ext cx="551754" cy="369332"/>
-          </a:xfrm>
-          <a:prstGeom prst="rect">
-            <a:avLst/>
-          </a:prstGeom>
-          <a:noFill/>
-        </p:spPr>
-        <p:txBody>
-          <a:bodyPr wrap="none" rtlCol="0">
-            <a:spAutoFit/>
-          </a:bodyPr>
-          <a:lstStyle/>
-          <a:p>
-            <a:pPr algn="ctr"/>
-            <a:r>
-              <a:rPr lang="en-US" altLang="ko-KR" dirty="0">
-                <a:latin typeface="나눔스퀘어 Light" panose="020B0600000101010101" pitchFamily="50" charset="-127"/>
-                <a:ea typeface="나눔스퀘어 Light" panose="020B0600000101010101" pitchFamily="50" charset="-127"/>
-              </a:rPr>
-              <a:t>JSP</a:t>
-            </a:r>
-            <a:endParaRPr lang="ko-KR" altLang="en-US" dirty="0">
-              <a:latin typeface="나눔스퀘어 Light" panose="020B0600000101010101" pitchFamily="50" charset="-127"/>
-              <a:ea typeface="나눔스퀘어 Light" panose="020B0600000101010101" pitchFamily="50" charset="-127"/>
-            </a:endParaRPr>
-          </a:p>
-        </p:txBody>
-      </p:sp>
       <p:cxnSp>
         <p:nvCxnSpPr>
-          <p:cNvPr id="19" name="직선 연결선 18">
-            <a:extLst>
-              <a:ext uri="{FF2B5EF4-FFF2-40B4-BE49-F238E27FC236}">
-                <a16:creationId xmlns:a16="http://schemas.microsoft.com/office/drawing/2014/main" id="{1AC1B5AF-EFD3-4166-B5F5-E43D95E55063}"/>
+          <p:cNvPr id="16" name="직선 연결선 15">
+            <a:extLst>
+              <a:ext uri="{FF2B5EF4-FFF2-40B4-BE49-F238E27FC236}">
+                <a16:creationId xmlns:a16="http://schemas.microsoft.com/office/drawing/2014/main" id="{9D60142B-3630-4C1B-8788-9200A7A85C61}"/>
               </a:ext>
             </a:extLst>
           </p:cNvPr>
@@ -11668,10 +10670,10 @@
       </p:cxnSp>
       <p:sp>
         <p:nvSpPr>
-          <p:cNvPr id="21" name="TextBox 20">
-            <a:extLst>
-              <a:ext uri="{FF2B5EF4-FFF2-40B4-BE49-F238E27FC236}">
-                <a16:creationId xmlns:a16="http://schemas.microsoft.com/office/drawing/2014/main" id="{FC21C084-F349-4AB6-9807-C46F2A708C96}"/>
+          <p:cNvPr id="17" name="TextBox 16">
+            <a:extLst>
+              <a:ext uri="{FF2B5EF4-FFF2-40B4-BE49-F238E27FC236}">
+                <a16:creationId xmlns:a16="http://schemas.microsoft.com/office/drawing/2014/main" id="{EA1669D7-2EA4-4F96-8EB5-356CCDA753EA}"/>
               </a:ext>
             </a:extLst>
           </p:cNvPr>
@@ -11757,10 +10759,10 @@
       </p:sp>
       <p:cxnSp>
         <p:nvCxnSpPr>
-          <p:cNvPr id="22" name="직선 연결선 21">
-            <a:extLst>
-              <a:ext uri="{FF2B5EF4-FFF2-40B4-BE49-F238E27FC236}">
-                <a16:creationId xmlns:a16="http://schemas.microsoft.com/office/drawing/2014/main" id="{E07E1ACE-62E1-4CD2-9317-158104067C63}"/>
+          <p:cNvPr id="18" name="직선 연결선 17">
+            <a:extLst>
+              <a:ext uri="{FF2B5EF4-FFF2-40B4-BE49-F238E27FC236}">
+                <a16:creationId xmlns:a16="http://schemas.microsoft.com/office/drawing/2014/main" id="{DAC17504-9F14-42C5-A373-AF8AC1DCD985}"/>
               </a:ext>
             </a:extLst>
           </p:cNvPr>
@@ -11801,7 +10803,7 @@
     </p:spTree>
     <p:extLst>
       <p:ext uri="{BB962C8B-B14F-4D97-AF65-F5344CB8AC3E}">
-        <p14:creationId xmlns:p14="http://schemas.microsoft.com/office/powerpoint/2010/main" val="2411615329"/>
+        <p14:creationId xmlns:p14="http://schemas.microsoft.com/office/powerpoint/2010/main" val="19864916"/>
       </p:ext>
     </p:extLst>
   </p:cSld>
@@ -11909,8 +10911,8 @@
         </p:nvSpPr>
         <p:spPr>
           <a:xfrm>
-            <a:off x="740082" y="957104"/>
-            <a:ext cx="5045256" cy="461665"/>
+            <a:off x="748269" y="1295512"/>
+            <a:ext cx="4241493" cy="461665"/>
           </a:xfrm>
           <a:prstGeom prst="rect">
             <a:avLst/>
@@ -11931,7 +10933,7 @@
                 <a:latin typeface="나눔스퀘어 Bold" panose="020B0600000101010101" pitchFamily="50" charset="-127"/>
                 <a:ea typeface="나눔스퀘어 Bold" panose="020B0600000101010101" pitchFamily="50" charset="-127"/>
               </a:rPr>
-              <a:t>사용 언어 및 기술 스택 </a:t>
+              <a:t>사용 툴 </a:t>
             </a:r>
             <a:r>
               <a:rPr lang="en-US" altLang="ko-KR" sz="2400" spc="100" dirty="0">
@@ -11941,7 +10943,7 @@
                 <a:latin typeface="나눔스퀘어 Bold" panose="020B0600000101010101" pitchFamily="50" charset="-127"/>
                 <a:ea typeface="나눔스퀘어 Bold" panose="020B0600000101010101" pitchFamily="50" charset="-127"/>
               </a:rPr>
-              <a:t>– Back End</a:t>
+              <a:t>– Code Editor &amp; IDE</a:t>
             </a:r>
             <a:endParaRPr lang="ko-KR" altLang="en-US" sz="2400" spc="100" dirty="0">
               <a:solidFill>
@@ -11967,8 +10969,8 @@
         </p:nvSpPr>
         <p:spPr>
           <a:xfrm>
-            <a:off x="276223" y="4063227"/>
-            <a:ext cx="2160000" cy="2160000"/>
+            <a:off x="748269" y="2307101"/>
+            <a:ext cx="3024554" cy="3024554"/>
           </a:xfrm>
           <a:prstGeom prst="roundRect">
             <a:avLst/>
@@ -12023,8 +11025,8 @@
         </p:nvSpPr>
         <p:spPr>
           <a:xfrm>
-            <a:off x="7339177" y="1579227"/>
-            <a:ext cx="2160000" cy="2160000"/>
+            <a:off x="8419177" y="2307101"/>
+            <a:ext cx="3024554" cy="3024554"/>
           </a:xfrm>
           <a:prstGeom prst="roundRect">
             <a:avLst/>
@@ -12079,8 +11081,8 @@
         </p:nvSpPr>
         <p:spPr>
           <a:xfrm>
-            <a:off x="5016000" y="4063227"/>
-            <a:ext cx="2160000" cy="2160000"/>
+            <a:off x="4583723" y="2307101"/>
+            <a:ext cx="3024554" cy="3024554"/>
           </a:xfrm>
           <a:prstGeom prst="roundRect">
             <a:avLst/>
@@ -12117,125 +11119,152 @@
           <a:lstStyle/>
           <a:p>
             <a:pPr algn="ctr"/>
-            <a:endParaRPr lang="ko-KR" altLang="en-US" dirty="0"/>
+            <a:endParaRPr lang="ko-KR" altLang="en-US"/>
           </a:p>
         </p:txBody>
       </p:sp>
       <p:sp>
         <p:nvSpPr>
-          <p:cNvPr id="17" name="사각형: 둥근 모서리 16">
-            <a:extLst>
-              <a:ext uri="{FF2B5EF4-FFF2-40B4-BE49-F238E27FC236}">
-                <a16:creationId xmlns:a16="http://schemas.microsoft.com/office/drawing/2014/main" id="{658DAFE2-AAC4-4176-BBA1-DD10FC19DB68}"/>
-              </a:ext>
-            </a:extLst>
-          </p:cNvPr>
-          <p:cNvSpPr/>
+          <p:cNvPr id="21" name="TextBox 20">
+            <a:extLst>
+              <a:ext uri="{FF2B5EF4-FFF2-40B4-BE49-F238E27FC236}">
+                <a16:creationId xmlns:a16="http://schemas.microsoft.com/office/drawing/2014/main" id="{9737B1CA-CDC6-4B7D-9CB7-FC147EC1312D}"/>
+              </a:ext>
+            </a:extLst>
+          </p:cNvPr>
+          <p:cNvSpPr txBox="1"/>
           <p:nvPr/>
         </p:nvSpPr>
         <p:spPr>
           <a:xfrm>
-            <a:off x="2692823" y="1579227"/>
-            <a:ext cx="2160000" cy="2160000"/>
-          </a:xfrm>
-          <a:prstGeom prst="roundRect">
-            <a:avLst/>
-          </a:prstGeom>
-          <a:solidFill>
-            <a:schemeClr val="bg1">
-              <a:lumMod val="75000"/>
-              <a:alpha val="69000"/>
-            </a:schemeClr>
-          </a:solidFill>
-          <a:ln>
-            <a:noFill/>
-          </a:ln>
-        </p:spPr>
-        <p:style>
-          <a:lnRef idx="2">
-            <a:schemeClr val="accent1">
-              <a:shade val="50000"/>
-            </a:schemeClr>
-          </a:lnRef>
-          <a:fillRef idx="1">
-            <a:schemeClr val="accent1"/>
-          </a:fillRef>
-          <a:effectRef idx="0">
-            <a:schemeClr val="accent1"/>
-          </a:effectRef>
-          <a:fontRef idx="minor">
-            <a:schemeClr val="lt1"/>
-          </a:fontRef>
-        </p:style>
+            <a:off x="1809141" y="4810570"/>
+            <a:ext cx="902811" cy="369332"/>
+          </a:xfrm>
+          <a:prstGeom prst="rect">
+            <a:avLst/>
+          </a:prstGeom>
+          <a:noFill/>
+        </p:spPr>
         <p:txBody>
-          <a:bodyPr rtlCol="0" anchor="ctr"/>
+          <a:bodyPr wrap="none" rtlCol="0">
+            <a:spAutoFit/>
+          </a:bodyPr>
           <a:lstStyle/>
           <a:p>
             <a:pPr algn="ctr"/>
-            <a:endParaRPr lang="ko-KR" altLang="en-US"/>
+            <a:r>
+              <a:rPr lang="en-US" altLang="ko-KR" dirty="0">
+                <a:latin typeface="나눔스퀘어 Light" panose="020B0600000101010101" pitchFamily="50" charset="-127"/>
+                <a:ea typeface="나눔스퀘어 Light" panose="020B0600000101010101" pitchFamily="50" charset="-127"/>
+              </a:rPr>
+              <a:t>Eclipse</a:t>
+            </a:r>
+            <a:endParaRPr lang="ko-KR" altLang="en-US" dirty="0">
+              <a:latin typeface="나눔스퀘어 Light" panose="020B0600000101010101" pitchFamily="50" charset="-127"/>
+              <a:ea typeface="나눔스퀘어 Light" panose="020B0600000101010101" pitchFamily="50" charset="-127"/>
+            </a:endParaRPr>
           </a:p>
         </p:txBody>
       </p:sp>
       <p:sp>
         <p:nvSpPr>
-          <p:cNvPr id="21" name="사각형: 둥근 모서리 20">
-            <a:extLst>
-              <a:ext uri="{FF2B5EF4-FFF2-40B4-BE49-F238E27FC236}">
-                <a16:creationId xmlns:a16="http://schemas.microsoft.com/office/drawing/2014/main" id="{2A173C5F-5E5C-45DD-9E08-72A115DB01D6}"/>
-              </a:ext>
-            </a:extLst>
-          </p:cNvPr>
-          <p:cNvSpPr/>
+          <p:cNvPr id="22" name="TextBox 21">
+            <a:extLst>
+              <a:ext uri="{FF2B5EF4-FFF2-40B4-BE49-F238E27FC236}">
+                <a16:creationId xmlns:a16="http://schemas.microsoft.com/office/drawing/2014/main" id="{63C52D1A-3970-411F-8969-9461381BB551}"/>
+              </a:ext>
+            </a:extLst>
+          </p:cNvPr>
+          <p:cNvSpPr txBox="1"/>
           <p:nvPr/>
         </p:nvSpPr>
         <p:spPr>
           <a:xfrm>
-            <a:off x="9755777" y="4063227"/>
-            <a:ext cx="2160000" cy="2160000"/>
-          </a:xfrm>
-          <a:prstGeom prst="roundRect">
-            <a:avLst/>
-          </a:prstGeom>
-          <a:solidFill>
-            <a:srgbClr val="5B9BD5">
-              <a:alpha val="71000"/>
-            </a:srgbClr>
-          </a:solidFill>
-          <a:ln>
-            <a:noFill/>
-          </a:ln>
-        </p:spPr>
-        <p:style>
-          <a:lnRef idx="2">
-            <a:schemeClr val="accent1">
-              <a:shade val="50000"/>
-            </a:schemeClr>
-          </a:lnRef>
-          <a:fillRef idx="1">
-            <a:schemeClr val="accent1"/>
-          </a:fillRef>
-          <a:effectRef idx="0">
-            <a:schemeClr val="accent1"/>
-          </a:effectRef>
-          <a:fontRef idx="minor">
-            <a:schemeClr val="lt1"/>
-          </a:fontRef>
-        </p:style>
+            <a:off x="4758617" y="4805218"/>
+            <a:ext cx="2674771" cy="369332"/>
+          </a:xfrm>
+          <a:prstGeom prst="rect">
+            <a:avLst/>
+          </a:prstGeom>
+          <a:noFill/>
+        </p:spPr>
         <p:txBody>
-          <a:bodyPr rtlCol="0" anchor="ctr"/>
+          <a:bodyPr wrap="none" rtlCol="0">
+            <a:spAutoFit/>
+          </a:bodyPr>
           <a:lstStyle/>
           <a:p>
             <a:pPr algn="ctr"/>
-            <a:endParaRPr lang="ko-KR" altLang="en-US" dirty="0"/>
+            <a:r>
+              <a:rPr lang="en-US" altLang="ko-KR" dirty="0" err="1">
+                <a:latin typeface="나눔스퀘어 Light" panose="020B0600000101010101" pitchFamily="50" charset="-127"/>
+                <a:ea typeface="나눔스퀘어 Light" panose="020B0600000101010101" pitchFamily="50" charset="-127"/>
+              </a:rPr>
+              <a:t>Intellij</a:t>
+            </a:r>
+            <a:r>
+              <a:rPr lang="en-US" altLang="ko-KR" dirty="0">
+                <a:latin typeface="나눔스퀘어 Light" panose="020B0600000101010101" pitchFamily="50" charset="-127"/>
+                <a:ea typeface="나눔스퀘어 Light" panose="020B0600000101010101" pitchFamily="50" charset="-127"/>
+              </a:rPr>
+              <a:t> IDEA (Community)</a:t>
+            </a:r>
+            <a:endParaRPr lang="ko-KR" altLang="en-US" dirty="0">
+              <a:latin typeface="나눔스퀘어 Light" panose="020B0600000101010101" pitchFamily="50" charset="-127"/>
+              <a:ea typeface="나눔스퀘어 Light" panose="020B0600000101010101" pitchFamily="50" charset="-127"/>
+            </a:endParaRPr>
+          </a:p>
+        </p:txBody>
+      </p:sp>
+      <p:sp>
+        <p:nvSpPr>
+          <p:cNvPr id="23" name="TextBox 22">
+            <a:extLst>
+              <a:ext uri="{FF2B5EF4-FFF2-40B4-BE49-F238E27FC236}">
+                <a16:creationId xmlns:a16="http://schemas.microsoft.com/office/drawing/2014/main" id="{BEF6E86D-38AB-485A-8AF2-DCDFB231D9F2}"/>
+              </a:ext>
+            </a:extLst>
+          </p:cNvPr>
+          <p:cNvSpPr txBox="1"/>
+          <p:nvPr/>
+        </p:nvSpPr>
+        <p:spPr>
+          <a:xfrm>
+            <a:off x="9410669" y="4805218"/>
+            <a:ext cx="1041567" cy="369332"/>
+          </a:xfrm>
+          <a:prstGeom prst="rect">
+            <a:avLst/>
+          </a:prstGeom>
+          <a:noFill/>
+        </p:spPr>
+        <p:txBody>
+          <a:bodyPr wrap="none" rtlCol="0">
+            <a:spAutoFit/>
+          </a:bodyPr>
+          <a:lstStyle/>
+          <a:p>
+            <a:pPr algn="ctr"/>
+            <a:r>
+              <a:rPr lang="en-US" altLang="ko-KR" dirty="0">
+                <a:latin typeface="나눔스퀘어 Light" panose="020B0600000101010101" pitchFamily="50" charset="-127"/>
+                <a:ea typeface="나눔스퀘어 Light" panose="020B0600000101010101" pitchFamily="50" charset="-127"/>
+              </a:rPr>
+              <a:t>VS Code</a:t>
+            </a:r>
+            <a:endParaRPr lang="ko-KR" altLang="en-US" dirty="0">
+              <a:latin typeface="나눔스퀘어 Light" panose="020B0600000101010101" pitchFamily="50" charset="-127"/>
+              <a:ea typeface="나눔스퀘어 Light" panose="020B0600000101010101" pitchFamily="50" charset="-127"/>
+            </a:endParaRPr>
           </a:p>
         </p:txBody>
       </p:sp>
       <p:pic>
         <p:nvPicPr>
-          <p:cNvPr id="2050" name="Picture 2" descr="java.util.Optional이란?">
-            <a:extLst>
-              <a:ext uri="{FF2B5EF4-FFF2-40B4-BE49-F238E27FC236}">
-                <a16:creationId xmlns:a16="http://schemas.microsoft.com/office/drawing/2014/main" id="{FC406268-E09F-4FD1-80F9-3C0CAFC7D7AA}"/>
+          <p:cNvPr id="3074" name="Picture 2" descr="Eclipse IDE을 위한 Windows - Uptodown에서 무료로 다운로드하세요">
+            <a:extLst>
+              <a:ext uri="{FF2B5EF4-FFF2-40B4-BE49-F238E27FC236}">
+                <a16:creationId xmlns:a16="http://schemas.microsoft.com/office/drawing/2014/main" id="{D0BCDFB1-6D87-4F97-B6B6-91B0B81A616D}"/>
               </a:ext>
             </a:extLst>
           </p:cNvPr>
@@ -12244,8 +11273,98 @@
           </p:cNvPicPr>
           <p:nvPr/>
         </p:nvPicPr>
+        <p:blipFill rotWithShape="1">
+          <a:blip r:embed="rId2">
+            <a:extLst>
+              <a:ext uri="{28A0092B-C50C-407E-A947-70E740481C1C}">
+                <a14:useLocalDpi xmlns:a14="http://schemas.microsoft.com/office/drawing/2010/main" val="0"/>
+              </a:ext>
+            </a:extLst>
+          </a:blip>
+          <a:srcRect l="4164" t="4164" r="4164" b="4164"/>
+          <a:stretch/>
+        </p:blipFill>
+        <p:spPr bwMode="auto">
+          <a:xfrm>
+            <a:off x="1492142" y="3003838"/>
+            <a:ext cx="1440000" cy="1440000"/>
+          </a:xfrm>
+          <a:prstGeom prst="ellipse">
+            <a:avLst/>
+          </a:prstGeom>
+          <a:noFill/>
+          <a:extLst>
+            <a:ext uri="{909E8E84-426E-40DD-AFC4-6F175D3DCCD1}">
+              <a14:hiddenFill xmlns:a14="http://schemas.microsoft.com/office/drawing/2010/main">
+                <a:solidFill>
+                  <a:srgbClr val="FFFFFF"/>
+                </a:solidFill>
+              </a14:hiddenFill>
+            </a:ext>
+          </a:extLst>
+        </p:spPr>
+      </p:pic>
+      <p:pic>
+        <p:nvPicPr>
+          <p:cNvPr id="3076" name="Picture 4" descr="IntelliJ IDEA Tutorial, IntelliJ IDEA Introduction,History of IntelliJ  IDEA,Comparison between Community and Ultimate Edition,IntelliJ IDEA  Index,Prerequisites,Audience,Problem, - W3cschoool.COM">
+            <a:extLst>
+              <a:ext uri="{FF2B5EF4-FFF2-40B4-BE49-F238E27FC236}">
+                <a16:creationId xmlns:a16="http://schemas.microsoft.com/office/drawing/2014/main" id="{9B9C7B8B-F054-487D-8CE7-5410486E2DF6}"/>
+              </a:ext>
+            </a:extLst>
+          </p:cNvPr>
+          <p:cNvPicPr>
+            <a:picLocks noChangeAspect="1" noChangeArrowheads="1"/>
+          </p:cNvPicPr>
+          <p:nvPr/>
+        </p:nvPicPr>
+        <p:blipFill rotWithShape="1">
+          <a:blip r:embed="rId3">
+            <a:extLst>
+              <a:ext uri="{28A0092B-C50C-407E-A947-70E740481C1C}">
+                <a14:useLocalDpi xmlns:a14="http://schemas.microsoft.com/office/drawing/2010/main" val="0"/>
+              </a:ext>
+            </a:extLst>
+          </a:blip>
+          <a:srcRect l="12353" t="2545" r="10800" b="2545"/>
+          <a:stretch/>
+        </p:blipFill>
+        <p:spPr bwMode="auto">
+          <a:xfrm>
+            <a:off x="5539332" y="3003838"/>
+            <a:ext cx="1165953" cy="1440000"/>
+          </a:xfrm>
+          <a:prstGeom prst="rect">
+            <a:avLst/>
+          </a:prstGeom>
+          <a:noFill/>
+          <a:extLst>
+            <a:ext uri="{909E8E84-426E-40DD-AFC4-6F175D3DCCD1}">
+              <a14:hiddenFill xmlns:a14="http://schemas.microsoft.com/office/drawing/2010/main">
+                <a:solidFill>
+                  <a:srgbClr val="FFFFFF"/>
+                </a:solidFill>
+              </a14:hiddenFill>
+            </a:ext>
+          </a:extLst>
+        </p:spPr>
+      </p:pic>
+      <p:pic>
+        <p:nvPicPr>
+          <p:cNvPr id="3078" name="Picture 6">
+            <a:extLst>
+              <a:ext uri="{FF2B5EF4-FFF2-40B4-BE49-F238E27FC236}">
+                <a16:creationId xmlns:a16="http://schemas.microsoft.com/office/drawing/2014/main" id="{32234110-3124-40F0-9222-241983571A92}"/>
+              </a:ext>
+            </a:extLst>
+          </p:cNvPr>
+          <p:cNvPicPr>
+            <a:picLocks noChangeAspect="1" noChangeArrowheads="1"/>
+          </p:cNvPicPr>
+          <p:nvPr/>
+        </p:nvPicPr>
         <p:blipFill>
-          <a:blip r:embed="rId2" cstate="print">
+          <a:blip r:embed="rId4" cstate="print">
             <a:extLst>
               <a:ext uri="{28A0092B-C50C-407E-A947-70E740481C1C}">
                 <a14:useLocalDpi xmlns:a14="http://schemas.microsoft.com/office/drawing/2010/main" val="0"/>
@@ -12259,8 +11378,8 @@
         </p:blipFill>
         <p:spPr bwMode="auto">
           <a:xfrm>
-            <a:off x="585431" y="4608454"/>
-            <a:ext cx="1541584" cy="963490"/>
+            <a:off x="9312474" y="3003838"/>
+            <a:ext cx="1440000" cy="1440000"/>
           </a:xfrm>
           <a:prstGeom prst="rect">
             <a:avLst/>
@@ -12277,415 +11396,12 @@
           </a:extLst>
         </p:spPr>
       </p:pic>
-      <p:sp>
-        <p:nvSpPr>
-          <p:cNvPr id="22" name="TextBox 21">
-            <a:extLst>
-              <a:ext uri="{FF2B5EF4-FFF2-40B4-BE49-F238E27FC236}">
-                <a16:creationId xmlns:a16="http://schemas.microsoft.com/office/drawing/2014/main" id="{01441CC6-7C77-47BB-A86E-9F6554630405}"/>
-              </a:ext>
-            </a:extLst>
-          </p:cNvPr>
-          <p:cNvSpPr txBox="1"/>
-          <p:nvPr/>
-        </p:nvSpPr>
-        <p:spPr>
-          <a:xfrm>
-            <a:off x="1039821" y="5739433"/>
-            <a:ext cx="632802" cy="369332"/>
-          </a:xfrm>
-          <a:prstGeom prst="rect">
-            <a:avLst/>
-          </a:prstGeom>
-          <a:noFill/>
-        </p:spPr>
-        <p:txBody>
-          <a:bodyPr wrap="none" rtlCol="0">
-            <a:spAutoFit/>
-          </a:bodyPr>
-          <a:lstStyle/>
-          <a:p>
-            <a:pPr algn="ctr"/>
-            <a:r>
-              <a:rPr lang="en-US" altLang="ko-KR" dirty="0">
-                <a:latin typeface="나눔스퀘어 Light" panose="020B0600000101010101" pitchFamily="50" charset="-127"/>
-                <a:ea typeface="나눔스퀘어 Light" panose="020B0600000101010101" pitchFamily="50" charset="-127"/>
-              </a:rPr>
-              <a:t>Java</a:t>
-            </a:r>
-            <a:endParaRPr lang="ko-KR" altLang="en-US" dirty="0">
-              <a:latin typeface="나눔스퀘어 Light" panose="020B0600000101010101" pitchFamily="50" charset="-127"/>
-              <a:ea typeface="나눔스퀘어 Light" panose="020B0600000101010101" pitchFamily="50" charset="-127"/>
-            </a:endParaRPr>
-          </a:p>
-        </p:txBody>
-      </p:sp>
-      <p:pic>
-        <p:nvPicPr>
-          <p:cNvPr id="2052" name="Picture 4" descr="Spring Boot) 스타트 스프링 부트 001일차 - 스프링(부트), 빌드툴, VO, Lombok, 어노테이션, Jackson,  ORM, JPA, Hibernate | 오늘도 끄적끄적">
-            <a:extLst>
-              <a:ext uri="{FF2B5EF4-FFF2-40B4-BE49-F238E27FC236}">
-                <a16:creationId xmlns:a16="http://schemas.microsoft.com/office/drawing/2014/main" id="{272446AC-ED9D-4554-8EAE-71005E831EEA}"/>
-              </a:ext>
-            </a:extLst>
-          </p:cNvPr>
-          <p:cNvPicPr>
-            <a:picLocks noChangeAspect="1" noChangeArrowheads="1"/>
-          </p:cNvPicPr>
-          <p:nvPr/>
-        </p:nvPicPr>
-        <p:blipFill>
-          <a:blip r:embed="rId3" cstate="print">
-            <a:extLst>
-              <a:ext uri="{28A0092B-C50C-407E-A947-70E740481C1C}">
-                <a14:useLocalDpi xmlns:a14="http://schemas.microsoft.com/office/drawing/2010/main" val="0"/>
-              </a:ext>
-            </a:extLst>
-          </a:blip>
-          <a:srcRect/>
-          <a:stretch>
-            <a:fillRect/>
-          </a:stretch>
-        </p:blipFill>
-        <p:spPr bwMode="auto">
-          <a:xfrm>
-            <a:off x="3302881" y="2154275"/>
-            <a:ext cx="939884" cy="939884"/>
-          </a:xfrm>
-          <a:prstGeom prst="rect">
-            <a:avLst/>
-          </a:prstGeom>
-          <a:noFill/>
-          <a:extLst>
-            <a:ext uri="{909E8E84-426E-40DD-AFC4-6F175D3DCCD1}">
-              <a14:hiddenFill xmlns:a14="http://schemas.microsoft.com/office/drawing/2010/main">
-                <a:solidFill>
-                  <a:srgbClr val="FFFFFF"/>
-                </a:solidFill>
-              </a14:hiddenFill>
-            </a:ext>
-          </a:extLst>
-        </p:spPr>
-      </p:pic>
-      <p:sp>
-        <p:nvSpPr>
-          <p:cNvPr id="27" name="TextBox 26">
-            <a:extLst>
-              <a:ext uri="{FF2B5EF4-FFF2-40B4-BE49-F238E27FC236}">
-                <a16:creationId xmlns:a16="http://schemas.microsoft.com/office/drawing/2014/main" id="{CF5A1088-5DAC-4E3A-83FC-3873B27D31B0}"/>
-              </a:ext>
-            </a:extLst>
-          </p:cNvPr>
-          <p:cNvSpPr txBox="1"/>
-          <p:nvPr/>
-        </p:nvSpPr>
-        <p:spPr>
-          <a:xfrm>
-            <a:off x="3078564" y="3174388"/>
-            <a:ext cx="1388522" cy="369332"/>
-          </a:xfrm>
-          <a:prstGeom prst="rect">
-            <a:avLst/>
-          </a:prstGeom>
-          <a:noFill/>
-        </p:spPr>
-        <p:txBody>
-          <a:bodyPr wrap="none" rtlCol="0">
-            <a:spAutoFit/>
-          </a:bodyPr>
-          <a:lstStyle/>
-          <a:p>
-            <a:pPr algn="ctr"/>
-            <a:r>
-              <a:rPr lang="en-US" altLang="ko-KR" dirty="0">
-                <a:latin typeface="나눔스퀘어 Light" panose="020B0600000101010101" pitchFamily="50" charset="-127"/>
-                <a:ea typeface="나눔스퀘어 Light" panose="020B0600000101010101" pitchFamily="50" charset="-127"/>
-              </a:rPr>
-              <a:t>Spring Boot</a:t>
-            </a:r>
-            <a:endParaRPr lang="ko-KR" altLang="en-US" dirty="0">
-              <a:latin typeface="나눔스퀘어 Light" panose="020B0600000101010101" pitchFamily="50" charset="-127"/>
-              <a:ea typeface="나눔스퀘어 Light" panose="020B0600000101010101" pitchFamily="50" charset="-127"/>
-            </a:endParaRPr>
-          </a:p>
-        </p:txBody>
-      </p:sp>
-      <p:pic>
-        <p:nvPicPr>
-          <p:cNvPr id="2054" name="Picture 6" descr="아파치 톰캣 - 위키백과, 우리 모두의 백과사전">
-            <a:extLst>
-              <a:ext uri="{FF2B5EF4-FFF2-40B4-BE49-F238E27FC236}">
-                <a16:creationId xmlns:a16="http://schemas.microsoft.com/office/drawing/2014/main" id="{752AA57D-D18D-47E0-91AF-1C83A28884E0}"/>
-              </a:ext>
-            </a:extLst>
-          </p:cNvPr>
-          <p:cNvPicPr>
-            <a:picLocks noChangeAspect="1" noChangeArrowheads="1"/>
-          </p:cNvPicPr>
-          <p:nvPr/>
-        </p:nvPicPr>
-        <p:blipFill>
-          <a:blip r:embed="rId4" cstate="print">
-            <a:extLst>
-              <a:ext uri="{28A0092B-C50C-407E-A947-70E740481C1C}">
-                <a14:useLocalDpi xmlns:a14="http://schemas.microsoft.com/office/drawing/2010/main" val="0"/>
-              </a:ext>
-            </a:extLst>
-          </a:blip>
-          <a:srcRect/>
-          <a:stretch>
-            <a:fillRect/>
-          </a:stretch>
-        </p:blipFill>
-        <p:spPr bwMode="auto">
-          <a:xfrm>
-            <a:off x="5377961" y="4582186"/>
-            <a:ext cx="1436078" cy="1016026"/>
-          </a:xfrm>
-          <a:prstGeom prst="rect">
-            <a:avLst/>
-          </a:prstGeom>
-          <a:noFill/>
-          <a:extLst>
-            <a:ext uri="{909E8E84-426E-40DD-AFC4-6F175D3DCCD1}">
-              <a14:hiddenFill xmlns:a14="http://schemas.microsoft.com/office/drawing/2010/main">
-                <a:solidFill>
-                  <a:srgbClr val="FFFFFF"/>
-                </a:solidFill>
-              </a14:hiddenFill>
-            </a:ext>
-          </a:extLst>
-        </p:spPr>
-      </p:pic>
-      <p:sp>
-        <p:nvSpPr>
-          <p:cNvPr id="28" name="TextBox 27">
-            <a:extLst>
-              <a:ext uri="{FF2B5EF4-FFF2-40B4-BE49-F238E27FC236}">
-                <a16:creationId xmlns:a16="http://schemas.microsoft.com/office/drawing/2014/main" id="{B7461841-150D-4FA3-9412-59AF2BDD78FA}"/>
-              </a:ext>
-            </a:extLst>
-          </p:cNvPr>
-          <p:cNvSpPr txBox="1"/>
-          <p:nvPr/>
-        </p:nvSpPr>
-        <p:spPr>
-          <a:xfrm>
-            <a:off x="5213452" y="5739433"/>
-            <a:ext cx="1765099" cy="369332"/>
-          </a:xfrm>
-          <a:prstGeom prst="rect">
-            <a:avLst/>
-          </a:prstGeom>
-          <a:noFill/>
-        </p:spPr>
-        <p:txBody>
-          <a:bodyPr wrap="none" rtlCol="0">
-            <a:spAutoFit/>
-          </a:bodyPr>
-          <a:lstStyle/>
-          <a:p>
-            <a:pPr algn="ctr"/>
-            <a:r>
-              <a:rPr lang="en-US" altLang="ko-KR" dirty="0">
-                <a:latin typeface="나눔스퀘어 Light" panose="020B0600000101010101" pitchFamily="50" charset="-127"/>
-                <a:ea typeface="나눔스퀘어 Light" panose="020B0600000101010101" pitchFamily="50" charset="-127"/>
-              </a:rPr>
-              <a:t>Apache Tomcat</a:t>
-            </a:r>
-            <a:endParaRPr lang="ko-KR" altLang="en-US" dirty="0">
-              <a:latin typeface="나눔스퀘어 Light" panose="020B0600000101010101" pitchFamily="50" charset="-127"/>
-              <a:ea typeface="나눔스퀘어 Light" panose="020B0600000101010101" pitchFamily="50" charset="-127"/>
-            </a:endParaRPr>
-          </a:p>
-        </p:txBody>
-      </p:sp>
-      <p:pic>
-        <p:nvPicPr>
-          <p:cNvPr id="2056" name="Picture 8" descr="Modern Websocket Client - Apps on Google Play">
-            <a:extLst>
-              <a:ext uri="{FF2B5EF4-FFF2-40B4-BE49-F238E27FC236}">
-                <a16:creationId xmlns:a16="http://schemas.microsoft.com/office/drawing/2014/main" id="{07677092-EBEB-4C17-9928-587103334E98}"/>
-              </a:ext>
-            </a:extLst>
-          </p:cNvPr>
-          <p:cNvPicPr>
-            <a:picLocks noChangeAspect="1" noChangeArrowheads="1"/>
-          </p:cNvPicPr>
-          <p:nvPr/>
-        </p:nvPicPr>
-        <p:blipFill>
-          <a:blip r:embed="rId5" cstate="print">
-            <a:extLst>
-              <a:ext uri="{28A0092B-C50C-407E-A947-70E740481C1C}">
-                <a14:useLocalDpi xmlns:a14="http://schemas.microsoft.com/office/drawing/2010/main" val="0"/>
-              </a:ext>
-            </a:extLst>
-          </a:blip>
-          <a:srcRect/>
-          <a:stretch>
-            <a:fillRect/>
-          </a:stretch>
-        </p:blipFill>
-        <p:spPr bwMode="auto">
-          <a:xfrm>
-            <a:off x="7949234" y="2154275"/>
-            <a:ext cx="939886" cy="939884"/>
-          </a:xfrm>
-          <a:prstGeom prst="rect">
-            <a:avLst/>
-          </a:prstGeom>
-          <a:noFill/>
-          <a:extLst>
-            <a:ext uri="{909E8E84-426E-40DD-AFC4-6F175D3DCCD1}">
-              <a14:hiddenFill xmlns:a14="http://schemas.microsoft.com/office/drawing/2010/main">
-                <a:solidFill>
-                  <a:srgbClr val="FFFFFF"/>
-                </a:solidFill>
-              </a14:hiddenFill>
-            </a:ext>
-          </a:extLst>
-        </p:spPr>
-      </p:pic>
-      <p:sp>
-        <p:nvSpPr>
-          <p:cNvPr id="29" name="TextBox 28">
-            <a:extLst>
-              <a:ext uri="{FF2B5EF4-FFF2-40B4-BE49-F238E27FC236}">
-                <a16:creationId xmlns:a16="http://schemas.microsoft.com/office/drawing/2014/main" id="{1B2E9661-6CFB-48E1-AA60-5F22EA42AE59}"/>
-              </a:ext>
-            </a:extLst>
-          </p:cNvPr>
-          <p:cNvSpPr txBox="1"/>
-          <p:nvPr/>
-        </p:nvSpPr>
-        <p:spPr>
-          <a:xfrm>
-            <a:off x="7714657" y="3174388"/>
-            <a:ext cx="1409040" cy="369332"/>
-          </a:xfrm>
-          <a:prstGeom prst="rect">
-            <a:avLst/>
-          </a:prstGeom>
-          <a:noFill/>
-        </p:spPr>
-        <p:txBody>
-          <a:bodyPr wrap="none" rtlCol="0">
-            <a:spAutoFit/>
-          </a:bodyPr>
-          <a:lstStyle/>
-          <a:p>
-            <a:pPr algn="ctr"/>
-            <a:r>
-              <a:rPr lang="en-US" altLang="ko-KR" dirty="0">
-                <a:latin typeface="나눔스퀘어 Light" panose="020B0600000101010101" pitchFamily="50" charset="-127"/>
-                <a:ea typeface="나눔스퀘어 Light" panose="020B0600000101010101" pitchFamily="50" charset="-127"/>
-              </a:rPr>
-              <a:t>Web Socket</a:t>
-            </a:r>
-            <a:endParaRPr lang="ko-KR" altLang="en-US" dirty="0">
-              <a:latin typeface="나눔스퀘어 Light" panose="020B0600000101010101" pitchFamily="50" charset="-127"/>
-              <a:ea typeface="나눔스퀘어 Light" panose="020B0600000101010101" pitchFamily="50" charset="-127"/>
-            </a:endParaRPr>
-          </a:p>
-        </p:txBody>
-      </p:sp>
-      <p:pic>
-        <p:nvPicPr>
-          <p:cNvPr id="2058" name="Picture 10" descr="CentOS 7 Version Upgrade - ThinkGround">
-            <a:extLst>
-              <a:ext uri="{FF2B5EF4-FFF2-40B4-BE49-F238E27FC236}">
-                <a16:creationId xmlns:a16="http://schemas.microsoft.com/office/drawing/2014/main" id="{289C65EF-A56F-4D90-8501-D40F52A19490}"/>
-              </a:ext>
-            </a:extLst>
-          </p:cNvPr>
-          <p:cNvPicPr>
-            <a:picLocks noChangeAspect="1" noChangeArrowheads="1"/>
-          </p:cNvPicPr>
-          <p:nvPr/>
-        </p:nvPicPr>
-        <p:blipFill>
-          <a:blip r:embed="rId6" cstate="print">
-            <a:extLst>
-              <a:ext uri="{28A0092B-C50C-407E-A947-70E740481C1C}">
-                <a14:useLocalDpi xmlns:a14="http://schemas.microsoft.com/office/drawing/2010/main" val="0"/>
-              </a:ext>
-            </a:extLst>
-          </a:blip>
-          <a:srcRect/>
-          <a:stretch>
-            <a:fillRect/>
-          </a:stretch>
-        </p:blipFill>
-        <p:spPr bwMode="auto">
-          <a:xfrm>
-            <a:off x="9945100" y="4842623"/>
-            <a:ext cx="1781354" cy="601207"/>
-          </a:xfrm>
-          <a:prstGeom prst="rect">
-            <a:avLst/>
-          </a:prstGeom>
-          <a:noFill/>
-          <a:extLst>
-            <a:ext uri="{909E8E84-426E-40DD-AFC4-6F175D3DCCD1}">
-              <a14:hiddenFill xmlns:a14="http://schemas.microsoft.com/office/drawing/2010/main">
-                <a:solidFill>
-                  <a:srgbClr val="FFFFFF"/>
-                </a:solidFill>
-              </a14:hiddenFill>
-            </a:ext>
-          </a:extLst>
-        </p:spPr>
-      </p:pic>
-      <p:sp>
-        <p:nvSpPr>
-          <p:cNvPr id="31" name="TextBox 30">
-            <a:extLst>
-              <a:ext uri="{FF2B5EF4-FFF2-40B4-BE49-F238E27FC236}">
-                <a16:creationId xmlns:a16="http://schemas.microsoft.com/office/drawing/2014/main" id="{37029DE5-DCEB-4004-B02E-5243B45381F2}"/>
-              </a:ext>
-            </a:extLst>
-          </p:cNvPr>
-          <p:cNvSpPr txBox="1"/>
-          <p:nvPr/>
-        </p:nvSpPr>
-        <p:spPr>
-          <a:xfrm>
-            <a:off x="10233242" y="5739433"/>
-            <a:ext cx="1205073" cy="369332"/>
-          </a:xfrm>
-          <a:prstGeom prst="rect">
-            <a:avLst/>
-          </a:prstGeom>
-          <a:noFill/>
-        </p:spPr>
-        <p:txBody>
-          <a:bodyPr wrap="none" rtlCol="0">
-            <a:spAutoFit/>
-          </a:bodyPr>
-          <a:lstStyle/>
-          <a:p>
-            <a:pPr algn="ctr"/>
-            <a:r>
-              <a:rPr lang="en-US" altLang="ko-KR" dirty="0">
-                <a:latin typeface="나눔스퀘어 Light" panose="020B0600000101010101" pitchFamily="50" charset="-127"/>
-                <a:ea typeface="나눔스퀘어 Light" panose="020B0600000101010101" pitchFamily="50" charset="-127"/>
-              </a:rPr>
-              <a:t>Cent OS 7</a:t>
-            </a:r>
-            <a:endParaRPr lang="ko-KR" altLang="en-US" dirty="0">
-              <a:latin typeface="나눔스퀘어 Light" panose="020B0600000101010101" pitchFamily="50" charset="-127"/>
-              <a:ea typeface="나눔스퀘어 Light" panose="020B0600000101010101" pitchFamily="50" charset="-127"/>
-            </a:endParaRPr>
-          </a:p>
-        </p:txBody>
-      </p:sp>
       <p:cxnSp>
         <p:nvCxnSpPr>
-          <p:cNvPr id="23" name="직선 연결선 22">
-            <a:extLst>
-              <a:ext uri="{FF2B5EF4-FFF2-40B4-BE49-F238E27FC236}">
-                <a16:creationId xmlns:a16="http://schemas.microsoft.com/office/drawing/2014/main" id="{FA6624A3-301E-4BD9-B347-8F598597FDBC}"/>
+          <p:cNvPr id="16" name="직선 연결선 15">
+            <a:extLst>
+              <a:ext uri="{FF2B5EF4-FFF2-40B4-BE49-F238E27FC236}">
+                <a16:creationId xmlns:a16="http://schemas.microsoft.com/office/drawing/2014/main" id="{703A1108-63C8-4B9F-B42F-15BDBDE89069}"/>
               </a:ext>
             </a:extLst>
           </p:cNvPr>
@@ -12725,10 +11441,10 @@
       </p:cxnSp>
       <p:sp>
         <p:nvSpPr>
-          <p:cNvPr id="24" name="TextBox 23">
-            <a:extLst>
-              <a:ext uri="{FF2B5EF4-FFF2-40B4-BE49-F238E27FC236}">
-                <a16:creationId xmlns:a16="http://schemas.microsoft.com/office/drawing/2014/main" id="{EE025362-9227-4877-9986-8053D494E92B}"/>
+          <p:cNvPr id="17" name="TextBox 16">
+            <a:extLst>
+              <a:ext uri="{FF2B5EF4-FFF2-40B4-BE49-F238E27FC236}">
+                <a16:creationId xmlns:a16="http://schemas.microsoft.com/office/drawing/2014/main" id="{A65D4124-C9BB-49A7-8B64-D87810E50BA9}"/>
               </a:ext>
             </a:extLst>
           </p:cNvPr>
@@ -12814,10 +11530,10 @@
       </p:sp>
       <p:cxnSp>
         <p:nvCxnSpPr>
-          <p:cNvPr id="25" name="직선 연결선 24">
-            <a:extLst>
-              <a:ext uri="{FF2B5EF4-FFF2-40B4-BE49-F238E27FC236}">
-                <a16:creationId xmlns:a16="http://schemas.microsoft.com/office/drawing/2014/main" id="{7A4B208B-0A25-4CDB-B5DB-650D09C18FA3}"/>
+          <p:cNvPr id="18" name="직선 연결선 17">
+            <a:extLst>
+              <a:ext uri="{FF2B5EF4-FFF2-40B4-BE49-F238E27FC236}">
+                <a16:creationId xmlns:a16="http://schemas.microsoft.com/office/drawing/2014/main" id="{2DFD7295-69E6-4EBB-9ACA-AFDD6F85D456}"/>
               </a:ext>
             </a:extLst>
           </p:cNvPr>
@@ -12858,7 +11574,7 @@
     </p:spTree>
     <p:extLst>
       <p:ext uri="{BB962C8B-B14F-4D97-AF65-F5344CB8AC3E}">
-        <p14:creationId xmlns:p14="http://schemas.microsoft.com/office/powerpoint/2010/main" val="2360214180"/>
+        <p14:creationId xmlns:p14="http://schemas.microsoft.com/office/powerpoint/2010/main" val="3362905244"/>
       </p:ext>
     </p:extLst>
   </p:cSld>
@@ -12935,7 +11651,7 @@
                 <a:latin typeface="나눔스퀘어 ExtraBold" panose="020B0600000101010101" pitchFamily="50" charset="-127"/>
                 <a:ea typeface="나눔스퀘어 ExtraBold" panose="020B0600000101010101" pitchFamily="50" charset="-127"/>
               </a:rPr>
-              <a:t>Ⅳ. </a:t>
+              <a:t>Ⅲ. </a:t>
             </a:r>
             <a:r>
               <a:rPr lang="ko-KR" altLang="en-US" sz="3000" spc="100" dirty="0">
@@ -12947,17 +11663,8 @@
                 <a:latin typeface="나눔스퀘어 ExtraBold" panose="020B0600000101010101" pitchFamily="50" charset="-127"/>
                 <a:ea typeface="나눔스퀘어 ExtraBold" panose="020B0600000101010101" pitchFamily="50" charset="-127"/>
               </a:rPr>
-              <a:t>현재 진행 상황</a:t>
-            </a:r>
-            <a:endParaRPr lang="en-US" altLang="ko-KR" sz="3000" spc="100" dirty="0">
-              <a:solidFill>
-                <a:schemeClr val="tx2">
-                  <a:lumMod val="50000"/>
-                </a:schemeClr>
-              </a:solidFill>
-              <a:latin typeface="나눔스퀘어 ExtraBold" panose="020B0600000101010101" pitchFamily="50" charset="-127"/>
-              <a:ea typeface="나눔스퀘어 ExtraBold" panose="020B0600000101010101" pitchFamily="50" charset="-127"/>
-            </a:endParaRPr>
+              <a:t>구현 기술</a:t>
+            </a:r>
           </a:p>
         </p:txBody>
       </p:sp>
@@ -12975,8 +11682,8 @@
         </p:nvSpPr>
         <p:spPr>
           <a:xfrm>
-            <a:off x="815497" y="1020895"/>
-            <a:ext cx="3207863" cy="461665"/>
+            <a:off x="740082" y="957104"/>
+            <a:ext cx="5045256" cy="461665"/>
           </a:xfrm>
           <a:prstGeom prst="rect">
             <a:avLst/>
@@ -12990,74 +11697,624 @@
           <a:lstStyle/>
           <a:p>
             <a:r>
-              <a:rPr lang="en-US" altLang="ko-KR" sz="2400" spc="100">
+              <a:rPr lang="ko-KR" altLang="en-US" sz="2400" spc="100" dirty="0">
                 <a:solidFill>
                   <a:srgbClr val="44546A"/>
                 </a:solidFill>
                 <a:latin typeface="나눔스퀘어 Bold" panose="020B0600000101010101" pitchFamily="50" charset="-127"/>
                 <a:ea typeface="나눔스퀘어 Bold" panose="020B0600000101010101" pitchFamily="50" charset="-127"/>
               </a:rPr>
-              <a:t>WBS – </a:t>
-            </a:r>
-            <a:r>
-              <a:rPr lang="ko-KR" altLang="en-US" sz="2400" spc="100" dirty="0" err="1">
+              <a:t>사용 언어 및 기술 스택 </a:t>
+            </a:r>
+            <a:r>
+              <a:rPr lang="en-US" altLang="ko-KR" sz="2400" spc="100" dirty="0">
                 <a:solidFill>
                   <a:srgbClr val="44546A"/>
                 </a:solidFill>
                 <a:latin typeface="나눔스퀘어 Bold" panose="020B0600000101010101" pitchFamily="50" charset="-127"/>
                 <a:ea typeface="나눔스퀘어 Bold" panose="020B0600000101010101" pitchFamily="50" charset="-127"/>
               </a:rPr>
-              <a:t>간트</a:t>
-            </a:r>
-            <a:r>
-              <a:rPr lang="ko-KR" altLang="en-US" sz="2400" spc="100" dirty="0">
-                <a:solidFill>
-                  <a:srgbClr val="44546A"/>
-                </a:solidFill>
-                <a:latin typeface="나눔스퀘어 Bold" panose="020B0600000101010101" pitchFamily="50" charset="-127"/>
-                <a:ea typeface="나눔스퀘어 Bold" panose="020B0600000101010101" pitchFamily="50" charset="-127"/>
-              </a:rPr>
-              <a:t> 차트</a:t>
-            </a:r>
+              <a:t>– Front End</a:t>
+            </a:r>
+            <a:endParaRPr lang="ko-KR" altLang="en-US" sz="2400" spc="100" dirty="0">
+              <a:solidFill>
+                <a:srgbClr val="44546A"/>
+              </a:solidFill>
+              <a:latin typeface="나눔스퀘어 Bold" panose="020B0600000101010101" pitchFamily="50" charset="-127"/>
+              <a:ea typeface="나눔스퀘어 Bold" panose="020B0600000101010101" pitchFamily="50" charset="-127"/>
+            </a:endParaRPr>
+          </a:p>
+        </p:txBody>
+      </p:sp>
+      <p:sp>
+        <p:nvSpPr>
+          <p:cNvPr id="10" name="사각형: 둥근 모서리 9">
+            <a:extLst>
+              <a:ext uri="{FF2B5EF4-FFF2-40B4-BE49-F238E27FC236}">
+                <a16:creationId xmlns:a16="http://schemas.microsoft.com/office/drawing/2014/main" id="{A16FBEF5-3F78-4827-8063-7CEC6B517BC6}"/>
+              </a:ext>
+            </a:extLst>
+          </p:cNvPr>
+          <p:cNvSpPr/>
+          <p:nvPr/>
+        </p:nvSpPr>
+        <p:spPr>
+          <a:xfrm>
+            <a:off x="873811" y="1700202"/>
+            <a:ext cx="2484000" cy="2484000"/>
+          </a:xfrm>
+          <a:prstGeom prst="roundRect">
+            <a:avLst/>
+          </a:prstGeom>
+          <a:solidFill>
+            <a:schemeClr val="tx2">
+              <a:lumMod val="20000"/>
+              <a:lumOff val="80000"/>
+              <a:alpha val="69000"/>
+            </a:schemeClr>
+          </a:solidFill>
+          <a:ln>
+            <a:noFill/>
+          </a:ln>
+        </p:spPr>
+        <p:style>
+          <a:lnRef idx="2">
+            <a:schemeClr val="accent1">
+              <a:shade val="50000"/>
+            </a:schemeClr>
+          </a:lnRef>
+          <a:fillRef idx="1">
+            <a:schemeClr val="accent1"/>
+          </a:fillRef>
+          <a:effectRef idx="0">
+            <a:schemeClr val="accent1"/>
+          </a:effectRef>
+          <a:fontRef idx="minor">
+            <a:schemeClr val="lt1"/>
+          </a:fontRef>
+        </p:style>
+        <p:txBody>
+          <a:bodyPr rtlCol="0" anchor="ctr"/>
+          <a:lstStyle/>
+          <a:p>
+            <a:pPr algn="ctr"/>
+            <a:endParaRPr lang="ko-KR" altLang="en-US"/>
+          </a:p>
+        </p:txBody>
+      </p:sp>
+      <p:sp>
+        <p:nvSpPr>
+          <p:cNvPr id="12" name="사각형: 둥근 모서리 11">
+            <a:extLst>
+              <a:ext uri="{FF2B5EF4-FFF2-40B4-BE49-F238E27FC236}">
+                <a16:creationId xmlns:a16="http://schemas.microsoft.com/office/drawing/2014/main" id="{7FB0628A-FE25-4DA9-B334-14448B55685C}"/>
+              </a:ext>
+            </a:extLst>
+          </p:cNvPr>
+          <p:cNvSpPr/>
+          <p:nvPr/>
+        </p:nvSpPr>
+        <p:spPr>
+          <a:xfrm>
+            <a:off x="8834190" y="3975622"/>
+            <a:ext cx="2484000" cy="2484000"/>
+          </a:xfrm>
+          <a:prstGeom prst="roundRect">
+            <a:avLst/>
+          </a:prstGeom>
+          <a:solidFill>
+            <a:schemeClr val="accent1">
+              <a:lumMod val="60000"/>
+              <a:lumOff val="40000"/>
+              <a:alpha val="69000"/>
+            </a:schemeClr>
+          </a:solidFill>
+          <a:ln>
+            <a:noFill/>
+          </a:ln>
+        </p:spPr>
+        <p:style>
+          <a:lnRef idx="2">
+            <a:schemeClr val="accent1">
+              <a:shade val="50000"/>
+            </a:schemeClr>
+          </a:lnRef>
+          <a:fillRef idx="1">
+            <a:schemeClr val="accent1"/>
+          </a:fillRef>
+          <a:effectRef idx="0">
+            <a:schemeClr val="accent1"/>
+          </a:effectRef>
+          <a:fontRef idx="minor">
+            <a:schemeClr val="lt1"/>
+          </a:fontRef>
+        </p:style>
+        <p:txBody>
+          <a:bodyPr rtlCol="0" anchor="ctr"/>
+          <a:lstStyle/>
+          <a:p>
+            <a:pPr algn="ctr"/>
+            <a:endParaRPr lang="ko-KR" altLang="en-US"/>
+          </a:p>
+        </p:txBody>
+      </p:sp>
+      <p:sp>
+        <p:nvSpPr>
+          <p:cNvPr id="13" name="사각형: 둥근 모서리 12">
+            <a:extLst>
+              <a:ext uri="{FF2B5EF4-FFF2-40B4-BE49-F238E27FC236}">
+                <a16:creationId xmlns:a16="http://schemas.microsoft.com/office/drawing/2014/main" id="{4D258816-5E1E-4FC7-8BF4-B46409CD415D}"/>
+              </a:ext>
+            </a:extLst>
+          </p:cNvPr>
+          <p:cNvSpPr/>
+          <p:nvPr/>
+        </p:nvSpPr>
+        <p:spPr>
+          <a:xfrm>
+            <a:off x="6172163" y="1700202"/>
+            <a:ext cx="2484000" cy="2484000"/>
+          </a:xfrm>
+          <a:prstGeom prst="roundRect">
+            <a:avLst/>
+          </a:prstGeom>
+          <a:solidFill>
+            <a:schemeClr val="accent1">
+              <a:lumMod val="40000"/>
+              <a:lumOff val="60000"/>
+              <a:alpha val="71000"/>
+            </a:schemeClr>
+          </a:solidFill>
+          <a:ln>
+            <a:noFill/>
+          </a:ln>
+        </p:spPr>
+        <p:style>
+          <a:lnRef idx="2">
+            <a:schemeClr val="accent1">
+              <a:shade val="50000"/>
+            </a:schemeClr>
+          </a:lnRef>
+          <a:fillRef idx="1">
+            <a:schemeClr val="accent1"/>
+          </a:fillRef>
+          <a:effectRef idx="0">
+            <a:schemeClr val="accent1"/>
+          </a:effectRef>
+          <a:fontRef idx="minor">
+            <a:schemeClr val="lt1"/>
+          </a:fontRef>
+        </p:style>
+        <p:txBody>
+          <a:bodyPr rtlCol="0" anchor="ctr"/>
+          <a:lstStyle/>
+          <a:p>
+            <a:pPr algn="ctr"/>
+            <a:endParaRPr lang="ko-KR" altLang="en-US" dirty="0"/>
+          </a:p>
+        </p:txBody>
+      </p:sp>
+      <p:sp>
+        <p:nvSpPr>
+          <p:cNvPr id="17" name="사각형: 둥근 모서리 16">
+            <a:extLst>
+              <a:ext uri="{FF2B5EF4-FFF2-40B4-BE49-F238E27FC236}">
+                <a16:creationId xmlns:a16="http://schemas.microsoft.com/office/drawing/2014/main" id="{658DAFE2-AAC4-4176-BBA1-DD10FC19DB68}"/>
+              </a:ext>
+            </a:extLst>
+          </p:cNvPr>
+          <p:cNvSpPr/>
+          <p:nvPr/>
+        </p:nvSpPr>
+        <p:spPr>
+          <a:xfrm>
+            <a:off x="3535838" y="3975622"/>
+            <a:ext cx="2484000" cy="2484000"/>
+          </a:xfrm>
+          <a:prstGeom prst="roundRect">
+            <a:avLst/>
+          </a:prstGeom>
+          <a:solidFill>
+            <a:schemeClr val="bg1">
+              <a:lumMod val="75000"/>
+              <a:alpha val="69000"/>
+            </a:schemeClr>
+          </a:solidFill>
+          <a:ln>
+            <a:noFill/>
+          </a:ln>
+        </p:spPr>
+        <p:style>
+          <a:lnRef idx="2">
+            <a:schemeClr val="accent1">
+              <a:shade val="50000"/>
+            </a:schemeClr>
+          </a:lnRef>
+          <a:fillRef idx="1">
+            <a:schemeClr val="accent1"/>
+          </a:fillRef>
+          <a:effectRef idx="0">
+            <a:schemeClr val="accent1"/>
+          </a:effectRef>
+          <a:fontRef idx="minor">
+            <a:schemeClr val="lt1"/>
+          </a:fontRef>
+        </p:style>
+        <p:txBody>
+          <a:bodyPr rtlCol="0" anchor="ctr"/>
+          <a:lstStyle/>
+          <a:p>
+            <a:pPr algn="ctr"/>
+            <a:endParaRPr lang="ko-KR" altLang="en-US"/>
           </a:p>
         </p:txBody>
       </p:sp>
       <p:pic>
         <p:nvPicPr>
-          <p:cNvPr id="7" name="그림 6">
-            <a:extLst>
-              <a:ext uri="{FF2B5EF4-FFF2-40B4-BE49-F238E27FC236}">
-                <a16:creationId xmlns:a16="http://schemas.microsoft.com/office/drawing/2014/main" id="{ACD1376F-C289-4B72-886A-1BA332A564EB}"/>
+          <p:cNvPr id="1026" name="Picture 2" descr="HTML5 - 위키백과, 우리 모두의 백과사전">
+            <a:extLst>
+              <a:ext uri="{FF2B5EF4-FFF2-40B4-BE49-F238E27FC236}">
+                <a16:creationId xmlns:a16="http://schemas.microsoft.com/office/drawing/2014/main" id="{3CFDA8AA-884F-4552-B49C-D2B9AF58D347}"/>
               </a:ext>
             </a:extLst>
           </p:cNvPr>
           <p:cNvPicPr>
-            <a:picLocks noChangeAspect="1"/>
+            <a:picLocks noChangeAspect="1" noChangeArrowheads="1"/>
           </p:cNvPicPr>
           <p:nvPr/>
         </p:nvPicPr>
         <p:blipFill>
-          <a:blip r:embed="rId2"/>
+          <a:blip r:embed="rId2" cstate="print">
+            <a:extLst>
+              <a:ext uri="{28A0092B-C50C-407E-A947-70E740481C1C}">
+                <a14:useLocalDpi xmlns:a14="http://schemas.microsoft.com/office/drawing/2010/main" val="0"/>
+              </a:ext>
+            </a:extLst>
+          </a:blip>
+          <a:srcRect/>
           <a:stretch>
             <a:fillRect/>
           </a:stretch>
         </p:blipFill>
-        <p:spPr>
-          <a:xfrm>
-            <a:off x="1496953" y="1476928"/>
-            <a:ext cx="9198094" cy="5381071"/>
+        <p:spPr bwMode="auto">
+          <a:xfrm>
+            <a:off x="1555395" y="2308170"/>
+            <a:ext cx="1120830" cy="1120830"/>
           </a:xfrm>
           <a:prstGeom prst="rect">
             <a:avLst/>
           </a:prstGeom>
+          <a:noFill/>
+          <a:extLst>
+            <a:ext uri="{909E8E84-426E-40DD-AFC4-6F175D3DCCD1}">
+              <a14:hiddenFill xmlns:a14="http://schemas.microsoft.com/office/drawing/2010/main">
+                <a:solidFill>
+                  <a:srgbClr val="FFFFFF"/>
+                </a:solidFill>
+              </a14:hiddenFill>
+            </a:ext>
+          </a:extLst>
         </p:spPr>
       </p:pic>
+      <p:sp>
+        <p:nvSpPr>
+          <p:cNvPr id="20" name="TextBox 19">
+            <a:extLst>
+              <a:ext uri="{FF2B5EF4-FFF2-40B4-BE49-F238E27FC236}">
+                <a16:creationId xmlns:a16="http://schemas.microsoft.com/office/drawing/2014/main" id="{86D22B18-1ED0-4C99-B7D2-E904C79033FB}"/>
+              </a:ext>
+            </a:extLst>
+          </p:cNvPr>
+          <p:cNvSpPr txBox="1"/>
+          <p:nvPr/>
+        </p:nvSpPr>
+        <p:spPr>
+          <a:xfrm>
+            <a:off x="1725319" y="3658743"/>
+            <a:ext cx="780983" cy="369332"/>
+          </a:xfrm>
+          <a:prstGeom prst="rect">
+            <a:avLst/>
+          </a:prstGeom>
+          <a:noFill/>
+        </p:spPr>
+        <p:txBody>
+          <a:bodyPr wrap="none" rtlCol="0">
+            <a:spAutoFit/>
+          </a:bodyPr>
+          <a:lstStyle/>
+          <a:p>
+            <a:pPr algn="ctr"/>
+            <a:r>
+              <a:rPr lang="en-US" altLang="ko-KR" dirty="0">
+                <a:latin typeface="나눔스퀘어 Light" panose="020B0600000101010101" pitchFamily="50" charset="-127"/>
+                <a:ea typeface="나눔스퀘어 Light" panose="020B0600000101010101" pitchFamily="50" charset="-127"/>
+              </a:rPr>
+              <a:t>HTML</a:t>
+            </a:r>
+            <a:endParaRPr lang="ko-KR" altLang="en-US" dirty="0">
+              <a:latin typeface="나눔스퀘어 Light" panose="020B0600000101010101" pitchFamily="50" charset="-127"/>
+              <a:ea typeface="나눔스퀘어 Light" panose="020B0600000101010101" pitchFamily="50" charset="-127"/>
+            </a:endParaRPr>
+          </a:p>
+        </p:txBody>
+      </p:sp>
+      <p:pic>
+        <p:nvPicPr>
+          <p:cNvPr id="1028" name="Picture 4" descr="CSS - 위키백과, 우리 모두의 백과사전">
+            <a:extLst>
+              <a:ext uri="{FF2B5EF4-FFF2-40B4-BE49-F238E27FC236}">
+                <a16:creationId xmlns:a16="http://schemas.microsoft.com/office/drawing/2014/main" id="{2D3E63D1-7329-45CC-B007-D7F8D8EB4F0B}"/>
+              </a:ext>
+            </a:extLst>
+          </p:cNvPr>
+          <p:cNvPicPr>
+            <a:picLocks noChangeAspect="1" noChangeArrowheads="1"/>
+          </p:cNvPicPr>
+          <p:nvPr/>
+        </p:nvPicPr>
+        <p:blipFill>
+          <a:blip r:embed="rId3" cstate="print">
+            <a:extLst>
+              <a:ext uri="{28A0092B-C50C-407E-A947-70E740481C1C}">
+                <a14:useLocalDpi xmlns:a14="http://schemas.microsoft.com/office/drawing/2010/main" val="0"/>
+              </a:ext>
+            </a:extLst>
+          </a:blip>
+          <a:srcRect/>
+          <a:stretch>
+            <a:fillRect/>
+          </a:stretch>
+        </p:blipFill>
+        <p:spPr bwMode="auto">
+          <a:xfrm>
+            <a:off x="4373728" y="4647486"/>
+            <a:ext cx="808220" cy="1140272"/>
+          </a:xfrm>
+          <a:prstGeom prst="rect">
+            <a:avLst/>
+          </a:prstGeom>
+          <a:noFill/>
+          <a:extLst>
+            <a:ext uri="{909E8E84-426E-40DD-AFC4-6F175D3DCCD1}">
+              <a14:hiddenFill xmlns:a14="http://schemas.microsoft.com/office/drawing/2010/main">
+                <a:solidFill>
+                  <a:srgbClr val="FFFFFF"/>
+                </a:solidFill>
+              </a14:hiddenFill>
+            </a:ext>
+          </a:extLst>
+        </p:spPr>
+      </p:pic>
+      <p:sp>
+        <p:nvSpPr>
+          <p:cNvPr id="24" name="TextBox 23">
+            <a:extLst>
+              <a:ext uri="{FF2B5EF4-FFF2-40B4-BE49-F238E27FC236}">
+                <a16:creationId xmlns:a16="http://schemas.microsoft.com/office/drawing/2014/main" id="{9E69178D-73D0-4403-8C8F-55F0102E3615}"/>
+              </a:ext>
+            </a:extLst>
+          </p:cNvPr>
+          <p:cNvSpPr txBox="1"/>
+          <p:nvPr/>
+        </p:nvSpPr>
+        <p:spPr>
+          <a:xfrm>
+            <a:off x="4480320" y="5939024"/>
+            <a:ext cx="595036" cy="369332"/>
+          </a:xfrm>
+          <a:prstGeom prst="rect">
+            <a:avLst/>
+          </a:prstGeom>
+          <a:noFill/>
+        </p:spPr>
+        <p:txBody>
+          <a:bodyPr wrap="none" rtlCol="0">
+            <a:spAutoFit/>
+          </a:bodyPr>
+          <a:lstStyle/>
+          <a:p>
+            <a:pPr algn="ctr"/>
+            <a:r>
+              <a:rPr lang="en-US" altLang="ko-KR" dirty="0">
+                <a:latin typeface="나눔스퀘어 Light" panose="020B0600000101010101" pitchFamily="50" charset="-127"/>
+                <a:ea typeface="나눔스퀘어 Light" panose="020B0600000101010101" pitchFamily="50" charset="-127"/>
+              </a:rPr>
+              <a:t>CSS</a:t>
+            </a:r>
+            <a:endParaRPr lang="ko-KR" altLang="en-US" dirty="0">
+              <a:latin typeface="나눔스퀘어 Light" panose="020B0600000101010101" pitchFamily="50" charset="-127"/>
+              <a:ea typeface="나눔스퀘어 Light" panose="020B0600000101010101" pitchFamily="50" charset="-127"/>
+            </a:endParaRPr>
+          </a:p>
+        </p:txBody>
+      </p:sp>
+      <p:pic>
+        <p:nvPicPr>
+          <p:cNvPr id="1030" name="Picture 6" descr="자바스크립트 공부 독학 사이트 추천">
+            <a:extLst>
+              <a:ext uri="{FF2B5EF4-FFF2-40B4-BE49-F238E27FC236}">
+                <a16:creationId xmlns:a16="http://schemas.microsoft.com/office/drawing/2014/main" id="{BC8F6303-94CF-44BD-AE16-DB7F3C01D5FF}"/>
+              </a:ext>
+            </a:extLst>
+          </p:cNvPr>
+          <p:cNvPicPr>
+            <a:picLocks noChangeAspect="1" noChangeArrowheads="1"/>
+          </p:cNvPicPr>
+          <p:nvPr/>
+        </p:nvPicPr>
+        <p:blipFill>
+          <a:blip r:embed="rId4" cstate="print">
+            <a:extLst>
+              <a:ext uri="{28A0092B-C50C-407E-A947-70E740481C1C}">
+                <a14:useLocalDpi xmlns:a14="http://schemas.microsoft.com/office/drawing/2010/main" val="0"/>
+              </a:ext>
+            </a:extLst>
+          </a:blip>
+          <a:srcRect/>
+          <a:stretch>
+            <a:fillRect/>
+          </a:stretch>
+        </p:blipFill>
+        <p:spPr bwMode="auto">
+          <a:xfrm>
+            <a:off x="6466841" y="2409636"/>
+            <a:ext cx="1894644" cy="1065132"/>
+          </a:xfrm>
+          <a:prstGeom prst="rect">
+            <a:avLst/>
+          </a:prstGeom>
+          <a:noFill/>
+          <a:extLst>
+            <a:ext uri="{909E8E84-426E-40DD-AFC4-6F175D3DCCD1}">
+              <a14:hiddenFill xmlns:a14="http://schemas.microsoft.com/office/drawing/2010/main">
+                <a:solidFill>
+                  <a:srgbClr val="FFFFFF"/>
+                </a:solidFill>
+              </a14:hiddenFill>
+            </a:ext>
+          </a:extLst>
+        </p:spPr>
+      </p:pic>
+      <p:sp>
+        <p:nvSpPr>
+          <p:cNvPr id="25" name="TextBox 24">
+            <a:extLst>
+              <a:ext uri="{FF2B5EF4-FFF2-40B4-BE49-F238E27FC236}">
+                <a16:creationId xmlns:a16="http://schemas.microsoft.com/office/drawing/2014/main" id="{B4EE4161-4A3F-4359-850C-C52F2408D610}"/>
+              </a:ext>
+            </a:extLst>
+          </p:cNvPr>
+          <p:cNvSpPr txBox="1"/>
+          <p:nvPr/>
+        </p:nvSpPr>
+        <p:spPr>
+          <a:xfrm>
+            <a:off x="6798000" y="3658743"/>
+            <a:ext cx="1232325" cy="369332"/>
+          </a:xfrm>
+          <a:prstGeom prst="rect">
+            <a:avLst/>
+          </a:prstGeom>
+          <a:noFill/>
+        </p:spPr>
+        <p:txBody>
+          <a:bodyPr wrap="none" rtlCol="0">
+            <a:spAutoFit/>
+          </a:bodyPr>
+          <a:lstStyle/>
+          <a:p>
+            <a:pPr algn="ctr"/>
+            <a:r>
+              <a:rPr lang="en-US" altLang="ko-KR" dirty="0">
+                <a:latin typeface="나눔스퀘어 Light" panose="020B0600000101010101" pitchFamily="50" charset="-127"/>
+                <a:ea typeface="나눔스퀘어 Light" panose="020B0600000101010101" pitchFamily="50" charset="-127"/>
+              </a:rPr>
+              <a:t>JavaScript</a:t>
+            </a:r>
+            <a:endParaRPr lang="ko-KR" altLang="en-US" dirty="0">
+              <a:latin typeface="나눔스퀘어 Light" panose="020B0600000101010101" pitchFamily="50" charset="-127"/>
+              <a:ea typeface="나눔스퀘어 Light" panose="020B0600000101010101" pitchFamily="50" charset="-127"/>
+            </a:endParaRPr>
+          </a:p>
+        </p:txBody>
+      </p:sp>
+      <p:pic>
+        <p:nvPicPr>
+          <p:cNvPr id="1032" name="Picture 8" descr="JSP😇">
+            <a:extLst>
+              <a:ext uri="{FF2B5EF4-FFF2-40B4-BE49-F238E27FC236}">
+                <a16:creationId xmlns:a16="http://schemas.microsoft.com/office/drawing/2014/main" id="{898AA222-C45E-442F-920D-B93210A88C87}"/>
+              </a:ext>
+            </a:extLst>
+          </p:cNvPr>
+          <p:cNvPicPr>
+            <a:picLocks noChangeAspect="1" noChangeArrowheads="1"/>
+          </p:cNvPicPr>
+          <p:nvPr/>
+        </p:nvPicPr>
+        <p:blipFill>
+          <a:blip r:embed="rId5" cstate="print">
+            <a:extLst>
+              <a:ext uri="{28A0092B-C50C-407E-A947-70E740481C1C}">
+                <a14:useLocalDpi xmlns:a14="http://schemas.microsoft.com/office/drawing/2010/main" val="0"/>
+              </a:ext>
+            </a:extLst>
+          </a:blip>
+          <a:srcRect/>
+          <a:stretch>
+            <a:fillRect/>
+          </a:stretch>
+        </p:blipFill>
+        <p:spPr bwMode="auto">
+          <a:xfrm>
+            <a:off x="9516390" y="4657822"/>
+            <a:ext cx="1119600" cy="1119600"/>
+          </a:xfrm>
+          <a:prstGeom prst="rect">
+            <a:avLst/>
+          </a:prstGeom>
+          <a:noFill/>
+          <a:extLst>
+            <a:ext uri="{909E8E84-426E-40DD-AFC4-6F175D3DCCD1}">
+              <a14:hiddenFill xmlns:a14="http://schemas.microsoft.com/office/drawing/2010/main">
+                <a:solidFill>
+                  <a:srgbClr val="FFFFFF"/>
+                </a:solidFill>
+              </a14:hiddenFill>
+            </a:ext>
+          </a:extLst>
+        </p:spPr>
+      </p:pic>
+      <p:sp>
+        <p:nvSpPr>
+          <p:cNvPr id="26" name="TextBox 25">
+            <a:extLst>
+              <a:ext uri="{FF2B5EF4-FFF2-40B4-BE49-F238E27FC236}">
+                <a16:creationId xmlns:a16="http://schemas.microsoft.com/office/drawing/2014/main" id="{6A80BBE1-2FA6-47D7-9464-92A63258B1DE}"/>
+              </a:ext>
+            </a:extLst>
+          </p:cNvPr>
+          <p:cNvSpPr txBox="1"/>
+          <p:nvPr/>
+        </p:nvSpPr>
+        <p:spPr>
+          <a:xfrm>
+            <a:off x="9800314" y="5939024"/>
+            <a:ext cx="551754" cy="369332"/>
+          </a:xfrm>
+          <a:prstGeom prst="rect">
+            <a:avLst/>
+          </a:prstGeom>
+          <a:noFill/>
+        </p:spPr>
+        <p:txBody>
+          <a:bodyPr wrap="none" rtlCol="0">
+            <a:spAutoFit/>
+          </a:bodyPr>
+          <a:lstStyle/>
+          <a:p>
+            <a:pPr algn="ctr"/>
+            <a:r>
+              <a:rPr lang="en-US" altLang="ko-KR" dirty="0">
+                <a:latin typeface="나눔스퀘어 Light" panose="020B0600000101010101" pitchFamily="50" charset="-127"/>
+                <a:ea typeface="나눔스퀘어 Light" panose="020B0600000101010101" pitchFamily="50" charset="-127"/>
+              </a:rPr>
+              <a:t>JSP</a:t>
+            </a:r>
+            <a:endParaRPr lang="ko-KR" altLang="en-US" dirty="0">
+              <a:latin typeface="나눔스퀘어 Light" panose="020B0600000101010101" pitchFamily="50" charset="-127"/>
+              <a:ea typeface="나눔스퀘어 Light" panose="020B0600000101010101" pitchFamily="50" charset="-127"/>
+            </a:endParaRPr>
+          </a:p>
+        </p:txBody>
+      </p:sp>
       <p:cxnSp>
         <p:nvCxnSpPr>
-          <p:cNvPr id="10" name="직선 연결선 9">
-            <a:extLst>
-              <a:ext uri="{FF2B5EF4-FFF2-40B4-BE49-F238E27FC236}">
-                <a16:creationId xmlns:a16="http://schemas.microsoft.com/office/drawing/2014/main" id="{B4B3D50C-95BF-40D8-8506-1C01F8728198}"/>
+          <p:cNvPr id="19" name="직선 연결선 18">
+            <a:extLst>
+              <a:ext uri="{FF2B5EF4-FFF2-40B4-BE49-F238E27FC236}">
+                <a16:creationId xmlns:a16="http://schemas.microsoft.com/office/drawing/2014/main" id="{1AC1B5AF-EFD3-4166-B5F5-E43D95E55063}"/>
               </a:ext>
             </a:extLst>
           </p:cNvPr>
@@ -13097,10 +12354,10 @@
       </p:cxnSp>
       <p:sp>
         <p:nvSpPr>
-          <p:cNvPr id="12" name="TextBox 11">
-            <a:extLst>
-              <a:ext uri="{FF2B5EF4-FFF2-40B4-BE49-F238E27FC236}">
-                <a16:creationId xmlns:a16="http://schemas.microsoft.com/office/drawing/2014/main" id="{87DBDE6B-02D6-4BF2-9B6B-ADB3DAC4A102}"/>
+          <p:cNvPr id="21" name="TextBox 20">
+            <a:extLst>
+              <a:ext uri="{FF2B5EF4-FFF2-40B4-BE49-F238E27FC236}">
+                <a16:creationId xmlns:a16="http://schemas.microsoft.com/office/drawing/2014/main" id="{FC21C084-F349-4AB6-9807-C46F2A708C96}"/>
               </a:ext>
             </a:extLst>
           </p:cNvPr>
@@ -13186,10 +12443,10 @@
       </p:sp>
       <p:cxnSp>
         <p:nvCxnSpPr>
-          <p:cNvPr id="13" name="직선 연결선 12">
-            <a:extLst>
-              <a:ext uri="{FF2B5EF4-FFF2-40B4-BE49-F238E27FC236}">
-                <a16:creationId xmlns:a16="http://schemas.microsoft.com/office/drawing/2014/main" id="{0223F870-60F9-4E48-95B3-9CEBC60A755F}"/>
+          <p:cNvPr id="22" name="직선 연결선 21">
+            <a:extLst>
+              <a:ext uri="{FF2B5EF4-FFF2-40B4-BE49-F238E27FC236}">
+                <a16:creationId xmlns:a16="http://schemas.microsoft.com/office/drawing/2014/main" id="{E07E1ACE-62E1-4CD2-9317-158104067C63}"/>
               </a:ext>
             </a:extLst>
           </p:cNvPr>
@@ -13230,7 +12487,7 @@
     </p:spTree>
     <p:extLst>
       <p:ext uri="{BB962C8B-B14F-4D97-AF65-F5344CB8AC3E}">
-        <p14:creationId xmlns:p14="http://schemas.microsoft.com/office/powerpoint/2010/main" val="2565416571"/>
+        <p14:creationId xmlns:p14="http://schemas.microsoft.com/office/powerpoint/2010/main" val="2411615329"/>
       </p:ext>
     </p:extLst>
   </p:cSld>
@@ -13904,6 +13161,1435 @@
                 <a:latin typeface="나눔스퀘어 ExtraBold" panose="020B0600000101010101" pitchFamily="50" charset="-127"/>
                 <a:ea typeface="나눔스퀘어 ExtraBold" panose="020B0600000101010101" pitchFamily="50" charset="-127"/>
               </a:rPr>
+              <a:t>Ⅲ. </a:t>
+            </a:r>
+            <a:r>
+              <a:rPr lang="ko-KR" altLang="en-US" sz="3000" spc="100" dirty="0">
+                <a:solidFill>
+                  <a:schemeClr val="tx2">
+                    <a:lumMod val="50000"/>
+                  </a:schemeClr>
+                </a:solidFill>
+                <a:latin typeface="나눔스퀘어 ExtraBold" panose="020B0600000101010101" pitchFamily="50" charset="-127"/>
+                <a:ea typeface="나눔스퀘어 ExtraBold" panose="020B0600000101010101" pitchFamily="50" charset="-127"/>
+              </a:rPr>
+              <a:t>구현 기술</a:t>
+            </a:r>
+          </a:p>
+        </p:txBody>
+      </p:sp>
+      <p:sp>
+        <p:nvSpPr>
+          <p:cNvPr id="11" name="TextBox 10">
+            <a:extLst>
+              <a:ext uri="{FF2B5EF4-FFF2-40B4-BE49-F238E27FC236}">
+                <a16:creationId xmlns:a16="http://schemas.microsoft.com/office/drawing/2014/main" id="{796A3F55-A310-4812-82DA-85F76DEB9227}"/>
+              </a:ext>
+            </a:extLst>
+          </p:cNvPr>
+          <p:cNvSpPr txBox="1"/>
+          <p:nvPr/>
+        </p:nvSpPr>
+        <p:spPr>
+          <a:xfrm>
+            <a:off x="740082" y="957104"/>
+            <a:ext cx="5045256" cy="461665"/>
+          </a:xfrm>
+          <a:prstGeom prst="rect">
+            <a:avLst/>
+          </a:prstGeom>
+          <a:noFill/>
+        </p:spPr>
+        <p:txBody>
+          <a:bodyPr wrap="square" rtlCol="0">
+            <a:spAutoFit/>
+          </a:bodyPr>
+          <a:lstStyle/>
+          <a:p>
+            <a:r>
+              <a:rPr lang="ko-KR" altLang="en-US" sz="2400" spc="100" dirty="0">
+                <a:solidFill>
+                  <a:srgbClr val="44546A"/>
+                </a:solidFill>
+                <a:latin typeface="나눔스퀘어 Bold" panose="020B0600000101010101" pitchFamily="50" charset="-127"/>
+                <a:ea typeface="나눔스퀘어 Bold" panose="020B0600000101010101" pitchFamily="50" charset="-127"/>
+              </a:rPr>
+              <a:t>사용 언어 및 기술 스택 </a:t>
+            </a:r>
+            <a:r>
+              <a:rPr lang="en-US" altLang="ko-KR" sz="2400" spc="100" dirty="0">
+                <a:solidFill>
+                  <a:srgbClr val="44546A"/>
+                </a:solidFill>
+                <a:latin typeface="나눔스퀘어 Bold" panose="020B0600000101010101" pitchFamily="50" charset="-127"/>
+                <a:ea typeface="나눔스퀘어 Bold" panose="020B0600000101010101" pitchFamily="50" charset="-127"/>
+              </a:rPr>
+              <a:t>– Back End</a:t>
+            </a:r>
+            <a:endParaRPr lang="ko-KR" altLang="en-US" sz="2400" spc="100" dirty="0">
+              <a:solidFill>
+                <a:srgbClr val="44546A"/>
+              </a:solidFill>
+              <a:latin typeface="나눔스퀘어 Bold" panose="020B0600000101010101" pitchFamily="50" charset="-127"/>
+              <a:ea typeface="나눔스퀘어 Bold" panose="020B0600000101010101" pitchFamily="50" charset="-127"/>
+            </a:endParaRPr>
+          </a:p>
+        </p:txBody>
+      </p:sp>
+      <p:sp>
+        <p:nvSpPr>
+          <p:cNvPr id="10" name="사각형: 둥근 모서리 9">
+            <a:extLst>
+              <a:ext uri="{FF2B5EF4-FFF2-40B4-BE49-F238E27FC236}">
+                <a16:creationId xmlns:a16="http://schemas.microsoft.com/office/drawing/2014/main" id="{A16FBEF5-3F78-4827-8063-7CEC6B517BC6}"/>
+              </a:ext>
+            </a:extLst>
+          </p:cNvPr>
+          <p:cNvSpPr/>
+          <p:nvPr/>
+        </p:nvSpPr>
+        <p:spPr>
+          <a:xfrm>
+            <a:off x="276223" y="4063227"/>
+            <a:ext cx="2160000" cy="2160000"/>
+          </a:xfrm>
+          <a:prstGeom prst="roundRect">
+            <a:avLst/>
+          </a:prstGeom>
+          <a:solidFill>
+            <a:schemeClr val="tx2">
+              <a:lumMod val="20000"/>
+              <a:lumOff val="80000"/>
+              <a:alpha val="69000"/>
+            </a:schemeClr>
+          </a:solidFill>
+          <a:ln>
+            <a:noFill/>
+          </a:ln>
+        </p:spPr>
+        <p:style>
+          <a:lnRef idx="2">
+            <a:schemeClr val="accent1">
+              <a:shade val="50000"/>
+            </a:schemeClr>
+          </a:lnRef>
+          <a:fillRef idx="1">
+            <a:schemeClr val="accent1"/>
+          </a:fillRef>
+          <a:effectRef idx="0">
+            <a:schemeClr val="accent1"/>
+          </a:effectRef>
+          <a:fontRef idx="minor">
+            <a:schemeClr val="lt1"/>
+          </a:fontRef>
+        </p:style>
+        <p:txBody>
+          <a:bodyPr rtlCol="0" anchor="ctr"/>
+          <a:lstStyle/>
+          <a:p>
+            <a:pPr algn="ctr"/>
+            <a:endParaRPr lang="ko-KR" altLang="en-US"/>
+          </a:p>
+        </p:txBody>
+      </p:sp>
+      <p:sp>
+        <p:nvSpPr>
+          <p:cNvPr id="12" name="사각형: 둥근 모서리 11">
+            <a:extLst>
+              <a:ext uri="{FF2B5EF4-FFF2-40B4-BE49-F238E27FC236}">
+                <a16:creationId xmlns:a16="http://schemas.microsoft.com/office/drawing/2014/main" id="{7FB0628A-FE25-4DA9-B334-14448B55685C}"/>
+              </a:ext>
+            </a:extLst>
+          </p:cNvPr>
+          <p:cNvSpPr/>
+          <p:nvPr/>
+        </p:nvSpPr>
+        <p:spPr>
+          <a:xfrm>
+            <a:off x="7339177" y="1579227"/>
+            <a:ext cx="2160000" cy="2160000"/>
+          </a:xfrm>
+          <a:prstGeom prst="roundRect">
+            <a:avLst/>
+          </a:prstGeom>
+          <a:solidFill>
+            <a:schemeClr val="accent1">
+              <a:lumMod val="60000"/>
+              <a:lumOff val="40000"/>
+              <a:alpha val="69000"/>
+            </a:schemeClr>
+          </a:solidFill>
+          <a:ln>
+            <a:noFill/>
+          </a:ln>
+        </p:spPr>
+        <p:style>
+          <a:lnRef idx="2">
+            <a:schemeClr val="accent1">
+              <a:shade val="50000"/>
+            </a:schemeClr>
+          </a:lnRef>
+          <a:fillRef idx="1">
+            <a:schemeClr val="accent1"/>
+          </a:fillRef>
+          <a:effectRef idx="0">
+            <a:schemeClr val="accent1"/>
+          </a:effectRef>
+          <a:fontRef idx="minor">
+            <a:schemeClr val="lt1"/>
+          </a:fontRef>
+        </p:style>
+        <p:txBody>
+          <a:bodyPr rtlCol="0" anchor="ctr"/>
+          <a:lstStyle/>
+          <a:p>
+            <a:pPr algn="ctr"/>
+            <a:endParaRPr lang="ko-KR" altLang="en-US"/>
+          </a:p>
+        </p:txBody>
+      </p:sp>
+      <p:sp>
+        <p:nvSpPr>
+          <p:cNvPr id="13" name="사각형: 둥근 모서리 12">
+            <a:extLst>
+              <a:ext uri="{FF2B5EF4-FFF2-40B4-BE49-F238E27FC236}">
+                <a16:creationId xmlns:a16="http://schemas.microsoft.com/office/drawing/2014/main" id="{4D258816-5E1E-4FC7-8BF4-B46409CD415D}"/>
+              </a:ext>
+            </a:extLst>
+          </p:cNvPr>
+          <p:cNvSpPr/>
+          <p:nvPr/>
+        </p:nvSpPr>
+        <p:spPr>
+          <a:xfrm>
+            <a:off x="5016000" y="4063227"/>
+            <a:ext cx="2160000" cy="2160000"/>
+          </a:xfrm>
+          <a:prstGeom prst="roundRect">
+            <a:avLst/>
+          </a:prstGeom>
+          <a:solidFill>
+            <a:schemeClr val="accent1">
+              <a:lumMod val="40000"/>
+              <a:lumOff val="60000"/>
+              <a:alpha val="71000"/>
+            </a:schemeClr>
+          </a:solidFill>
+          <a:ln>
+            <a:noFill/>
+          </a:ln>
+        </p:spPr>
+        <p:style>
+          <a:lnRef idx="2">
+            <a:schemeClr val="accent1">
+              <a:shade val="50000"/>
+            </a:schemeClr>
+          </a:lnRef>
+          <a:fillRef idx="1">
+            <a:schemeClr val="accent1"/>
+          </a:fillRef>
+          <a:effectRef idx="0">
+            <a:schemeClr val="accent1"/>
+          </a:effectRef>
+          <a:fontRef idx="minor">
+            <a:schemeClr val="lt1"/>
+          </a:fontRef>
+        </p:style>
+        <p:txBody>
+          <a:bodyPr rtlCol="0" anchor="ctr"/>
+          <a:lstStyle/>
+          <a:p>
+            <a:pPr algn="ctr"/>
+            <a:endParaRPr lang="ko-KR" altLang="en-US" dirty="0"/>
+          </a:p>
+        </p:txBody>
+      </p:sp>
+      <p:sp>
+        <p:nvSpPr>
+          <p:cNvPr id="17" name="사각형: 둥근 모서리 16">
+            <a:extLst>
+              <a:ext uri="{FF2B5EF4-FFF2-40B4-BE49-F238E27FC236}">
+                <a16:creationId xmlns:a16="http://schemas.microsoft.com/office/drawing/2014/main" id="{658DAFE2-AAC4-4176-BBA1-DD10FC19DB68}"/>
+              </a:ext>
+            </a:extLst>
+          </p:cNvPr>
+          <p:cNvSpPr/>
+          <p:nvPr/>
+        </p:nvSpPr>
+        <p:spPr>
+          <a:xfrm>
+            <a:off x="2692823" y="1579227"/>
+            <a:ext cx="2160000" cy="2160000"/>
+          </a:xfrm>
+          <a:prstGeom prst="roundRect">
+            <a:avLst/>
+          </a:prstGeom>
+          <a:solidFill>
+            <a:schemeClr val="bg1">
+              <a:lumMod val="75000"/>
+              <a:alpha val="69000"/>
+            </a:schemeClr>
+          </a:solidFill>
+          <a:ln>
+            <a:noFill/>
+          </a:ln>
+        </p:spPr>
+        <p:style>
+          <a:lnRef idx="2">
+            <a:schemeClr val="accent1">
+              <a:shade val="50000"/>
+            </a:schemeClr>
+          </a:lnRef>
+          <a:fillRef idx="1">
+            <a:schemeClr val="accent1"/>
+          </a:fillRef>
+          <a:effectRef idx="0">
+            <a:schemeClr val="accent1"/>
+          </a:effectRef>
+          <a:fontRef idx="minor">
+            <a:schemeClr val="lt1"/>
+          </a:fontRef>
+        </p:style>
+        <p:txBody>
+          <a:bodyPr rtlCol="0" anchor="ctr"/>
+          <a:lstStyle/>
+          <a:p>
+            <a:pPr algn="ctr"/>
+            <a:endParaRPr lang="ko-KR" altLang="en-US"/>
+          </a:p>
+        </p:txBody>
+      </p:sp>
+      <p:sp>
+        <p:nvSpPr>
+          <p:cNvPr id="21" name="사각형: 둥근 모서리 20">
+            <a:extLst>
+              <a:ext uri="{FF2B5EF4-FFF2-40B4-BE49-F238E27FC236}">
+                <a16:creationId xmlns:a16="http://schemas.microsoft.com/office/drawing/2014/main" id="{2A173C5F-5E5C-45DD-9E08-72A115DB01D6}"/>
+              </a:ext>
+            </a:extLst>
+          </p:cNvPr>
+          <p:cNvSpPr/>
+          <p:nvPr/>
+        </p:nvSpPr>
+        <p:spPr>
+          <a:xfrm>
+            <a:off x="9755777" y="4063227"/>
+            <a:ext cx="2160000" cy="2160000"/>
+          </a:xfrm>
+          <a:prstGeom prst="roundRect">
+            <a:avLst/>
+          </a:prstGeom>
+          <a:solidFill>
+            <a:srgbClr val="5B9BD5">
+              <a:alpha val="71000"/>
+            </a:srgbClr>
+          </a:solidFill>
+          <a:ln>
+            <a:noFill/>
+          </a:ln>
+        </p:spPr>
+        <p:style>
+          <a:lnRef idx="2">
+            <a:schemeClr val="accent1">
+              <a:shade val="50000"/>
+            </a:schemeClr>
+          </a:lnRef>
+          <a:fillRef idx="1">
+            <a:schemeClr val="accent1"/>
+          </a:fillRef>
+          <a:effectRef idx="0">
+            <a:schemeClr val="accent1"/>
+          </a:effectRef>
+          <a:fontRef idx="minor">
+            <a:schemeClr val="lt1"/>
+          </a:fontRef>
+        </p:style>
+        <p:txBody>
+          <a:bodyPr rtlCol="0" anchor="ctr"/>
+          <a:lstStyle/>
+          <a:p>
+            <a:pPr algn="ctr"/>
+            <a:endParaRPr lang="ko-KR" altLang="en-US" dirty="0"/>
+          </a:p>
+        </p:txBody>
+      </p:sp>
+      <p:pic>
+        <p:nvPicPr>
+          <p:cNvPr id="2050" name="Picture 2" descr="java.util.Optional이란?">
+            <a:extLst>
+              <a:ext uri="{FF2B5EF4-FFF2-40B4-BE49-F238E27FC236}">
+                <a16:creationId xmlns:a16="http://schemas.microsoft.com/office/drawing/2014/main" id="{FC406268-E09F-4FD1-80F9-3C0CAFC7D7AA}"/>
+              </a:ext>
+            </a:extLst>
+          </p:cNvPr>
+          <p:cNvPicPr>
+            <a:picLocks noChangeAspect="1" noChangeArrowheads="1"/>
+          </p:cNvPicPr>
+          <p:nvPr/>
+        </p:nvPicPr>
+        <p:blipFill>
+          <a:blip r:embed="rId2" cstate="print">
+            <a:extLst>
+              <a:ext uri="{28A0092B-C50C-407E-A947-70E740481C1C}">
+                <a14:useLocalDpi xmlns:a14="http://schemas.microsoft.com/office/drawing/2010/main" val="0"/>
+              </a:ext>
+            </a:extLst>
+          </a:blip>
+          <a:srcRect/>
+          <a:stretch>
+            <a:fillRect/>
+          </a:stretch>
+        </p:blipFill>
+        <p:spPr bwMode="auto">
+          <a:xfrm>
+            <a:off x="585431" y="4608454"/>
+            <a:ext cx="1541584" cy="963490"/>
+          </a:xfrm>
+          <a:prstGeom prst="rect">
+            <a:avLst/>
+          </a:prstGeom>
+          <a:noFill/>
+          <a:extLst>
+            <a:ext uri="{909E8E84-426E-40DD-AFC4-6F175D3DCCD1}">
+              <a14:hiddenFill xmlns:a14="http://schemas.microsoft.com/office/drawing/2010/main">
+                <a:solidFill>
+                  <a:srgbClr val="FFFFFF"/>
+                </a:solidFill>
+              </a14:hiddenFill>
+            </a:ext>
+          </a:extLst>
+        </p:spPr>
+      </p:pic>
+      <p:sp>
+        <p:nvSpPr>
+          <p:cNvPr id="22" name="TextBox 21">
+            <a:extLst>
+              <a:ext uri="{FF2B5EF4-FFF2-40B4-BE49-F238E27FC236}">
+                <a16:creationId xmlns:a16="http://schemas.microsoft.com/office/drawing/2014/main" id="{01441CC6-7C77-47BB-A86E-9F6554630405}"/>
+              </a:ext>
+            </a:extLst>
+          </p:cNvPr>
+          <p:cNvSpPr txBox="1"/>
+          <p:nvPr/>
+        </p:nvSpPr>
+        <p:spPr>
+          <a:xfrm>
+            <a:off x="1039821" y="5739433"/>
+            <a:ext cx="632802" cy="369332"/>
+          </a:xfrm>
+          <a:prstGeom prst="rect">
+            <a:avLst/>
+          </a:prstGeom>
+          <a:noFill/>
+        </p:spPr>
+        <p:txBody>
+          <a:bodyPr wrap="none" rtlCol="0">
+            <a:spAutoFit/>
+          </a:bodyPr>
+          <a:lstStyle/>
+          <a:p>
+            <a:pPr algn="ctr"/>
+            <a:r>
+              <a:rPr lang="en-US" altLang="ko-KR" dirty="0">
+                <a:latin typeface="나눔스퀘어 Light" panose="020B0600000101010101" pitchFamily="50" charset="-127"/>
+                <a:ea typeface="나눔스퀘어 Light" panose="020B0600000101010101" pitchFamily="50" charset="-127"/>
+              </a:rPr>
+              <a:t>Java</a:t>
+            </a:r>
+            <a:endParaRPr lang="ko-KR" altLang="en-US" dirty="0">
+              <a:latin typeface="나눔스퀘어 Light" panose="020B0600000101010101" pitchFamily="50" charset="-127"/>
+              <a:ea typeface="나눔스퀘어 Light" panose="020B0600000101010101" pitchFamily="50" charset="-127"/>
+            </a:endParaRPr>
+          </a:p>
+        </p:txBody>
+      </p:sp>
+      <p:pic>
+        <p:nvPicPr>
+          <p:cNvPr id="2052" name="Picture 4" descr="Spring Boot) 스타트 스프링 부트 001일차 - 스프링(부트), 빌드툴, VO, Lombok, 어노테이션, Jackson,  ORM, JPA, Hibernate | 오늘도 끄적끄적">
+            <a:extLst>
+              <a:ext uri="{FF2B5EF4-FFF2-40B4-BE49-F238E27FC236}">
+                <a16:creationId xmlns:a16="http://schemas.microsoft.com/office/drawing/2014/main" id="{272446AC-ED9D-4554-8EAE-71005E831EEA}"/>
+              </a:ext>
+            </a:extLst>
+          </p:cNvPr>
+          <p:cNvPicPr>
+            <a:picLocks noChangeAspect="1" noChangeArrowheads="1"/>
+          </p:cNvPicPr>
+          <p:nvPr/>
+        </p:nvPicPr>
+        <p:blipFill>
+          <a:blip r:embed="rId3" cstate="print">
+            <a:extLst>
+              <a:ext uri="{28A0092B-C50C-407E-A947-70E740481C1C}">
+                <a14:useLocalDpi xmlns:a14="http://schemas.microsoft.com/office/drawing/2010/main" val="0"/>
+              </a:ext>
+            </a:extLst>
+          </a:blip>
+          <a:srcRect/>
+          <a:stretch>
+            <a:fillRect/>
+          </a:stretch>
+        </p:blipFill>
+        <p:spPr bwMode="auto">
+          <a:xfrm>
+            <a:off x="3302881" y="2154275"/>
+            <a:ext cx="939884" cy="939884"/>
+          </a:xfrm>
+          <a:prstGeom prst="rect">
+            <a:avLst/>
+          </a:prstGeom>
+          <a:noFill/>
+          <a:extLst>
+            <a:ext uri="{909E8E84-426E-40DD-AFC4-6F175D3DCCD1}">
+              <a14:hiddenFill xmlns:a14="http://schemas.microsoft.com/office/drawing/2010/main">
+                <a:solidFill>
+                  <a:srgbClr val="FFFFFF"/>
+                </a:solidFill>
+              </a14:hiddenFill>
+            </a:ext>
+          </a:extLst>
+        </p:spPr>
+      </p:pic>
+      <p:sp>
+        <p:nvSpPr>
+          <p:cNvPr id="27" name="TextBox 26">
+            <a:extLst>
+              <a:ext uri="{FF2B5EF4-FFF2-40B4-BE49-F238E27FC236}">
+                <a16:creationId xmlns:a16="http://schemas.microsoft.com/office/drawing/2014/main" id="{CF5A1088-5DAC-4E3A-83FC-3873B27D31B0}"/>
+              </a:ext>
+            </a:extLst>
+          </p:cNvPr>
+          <p:cNvSpPr txBox="1"/>
+          <p:nvPr/>
+        </p:nvSpPr>
+        <p:spPr>
+          <a:xfrm>
+            <a:off x="3078564" y="3174388"/>
+            <a:ext cx="1388522" cy="369332"/>
+          </a:xfrm>
+          <a:prstGeom prst="rect">
+            <a:avLst/>
+          </a:prstGeom>
+          <a:noFill/>
+        </p:spPr>
+        <p:txBody>
+          <a:bodyPr wrap="none" rtlCol="0">
+            <a:spAutoFit/>
+          </a:bodyPr>
+          <a:lstStyle/>
+          <a:p>
+            <a:pPr algn="ctr"/>
+            <a:r>
+              <a:rPr lang="en-US" altLang="ko-KR" dirty="0">
+                <a:latin typeface="나눔스퀘어 Light" panose="020B0600000101010101" pitchFamily="50" charset="-127"/>
+                <a:ea typeface="나눔스퀘어 Light" panose="020B0600000101010101" pitchFamily="50" charset="-127"/>
+              </a:rPr>
+              <a:t>Spring Boot</a:t>
+            </a:r>
+            <a:endParaRPr lang="ko-KR" altLang="en-US" dirty="0">
+              <a:latin typeface="나눔스퀘어 Light" panose="020B0600000101010101" pitchFamily="50" charset="-127"/>
+              <a:ea typeface="나눔스퀘어 Light" panose="020B0600000101010101" pitchFamily="50" charset="-127"/>
+            </a:endParaRPr>
+          </a:p>
+        </p:txBody>
+      </p:sp>
+      <p:pic>
+        <p:nvPicPr>
+          <p:cNvPr id="2054" name="Picture 6" descr="아파치 톰캣 - 위키백과, 우리 모두의 백과사전">
+            <a:extLst>
+              <a:ext uri="{FF2B5EF4-FFF2-40B4-BE49-F238E27FC236}">
+                <a16:creationId xmlns:a16="http://schemas.microsoft.com/office/drawing/2014/main" id="{752AA57D-D18D-47E0-91AF-1C83A28884E0}"/>
+              </a:ext>
+            </a:extLst>
+          </p:cNvPr>
+          <p:cNvPicPr>
+            <a:picLocks noChangeAspect="1" noChangeArrowheads="1"/>
+          </p:cNvPicPr>
+          <p:nvPr/>
+        </p:nvPicPr>
+        <p:blipFill>
+          <a:blip r:embed="rId4" cstate="print">
+            <a:extLst>
+              <a:ext uri="{28A0092B-C50C-407E-A947-70E740481C1C}">
+                <a14:useLocalDpi xmlns:a14="http://schemas.microsoft.com/office/drawing/2010/main" val="0"/>
+              </a:ext>
+            </a:extLst>
+          </a:blip>
+          <a:srcRect/>
+          <a:stretch>
+            <a:fillRect/>
+          </a:stretch>
+        </p:blipFill>
+        <p:spPr bwMode="auto">
+          <a:xfrm>
+            <a:off x="5377961" y="4582186"/>
+            <a:ext cx="1436078" cy="1016026"/>
+          </a:xfrm>
+          <a:prstGeom prst="rect">
+            <a:avLst/>
+          </a:prstGeom>
+          <a:noFill/>
+          <a:extLst>
+            <a:ext uri="{909E8E84-426E-40DD-AFC4-6F175D3DCCD1}">
+              <a14:hiddenFill xmlns:a14="http://schemas.microsoft.com/office/drawing/2010/main">
+                <a:solidFill>
+                  <a:srgbClr val="FFFFFF"/>
+                </a:solidFill>
+              </a14:hiddenFill>
+            </a:ext>
+          </a:extLst>
+        </p:spPr>
+      </p:pic>
+      <p:sp>
+        <p:nvSpPr>
+          <p:cNvPr id="28" name="TextBox 27">
+            <a:extLst>
+              <a:ext uri="{FF2B5EF4-FFF2-40B4-BE49-F238E27FC236}">
+                <a16:creationId xmlns:a16="http://schemas.microsoft.com/office/drawing/2014/main" id="{B7461841-150D-4FA3-9412-59AF2BDD78FA}"/>
+              </a:ext>
+            </a:extLst>
+          </p:cNvPr>
+          <p:cNvSpPr txBox="1"/>
+          <p:nvPr/>
+        </p:nvSpPr>
+        <p:spPr>
+          <a:xfrm>
+            <a:off x="5213452" y="5739433"/>
+            <a:ext cx="1765099" cy="369332"/>
+          </a:xfrm>
+          <a:prstGeom prst="rect">
+            <a:avLst/>
+          </a:prstGeom>
+          <a:noFill/>
+        </p:spPr>
+        <p:txBody>
+          <a:bodyPr wrap="none" rtlCol="0">
+            <a:spAutoFit/>
+          </a:bodyPr>
+          <a:lstStyle/>
+          <a:p>
+            <a:pPr algn="ctr"/>
+            <a:r>
+              <a:rPr lang="en-US" altLang="ko-KR" dirty="0">
+                <a:latin typeface="나눔스퀘어 Light" panose="020B0600000101010101" pitchFamily="50" charset="-127"/>
+                <a:ea typeface="나눔스퀘어 Light" panose="020B0600000101010101" pitchFamily="50" charset="-127"/>
+              </a:rPr>
+              <a:t>Apache Tomcat</a:t>
+            </a:r>
+            <a:endParaRPr lang="ko-KR" altLang="en-US" dirty="0">
+              <a:latin typeface="나눔스퀘어 Light" panose="020B0600000101010101" pitchFamily="50" charset="-127"/>
+              <a:ea typeface="나눔스퀘어 Light" panose="020B0600000101010101" pitchFamily="50" charset="-127"/>
+            </a:endParaRPr>
+          </a:p>
+        </p:txBody>
+      </p:sp>
+      <p:pic>
+        <p:nvPicPr>
+          <p:cNvPr id="2056" name="Picture 8" descr="Modern Websocket Client - Apps on Google Play">
+            <a:extLst>
+              <a:ext uri="{FF2B5EF4-FFF2-40B4-BE49-F238E27FC236}">
+                <a16:creationId xmlns:a16="http://schemas.microsoft.com/office/drawing/2014/main" id="{07677092-EBEB-4C17-9928-587103334E98}"/>
+              </a:ext>
+            </a:extLst>
+          </p:cNvPr>
+          <p:cNvPicPr>
+            <a:picLocks noChangeAspect="1" noChangeArrowheads="1"/>
+          </p:cNvPicPr>
+          <p:nvPr/>
+        </p:nvPicPr>
+        <p:blipFill>
+          <a:blip r:embed="rId5" cstate="print">
+            <a:extLst>
+              <a:ext uri="{28A0092B-C50C-407E-A947-70E740481C1C}">
+                <a14:useLocalDpi xmlns:a14="http://schemas.microsoft.com/office/drawing/2010/main" val="0"/>
+              </a:ext>
+            </a:extLst>
+          </a:blip>
+          <a:srcRect/>
+          <a:stretch>
+            <a:fillRect/>
+          </a:stretch>
+        </p:blipFill>
+        <p:spPr bwMode="auto">
+          <a:xfrm>
+            <a:off x="7949234" y="2154275"/>
+            <a:ext cx="939886" cy="939884"/>
+          </a:xfrm>
+          <a:prstGeom prst="rect">
+            <a:avLst/>
+          </a:prstGeom>
+          <a:noFill/>
+          <a:extLst>
+            <a:ext uri="{909E8E84-426E-40DD-AFC4-6F175D3DCCD1}">
+              <a14:hiddenFill xmlns:a14="http://schemas.microsoft.com/office/drawing/2010/main">
+                <a:solidFill>
+                  <a:srgbClr val="FFFFFF"/>
+                </a:solidFill>
+              </a14:hiddenFill>
+            </a:ext>
+          </a:extLst>
+        </p:spPr>
+      </p:pic>
+      <p:sp>
+        <p:nvSpPr>
+          <p:cNvPr id="29" name="TextBox 28">
+            <a:extLst>
+              <a:ext uri="{FF2B5EF4-FFF2-40B4-BE49-F238E27FC236}">
+                <a16:creationId xmlns:a16="http://schemas.microsoft.com/office/drawing/2014/main" id="{1B2E9661-6CFB-48E1-AA60-5F22EA42AE59}"/>
+              </a:ext>
+            </a:extLst>
+          </p:cNvPr>
+          <p:cNvSpPr txBox="1"/>
+          <p:nvPr/>
+        </p:nvSpPr>
+        <p:spPr>
+          <a:xfrm>
+            <a:off x="7714657" y="3174388"/>
+            <a:ext cx="1409040" cy="369332"/>
+          </a:xfrm>
+          <a:prstGeom prst="rect">
+            <a:avLst/>
+          </a:prstGeom>
+          <a:noFill/>
+        </p:spPr>
+        <p:txBody>
+          <a:bodyPr wrap="none" rtlCol="0">
+            <a:spAutoFit/>
+          </a:bodyPr>
+          <a:lstStyle/>
+          <a:p>
+            <a:pPr algn="ctr"/>
+            <a:r>
+              <a:rPr lang="en-US" altLang="ko-KR" dirty="0">
+                <a:latin typeface="나눔스퀘어 Light" panose="020B0600000101010101" pitchFamily="50" charset="-127"/>
+                <a:ea typeface="나눔스퀘어 Light" panose="020B0600000101010101" pitchFamily="50" charset="-127"/>
+              </a:rPr>
+              <a:t>Web Socket</a:t>
+            </a:r>
+            <a:endParaRPr lang="ko-KR" altLang="en-US" dirty="0">
+              <a:latin typeface="나눔스퀘어 Light" panose="020B0600000101010101" pitchFamily="50" charset="-127"/>
+              <a:ea typeface="나눔스퀘어 Light" panose="020B0600000101010101" pitchFamily="50" charset="-127"/>
+            </a:endParaRPr>
+          </a:p>
+        </p:txBody>
+      </p:sp>
+      <p:pic>
+        <p:nvPicPr>
+          <p:cNvPr id="2058" name="Picture 10" descr="CentOS 7 Version Upgrade - ThinkGround">
+            <a:extLst>
+              <a:ext uri="{FF2B5EF4-FFF2-40B4-BE49-F238E27FC236}">
+                <a16:creationId xmlns:a16="http://schemas.microsoft.com/office/drawing/2014/main" id="{289C65EF-A56F-4D90-8501-D40F52A19490}"/>
+              </a:ext>
+            </a:extLst>
+          </p:cNvPr>
+          <p:cNvPicPr>
+            <a:picLocks noChangeAspect="1" noChangeArrowheads="1"/>
+          </p:cNvPicPr>
+          <p:nvPr/>
+        </p:nvPicPr>
+        <p:blipFill>
+          <a:blip r:embed="rId6" cstate="print">
+            <a:extLst>
+              <a:ext uri="{28A0092B-C50C-407E-A947-70E740481C1C}">
+                <a14:useLocalDpi xmlns:a14="http://schemas.microsoft.com/office/drawing/2010/main" val="0"/>
+              </a:ext>
+            </a:extLst>
+          </a:blip>
+          <a:srcRect/>
+          <a:stretch>
+            <a:fillRect/>
+          </a:stretch>
+        </p:blipFill>
+        <p:spPr bwMode="auto">
+          <a:xfrm>
+            <a:off x="9945100" y="4842623"/>
+            <a:ext cx="1781354" cy="601207"/>
+          </a:xfrm>
+          <a:prstGeom prst="rect">
+            <a:avLst/>
+          </a:prstGeom>
+          <a:noFill/>
+          <a:extLst>
+            <a:ext uri="{909E8E84-426E-40DD-AFC4-6F175D3DCCD1}">
+              <a14:hiddenFill xmlns:a14="http://schemas.microsoft.com/office/drawing/2010/main">
+                <a:solidFill>
+                  <a:srgbClr val="FFFFFF"/>
+                </a:solidFill>
+              </a14:hiddenFill>
+            </a:ext>
+          </a:extLst>
+        </p:spPr>
+      </p:pic>
+      <p:sp>
+        <p:nvSpPr>
+          <p:cNvPr id="31" name="TextBox 30">
+            <a:extLst>
+              <a:ext uri="{FF2B5EF4-FFF2-40B4-BE49-F238E27FC236}">
+                <a16:creationId xmlns:a16="http://schemas.microsoft.com/office/drawing/2014/main" id="{37029DE5-DCEB-4004-B02E-5243B45381F2}"/>
+              </a:ext>
+            </a:extLst>
+          </p:cNvPr>
+          <p:cNvSpPr txBox="1"/>
+          <p:nvPr/>
+        </p:nvSpPr>
+        <p:spPr>
+          <a:xfrm>
+            <a:off x="10233242" y="5739433"/>
+            <a:ext cx="1205073" cy="369332"/>
+          </a:xfrm>
+          <a:prstGeom prst="rect">
+            <a:avLst/>
+          </a:prstGeom>
+          <a:noFill/>
+        </p:spPr>
+        <p:txBody>
+          <a:bodyPr wrap="none" rtlCol="0">
+            <a:spAutoFit/>
+          </a:bodyPr>
+          <a:lstStyle/>
+          <a:p>
+            <a:pPr algn="ctr"/>
+            <a:r>
+              <a:rPr lang="en-US" altLang="ko-KR" dirty="0">
+                <a:latin typeface="나눔스퀘어 Light" panose="020B0600000101010101" pitchFamily="50" charset="-127"/>
+                <a:ea typeface="나눔스퀘어 Light" panose="020B0600000101010101" pitchFamily="50" charset="-127"/>
+              </a:rPr>
+              <a:t>Cent OS 7</a:t>
+            </a:r>
+            <a:endParaRPr lang="ko-KR" altLang="en-US" dirty="0">
+              <a:latin typeface="나눔스퀘어 Light" panose="020B0600000101010101" pitchFamily="50" charset="-127"/>
+              <a:ea typeface="나눔스퀘어 Light" panose="020B0600000101010101" pitchFamily="50" charset="-127"/>
+            </a:endParaRPr>
+          </a:p>
+        </p:txBody>
+      </p:sp>
+      <p:cxnSp>
+        <p:nvCxnSpPr>
+          <p:cNvPr id="23" name="직선 연결선 22">
+            <a:extLst>
+              <a:ext uri="{FF2B5EF4-FFF2-40B4-BE49-F238E27FC236}">
+                <a16:creationId xmlns:a16="http://schemas.microsoft.com/office/drawing/2014/main" id="{FA6624A3-301E-4BD9-B347-8F598597FDBC}"/>
+              </a:ext>
+            </a:extLst>
+          </p:cNvPr>
+          <p:cNvCxnSpPr>
+            <a:cxnSpLocks/>
+          </p:cNvCxnSpPr>
+          <p:nvPr/>
+        </p:nvCxnSpPr>
+        <p:spPr>
+          <a:xfrm>
+            <a:off x="10337785" y="696814"/>
+            <a:ext cx="1577992" cy="0"/>
+          </a:xfrm>
+          <a:prstGeom prst="line">
+            <a:avLst/>
+          </a:prstGeom>
+          <a:ln w="34925">
+            <a:solidFill>
+              <a:schemeClr val="tx2"/>
+            </a:solidFill>
+          </a:ln>
+        </p:spPr>
+        <p:style>
+          <a:lnRef idx="1">
+            <a:schemeClr val="accent1"/>
+          </a:lnRef>
+          <a:fillRef idx="0">
+            <a:schemeClr val="accent1"/>
+          </a:fillRef>
+          <a:effectRef idx="0">
+            <a:schemeClr val="accent1"/>
+          </a:effectRef>
+          <a:fontRef idx="minor">
+            <a:schemeClr val="tx1"/>
+          </a:fontRef>
+        </p:style>
+      </p:cxnSp>
+      <p:sp>
+        <p:nvSpPr>
+          <p:cNvPr id="24" name="TextBox 23">
+            <a:extLst>
+              <a:ext uri="{FF2B5EF4-FFF2-40B4-BE49-F238E27FC236}">
+                <a16:creationId xmlns:a16="http://schemas.microsoft.com/office/drawing/2014/main" id="{EE025362-9227-4877-9986-8053D494E92B}"/>
+              </a:ext>
+            </a:extLst>
+          </p:cNvPr>
+          <p:cNvSpPr txBox="1"/>
+          <p:nvPr/>
+        </p:nvSpPr>
+        <p:spPr>
+          <a:xfrm>
+            <a:off x="10337785" y="310773"/>
+            <a:ext cx="1577991" cy="400110"/>
+          </a:xfrm>
+          <a:prstGeom prst="rect">
+            <a:avLst/>
+          </a:prstGeom>
+          <a:noFill/>
+        </p:spPr>
+        <p:txBody>
+          <a:bodyPr wrap="square" rtlCol="0">
+            <a:spAutoFit/>
+          </a:bodyPr>
+          <a:lstStyle/>
+          <a:p>
+            <a:pPr algn="ctr"/>
+            <a:r>
+              <a:rPr lang="ko-KR" altLang="en-US" sz="2000" dirty="0" err="1">
+                <a:solidFill>
+                  <a:schemeClr val="tx2">
+                    <a:lumMod val="50000"/>
+                  </a:schemeClr>
+                </a:solidFill>
+                <a:latin typeface="나눔스퀘어 ExtraBold" panose="020B0600000101010101" pitchFamily="50" charset="-127"/>
+                <a:ea typeface="나눔스퀘어 ExtraBold" panose="020B0600000101010101" pitchFamily="50" charset="-127"/>
+              </a:rPr>
+              <a:t>컴공특</a:t>
+            </a:r>
+            <a:r>
+              <a:rPr lang="ko-KR" altLang="en-US" sz="2000" dirty="0">
+                <a:solidFill>
+                  <a:schemeClr val="tx2">
+                    <a:lumMod val="50000"/>
+                  </a:schemeClr>
+                </a:solidFill>
+                <a:latin typeface="나눔스퀘어 ExtraBold" panose="020B0600000101010101" pitchFamily="50" charset="-127"/>
+                <a:ea typeface="나눔스퀘어 ExtraBold" panose="020B0600000101010101" pitchFamily="50" charset="-127"/>
+              </a:rPr>
+              <a:t> </a:t>
+            </a:r>
+            <a:r>
+              <a:rPr lang="en-US" altLang="ko-KR" sz="2000" dirty="0">
+                <a:solidFill>
+                  <a:schemeClr val="tx2">
+                    <a:lumMod val="50000"/>
+                  </a:schemeClr>
+                </a:solidFill>
+                <a:latin typeface="나눔스퀘어 ExtraBold" panose="020B0600000101010101" pitchFamily="50" charset="-127"/>
+                <a:ea typeface="나눔스퀘어 ExtraBold" panose="020B0600000101010101" pitchFamily="50" charset="-127"/>
+              </a:rPr>
+              <a:t>3</a:t>
+            </a:r>
+            <a:r>
+              <a:rPr lang="ko-KR" altLang="en-US" sz="2000" dirty="0">
+                <a:solidFill>
+                  <a:schemeClr val="tx2">
+                    <a:lumMod val="50000"/>
+                  </a:schemeClr>
+                </a:solidFill>
+                <a:latin typeface="나눔스퀘어 ExtraBold" panose="020B0600000101010101" pitchFamily="50" charset="-127"/>
+                <a:ea typeface="나눔스퀘어 ExtraBold" panose="020B0600000101010101" pitchFamily="50" charset="-127"/>
+              </a:rPr>
+              <a:t>팀</a:t>
+            </a:r>
+            <a:endParaRPr lang="en-US" altLang="ko-KR" sz="2000" dirty="0">
+              <a:solidFill>
+                <a:schemeClr val="tx2">
+                  <a:lumMod val="50000"/>
+                </a:schemeClr>
+              </a:solidFill>
+              <a:latin typeface="나눔스퀘어 ExtraBold" panose="020B0600000101010101" pitchFamily="50" charset="-127"/>
+              <a:ea typeface="나눔스퀘어 ExtraBold" panose="020B0600000101010101" pitchFamily="50" charset="-127"/>
+            </a:endParaRPr>
+          </a:p>
+        </p:txBody>
+      </p:sp>
+      <p:cxnSp>
+        <p:nvCxnSpPr>
+          <p:cNvPr id="25" name="직선 연결선 24">
+            <a:extLst>
+              <a:ext uri="{FF2B5EF4-FFF2-40B4-BE49-F238E27FC236}">
+                <a16:creationId xmlns:a16="http://schemas.microsoft.com/office/drawing/2014/main" id="{7A4B208B-0A25-4CDB-B5DB-650D09C18FA3}"/>
+              </a:ext>
+            </a:extLst>
+          </p:cNvPr>
+          <p:cNvCxnSpPr>
+            <a:cxnSpLocks/>
+          </p:cNvCxnSpPr>
+          <p:nvPr/>
+        </p:nvCxnSpPr>
+        <p:spPr>
+          <a:xfrm>
+            <a:off x="10337785" y="267285"/>
+            <a:ext cx="1577992" cy="0"/>
+          </a:xfrm>
+          <a:prstGeom prst="line">
+            <a:avLst/>
+          </a:prstGeom>
+          <a:ln w="34925">
+            <a:solidFill>
+              <a:schemeClr val="tx2"/>
+            </a:solidFill>
+          </a:ln>
+        </p:spPr>
+        <p:style>
+          <a:lnRef idx="1">
+            <a:schemeClr val="accent1"/>
+          </a:lnRef>
+          <a:fillRef idx="0">
+            <a:schemeClr val="accent1"/>
+          </a:fillRef>
+          <a:effectRef idx="0">
+            <a:schemeClr val="accent1"/>
+          </a:effectRef>
+          <a:fontRef idx="minor">
+            <a:schemeClr val="tx1"/>
+          </a:fontRef>
+        </p:style>
+      </p:cxnSp>
+    </p:spTree>
+    <p:extLst>
+      <p:ext uri="{BB962C8B-B14F-4D97-AF65-F5344CB8AC3E}">
+        <p14:creationId xmlns:p14="http://schemas.microsoft.com/office/powerpoint/2010/main" val="2360214180"/>
+      </p:ext>
+    </p:extLst>
+  </p:cSld>
+  <p:clrMapOvr>
+    <a:masterClrMapping/>
+  </p:clrMapOvr>
+  <mc:AlternateContent xmlns:mc="http://schemas.openxmlformats.org/markup-compatibility/2006" xmlns:p159="http://schemas.microsoft.com/office/powerpoint/2015/09/main">
+    <mc:Choice Requires="p159">
+      <p:transition xmlns:p14="http://schemas.microsoft.com/office/powerpoint/2010/main" spd="slow" p14:dur="2000">
+        <p159:morph option="byObject"/>
+      </p:transition>
+    </mc:Choice>
+    <mc:Fallback xmlns="">
+      <p:transition spd="slow">
+        <p:fade/>
+      </p:transition>
+    </mc:Fallback>
+  </mc:AlternateContent>
+</p:sld>
+</file>
+
+<file path=ppt/slides/slide21.xml><?xml version="1.0" encoding="utf-8"?>
+<p:sld xmlns:a="http://schemas.openxmlformats.org/drawingml/2006/main" xmlns:r="http://schemas.openxmlformats.org/officeDocument/2006/relationships" xmlns:p="http://schemas.openxmlformats.org/presentationml/2006/main">
+  <p:cSld>
+    <p:spTree>
+      <p:nvGrpSpPr>
+        <p:cNvPr id="1" name=""/>
+        <p:cNvGrpSpPr/>
+        <p:nvPr/>
+      </p:nvGrpSpPr>
+      <p:grpSpPr>
+        <a:xfrm>
+          <a:off x="0" y="0"/>
+          <a:ext cx="0" cy="0"/>
+          <a:chOff x="0" y="0"/>
+          <a:chExt cx="0" cy="0"/>
+        </a:xfrm>
+      </p:grpSpPr>
+      <p:sp>
+        <p:nvSpPr>
+          <p:cNvPr id="8" name="TextBox 7">
+            <a:extLst>
+              <a:ext uri="{FF2B5EF4-FFF2-40B4-BE49-F238E27FC236}">
+                <a16:creationId xmlns:a16="http://schemas.microsoft.com/office/drawing/2014/main" id="{5D0C9A45-A32B-45BB-B4DB-89BAF7E41E6D}"/>
+              </a:ext>
+            </a:extLst>
+          </p:cNvPr>
+          <p:cNvSpPr txBox="1"/>
+          <p:nvPr/>
+        </p:nvSpPr>
+        <p:spPr>
+          <a:xfrm>
+            <a:off x="276223" y="310773"/>
+            <a:ext cx="3496600" cy="553998"/>
+          </a:xfrm>
+          <a:prstGeom prst="rect">
+            <a:avLst/>
+          </a:prstGeom>
+          <a:noFill/>
+        </p:spPr>
+        <p:txBody>
+          <a:bodyPr wrap="square" rtlCol="0">
+            <a:spAutoFit/>
+          </a:bodyPr>
+          <a:lstStyle/>
+          <a:p>
+            <a:r>
+              <a:rPr lang="en-US" altLang="ko-KR" sz="3000" spc="100" dirty="0">
+                <a:solidFill>
+                  <a:schemeClr val="tx2">
+                    <a:lumMod val="50000"/>
+                  </a:schemeClr>
+                </a:solidFill>
+                <a:latin typeface="나눔스퀘어 ExtraBold" panose="020B0600000101010101" pitchFamily="50" charset="-127"/>
+                <a:ea typeface="나눔스퀘어 ExtraBold" panose="020B0600000101010101" pitchFamily="50" charset="-127"/>
+              </a:rPr>
+              <a:t>Ⅳ. </a:t>
+            </a:r>
+            <a:r>
+              <a:rPr lang="ko-KR" altLang="en-US" sz="3000" spc="100" dirty="0">
+                <a:solidFill>
+                  <a:schemeClr val="tx2">
+                    <a:lumMod val="50000"/>
+                  </a:schemeClr>
+                </a:solidFill>
+                <a:latin typeface="나눔스퀘어 ExtraBold" panose="020B0600000101010101" pitchFamily="50" charset="-127"/>
+                <a:ea typeface="나눔스퀘어 ExtraBold" panose="020B0600000101010101" pitchFamily="50" charset="-127"/>
+              </a:rPr>
+              <a:t>현재 진행 상황</a:t>
+            </a:r>
+            <a:endParaRPr lang="en-US" altLang="ko-KR" sz="3000" spc="100" dirty="0">
+              <a:solidFill>
+                <a:schemeClr val="tx2">
+                  <a:lumMod val="50000"/>
+                </a:schemeClr>
+              </a:solidFill>
+              <a:latin typeface="나눔스퀘어 ExtraBold" panose="020B0600000101010101" pitchFamily="50" charset="-127"/>
+              <a:ea typeface="나눔스퀘어 ExtraBold" panose="020B0600000101010101" pitchFamily="50" charset="-127"/>
+            </a:endParaRPr>
+          </a:p>
+        </p:txBody>
+      </p:sp>
+      <p:sp>
+        <p:nvSpPr>
+          <p:cNvPr id="11" name="TextBox 10">
+            <a:extLst>
+              <a:ext uri="{FF2B5EF4-FFF2-40B4-BE49-F238E27FC236}">
+                <a16:creationId xmlns:a16="http://schemas.microsoft.com/office/drawing/2014/main" id="{796A3F55-A310-4812-82DA-85F76DEB9227}"/>
+              </a:ext>
+            </a:extLst>
+          </p:cNvPr>
+          <p:cNvSpPr txBox="1"/>
+          <p:nvPr/>
+        </p:nvSpPr>
+        <p:spPr>
+          <a:xfrm>
+            <a:off x="815497" y="1020895"/>
+            <a:ext cx="3207863" cy="461665"/>
+          </a:xfrm>
+          <a:prstGeom prst="rect">
+            <a:avLst/>
+          </a:prstGeom>
+          <a:noFill/>
+        </p:spPr>
+        <p:txBody>
+          <a:bodyPr wrap="square" rtlCol="0">
+            <a:spAutoFit/>
+          </a:bodyPr>
+          <a:lstStyle/>
+          <a:p>
+            <a:r>
+              <a:rPr lang="en-US" altLang="ko-KR" sz="2400" spc="100">
+                <a:solidFill>
+                  <a:srgbClr val="44546A"/>
+                </a:solidFill>
+                <a:latin typeface="나눔스퀘어 Bold" panose="020B0600000101010101" pitchFamily="50" charset="-127"/>
+                <a:ea typeface="나눔스퀘어 Bold" panose="020B0600000101010101" pitchFamily="50" charset="-127"/>
+              </a:rPr>
+              <a:t>WBS – </a:t>
+            </a:r>
+            <a:r>
+              <a:rPr lang="ko-KR" altLang="en-US" sz="2400" spc="100" dirty="0" err="1">
+                <a:solidFill>
+                  <a:srgbClr val="44546A"/>
+                </a:solidFill>
+                <a:latin typeface="나눔스퀘어 Bold" panose="020B0600000101010101" pitchFamily="50" charset="-127"/>
+                <a:ea typeface="나눔스퀘어 Bold" panose="020B0600000101010101" pitchFamily="50" charset="-127"/>
+              </a:rPr>
+              <a:t>간트</a:t>
+            </a:r>
+            <a:r>
+              <a:rPr lang="ko-KR" altLang="en-US" sz="2400" spc="100" dirty="0">
+                <a:solidFill>
+                  <a:srgbClr val="44546A"/>
+                </a:solidFill>
+                <a:latin typeface="나눔스퀘어 Bold" panose="020B0600000101010101" pitchFamily="50" charset="-127"/>
+                <a:ea typeface="나눔스퀘어 Bold" panose="020B0600000101010101" pitchFamily="50" charset="-127"/>
+              </a:rPr>
+              <a:t> 차트</a:t>
+            </a:r>
+          </a:p>
+        </p:txBody>
+      </p:sp>
+      <p:pic>
+        <p:nvPicPr>
+          <p:cNvPr id="7" name="그림 6">
+            <a:extLst>
+              <a:ext uri="{FF2B5EF4-FFF2-40B4-BE49-F238E27FC236}">
+                <a16:creationId xmlns:a16="http://schemas.microsoft.com/office/drawing/2014/main" id="{ACD1376F-C289-4B72-886A-1BA332A564EB}"/>
+              </a:ext>
+            </a:extLst>
+          </p:cNvPr>
+          <p:cNvPicPr>
+            <a:picLocks noChangeAspect="1"/>
+          </p:cNvPicPr>
+          <p:nvPr/>
+        </p:nvPicPr>
+        <p:blipFill>
+          <a:blip r:embed="rId2"/>
+          <a:stretch>
+            <a:fillRect/>
+          </a:stretch>
+        </p:blipFill>
+        <p:spPr>
+          <a:xfrm>
+            <a:off x="1496953" y="1476928"/>
+            <a:ext cx="9198094" cy="5381071"/>
+          </a:xfrm>
+          <a:prstGeom prst="rect">
+            <a:avLst/>
+          </a:prstGeom>
+        </p:spPr>
+      </p:pic>
+      <p:cxnSp>
+        <p:nvCxnSpPr>
+          <p:cNvPr id="10" name="직선 연결선 9">
+            <a:extLst>
+              <a:ext uri="{FF2B5EF4-FFF2-40B4-BE49-F238E27FC236}">
+                <a16:creationId xmlns:a16="http://schemas.microsoft.com/office/drawing/2014/main" id="{B4B3D50C-95BF-40D8-8506-1C01F8728198}"/>
+              </a:ext>
+            </a:extLst>
+          </p:cNvPr>
+          <p:cNvCxnSpPr>
+            <a:cxnSpLocks/>
+          </p:cNvCxnSpPr>
+          <p:nvPr/>
+        </p:nvCxnSpPr>
+        <p:spPr>
+          <a:xfrm>
+            <a:off x="10337785" y="696814"/>
+            <a:ext cx="1577992" cy="0"/>
+          </a:xfrm>
+          <a:prstGeom prst="line">
+            <a:avLst/>
+          </a:prstGeom>
+          <a:ln w="34925">
+            <a:solidFill>
+              <a:schemeClr val="tx2"/>
+            </a:solidFill>
+          </a:ln>
+        </p:spPr>
+        <p:style>
+          <a:lnRef idx="1">
+            <a:schemeClr val="accent1"/>
+          </a:lnRef>
+          <a:fillRef idx="0">
+            <a:schemeClr val="accent1"/>
+          </a:fillRef>
+          <a:effectRef idx="0">
+            <a:schemeClr val="accent1"/>
+          </a:effectRef>
+          <a:fontRef idx="minor">
+            <a:schemeClr val="tx1"/>
+          </a:fontRef>
+        </p:style>
+      </p:cxnSp>
+      <p:sp>
+        <p:nvSpPr>
+          <p:cNvPr id="12" name="TextBox 11">
+            <a:extLst>
+              <a:ext uri="{FF2B5EF4-FFF2-40B4-BE49-F238E27FC236}">
+                <a16:creationId xmlns:a16="http://schemas.microsoft.com/office/drawing/2014/main" id="{87DBDE6B-02D6-4BF2-9B6B-ADB3DAC4A102}"/>
+              </a:ext>
+            </a:extLst>
+          </p:cNvPr>
+          <p:cNvSpPr txBox="1"/>
+          <p:nvPr/>
+        </p:nvSpPr>
+        <p:spPr>
+          <a:xfrm>
+            <a:off x="10337785" y="310773"/>
+            <a:ext cx="1577991" cy="400110"/>
+          </a:xfrm>
+          <a:prstGeom prst="rect">
+            <a:avLst/>
+          </a:prstGeom>
+          <a:noFill/>
+        </p:spPr>
+        <p:txBody>
+          <a:bodyPr wrap="square" rtlCol="0">
+            <a:spAutoFit/>
+          </a:bodyPr>
+          <a:lstStyle/>
+          <a:p>
+            <a:pPr algn="ctr"/>
+            <a:r>
+              <a:rPr lang="ko-KR" altLang="en-US" sz="2000" dirty="0" err="1">
+                <a:solidFill>
+                  <a:schemeClr val="tx2">
+                    <a:lumMod val="50000"/>
+                  </a:schemeClr>
+                </a:solidFill>
+                <a:latin typeface="나눔스퀘어 ExtraBold" panose="020B0600000101010101" pitchFamily="50" charset="-127"/>
+                <a:ea typeface="나눔스퀘어 ExtraBold" panose="020B0600000101010101" pitchFamily="50" charset="-127"/>
+              </a:rPr>
+              <a:t>컴공특</a:t>
+            </a:r>
+            <a:r>
+              <a:rPr lang="ko-KR" altLang="en-US" sz="2000" dirty="0">
+                <a:solidFill>
+                  <a:schemeClr val="tx2">
+                    <a:lumMod val="50000"/>
+                  </a:schemeClr>
+                </a:solidFill>
+                <a:latin typeface="나눔스퀘어 ExtraBold" panose="020B0600000101010101" pitchFamily="50" charset="-127"/>
+                <a:ea typeface="나눔스퀘어 ExtraBold" panose="020B0600000101010101" pitchFamily="50" charset="-127"/>
+              </a:rPr>
+              <a:t> </a:t>
+            </a:r>
+            <a:r>
+              <a:rPr lang="en-US" altLang="ko-KR" sz="2000" dirty="0">
+                <a:solidFill>
+                  <a:schemeClr val="tx2">
+                    <a:lumMod val="50000"/>
+                  </a:schemeClr>
+                </a:solidFill>
+                <a:latin typeface="나눔스퀘어 ExtraBold" panose="020B0600000101010101" pitchFamily="50" charset="-127"/>
+                <a:ea typeface="나눔스퀘어 ExtraBold" panose="020B0600000101010101" pitchFamily="50" charset="-127"/>
+              </a:rPr>
+              <a:t>3</a:t>
+            </a:r>
+            <a:r>
+              <a:rPr lang="ko-KR" altLang="en-US" sz="2000" dirty="0">
+                <a:solidFill>
+                  <a:schemeClr val="tx2">
+                    <a:lumMod val="50000"/>
+                  </a:schemeClr>
+                </a:solidFill>
+                <a:latin typeface="나눔스퀘어 ExtraBold" panose="020B0600000101010101" pitchFamily="50" charset="-127"/>
+                <a:ea typeface="나눔스퀘어 ExtraBold" panose="020B0600000101010101" pitchFamily="50" charset="-127"/>
+              </a:rPr>
+              <a:t>팀</a:t>
+            </a:r>
+            <a:endParaRPr lang="en-US" altLang="ko-KR" sz="2000" dirty="0">
+              <a:solidFill>
+                <a:schemeClr val="tx2">
+                  <a:lumMod val="50000"/>
+                </a:schemeClr>
+              </a:solidFill>
+              <a:latin typeface="나눔스퀘어 ExtraBold" panose="020B0600000101010101" pitchFamily="50" charset="-127"/>
+              <a:ea typeface="나눔스퀘어 ExtraBold" panose="020B0600000101010101" pitchFamily="50" charset="-127"/>
+            </a:endParaRPr>
+          </a:p>
+        </p:txBody>
+      </p:sp>
+      <p:cxnSp>
+        <p:nvCxnSpPr>
+          <p:cNvPr id="13" name="직선 연결선 12">
+            <a:extLst>
+              <a:ext uri="{FF2B5EF4-FFF2-40B4-BE49-F238E27FC236}">
+                <a16:creationId xmlns:a16="http://schemas.microsoft.com/office/drawing/2014/main" id="{0223F870-60F9-4E48-95B3-9CEBC60A755F}"/>
+              </a:ext>
+            </a:extLst>
+          </p:cNvPr>
+          <p:cNvCxnSpPr>
+            <a:cxnSpLocks/>
+          </p:cNvCxnSpPr>
+          <p:nvPr/>
+        </p:nvCxnSpPr>
+        <p:spPr>
+          <a:xfrm>
+            <a:off x="10337785" y="267285"/>
+            <a:ext cx="1577992" cy="0"/>
+          </a:xfrm>
+          <a:prstGeom prst="line">
+            <a:avLst/>
+          </a:prstGeom>
+          <a:ln w="34925">
+            <a:solidFill>
+              <a:schemeClr val="tx2"/>
+            </a:solidFill>
+          </a:ln>
+        </p:spPr>
+        <p:style>
+          <a:lnRef idx="1">
+            <a:schemeClr val="accent1"/>
+          </a:lnRef>
+          <a:fillRef idx="0">
+            <a:schemeClr val="accent1"/>
+          </a:fillRef>
+          <a:effectRef idx="0">
+            <a:schemeClr val="accent1"/>
+          </a:effectRef>
+          <a:fontRef idx="minor">
+            <a:schemeClr val="tx1"/>
+          </a:fontRef>
+        </p:style>
+      </p:cxnSp>
+    </p:spTree>
+    <p:extLst>
+      <p:ext uri="{BB962C8B-B14F-4D97-AF65-F5344CB8AC3E}">
+        <p14:creationId xmlns:p14="http://schemas.microsoft.com/office/powerpoint/2010/main" val="2565416571"/>
+      </p:ext>
+    </p:extLst>
+  </p:cSld>
+  <p:clrMapOvr>
+    <a:masterClrMapping/>
+  </p:clrMapOvr>
+  <mc:AlternateContent xmlns:mc="http://schemas.openxmlformats.org/markup-compatibility/2006" xmlns:p159="http://schemas.microsoft.com/office/powerpoint/2015/09/main">
+    <mc:Choice Requires="p159">
+      <p:transition xmlns:p14="http://schemas.microsoft.com/office/powerpoint/2010/main" spd="slow" p14:dur="2000">
+        <p159:morph option="byObject"/>
+      </p:transition>
+    </mc:Choice>
+    <mc:Fallback xmlns="">
+      <p:transition spd="slow">
+        <p:fade/>
+      </p:transition>
+    </mc:Fallback>
+  </mc:AlternateContent>
+</p:sld>
+</file>
+
+<file path=ppt/slides/slide22.xml><?xml version="1.0" encoding="utf-8"?>
+<p:sld xmlns:a="http://schemas.openxmlformats.org/drawingml/2006/main" xmlns:r="http://schemas.openxmlformats.org/officeDocument/2006/relationships" xmlns:p="http://schemas.openxmlformats.org/presentationml/2006/main">
+  <p:cSld>
+    <p:spTree>
+      <p:nvGrpSpPr>
+        <p:cNvPr id="1" name=""/>
+        <p:cNvGrpSpPr/>
+        <p:nvPr/>
+      </p:nvGrpSpPr>
+      <p:grpSpPr>
+        <a:xfrm>
+          <a:off x="0" y="0"/>
+          <a:ext cx="0" cy="0"/>
+          <a:chOff x="0" y="0"/>
+          <a:chExt cx="0" cy="0"/>
+        </a:xfrm>
+      </p:grpSpPr>
+      <p:sp>
+        <p:nvSpPr>
+          <p:cNvPr id="8" name="TextBox 7">
+            <a:extLst>
+              <a:ext uri="{FF2B5EF4-FFF2-40B4-BE49-F238E27FC236}">
+                <a16:creationId xmlns:a16="http://schemas.microsoft.com/office/drawing/2014/main" id="{5D0C9A45-A32B-45BB-B4DB-89BAF7E41E6D}"/>
+              </a:ext>
+            </a:extLst>
+          </p:cNvPr>
+          <p:cNvSpPr txBox="1"/>
+          <p:nvPr/>
+        </p:nvSpPr>
+        <p:spPr>
+          <a:xfrm>
+            <a:off x="276223" y="310773"/>
+            <a:ext cx="3496600" cy="553998"/>
+          </a:xfrm>
+          <a:prstGeom prst="rect">
+            <a:avLst/>
+          </a:prstGeom>
+          <a:noFill/>
+        </p:spPr>
+        <p:txBody>
+          <a:bodyPr wrap="square" rtlCol="0">
+            <a:spAutoFit/>
+          </a:bodyPr>
+          <a:lstStyle/>
+          <a:p>
+            <a:r>
+              <a:rPr lang="en-US" altLang="ko-KR" sz="3000" spc="100" dirty="0">
+                <a:solidFill>
+                  <a:schemeClr val="tx2">
+                    <a:lumMod val="50000"/>
+                  </a:schemeClr>
+                </a:solidFill>
+                <a:latin typeface="나눔스퀘어 ExtraBold" panose="020B0600000101010101" pitchFamily="50" charset="-127"/>
+                <a:ea typeface="나눔스퀘어 ExtraBold" panose="020B0600000101010101" pitchFamily="50" charset="-127"/>
+              </a:rPr>
               <a:t>Ⅴ. </a:t>
             </a:r>
             <a:r>
@@ -14687,7 +15373,7 @@
 </p:sld>
 </file>
 
-<file path=ppt/slides/slide21.xml><?xml version="1.0" encoding="utf-8"?>
+<file path=ppt/slides/slide23.xml><?xml version="1.0" encoding="utf-8"?>
 <p:sld xmlns:a="http://schemas.openxmlformats.org/drawingml/2006/main" xmlns:r="http://schemas.openxmlformats.org/officeDocument/2006/relationships" xmlns:p="http://schemas.openxmlformats.org/presentationml/2006/main">
   <p:cSld>
     <p:spTree>
@@ -15210,6 +15896,192 @@
           </a:p>
         </p:txBody>
       </p:sp>
+      <p:sp>
+        <p:nvSpPr>
+          <p:cNvPr id="4" name="TextBox 3">
+            <a:extLst>
+              <a:ext uri="{FF2B5EF4-FFF2-40B4-BE49-F238E27FC236}">
+                <a16:creationId xmlns:a16="http://schemas.microsoft.com/office/drawing/2014/main" id="{DC8BBE5B-E8D7-C054-A95F-7CFAC419A57B}"/>
+              </a:ext>
+            </a:extLst>
+          </p:cNvPr>
+          <p:cNvSpPr txBox="1"/>
+          <p:nvPr/>
+        </p:nvSpPr>
+        <p:spPr>
+          <a:xfrm>
+            <a:off x="762855" y="2601279"/>
+            <a:ext cx="10680876" cy="461665"/>
+          </a:xfrm>
+          <a:prstGeom prst="rect">
+            <a:avLst/>
+          </a:prstGeom>
+          <a:noFill/>
+        </p:spPr>
+        <p:txBody>
+          <a:bodyPr wrap="square" rtlCol="0">
+            <a:spAutoFit/>
+          </a:bodyPr>
+          <a:lstStyle/>
+          <a:p>
+            <a:r>
+              <a:rPr lang="ko-KR" altLang="en-US" sz="2400" spc="100" dirty="0">
+                <a:solidFill>
+                  <a:srgbClr val="44546A"/>
+                </a:solidFill>
+                <a:latin typeface="나눔스퀘어 Bold" panose="020B0600000101010101" pitchFamily="50" charset="-127"/>
+                <a:ea typeface="나눔스퀘어 Bold" panose="020B0600000101010101" pitchFamily="50" charset="-127"/>
+              </a:rPr>
+              <a:t>메서드 </a:t>
+            </a:r>
+            <a:r>
+              <a:rPr lang="en-US" altLang="ko-KR" sz="2400" spc="100" dirty="0">
+                <a:solidFill>
+                  <a:srgbClr val="44546A"/>
+                </a:solidFill>
+                <a:latin typeface="나눔스퀘어 Bold" panose="020B0600000101010101" pitchFamily="50" charset="-127"/>
+                <a:ea typeface="나눔스퀘어 Bold" panose="020B0600000101010101" pitchFamily="50" charset="-127"/>
+              </a:rPr>
+              <a:t>: </a:t>
+            </a:r>
+            <a:r>
+              <a:rPr lang="ko-KR" altLang="en-US" sz="2400" spc="100" dirty="0">
+                <a:solidFill>
+                  <a:srgbClr val="44546A"/>
+                </a:solidFill>
+                <a:latin typeface="나눔스퀘어 Bold" panose="020B0600000101010101" pitchFamily="50" charset="-127"/>
+                <a:ea typeface="나눔스퀘어 Bold" panose="020B0600000101010101" pitchFamily="50" charset="-127"/>
+              </a:rPr>
+              <a:t>객체 혹은 클래스에 묶여</a:t>
+            </a:r>
+            <a:r>
+              <a:rPr lang="en-US" altLang="ko-KR" sz="2400" spc="100" dirty="0">
+                <a:solidFill>
+                  <a:srgbClr val="44546A"/>
+                </a:solidFill>
+                <a:latin typeface="나눔스퀘어 Bold" panose="020B0600000101010101" pitchFamily="50" charset="-127"/>
+                <a:ea typeface="나눔스퀘어 Bold" panose="020B0600000101010101" pitchFamily="50" charset="-127"/>
+              </a:rPr>
+              <a:t>(</a:t>
+            </a:r>
+            <a:r>
+              <a:rPr lang="ko-KR" altLang="en-US" sz="2400" spc="100" dirty="0">
+                <a:solidFill>
+                  <a:srgbClr val="44546A"/>
+                </a:solidFill>
+                <a:latin typeface="나눔스퀘어 Bold" panose="020B0600000101010101" pitchFamily="50" charset="-127"/>
+                <a:ea typeface="나눔스퀘어 Bold" panose="020B0600000101010101" pitchFamily="50" charset="-127"/>
+              </a:rPr>
+              <a:t>종속되어</a:t>
+            </a:r>
+            <a:r>
+              <a:rPr lang="en-US" altLang="ko-KR" sz="2400" spc="100" dirty="0">
+                <a:solidFill>
+                  <a:srgbClr val="44546A"/>
+                </a:solidFill>
+                <a:latin typeface="나눔스퀘어 Bold" panose="020B0600000101010101" pitchFamily="50" charset="-127"/>
+                <a:ea typeface="나눔스퀘어 Bold" panose="020B0600000101010101" pitchFamily="50" charset="-127"/>
+              </a:rPr>
+              <a:t>)</a:t>
+            </a:r>
+            <a:r>
+              <a:rPr lang="ko-KR" altLang="en-US" sz="2400" spc="100" dirty="0">
+                <a:solidFill>
+                  <a:srgbClr val="44546A"/>
+                </a:solidFill>
+                <a:latin typeface="나눔스퀘어 Bold" panose="020B0600000101010101" pitchFamily="50" charset="-127"/>
+                <a:ea typeface="나눔스퀘어 Bold" panose="020B0600000101010101" pitchFamily="50" charset="-127"/>
+              </a:rPr>
+              <a:t>있는 함수</a:t>
+            </a:r>
+            <a:endParaRPr lang="en-US" altLang="ko-KR" sz="2400" spc="100" dirty="0">
+              <a:solidFill>
+                <a:srgbClr val="44546A"/>
+              </a:solidFill>
+              <a:latin typeface="나눔스퀘어 Bold" panose="020B0600000101010101" pitchFamily="50" charset="-127"/>
+              <a:ea typeface="나눔스퀘어 Bold" panose="020B0600000101010101" pitchFamily="50" charset="-127"/>
+            </a:endParaRPr>
+          </a:p>
+        </p:txBody>
+      </p:sp>
+      <p:sp>
+        <p:nvSpPr>
+          <p:cNvPr id="5" name="TextBox 4">
+            <a:extLst>
+              <a:ext uri="{FF2B5EF4-FFF2-40B4-BE49-F238E27FC236}">
+                <a16:creationId xmlns:a16="http://schemas.microsoft.com/office/drawing/2014/main" id="{3B0485B6-CA86-75CB-06F4-0C4F6D1CCA77}"/>
+              </a:ext>
+            </a:extLst>
+          </p:cNvPr>
+          <p:cNvSpPr txBox="1"/>
+          <p:nvPr/>
+        </p:nvSpPr>
+        <p:spPr>
+          <a:xfrm>
+            <a:off x="762855" y="3042029"/>
+            <a:ext cx="10680876" cy="461665"/>
+          </a:xfrm>
+          <a:prstGeom prst="rect">
+            <a:avLst/>
+          </a:prstGeom>
+          <a:noFill/>
+        </p:spPr>
+        <p:txBody>
+          <a:bodyPr wrap="square" rtlCol="0">
+            <a:spAutoFit/>
+          </a:bodyPr>
+          <a:lstStyle/>
+          <a:p>
+            <a:r>
+              <a:rPr lang="en-US" altLang="ko-KR" sz="2400" spc="100" dirty="0">
+                <a:solidFill>
+                  <a:srgbClr val="44546A"/>
+                </a:solidFill>
+                <a:latin typeface="나눔스퀘어 Bold" panose="020B0600000101010101" pitchFamily="50" charset="-127"/>
+                <a:ea typeface="나눔스퀘어 Bold" panose="020B0600000101010101" pitchFamily="50" charset="-127"/>
+              </a:rPr>
+              <a:t>	 </a:t>
+            </a:r>
+            <a:r>
+              <a:rPr lang="ko-KR" altLang="en-US" sz="2400" spc="100" dirty="0">
+                <a:solidFill>
+                  <a:srgbClr val="44546A"/>
+                </a:solidFill>
+                <a:latin typeface="나눔스퀘어 Bold" panose="020B0600000101010101" pitchFamily="50" charset="-127"/>
+                <a:ea typeface="나눔스퀘어 Bold" panose="020B0600000101010101" pitchFamily="50" charset="-127"/>
+              </a:rPr>
+              <a:t>→ 프로퍼티를 참조하고 조작할 수 있는 동작</a:t>
+            </a:r>
+            <a:r>
+              <a:rPr lang="en-US" altLang="ko-KR" sz="2400" spc="100" dirty="0">
+                <a:solidFill>
+                  <a:srgbClr val="44546A"/>
+                </a:solidFill>
+                <a:latin typeface="나눔스퀘어 Bold" panose="020B0600000101010101" pitchFamily="50" charset="-127"/>
+                <a:ea typeface="나눔스퀘어 Bold" panose="020B0600000101010101" pitchFamily="50" charset="-127"/>
+              </a:rPr>
+              <a:t>(behavior)</a:t>
+            </a:r>
+            <a:r>
+              <a:rPr lang="ko-KR" altLang="en-US" sz="2400" spc="100" dirty="0">
+                <a:solidFill>
+                  <a:srgbClr val="44546A"/>
+                </a:solidFill>
+                <a:latin typeface="나눔스퀘어 Bold" panose="020B0600000101010101" pitchFamily="50" charset="-127"/>
+                <a:ea typeface="나눔스퀘어 Bold" panose="020B0600000101010101" pitchFamily="50" charset="-127"/>
+              </a:rPr>
+              <a:t>을 정의</a:t>
+            </a:r>
+            <a:endParaRPr lang="en-US" altLang="ko-KR" sz="2400" spc="100" dirty="0">
+              <a:solidFill>
+                <a:srgbClr val="44546A"/>
+              </a:solidFill>
+              <a:latin typeface="나눔스퀘어 Bold" panose="020B0600000101010101" pitchFamily="50" charset="-127"/>
+              <a:ea typeface="나눔스퀘어 Bold" panose="020B0600000101010101" pitchFamily="50" charset="-127"/>
+            </a:endParaRPr>
+          </a:p>
+        </p:txBody>
+      </p:sp>
     </p:spTree>
     <p:extLst>
       <p:ext uri="{BB962C8B-B14F-4D97-AF65-F5344CB8AC3E}">
@@ -15220,13 +16092,13 @@
   <p:clrMapOvr>
     <a:masterClrMapping/>
   </p:clrMapOvr>
-  <mc:AlternateContent xmlns:mc="http://schemas.openxmlformats.org/markup-compatibility/2006">
-    <mc:Choice xmlns:p159="http://schemas.microsoft.com/office/powerpoint/2015/09/main" Requires="p159">
+  <mc:AlternateContent xmlns:mc="http://schemas.openxmlformats.org/markup-compatibility/2006" xmlns:p159="http://schemas.microsoft.com/office/powerpoint/2015/09/main">
+    <mc:Choice Requires="p159">
       <p:transition xmlns:p14="http://schemas.microsoft.com/office/powerpoint/2010/main" spd="slow" p14:dur="2000">
         <p159:morph option="byObject"/>
       </p:transition>
     </mc:Choice>
-    <mc:Fallback>
+    <mc:Fallback xmlns="">
       <p:transition spd="slow">
         <p:fade/>
       </p:transition>
@@ -15511,65 +16383,92 @@
           <a:lstStyle/>
           <a:p>
             <a:r>
-              <a:rPr lang="ko-KR" altLang="en-US" sz="2400" spc="100" dirty="0">
+              <a:rPr lang="en-US" altLang="ko-KR" sz="2400" spc="100" dirty="0">
                 <a:solidFill>
                   <a:srgbClr val="44546A"/>
                 </a:solidFill>
                 <a:latin typeface="나눔스퀘어 Bold" panose="020B0600000101010101" pitchFamily="50" charset="-127"/>
                 <a:ea typeface="나눔스퀘어 Bold" panose="020B0600000101010101" pitchFamily="50" charset="-127"/>
               </a:rPr>
-              <a:t>자바스크립트의 함수는 객체</a:t>
-            </a:r>
-            <a:r>
-              <a:rPr lang="en-US" altLang="ko-KR" sz="2400" spc="100" dirty="0">
+              <a:t>“</a:t>
+            </a:r>
+            <a:r>
+              <a:rPr lang="ko-KR" altLang="en-US" sz="2400" spc="100" dirty="0">
                 <a:solidFill>
                   <a:srgbClr val="44546A"/>
                 </a:solidFill>
                 <a:latin typeface="나눔스퀘어 Bold" panose="020B0600000101010101" pitchFamily="50" charset="-127"/>
                 <a:ea typeface="나눔스퀘어 Bold" panose="020B0600000101010101" pitchFamily="50" charset="-127"/>
               </a:rPr>
-              <a:t>(</a:t>
-            </a:r>
-            <a:r>
-              <a:rPr lang="ko-KR" altLang="en-US" sz="2400" spc="100" dirty="0">
-                <a:solidFill>
-                  <a:srgbClr val="FF0000"/>
+              <a:t>메서드</a:t>
+            </a:r>
+            <a:r>
+              <a:rPr lang="en-US" altLang="ko-KR" sz="2400" spc="100" dirty="0">
+                <a:solidFill>
+                  <a:srgbClr val="44546A"/>
                 </a:solidFill>
                 <a:latin typeface="나눔스퀘어 Bold" panose="020B0600000101010101" pitchFamily="50" charset="-127"/>
                 <a:ea typeface="나눔스퀘어 Bold" panose="020B0600000101010101" pitchFamily="50" charset="-127"/>
               </a:rPr>
-              <a:t>일급 객체</a:t>
-            </a:r>
-            <a:r>
-              <a:rPr lang="en-US" altLang="ko-KR" sz="2400" spc="100" dirty="0">
+              <a:t>”</a:t>
+            </a:r>
+            <a:r>
+              <a:rPr lang="ko-KR" altLang="en-US" sz="2400" spc="100" dirty="0">
                 <a:solidFill>
                   <a:srgbClr val="44546A"/>
                 </a:solidFill>
                 <a:latin typeface="나눔스퀘어 Bold" panose="020B0600000101010101" pitchFamily="50" charset="-127"/>
                 <a:ea typeface="나눔스퀘어 Bold" panose="020B0600000101010101" pitchFamily="50" charset="-127"/>
               </a:rPr>
-              <a:t>)</a:t>
-            </a:r>
-            <a:r>
-              <a:rPr lang="ko-KR" altLang="en-US" sz="2400" spc="100" dirty="0">
+              <a:t> 라는 단어는 클래스</a:t>
+            </a:r>
+            <a:r>
+              <a:rPr lang="en-US" altLang="ko-KR" sz="2400" spc="100" dirty="0">
                 <a:solidFill>
                   <a:srgbClr val="44546A"/>
                 </a:solidFill>
                 <a:latin typeface="나눔스퀘어 Bold" panose="020B0600000101010101" pitchFamily="50" charset="-127"/>
                 <a:ea typeface="나눔스퀘어 Bold" panose="020B0600000101010101" pitchFamily="50" charset="-127"/>
               </a:rPr>
-              <a:t>다</a:t>
-            </a:r>
-            <a:r>
-              <a:rPr lang="en-US" altLang="ko-KR" sz="2400" spc="100" dirty="0">
+              <a:t>/</a:t>
+            </a:r>
+            <a:r>
+              <a:rPr lang="ko-KR" altLang="en-US" sz="2400" spc="100" dirty="0">
                 <a:solidFill>
                   <a:srgbClr val="44546A"/>
                 </a:solidFill>
                 <a:latin typeface="나눔스퀘어 Bold" panose="020B0600000101010101" pitchFamily="50" charset="-127"/>
                 <a:ea typeface="나눔스퀘어 Bold" panose="020B0600000101010101" pitchFamily="50" charset="-127"/>
               </a:rPr>
-              <a:t>.</a:t>
-            </a:r>
+              <a:t>객체</a:t>
+            </a:r>
+            <a:r>
+              <a:rPr lang="en-US" altLang="ko-KR" sz="2400" spc="100" dirty="0">
+                <a:solidFill>
+                  <a:srgbClr val="44546A"/>
+                </a:solidFill>
+                <a:latin typeface="나눔스퀘어 Bold" panose="020B0600000101010101" pitchFamily="50" charset="-127"/>
+                <a:ea typeface="나눔스퀘어 Bold" panose="020B0600000101010101" pitchFamily="50" charset="-127"/>
+              </a:rPr>
+              <a:t> </a:t>
+            </a:r>
+            <a:r>
+              <a:rPr lang="ko-KR" altLang="en-US" sz="2400" spc="100" dirty="0">
+                <a:solidFill>
+                  <a:srgbClr val="44546A"/>
+                </a:solidFill>
+                <a:latin typeface="나눔스퀘어 Bold" panose="020B0600000101010101" pitchFamily="50" charset="-127"/>
+                <a:ea typeface="나눔스퀘어 Bold" panose="020B0600000101010101" pitchFamily="50" charset="-127"/>
+              </a:rPr>
+              <a:t>라는 개념이 선행되어야 등장가능</a:t>
+            </a:r>
+            <a:endParaRPr lang="en-US" altLang="ko-KR" sz="2400" spc="100" dirty="0">
+              <a:solidFill>
+                <a:srgbClr val="44546A"/>
+              </a:solidFill>
+              <a:latin typeface="나눔스퀘어 Bold" panose="020B0600000101010101" pitchFamily="50" charset="-127"/>
+              <a:ea typeface="나눔스퀘어 Bold" panose="020B0600000101010101" pitchFamily="50" charset="-127"/>
+            </a:endParaRPr>
           </a:p>
         </p:txBody>
       </p:sp>
@@ -15641,6 +16540,497 @@
           </a:p>
         </p:txBody>
       </p:sp>
+      <p:pic>
+        <p:nvPicPr>
+          <p:cNvPr id="10" name="그림 9">
+            <a:extLst>
+              <a:ext uri="{FF2B5EF4-FFF2-40B4-BE49-F238E27FC236}">
+                <a16:creationId xmlns:a16="http://schemas.microsoft.com/office/drawing/2014/main" id="{422DD9FB-F61E-8667-091A-AD12EF149E52}"/>
+              </a:ext>
+            </a:extLst>
+          </p:cNvPr>
+          <p:cNvPicPr>
+            <a:picLocks noChangeAspect="1"/>
+          </p:cNvPicPr>
+          <p:nvPr/>
+        </p:nvPicPr>
+        <p:blipFill>
+          <a:blip r:embed="rId2"/>
+          <a:stretch>
+            <a:fillRect/>
+          </a:stretch>
+        </p:blipFill>
+        <p:spPr>
+          <a:xfrm>
+            <a:off x="762854" y="2905719"/>
+            <a:ext cx="5054273" cy="2297397"/>
+          </a:xfrm>
+          <a:prstGeom prst="rect">
+            <a:avLst/>
+          </a:prstGeom>
+        </p:spPr>
+      </p:pic>
+      <p:pic>
+        <p:nvPicPr>
+          <p:cNvPr id="12" name="그림 11">
+            <a:extLst>
+              <a:ext uri="{FF2B5EF4-FFF2-40B4-BE49-F238E27FC236}">
+                <a16:creationId xmlns:a16="http://schemas.microsoft.com/office/drawing/2014/main" id="{EAD83C00-DE0C-060B-DF7D-6D6B3F07DD8E}"/>
+              </a:ext>
+            </a:extLst>
+          </p:cNvPr>
+          <p:cNvPicPr>
+            <a:picLocks noChangeAspect="1"/>
+          </p:cNvPicPr>
+          <p:nvPr/>
+        </p:nvPicPr>
+        <p:blipFill>
+          <a:blip r:embed="rId3"/>
+          <a:stretch>
+            <a:fillRect/>
+          </a:stretch>
+        </p:blipFill>
+        <p:spPr>
+          <a:xfrm>
+            <a:off x="6374873" y="2904363"/>
+            <a:ext cx="5185374" cy="2295165"/>
+          </a:xfrm>
+          <a:prstGeom prst="rect">
+            <a:avLst/>
+          </a:prstGeom>
+        </p:spPr>
+      </p:pic>
+    </p:spTree>
+    <p:extLst>
+      <p:ext uri="{BB962C8B-B14F-4D97-AF65-F5344CB8AC3E}">
+        <p14:creationId xmlns:p14="http://schemas.microsoft.com/office/powerpoint/2010/main" val="960673857"/>
+      </p:ext>
+    </p:extLst>
+  </p:cSld>
+  <p:clrMapOvr>
+    <a:masterClrMapping/>
+  </p:clrMapOvr>
+  <mc:AlternateContent xmlns:mc="http://schemas.openxmlformats.org/markup-compatibility/2006">
+    <mc:Choice xmlns:p159="http://schemas.microsoft.com/office/powerpoint/2015/09/main" Requires="p159">
+      <p:transition xmlns:p14="http://schemas.microsoft.com/office/powerpoint/2010/main" spd="slow" p14:dur="2000">
+        <p159:morph option="byObject"/>
+      </p:transition>
+    </mc:Choice>
+    <mc:Fallback>
+      <p:transition spd="slow">
+        <p:fade/>
+      </p:transition>
+    </mc:Fallback>
+  </mc:AlternateContent>
+</p:sld>
+</file>
+
+<file path=ppt/slides/slide5.xml><?xml version="1.0" encoding="utf-8"?>
+<p:sld xmlns:a="http://schemas.openxmlformats.org/drawingml/2006/main" xmlns:r="http://schemas.openxmlformats.org/officeDocument/2006/relationships" xmlns:p="http://schemas.openxmlformats.org/presentationml/2006/main">
+  <p:cSld>
+    <p:spTree>
+      <p:nvGrpSpPr>
+        <p:cNvPr id="1" name=""/>
+        <p:cNvGrpSpPr/>
+        <p:nvPr/>
+      </p:nvGrpSpPr>
+      <p:grpSpPr>
+        <a:xfrm>
+          <a:off x="0" y="0"/>
+          <a:ext cx="0" cy="0"/>
+          <a:chOff x="0" y="0"/>
+          <a:chExt cx="0" cy="0"/>
+        </a:xfrm>
+      </p:grpSpPr>
+      <p:cxnSp>
+        <p:nvCxnSpPr>
+          <p:cNvPr id="3" name="직선 연결선 2">
+            <a:extLst>
+              <a:ext uri="{FF2B5EF4-FFF2-40B4-BE49-F238E27FC236}">
+                <a16:creationId xmlns:a16="http://schemas.microsoft.com/office/drawing/2014/main" id="{F55676F0-C433-4456-BB57-3E5832581EF6}"/>
+              </a:ext>
+            </a:extLst>
+          </p:cNvPr>
+          <p:cNvCxnSpPr>
+            <a:cxnSpLocks/>
+          </p:cNvCxnSpPr>
+          <p:nvPr/>
+        </p:nvCxnSpPr>
+        <p:spPr>
+          <a:xfrm>
+            <a:off x="10337785" y="696814"/>
+            <a:ext cx="1577992" cy="0"/>
+          </a:xfrm>
+          <a:prstGeom prst="line">
+            <a:avLst/>
+          </a:prstGeom>
+          <a:ln w="34925">
+            <a:solidFill>
+              <a:schemeClr val="tx2"/>
+            </a:solidFill>
+          </a:ln>
+        </p:spPr>
+        <p:style>
+          <a:lnRef idx="1">
+            <a:schemeClr val="accent1"/>
+          </a:lnRef>
+          <a:fillRef idx="0">
+            <a:schemeClr val="accent1"/>
+          </a:fillRef>
+          <a:effectRef idx="0">
+            <a:schemeClr val="accent1"/>
+          </a:effectRef>
+          <a:fontRef idx="minor">
+            <a:schemeClr val="tx1"/>
+          </a:fontRef>
+        </p:style>
+      </p:cxnSp>
+      <p:sp>
+        <p:nvSpPr>
+          <p:cNvPr id="6" name="TextBox 5">
+            <a:extLst>
+              <a:ext uri="{FF2B5EF4-FFF2-40B4-BE49-F238E27FC236}">
+                <a16:creationId xmlns:a16="http://schemas.microsoft.com/office/drawing/2014/main" id="{C7B00371-8BBF-468F-BAB5-3B58CE59B669}"/>
+              </a:ext>
+            </a:extLst>
+          </p:cNvPr>
+          <p:cNvSpPr txBox="1"/>
+          <p:nvPr/>
+        </p:nvSpPr>
+        <p:spPr>
+          <a:xfrm>
+            <a:off x="10337785" y="310773"/>
+            <a:ext cx="1577991" cy="400110"/>
+          </a:xfrm>
+          <a:prstGeom prst="rect">
+            <a:avLst/>
+          </a:prstGeom>
+          <a:noFill/>
+        </p:spPr>
+        <p:txBody>
+          <a:bodyPr wrap="square" rtlCol="0">
+            <a:spAutoFit/>
+          </a:bodyPr>
+          <a:lstStyle/>
+          <a:p>
+            <a:pPr algn="ctr"/>
+            <a:r>
+              <a:rPr lang="ko-KR" altLang="en-US" sz="2000" dirty="0" err="1">
+                <a:solidFill>
+                  <a:schemeClr val="tx2">
+                    <a:lumMod val="50000"/>
+                  </a:schemeClr>
+                </a:solidFill>
+                <a:latin typeface="나눔스퀘어 ExtraBold" panose="020B0600000101010101" pitchFamily="50" charset="-127"/>
+                <a:ea typeface="나눔스퀘어 ExtraBold" panose="020B0600000101010101" pitchFamily="50" charset="-127"/>
+              </a:rPr>
+              <a:t>컴공특</a:t>
+            </a:r>
+            <a:r>
+              <a:rPr lang="ko-KR" altLang="en-US" sz="2000" dirty="0">
+                <a:solidFill>
+                  <a:schemeClr val="tx2">
+                    <a:lumMod val="50000"/>
+                  </a:schemeClr>
+                </a:solidFill>
+                <a:latin typeface="나눔스퀘어 ExtraBold" panose="020B0600000101010101" pitchFamily="50" charset="-127"/>
+                <a:ea typeface="나눔스퀘어 ExtraBold" panose="020B0600000101010101" pitchFamily="50" charset="-127"/>
+              </a:rPr>
+              <a:t> </a:t>
+            </a:r>
+            <a:r>
+              <a:rPr lang="en-US" altLang="ko-KR" sz="2000" dirty="0">
+                <a:solidFill>
+                  <a:schemeClr val="tx2">
+                    <a:lumMod val="50000"/>
+                  </a:schemeClr>
+                </a:solidFill>
+                <a:latin typeface="나눔스퀘어 ExtraBold" panose="020B0600000101010101" pitchFamily="50" charset="-127"/>
+                <a:ea typeface="나눔스퀘어 ExtraBold" panose="020B0600000101010101" pitchFamily="50" charset="-127"/>
+              </a:rPr>
+              <a:t>3</a:t>
+            </a:r>
+            <a:r>
+              <a:rPr lang="ko-KR" altLang="en-US" sz="2000" dirty="0">
+                <a:solidFill>
+                  <a:schemeClr val="tx2">
+                    <a:lumMod val="50000"/>
+                  </a:schemeClr>
+                </a:solidFill>
+                <a:latin typeface="나눔스퀘어 ExtraBold" panose="020B0600000101010101" pitchFamily="50" charset="-127"/>
+                <a:ea typeface="나눔스퀘어 ExtraBold" panose="020B0600000101010101" pitchFamily="50" charset="-127"/>
+              </a:rPr>
+              <a:t>팀</a:t>
+            </a:r>
+            <a:endParaRPr lang="en-US" altLang="ko-KR" sz="2000" dirty="0">
+              <a:solidFill>
+                <a:schemeClr val="tx2">
+                  <a:lumMod val="50000"/>
+                </a:schemeClr>
+              </a:solidFill>
+              <a:latin typeface="나눔스퀘어 ExtraBold" panose="020B0600000101010101" pitchFamily="50" charset="-127"/>
+              <a:ea typeface="나눔스퀘어 ExtraBold" panose="020B0600000101010101" pitchFamily="50" charset="-127"/>
+            </a:endParaRPr>
+          </a:p>
+        </p:txBody>
+      </p:sp>
+      <p:sp>
+        <p:nvSpPr>
+          <p:cNvPr id="8" name="TextBox 7">
+            <a:extLst>
+              <a:ext uri="{FF2B5EF4-FFF2-40B4-BE49-F238E27FC236}">
+                <a16:creationId xmlns:a16="http://schemas.microsoft.com/office/drawing/2014/main" id="{5D0C9A45-A32B-45BB-B4DB-89BAF7E41E6D}"/>
+              </a:ext>
+            </a:extLst>
+          </p:cNvPr>
+          <p:cNvSpPr txBox="1"/>
+          <p:nvPr/>
+        </p:nvSpPr>
+        <p:spPr>
+          <a:xfrm>
+            <a:off x="276223" y="310773"/>
+            <a:ext cx="3496600" cy="553998"/>
+          </a:xfrm>
+          <a:prstGeom prst="rect">
+            <a:avLst/>
+          </a:prstGeom>
+          <a:noFill/>
+        </p:spPr>
+        <p:txBody>
+          <a:bodyPr wrap="square" rtlCol="0">
+            <a:spAutoFit/>
+          </a:bodyPr>
+          <a:lstStyle/>
+          <a:p>
+            <a:r>
+              <a:rPr lang="en-US" altLang="ko-KR" sz="3000" spc="100" dirty="0">
+                <a:solidFill>
+                  <a:schemeClr val="tx2">
+                    <a:lumMod val="50000"/>
+                  </a:schemeClr>
+                </a:solidFill>
+                <a:latin typeface="나눔스퀘어 ExtraBold" panose="020B0600000101010101" pitchFamily="50" charset="-127"/>
+                <a:ea typeface="나눔스퀘어 ExtraBold" panose="020B0600000101010101" pitchFamily="50" charset="-127"/>
+              </a:rPr>
+              <a:t>4. </a:t>
+            </a:r>
+            <a:r>
+              <a:rPr lang="ko-KR" altLang="en-US" sz="3000" spc="100" dirty="0">
+                <a:solidFill>
+                  <a:schemeClr val="tx2">
+                    <a:lumMod val="50000"/>
+                  </a:schemeClr>
+                </a:solidFill>
+                <a:latin typeface="나눔스퀘어 ExtraBold" panose="020B0600000101010101" pitchFamily="50" charset="-127"/>
+                <a:ea typeface="나눔스퀘어 ExtraBold" panose="020B0600000101010101" pitchFamily="50" charset="-127"/>
+              </a:rPr>
+              <a:t>메서드</a:t>
+            </a:r>
+          </a:p>
+        </p:txBody>
+      </p:sp>
+      <p:cxnSp>
+        <p:nvCxnSpPr>
+          <p:cNvPr id="9" name="직선 연결선 8">
+            <a:extLst>
+              <a:ext uri="{FF2B5EF4-FFF2-40B4-BE49-F238E27FC236}">
+                <a16:creationId xmlns:a16="http://schemas.microsoft.com/office/drawing/2014/main" id="{5140239F-7841-40D4-B023-7486FD09274D}"/>
+              </a:ext>
+            </a:extLst>
+          </p:cNvPr>
+          <p:cNvCxnSpPr>
+            <a:cxnSpLocks/>
+          </p:cNvCxnSpPr>
+          <p:nvPr/>
+        </p:nvCxnSpPr>
+        <p:spPr>
+          <a:xfrm>
+            <a:off x="10337785" y="267285"/>
+            <a:ext cx="1577992" cy="0"/>
+          </a:xfrm>
+          <a:prstGeom prst="line">
+            <a:avLst/>
+          </a:prstGeom>
+          <a:ln w="34925">
+            <a:solidFill>
+              <a:schemeClr val="tx2"/>
+            </a:solidFill>
+          </a:ln>
+        </p:spPr>
+        <p:style>
+          <a:lnRef idx="1">
+            <a:schemeClr val="accent1"/>
+          </a:lnRef>
+          <a:fillRef idx="0">
+            <a:schemeClr val="accent1"/>
+          </a:fillRef>
+          <a:effectRef idx="0">
+            <a:schemeClr val="accent1"/>
+          </a:effectRef>
+          <a:fontRef idx="minor">
+            <a:schemeClr val="tx1"/>
+          </a:fontRef>
+        </p:style>
+      </p:cxnSp>
+      <p:sp>
+        <p:nvSpPr>
+          <p:cNvPr id="17" name="TextBox 16">
+            <a:extLst>
+              <a:ext uri="{FF2B5EF4-FFF2-40B4-BE49-F238E27FC236}">
+                <a16:creationId xmlns:a16="http://schemas.microsoft.com/office/drawing/2014/main" id="{EF93F456-2C49-4A85-B01B-2D6BD46D6E98}"/>
+              </a:ext>
+            </a:extLst>
+          </p:cNvPr>
+          <p:cNvSpPr txBox="1"/>
+          <p:nvPr/>
+        </p:nvSpPr>
+        <p:spPr>
+          <a:xfrm>
+            <a:off x="762855" y="1295512"/>
+            <a:ext cx="10680876" cy="461665"/>
+          </a:xfrm>
+          <a:prstGeom prst="rect">
+            <a:avLst/>
+          </a:prstGeom>
+          <a:noFill/>
+        </p:spPr>
+        <p:txBody>
+          <a:bodyPr wrap="square" rtlCol="0">
+            <a:spAutoFit/>
+          </a:bodyPr>
+          <a:lstStyle/>
+          <a:p>
+            <a:r>
+              <a:rPr lang="ko-KR" altLang="en-US" sz="2400" spc="100" dirty="0">
+                <a:solidFill>
+                  <a:srgbClr val="44546A"/>
+                </a:solidFill>
+                <a:latin typeface="나눔스퀘어 Bold" panose="020B0600000101010101" pitchFamily="50" charset="-127"/>
+                <a:ea typeface="나눔스퀘어 Bold" panose="020B0600000101010101" pitchFamily="50" charset="-127"/>
+              </a:rPr>
+              <a:t>자바스크립트의 함수는 객체</a:t>
+            </a:r>
+            <a:r>
+              <a:rPr lang="en-US" altLang="ko-KR" sz="2400" spc="100" dirty="0">
+                <a:solidFill>
+                  <a:srgbClr val="44546A"/>
+                </a:solidFill>
+                <a:latin typeface="나눔스퀘어 Bold" panose="020B0600000101010101" pitchFamily="50" charset="-127"/>
+                <a:ea typeface="나눔스퀘어 Bold" panose="020B0600000101010101" pitchFamily="50" charset="-127"/>
+              </a:rPr>
+              <a:t>(</a:t>
+            </a:r>
+            <a:r>
+              <a:rPr lang="ko-KR" altLang="en-US" sz="2400" spc="100" dirty="0">
+                <a:solidFill>
+                  <a:srgbClr val="FF0000"/>
+                </a:solidFill>
+                <a:latin typeface="나눔스퀘어 Bold" panose="020B0600000101010101" pitchFamily="50" charset="-127"/>
+                <a:ea typeface="나눔스퀘어 Bold" panose="020B0600000101010101" pitchFamily="50" charset="-127"/>
+              </a:rPr>
+              <a:t>일급 객체</a:t>
+            </a:r>
+            <a:r>
+              <a:rPr lang="en-US" altLang="ko-KR" sz="2400" spc="100" dirty="0">
+                <a:solidFill>
+                  <a:srgbClr val="44546A"/>
+                </a:solidFill>
+                <a:latin typeface="나눔스퀘어 Bold" panose="020B0600000101010101" pitchFamily="50" charset="-127"/>
+                <a:ea typeface="나눔스퀘어 Bold" panose="020B0600000101010101" pitchFamily="50" charset="-127"/>
+              </a:rPr>
+              <a:t>)</a:t>
+            </a:r>
+            <a:r>
+              <a:rPr lang="ko-KR" altLang="en-US" sz="2400" spc="100" dirty="0">
+                <a:solidFill>
+                  <a:srgbClr val="44546A"/>
+                </a:solidFill>
+                <a:latin typeface="나눔스퀘어 Bold" panose="020B0600000101010101" pitchFamily="50" charset="-127"/>
+                <a:ea typeface="나눔스퀘어 Bold" panose="020B0600000101010101" pitchFamily="50" charset="-127"/>
+              </a:rPr>
+              <a:t>다</a:t>
+            </a:r>
+            <a:r>
+              <a:rPr lang="en-US" altLang="ko-KR" sz="2400" spc="100" dirty="0">
+                <a:solidFill>
+                  <a:srgbClr val="44546A"/>
+                </a:solidFill>
+                <a:latin typeface="나눔스퀘어 Bold" panose="020B0600000101010101" pitchFamily="50" charset="-127"/>
+                <a:ea typeface="나눔스퀘어 Bold" panose="020B0600000101010101" pitchFamily="50" charset="-127"/>
+              </a:rPr>
+              <a:t>.</a:t>
+            </a:r>
+          </a:p>
+        </p:txBody>
+      </p:sp>
+      <p:sp>
+        <p:nvSpPr>
+          <p:cNvPr id="2" name="TextBox 1">
+            <a:extLst>
+              <a:ext uri="{FF2B5EF4-FFF2-40B4-BE49-F238E27FC236}">
+                <a16:creationId xmlns:a16="http://schemas.microsoft.com/office/drawing/2014/main" id="{2EB84E09-966C-F46D-B211-890C52264C2E}"/>
+              </a:ext>
+            </a:extLst>
+          </p:cNvPr>
+          <p:cNvSpPr txBox="1"/>
+          <p:nvPr/>
+        </p:nvSpPr>
+        <p:spPr>
+          <a:xfrm>
+            <a:off x="8802448" y="267286"/>
+            <a:ext cx="1183644" cy="461665"/>
+          </a:xfrm>
+          <a:prstGeom prst="rect">
+            <a:avLst/>
+          </a:prstGeom>
+          <a:noFill/>
+        </p:spPr>
+        <p:txBody>
+          <a:bodyPr wrap="square" rtlCol="0">
+            <a:spAutoFit/>
+          </a:bodyPr>
+          <a:lstStyle/>
+          <a:p>
+            <a:r>
+              <a:rPr lang="en-US" altLang="ko-KR" sz="2400" spc="100" dirty="0">
+                <a:solidFill>
+                  <a:srgbClr val="000000"/>
+                </a:solidFill>
+                <a:latin typeface="나눔스퀘어 Bold" panose="020B0600000101010101" pitchFamily="50" charset="-127"/>
+                <a:ea typeface="나눔스퀘어 Bold" panose="020B0600000101010101" pitchFamily="50" charset="-127"/>
+              </a:rPr>
+              <a:t>p.</a:t>
+            </a:r>
+            <a:r>
+              <a:rPr lang="ko-KR" altLang="en-US" sz="2400" spc="100" dirty="0">
+                <a:solidFill>
+                  <a:srgbClr val="000000"/>
+                </a:solidFill>
+                <a:latin typeface="나눔스퀘어 Bold" panose="020B0600000101010101" pitchFamily="50" charset="-127"/>
+                <a:ea typeface="나눔스퀘어 Bold" panose="020B0600000101010101" pitchFamily="50" charset="-127"/>
+              </a:rPr>
+              <a:t> </a:t>
+            </a:r>
+            <a:r>
+              <a:rPr lang="en-US" altLang="ko-KR" sz="2400" spc="100" dirty="0">
+                <a:solidFill>
+                  <a:srgbClr val="000000"/>
+                </a:solidFill>
+                <a:latin typeface="나눔스퀘어 Bold" panose="020B0600000101010101" pitchFamily="50" charset="-127"/>
+                <a:ea typeface="나눔스퀘어 Bold" panose="020B0600000101010101" pitchFamily="50" charset="-127"/>
+              </a:rPr>
+              <a:t>130</a:t>
+            </a:r>
+            <a:endParaRPr lang="ko-KR" altLang="en-US" sz="2400" spc="100" dirty="0">
+              <a:solidFill>
+                <a:srgbClr val="000000"/>
+              </a:solidFill>
+              <a:latin typeface="나눔스퀘어 Bold" panose="020B0600000101010101" pitchFamily="50" charset="-127"/>
+              <a:ea typeface="나눔스퀘어 Bold" panose="020B0600000101010101" pitchFamily="50" charset="-127"/>
+            </a:endParaRPr>
+          </a:p>
+        </p:txBody>
+      </p:sp>
       <p:sp>
         <p:nvSpPr>
           <p:cNvPr id="14" name="TextBox 13">
@@ -15655,7 +17045,7 @@
         </p:nvSpPr>
         <p:spPr>
           <a:xfrm>
-            <a:off x="762855" y="4733483"/>
+            <a:off x="762855" y="3062944"/>
             <a:ext cx="10680876" cy="461665"/>
           </a:xfrm>
           <a:prstGeom prst="rect">
@@ -15817,6 +17207,107 @@
           </a:p>
         </p:txBody>
       </p:sp>
+      <p:sp>
+        <p:nvSpPr>
+          <p:cNvPr id="4" name="TextBox 3">
+            <a:extLst>
+              <a:ext uri="{FF2B5EF4-FFF2-40B4-BE49-F238E27FC236}">
+                <a16:creationId xmlns:a16="http://schemas.microsoft.com/office/drawing/2014/main" id="{C97B605D-181A-7D56-86C4-C0C447E358F8}"/>
+              </a:ext>
+            </a:extLst>
+          </p:cNvPr>
+          <p:cNvSpPr txBox="1"/>
+          <p:nvPr/>
+        </p:nvSpPr>
+        <p:spPr>
+          <a:xfrm>
+            <a:off x="762855" y="3524609"/>
+            <a:ext cx="10680876" cy="461665"/>
+          </a:xfrm>
+          <a:prstGeom prst="rect">
+            <a:avLst/>
+          </a:prstGeom>
+          <a:noFill/>
+        </p:spPr>
+        <p:txBody>
+          <a:bodyPr wrap="square" rtlCol="0">
+            <a:spAutoFit/>
+          </a:bodyPr>
+          <a:lstStyle/>
+          <a:p>
+            <a:r>
+              <a:rPr lang="en-US" altLang="ko-KR" sz="2400" spc="100" dirty="0">
+                <a:solidFill>
+                  <a:srgbClr val="44546A"/>
+                </a:solidFill>
+                <a:latin typeface="나눔스퀘어 Bold" panose="020B0600000101010101" pitchFamily="50" charset="-127"/>
+                <a:ea typeface="나눔스퀘어 Bold" panose="020B0600000101010101" pitchFamily="50" charset="-127"/>
+              </a:rPr>
+              <a:t>	</a:t>
+            </a:r>
+            <a:r>
+              <a:rPr lang="ko-KR" altLang="en-US" sz="2400" spc="100" dirty="0">
+                <a:solidFill>
+                  <a:srgbClr val="44546A"/>
+                </a:solidFill>
+                <a:latin typeface="나눔스퀘어 Bold" panose="020B0600000101010101" pitchFamily="50" charset="-127"/>
+                <a:ea typeface="나눔스퀘어 Bold" panose="020B0600000101010101" pitchFamily="50" charset="-127"/>
+              </a:rPr>
+              <a:t>→ 함수를 할당</a:t>
+            </a:r>
+            <a:r>
+              <a:rPr lang="en-US" altLang="ko-KR" sz="2400" spc="100" dirty="0">
+                <a:solidFill>
+                  <a:srgbClr val="44546A"/>
+                </a:solidFill>
+                <a:latin typeface="나눔스퀘어 Bold" panose="020B0600000101010101" pitchFamily="50" charset="-127"/>
+                <a:ea typeface="나눔스퀘어 Bold" panose="020B0600000101010101" pitchFamily="50" charset="-127"/>
+              </a:rPr>
+              <a:t>, return, param</a:t>
+            </a:r>
+            <a:r>
+              <a:rPr lang="ko-KR" altLang="en-US" sz="2400" spc="100" dirty="0">
+                <a:solidFill>
+                  <a:srgbClr val="44546A"/>
+                </a:solidFill>
+                <a:latin typeface="나눔스퀘어 Bold" panose="020B0600000101010101" pitchFamily="50" charset="-127"/>
+                <a:ea typeface="나눔스퀘어 Bold" panose="020B0600000101010101" pitchFamily="50" charset="-127"/>
+              </a:rPr>
+              <a:t>으로 넘기는 것이 가능함</a:t>
+            </a:r>
+          </a:p>
+        </p:txBody>
+      </p:sp>
+      <p:pic>
+        <p:nvPicPr>
+          <p:cNvPr id="13" name="그림 12">
+            <a:extLst>
+              <a:ext uri="{FF2B5EF4-FFF2-40B4-BE49-F238E27FC236}">
+                <a16:creationId xmlns:a16="http://schemas.microsoft.com/office/drawing/2014/main" id="{55CD6905-32BA-38A6-5CE9-8F275DA7B4EE}"/>
+              </a:ext>
+            </a:extLst>
+          </p:cNvPr>
+          <p:cNvPicPr>
+            <a:picLocks noChangeAspect="1"/>
+          </p:cNvPicPr>
+          <p:nvPr/>
+        </p:nvPicPr>
+        <p:blipFill>
+          <a:blip r:embed="rId2"/>
+          <a:stretch>
+            <a:fillRect/>
+          </a:stretch>
+        </p:blipFill>
+        <p:spPr>
+          <a:xfrm>
+            <a:off x="762855" y="4066886"/>
+            <a:ext cx="10680876" cy="1695376"/>
+          </a:xfrm>
+          <a:prstGeom prst="rect">
+            <a:avLst/>
+          </a:prstGeom>
+        </p:spPr>
+      </p:pic>
     </p:spTree>
     <p:extLst>
       <p:ext uri="{BB962C8B-B14F-4D97-AF65-F5344CB8AC3E}">
@@ -15842,7 +17333,415 @@
 </p:sld>
 </file>
 
-<file path=ppt/slides/slide5.xml><?xml version="1.0" encoding="utf-8"?>
+<file path=ppt/slides/slide6.xml><?xml version="1.0" encoding="utf-8"?>
+<p:sld xmlns:a="http://schemas.openxmlformats.org/drawingml/2006/main" xmlns:r="http://schemas.openxmlformats.org/officeDocument/2006/relationships" xmlns:p="http://schemas.openxmlformats.org/presentationml/2006/main">
+  <p:cSld>
+    <p:spTree>
+      <p:nvGrpSpPr>
+        <p:cNvPr id="1" name=""/>
+        <p:cNvGrpSpPr/>
+        <p:nvPr/>
+      </p:nvGrpSpPr>
+      <p:grpSpPr>
+        <a:xfrm>
+          <a:off x="0" y="0"/>
+          <a:ext cx="0" cy="0"/>
+          <a:chOff x="0" y="0"/>
+          <a:chExt cx="0" cy="0"/>
+        </a:xfrm>
+      </p:grpSpPr>
+      <p:cxnSp>
+        <p:nvCxnSpPr>
+          <p:cNvPr id="3" name="직선 연결선 2">
+            <a:extLst>
+              <a:ext uri="{FF2B5EF4-FFF2-40B4-BE49-F238E27FC236}">
+                <a16:creationId xmlns:a16="http://schemas.microsoft.com/office/drawing/2014/main" id="{F55676F0-C433-4456-BB57-3E5832581EF6}"/>
+              </a:ext>
+            </a:extLst>
+          </p:cNvPr>
+          <p:cNvCxnSpPr>
+            <a:cxnSpLocks/>
+          </p:cNvCxnSpPr>
+          <p:nvPr/>
+        </p:nvCxnSpPr>
+        <p:spPr>
+          <a:xfrm>
+            <a:off x="10337785" y="696814"/>
+            <a:ext cx="1577992" cy="0"/>
+          </a:xfrm>
+          <a:prstGeom prst="line">
+            <a:avLst/>
+          </a:prstGeom>
+          <a:ln w="34925">
+            <a:solidFill>
+              <a:schemeClr val="tx2"/>
+            </a:solidFill>
+          </a:ln>
+        </p:spPr>
+        <p:style>
+          <a:lnRef idx="1">
+            <a:schemeClr val="accent1"/>
+          </a:lnRef>
+          <a:fillRef idx="0">
+            <a:schemeClr val="accent1"/>
+          </a:fillRef>
+          <a:effectRef idx="0">
+            <a:schemeClr val="accent1"/>
+          </a:effectRef>
+          <a:fontRef idx="minor">
+            <a:schemeClr val="tx1"/>
+          </a:fontRef>
+        </p:style>
+      </p:cxnSp>
+      <p:sp>
+        <p:nvSpPr>
+          <p:cNvPr id="6" name="TextBox 5">
+            <a:extLst>
+              <a:ext uri="{FF2B5EF4-FFF2-40B4-BE49-F238E27FC236}">
+                <a16:creationId xmlns:a16="http://schemas.microsoft.com/office/drawing/2014/main" id="{C7B00371-8BBF-468F-BAB5-3B58CE59B669}"/>
+              </a:ext>
+            </a:extLst>
+          </p:cNvPr>
+          <p:cNvSpPr txBox="1"/>
+          <p:nvPr/>
+        </p:nvSpPr>
+        <p:spPr>
+          <a:xfrm>
+            <a:off x="10337785" y="310773"/>
+            <a:ext cx="1577991" cy="400110"/>
+          </a:xfrm>
+          <a:prstGeom prst="rect">
+            <a:avLst/>
+          </a:prstGeom>
+          <a:noFill/>
+        </p:spPr>
+        <p:txBody>
+          <a:bodyPr wrap="square" rtlCol="0">
+            <a:spAutoFit/>
+          </a:bodyPr>
+          <a:lstStyle/>
+          <a:p>
+            <a:pPr algn="ctr"/>
+            <a:r>
+              <a:rPr lang="ko-KR" altLang="en-US" sz="2000" dirty="0" err="1">
+                <a:solidFill>
+                  <a:schemeClr val="tx2">
+                    <a:lumMod val="50000"/>
+                  </a:schemeClr>
+                </a:solidFill>
+                <a:latin typeface="나눔스퀘어 ExtraBold" panose="020B0600000101010101" pitchFamily="50" charset="-127"/>
+                <a:ea typeface="나눔스퀘어 ExtraBold" panose="020B0600000101010101" pitchFamily="50" charset="-127"/>
+              </a:rPr>
+              <a:t>컴공특</a:t>
+            </a:r>
+            <a:r>
+              <a:rPr lang="ko-KR" altLang="en-US" sz="2000" dirty="0">
+                <a:solidFill>
+                  <a:schemeClr val="tx2">
+                    <a:lumMod val="50000"/>
+                  </a:schemeClr>
+                </a:solidFill>
+                <a:latin typeface="나눔스퀘어 ExtraBold" panose="020B0600000101010101" pitchFamily="50" charset="-127"/>
+                <a:ea typeface="나눔스퀘어 ExtraBold" panose="020B0600000101010101" pitchFamily="50" charset="-127"/>
+              </a:rPr>
+              <a:t> </a:t>
+            </a:r>
+            <a:r>
+              <a:rPr lang="en-US" altLang="ko-KR" sz="2000" dirty="0">
+                <a:solidFill>
+                  <a:schemeClr val="tx2">
+                    <a:lumMod val="50000"/>
+                  </a:schemeClr>
+                </a:solidFill>
+                <a:latin typeface="나눔스퀘어 ExtraBold" panose="020B0600000101010101" pitchFamily="50" charset="-127"/>
+                <a:ea typeface="나눔스퀘어 ExtraBold" panose="020B0600000101010101" pitchFamily="50" charset="-127"/>
+              </a:rPr>
+              <a:t>3</a:t>
+            </a:r>
+            <a:r>
+              <a:rPr lang="ko-KR" altLang="en-US" sz="2000" dirty="0">
+                <a:solidFill>
+                  <a:schemeClr val="tx2">
+                    <a:lumMod val="50000"/>
+                  </a:schemeClr>
+                </a:solidFill>
+                <a:latin typeface="나눔스퀘어 ExtraBold" panose="020B0600000101010101" pitchFamily="50" charset="-127"/>
+                <a:ea typeface="나눔스퀘어 ExtraBold" panose="020B0600000101010101" pitchFamily="50" charset="-127"/>
+              </a:rPr>
+              <a:t>팀</a:t>
+            </a:r>
+            <a:endParaRPr lang="en-US" altLang="ko-KR" sz="2000" dirty="0">
+              <a:solidFill>
+                <a:schemeClr val="tx2">
+                  <a:lumMod val="50000"/>
+                </a:schemeClr>
+              </a:solidFill>
+              <a:latin typeface="나눔스퀘어 ExtraBold" panose="020B0600000101010101" pitchFamily="50" charset="-127"/>
+              <a:ea typeface="나눔스퀘어 ExtraBold" panose="020B0600000101010101" pitchFamily="50" charset="-127"/>
+            </a:endParaRPr>
+          </a:p>
+        </p:txBody>
+      </p:sp>
+      <p:sp>
+        <p:nvSpPr>
+          <p:cNvPr id="8" name="TextBox 7">
+            <a:extLst>
+              <a:ext uri="{FF2B5EF4-FFF2-40B4-BE49-F238E27FC236}">
+                <a16:creationId xmlns:a16="http://schemas.microsoft.com/office/drawing/2014/main" id="{5D0C9A45-A32B-45BB-B4DB-89BAF7E41E6D}"/>
+              </a:ext>
+            </a:extLst>
+          </p:cNvPr>
+          <p:cNvSpPr txBox="1"/>
+          <p:nvPr/>
+        </p:nvSpPr>
+        <p:spPr>
+          <a:xfrm>
+            <a:off x="276223" y="310773"/>
+            <a:ext cx="3496600" cy="553998"/>
+          </a:xfrm>
+          <a:prstGeom prst="rect">
+            <a:avLst/>
+          </a:prstGeom>
+          <a:noFill/>
+        </p:spPr>
+        <p:txBody>
+          <a:bodyPr wrap="square" rtlCol="0">
+            <a:spAutoFit/>
+          </a:bodyPr>
+          <a:lstStyle/>
+          <a:p>
+            <a:r>
+              <a:rPr lang="en-US" altLang="ko-KR" sz="3000" spc="100" dirty="0">
+                <a:solidFill>
+                  <a:schemeClr val="tx2">
+                    <a:lumMod val="50000"/>
+                  </a:schemeClr>
+                </a:solidFill>
+                <a:latin typeface="나눔스퀘어 ExtraBold" panose="020B0600000101010101" pitchFamily="50" charset="-127"/>
+                <a:ea typeface="나눔스퀘어 ExtraBold" panose="020B0600000101010101" pitchFamily="50" charset="-127"/>
+              </a:rPr>
+              <a:t>4. </a:t>
+            </a:r>
+            <a:r>
+              <a:rPr lang="ko-KR" altLang="en-US" sz="3000" spc="100" dirty="0">
+                <a:solidFill>
+                  <a:schemeClr val="tx2">
+                    <a:lumMod val="50000"/>
+                  </a:schemeClr>
+                </a:solidFill>
+                <a:latin typeface="나눔스퀘어 ExtraBold" panose="020B0600000101010101" pitchFamily="50" charset="-127"/>
+                <a:ea typeface="나눔스퀘어 ExtraBold" panose="020B0600000101010101" pitchFamily="50" charset="-127"/>
+              </a:rPr>
+              <a:t>메서드</a:t>
+            </a:r>
+          </a:p>
+        </p:txBody>
+      </p:sp>
+      <p:cxnSp>
+        <p:nvCxnSpPr>
+          <p:cNvPr id="9" name="직선 연결선 8">
+            <a:extLst>
+              <a:ext uri="{FF2B5EF4-FFF2-40B4-BE49-F238E27FC236}">
+                <a16:creationId xmlns:a16="http://schemas.microsoft.com/office/drawing/2014/main" id="{5140239F-7841-40D4-B023-7486FD09274D}"/>
+              </a:ext>
+            </a:extLst>
+          </p:cNvPr>
+          <p:cNvCxnSpPr>
+            <a:cxnSpLocks/>
+          </p:cNvCxnSpPr>
+          <p:nvPr/>
+        </p:nvCxnSpPr>
+        <p:spPr>
+          <a:xfrm>
+            <a:off x="10337785" y="267285"/>
+            <a:ext cx="1577992" cy="0"/>
+          </a:xfrm>
+          <a:prstGeom prst="line">
+            <a:avLst/>
+          </a:prstGeom>
+          <a:ln w="34925">
+            <a:solidFill>
+              <a:schemeClr val="tx2"/>
+            </a:solidFill>
+          </a:ln>
+        </p:spPr>
+        <p:style>
+          <a:lnRef idx="1">
+            <a:schemeClr val="accent1"/>
+          </a:lnRef>
+          <a:fillRef idx="0">
+            <a:schemeClr val="accent1"/>
+          </a:fillRef>
+          <a:effectRef idx="0">
+            <a:schemeClr val="accent1"/>
+          </a:effectRef>
+          <a:fontRef idx="minor">
+            <a:schemeClr val="tx1"/>
+          </a:fontRef>
+        </p:style>
+      </p:cxnSp>
+      <p:sp>
+        <p:nvSpPr>
+          <p:cNvPr id="17" name="TextBox 16">
+            <a:extLst>
+              <a:ext uri="{FF2B5EF4-FFF2-40B4-BE49-F238E27FC236}">
+                <a16:creationId xmlns:a16="http://schemas.microsoft.com/office/drawing/2014/main" id="{EF93F456-2C49-4A85-B01B-2D6BD46D6E98}"/>
+              </a:ext>
+            </a:extLst>
+          </p:cNvPr>
+          <p:cNvSpPr txBox="1"/>
+          <p:nvPr/>
+        </p:nvSpPr>
+        <p:spPr>
+          <a:xfrm>
+            <a:off x="762855" y="1295512"/>
+            <a:ext cx="10680876" cy="461665"/>
+          </a:xfrm>
+          <a:prstGeom prst="rect">
+            <a:avLst/>
+          </a:prstGeom>
+          <a:noFill/>
+        </p:spPr>
+        <p:txBody>
+          <a:bodyPr wrap="square" rtlCol="0">
+            <a:spAutoFit/>
+          </a:bodyPr>
+          <a:lstStyle/>
+          <a:p>
+            <a:r>
+              <a:rPr lang="ko-KR" altLang="en-US" sz="2400" spc="100" dirty="0">
+                <a:solidFill>
+                  <a:srgbClr val="44546A"/>
+                </a:solidFill>
+                <a:latin typeface="나눔스퀘어 Bold" panose="020B0600000101010101" pitchFamily="50" charset="-127"/>
+                <a:ea typeface="나눔스퀘어 Bold" panose="020B0600000101010101" pitchFamily="50" charset="-127"/>
+              </a:rPr>
+              <a:t>함수를 </a:t>
+            </a:r>
+            <a:r>
+              <a:rPr lang="en-US" altLang="ko-KR" sz="2400" spc="100" dirty="0">
+                <a:solidFill>
+                  <a:srgbClr val="44546A"/>
+                </a:solidFill>
+                <a:latin typeface="나눔스퀘어 Bold" panose="020B0600000101010101" pitchFamily="50" charset="-127"/>
+                <a:ea typeface="나눔스퀘어 Bold" panose="020B0600000101010101" pitchFamily="50" charset="-127"/>
+              </a:rPr>
+              <a:t>return </a:t>
+            </a:r>
+            <a:r>
+              <a:rPr lang="ko-KR" altLang="en-US" sz="2400" spc="100" dirty="0">
+                <a:solidFill>
+                  <a:srgbClr val="44546A"/>
+                </a:solidFill>
+                <a:latin typeface="나눔스퀘어 Bold" panose="020B0600000101010101" pitchFamily="50" charset="-127"/>
+                <a:ea typeface="나눔스퀘어 Bold" panose="020B0600000101010101" pitchFamily="50" charset="-127"/>
+              </a:rPr>
+              <a:t>하는 것도 가능</a:t>
+            </a:r>
+            <a:endParaRPr lang="en-US" altLang="ko-KR" sz="2400" spc="100" dirty="0">
+              <a:solidFill>
+                <a:srgbClr val="44546A"/>
+              </a:solidFill>
+              <a:latin typeface="나눔스퀘어 Bold" panose="020B0600000101010101" pitchFamily="50" charset="-127"/>
+              <a:ea typeface="나눔스퀘어 Bold" panose="020B0600000101010101" pitchFamily="50" charset="-127"/>
+            </a:endParaRPr>
+          </a:p>
+        </p:txBody>
+      </p:sp>
+      <p:sp>
+        <p:nvSpPr>
+          <p:cNvPr id="2" name="TextBox 1">
+            <a:extLst>
+              <a:ext uri="{FF2B5EF4-FFF2-40B4-BE49-F238E27FC236}">
+                <a16:creationId xmlns:a16="http://schemas.microsoft.com/office/drawing/2014/main" id="{2EB84E09-966C-F46D-B211-890C52264C2E}"/>
+              </a:ext>
+            </a:extLst>
+          </p:cNvPr>
+          <p:cNvSpPr txBox="1"/>
+          <p:nvPr/>
+        </p:nvSpPr>
+        <p:spPr>
+          <a:xfrm>
+            <a:off x="8802448" y="267286"/>
+            <a:ext cx="1183644" cy="461665"/>
+          </a:xfrm>
+          <a:prstGeom prst="rect">
+            <a:avLst/>
+          </a:prstGeom>
+          <a:noFill/>
+        </p:spPr>
+        <p:txBody>
+          <a:bodyPr wrap="square" rtlCol="0">
+            <a:spAutoFit/>
+          </a:bodyPr>
+          <a:lstStyle/>
+          <a:p>
+            <a:r>
+              <a:rPr lang="en-US" altLang="ko-KR" sz="2400" spc="100" dirty="0">
+                <a:solidFill>
+                  <a:srgbClr val="000000"/>
+                </a:solidFill>
+                <a:latin typeface="나눔스퀘어 Bold" panose="020B0600000101010101" pitchFamily="50" charset="-127"/>
+                <a:ea typeface="나눔스퀘어 Bold" panose="020B0600000101010101" pitchFamily="50" charset="-127"/>
+              </a:rPr>
+              <a:t>p.</a:t>
+            </a:r>
+            <a:r>
+              <a:rPr lang="ko-KR" altLang="en-US" sz="2400" spc="100" dirty="0">
+                <a:solidFill>
+                  <a:srgbClr val="000000"/>
+                </a:solidFill>
+                <a:latin typeface="나눔스퀘어 Bold" panose="020B0600000101010101" pitchFamily="50" charset="-127"/>
+                <a:ea typeface="나눔스퀘어 Bold" panose="020B0600000101010101" pitchFamily="50" charset="-127"/>
+              </a:rPr>
+              <a:t> </a:t>
+            </a:r>
+            <a:r>
+              <a:rPr lang="en-US" altLang="ko-KR" sz="2400" spc="100" dirty="0">
+                <a:solidFill>
+                  <a:srgbClr val="000000"/>
+                </a:solidFill>
+                <a:latin typeface="나눔스퀘어 Bold" panose="020B0600000101010101" pitchFamily="50" charset="-127"/>
+                <a:ea typeface="나눔스퀘어 Bold" panose="020B0600000101010101" pitchFamily="50" charset="-127"/>
+              </a:rPr>
+              <a:t>130</a:t>
+            </a:r>
+            <a:endParaRPr lang="ko-KR" altLang="en-US" sz="2400" spc="100" dirty="0">
+              <a:solidFill>
+                <a:srgbClr val="000000"/>
+              </a:solidFill>
+              <a:latin typeface="나눔스퀘어 Bold" panose="020B0600000101010101" pitchFamily="50" charset="-127"/>
+              <a:ea typeface="나눔스퀘어 Bold" panose="020B0600000101010101" pitchFamily="50" charset="-127"/>
+            </a:endParaRPr>
+          </a:p>
+        </p:txBody>
+      </p:sp>
+    </p:spTree>
+    <p:extLst>
+      <p:ext uri="{BB962C8B-B14F-4D97-AF65-F5344CB8AC3E}">
+        <p14:creationId xmlns:p14="http://schemas.microsoft.com/office/powerpoint/2010/main" val="449677295"/>
+      </p:ext>
+    </p:extLst>
+  </p:cSld>
+  <p:clrMapOvr>
+    <a:masterClrMapping/>
+  </p:clrMapOvr>
+  <mc:AlternateContent xmlns:mc="http://schemas.openxmlformats.org/markup-compatibility/2006">
+    <mc:Choice xmlns:p159="http://schemas.microsoft.com/office/powerpoint/2015/09/main" Requires="p159">
+      <p:transition xmlns:p14="http://schemas.microsoft.com/office/powerpoint/2010/main" spd="slow" p14:dur="2000">
+        <p159:morph option="byObject"/>
+      </p:transition>
+    </mc:Choice>
+    <mc:Fallback>
+      <p:transition spd="slow">
+        <p:fade/>
+      </p:transition>
+    </mc:Fallback>
+  </mc:AlternateContent>
+</p:sld>
+</file>
+
+<file path=ppt/slides/slide7.xml><?xml version="1.0" encoding="utf-8"?>
 <p:sld xmlns:a="http://schemas.openxmlformats.org/drawingml/2006/main" xmlns:r="http://schemas.openxmlformats.org/officeDocument/2006/relationships" xmlns:p="http://schemas.openxmlformats.org/presentationml/2006/main">
   <p:cSld>
     <p:spTree>
@@ -17471,7 +19370,7 @@
 </p:sld>
 </file>
 
-<file path=ppt/slides/slide6.xml><?xml version="1.0" encoding="utf-8"?>
+<file path=ppt/slides/slide8.xml><?xml version="1.0" encoding="utf-8"?>
 <p:sld xmlns:a="http://schemas.openxmlformats.org/drawingml/2006/main" xmlns:r="http://schemas.openxmlformats.org/officeDocument/2006/relationships" xmlns:p="http://schemas.openxmlformats.org/presentationml/2006/main">
   <p:cSld>
     <p:spTree>
@@ -19982,7 +21881,7 @@
 </p:sld>
 </file>
 
-<file path=ppt/slides/slide7.xml><?xml version="1.0" encoding="utf-8"?>
+<file path=ppt/slides/slide9.xml><?xml version="1.0" encoding="utf-8"?>
 <p:sld xmlns:a="http://schemas.openxmlformats.org/drawingml/2006/main" xmlns:r="http://schemas.openxmlformats.org/officeDocument/2006/relationships" xmlns:p="http://schemas.openxmlformats.org/presentationml/2006/main">
   <p:cSld>
     <p:spTree>
@@ -20888,690 +22787,6 @@
     <p:extLst>
       <p:ext uri="{BB962C8B-B14F-4D97-AF65-F5344CB8AC3E}">
         <p14:creationId xmlns:p14="http://schemas.microsoft.com/office/powerpoint/2010/main" val="535015394"/>
-      </p:ext>
-    </p:extLst>
-  </p:cSld>
-  <p:clrMapOvr>
-    <a:masterClrMapping/>
-  </p:clrMapOvr>
-  <mc:AlternateContent xmlns:mc="http://schemas.openxmlformats.org/markup-compatibility/2006" xmlns:p159="http://schemas.microsoft.com/office/powerpoint/2015/09/main">
-    <mc:Choice Requires="p159">
-      <p:transition xmlns:p14="http://schemas.microsoft.com/office/powerpoint/2010/main" spd="slow" p14:dur="2000">
-        <p159:morph option="byObject"/>
-      </p:transition>
-    </mc:Choice>
-    <mc:Fallback xmlns="">
-      <p:transition spd="slow">
-        <p:fade/>
-      </p:transition>
-    </mc:Fallback>
-  </mc:AlternateContent>
-</p:sld>
-</file>
-
-<file path=ppt/slides/slide8.xml><?xml version="1.0" encoding="utf-8"?>
-<p:sld xmlns:a="http://schemas.openxmlformats.org/drawingml/2006/main" xmlns:r="http://schemas.openxmlformats.org/officeDocument/2006/relationships" xmlns:p="http://schemas.openxmlformats.org/presentationml/2006/main">
-  <p:cSld>
-    <p:spTree>
-      <p:nvGrpSpPr>
-        <p:cNvPr id="1" name=""/>
-        <p:cNvGrpSpPr/>
-        <p:nvPr/>
-      </p:nvGrpSpPr>
-      <p:grpSpPr>
-        <a:xfrm>
-          <a:off x="0" y="0"/>
-          <a:ext cx="0" cy="0"/>
-          <a:chOff x="0" y="0"/>
-          <a:chExt cx="0" cy="0"/>
-        </a:xfrm>
-      </p:grpSpPr>
-      <p:sp>
-        <p:nvSpPr>
-          <p:cNvPr id="8" name="TextBox 7">
-            <a:extLst>
-              <a:ext uri="{FF2B5EF4-FFF2-40B4-BE49-F238E27FC236}">
-                <a16:creationId xmlns:a16="http://schemas.microsoft.com/office/drawing/2014/main" id="{5D0C9A45-A32B-45BB-B4DB-89BAF7E41E6D}"/>
-              </a:ext>
-            </a:extLst>
-          </p:cNvPr>
-          <p:cNvSpPr txBox="1"/>
-          <p:nvPr/>
-        </p:nvSpPr>
-        <p:spPr>
-          <a:xfrm>
-            <a:off x="276223" y="310773"/>
-            <a:ext cx="3496600" cy="553998"/>
-          </a:xfrm>
-          <a:prstGeom prst="rect">
-            <a:avLst/>
-          </a:prstGeom>
-          <a:noFill/>
-        </p:spPr>
-        <p:txBody>
-          <a:bodyPr wrap="square" rtlCol="0">
-            <a:spAutoFit/>
-          </a:bodyPr>
-          <a:lstStyle/>
-          <a:p>
-            <a:r>
-              <a:rPr lang="en-US" altLang="ko-KR" sz="3000" spc="100" dirty="0">
-                <a:solidFill>
-                  <a:schemeClr val="tx2">
-                    <a:lumMod val="50000"/>
-                  </a:schemeClr>
-                </a:solidFill>
-                <a:latin typeface="나눔스퀘어 ExtraBold" panose="020B0600000101010101" pitchFamily="50" charset="-127"/>
-                <a:ea typeface="나눔스퀘어 ExtraBold" panose="020B0600000101010101" pitchFamily="50" charset="-127"/>
-              </a:rPr>
-              <a:t>Ⅱ. </a:t>
-            </a:r>
-            <a:r>
-              <a:rPr lang="ko-KR" altLang="en-US" sz="3000" spc="100" dirty="0">
-                <a:solidFill>
-                  <a:schemeClr val="tx2">
-                    <a:lumMod val="50000"/>
-                  </a:schemeClr>
-                </a:solidFill>
-                <a:latin typeface="나눔스퀘어 ExtraBold" panose="020B0600000101010101" pitchFamily="50" charset="-127"/>
-                <a:ea typeface="나눔스퀘어 ExtraBold" panose="020B0600000101010101" pitchFamily="50" charset="-127"/>
-              </a:rPr>
-              <a:t>프로그램 개요</a:t>
-            </a:r>
-          </a:p>
-        </p:txBody>
-      </p:sp>
-      <p:sp>
-        <p:nvSpPr>
-          <p:cNvPr id="11" name="TextBox 10">
-            <a:extLst>
-              <a:ext uri="{FF2B5EF4-FFF2-40B4-BE49-F238E27FC236}">
-                <a16:creationId xmlns:a16="http://schemas.microsoft.com/office/drawing/2014/main" id="{796A3F55-A310-4812-82DA-85F76DEB9227}"/>
-              </a:ext>
-            </a:extLst>
-          </p:cNvPr>
-          <p:cNvSpPr txBox="1"/>
-          <p:nvPr/>
-        </p:nvSpPr>
-        <p:spPr>
-          <a:xfrm>
-            <a:off x="975753" y="965168"/>
-            <a:ext cx="3496600" cy="461665"/>
-          </a:xfrm>
-          <a:prstGeom prst="rect">
-            <a:avLst/>
-          </a:prstGeom>
-          <a:noFill/>
-        </p:spPr>
-        <p:txBody>
-          <a:bodyPr wrap="square" rtlCol="0">
-            <a:spAutoFit/>
-          </a:bodyPr>
-          <a:lstStyle/>
-          <a:p>
-            <a:r>
-              <a:rPr lang="ko-KR" altLang="en-US" sz="2400" spc="100" dirty="0">
-                <a:solidFill>
-                  <a:srgbClr val="44546A"/>
-                </a:solidFill>
-                <a:latin typeface="나눔스퀘어 Bold" panose="020B0600000101010101" pitchFamily="50" charset="-127"/>
-                <a:ea typeface="나눔스퀘어 Bold" panose="020B0600000101010101" pitchFamily="50" charset="-127"/>
-              </a:rPr>
-              <a:t>요구사항 정의서</a:t>
-            </a:r>
-          </a:p>
-        </p:txBody>
-      </p:sp>
-      <p:pic>
-        <p:nvPicPr>
-          <p:cNvPr id="2" name="그림 1"/>
-          <p:cNvPicPr>
-            <a:picLocks noChangeAspect="1"/>
-          </p:cNvPicPr>
-          <p:nvPr/>
-        </p:nvPicPr>
-        <p:blipFill>
-          <a:blip r:embed="rId2"/>
-          <a:stretch>
-            <a:fillRect/>
-          </a:stretch>
-        </p:blipFill>
-        <p:spPr>
-          <a:xfrm>
-            <a:off x="1627695" y="1527230"/>
-            <a:ext cx="9144000" cy="5076825"/>
-          </a:xfrm>
-          <a:prstGeom prst="rect">
-            <a:avLst/>
-          </a:prstGeom>
-        </p:spPr>
-      </p:pic>
-      <p:cxnSp>
-        <p:nvCxnSpPr>
-          <p:cNvPr id="10" name="직선 연결선 9">
-            <a:extLst>
-              <a:ext uri="{FF2B5EF4-FFF2-40B4-BE49-F238E27FC236}">
-                <a16:creationId xmlns:a16="http://schemas.microsoft.com/office/drawing/2014/main" id="{FF39D7EF-AF3F-4E0F-B66B-D2486CB8A9C0}"/>
-              </a:ext>
-            </a:extLst>
-          </p:cNvPr>
-          <p:cNvCxnSpPr>
-            <a:cxnSpLocks/>
-          </p:cNvCxnSpPr>
-          <p:nvPr/>
-        </p:nvCxnSpPr>
-        <p:spPr>
-          <a:xfrm>
-            <a:off x="10337785" y="696814"/>
-            <a:ext cx="1577992" cy="0"/>
-          </a:xfrm>
-          <a:prstGeom prst="line">
-            <a:avLst/>
-          </a:prstGeom>
-          <a:ln w="34925">
-            <a:solidFill>
-              <a:schemeClr val="tx2"/>
-            </a:solidFill>
-          </a:ln>
-        </p:spPr>
-        <p:style>
-          <a:lnRef idx="1">
-            <a:schemeClr val="accent1"/>
-          </a:lnRef>
-          <a:fillRef idx="0">
-            <a:schemeClr val="accent1"/>
-          </a:fillRef>
-          <a:effectRef idx="0">
-            <a:schemeClr val="accent1"/>
-          </a:effectRef>
-          <a:fontRef idx="minor">
-            <a:schemeClr val="tx1"/>
-          </a:fontRef>
-        </p:style>
-      </p:cxnSp>
-      <p:sp>
-        <p:nvSpPr>
-          <p:cNvPr id="12" name="TextBox 11">
-            <a:extLst>
-              <a:ext uri="{FF2B5EF4-FFF2-40B4-BE49-F238E27FC236}">
-                <a16:creationId xmlns:a16="http://schemas.microsoft.com/office/drawing/2014/main" id="{CE2045C1-B217-482A-B9AC-279EE95C1FF3}"/>
-              </a:ext>
-            </a:extLst>
-          </p:cNvPr>
-          <p:cNvSpPr txBox="1"/>
-          <p:nvPr/>
-        </p:nvSpPr>
-        <p:spPr>
-          <a:xfrm>
-            <a:off x="10337785" y="310773"/>
-            <a:ext cx="1577991" cy="400110"/>
-          </a:xfrm>
-          <a:prstGeom prst="rect">
-            <a:avLst/>
-          </a:prstGeom>
-          <a:noFill/>
-        </p:spPr>
-        <p:txBody>
-          <a:bodyPr wrap="square" rtlCol="0">
-            <a:spAutoFit/>
-          </a:bodyPr>
-          <a:lstStyle/>
-          <a:p>
-            <a:pPr algn="ctr"/>
-            <a:r>
-              <a:rPr lang="ko-KR" altLang="en-US" sz="2000" dirty="0" err="1">
-                <a:solidFill>
-                  <a:schemeClr val="tx2">
-                    <a:lumMod val="50000"/>
-                  </a:schemeClr>
-                </a:solidFill>
-                <a:latin typeface="나눔스퀘어 ExtraBold" panose="020B0600000101010101" pitchFamily="50" charset="-127"/>
-                <a:ea typeface="나눔스퀘어 ExtraBold" panose="020B0600000101010101" pitchFamily="50" charset="-127"/>
-              </a:rPr>
-              <a:t>컴공특</a:t>
-            </a:r>
-            <a:r>
-              <a:rPr lang="ko-KR" altLang="en-US" sz="2000" dirty="0">
-                <a:solidFill>
-                  <a:schemeClr val="tx2">
-                    <a:lumMod val="50000"/>
-                  </a:schemeClr>
-                </a:solidFill>
-                <a:latin typeface="나눔스퀘어 ExtraBold" panose="020B0600000101010101" pitchFamily="50" charset="-127"/>
-                <a:ea typeface="나눔스퀘어 ExtraBold" panose="020B0600000101010101" pitchFamily="50" charset="-127"/>
-              </a:rPr>
-              <a:t> </a:t>
-            </a:r>
-            <a:r>
-              <a:rPr lang="en-US" altLang="ko-KR" sz="2000" dirty="0">
-                <a:solidFill>
-                  <a:schemeClr val="tx2">
-                    <a:lumMod val="50000"/>
-                  </a:schemeClr>
-                </a:solidFill>
-                <a:latin typeface="나눔스퀘어 ExtraBold" panose="020B0600000101010101" pitchFamily="50" charset="-127"/>
-                <a:ea typeface="나눔스퀘어 ExtraBold" panose="020B0600000101010101" pitchFamily="50" charset="-127"/>
-              </a:rPr>
-              <a:t>3</a:t>
-            </a:r>
-            <a:r>
-              <a:rPr lang="ko-KR" altLang="en-US" sz="2000" dirty="0">
-                <a:solidFill>
-                  <a:schemeClr val="tx2">
-                    <a:lumMod val="50000"/>
-                  </a:schemeClr>
-                </a:solidFill>
-                <a:latin typeface="나눔스퀘어 ExtraBold" panose="020B0600000101010101" pitchFamily="50" charset="-127"/>
-                <a:ea typeface="나눔스퀘어 ExtraBold" panose="020B0600000101010101" pitchFamily="50" charset="-127"/>
-              </a:rPr>
-              <a:t>팀</a:t>
-            </a:r>
-            <a:endParaRPr lang="en-US" altLang="ko-KR" sz="2000" dirty="0">
-              <a:solidFill>
-                <a:schemeClr val="tx2">
-                  <a:lumMod val="50000"/>
-                </a:schemeClr>
-              </a:solidFill>
-              <a:latin typeface="나눔스퀘어 ExtraBold" panose="020B0600000101010101" pitchFamily="50" charset="-127"/>
-              <a:ea typeface="나눔스퀘어 ExtraBold" panose="020B0600000101010101" pitchFamily="50" charset="-127"/>
-            </a:endParaRPr>
-          </a:p>
-        </p:txBody>
-      </p:sp>
-      <p:cxnSp>
-        <p:nvCxnSpPr>
-          <p:cNvPr id="13" name="직선 연결선 12">
-            <a:extLst>
-              <a:ext uri="{FF2B5EF4-FFF2-40B4-BE49-F238E27FC236}">
-                <a16:creationId xmlns:a16="http://schemas.microsoft.com/office/drawing/2014/main" id="{43C9D508-2704-49FD-800C-7BC74D3B963B}"/>
-              </a:ext>
-            </a:extLst>
-          </p:cNvPr>
-          <p:cNvCxnSpPr>
-            <a:cxnSpLocks/>
-          </p:cNvCxnSpPr>
-          <p:nvPr/>
-        </p:nvCxnSpPr>
-        <p:spPr>
-          <a:xfrm>
-            <a:off x="10337785" y="267285"/>
-            <a:ext cx="1577992" cy="0"/>
-          </a:xfrm>
-          <a:prstGeom prst="line">
-            <a:avLst/>
-          </a:prstGeom>
-          <a:ln w="34925">
-            <a:solidFill>
-              <a:schemeClr val="tx2"/>
-            </a:solidFill>
-          </a:ln>
-        </p:spPr>
-        <p:style>
-          <a:lnRef idx="1">
-            <a:schemeClr val="accent1"/>
-          </a:lnRef>
-          <a:fillRef idx="0">
-            <a:schemeClr val="accent1"/>
-          </a:fillRef>
-          <a:effectRef idx="0">
-            <a:schemeClr val="accent1"/>
-          </a:effectRef>
-          <a:fontRef idx="minor">
-            <a:schemeClr val="tx1"/>
-          </a:fontRef>
-        </p:style>
-      </p:cxnSp>
-    </p:spTree>
-    <p:extLst>
-      <p:ext uri="{BB962C8B-B14F-4D97-AF65-F5344CB8AC3E}">
-        <p14:creationId xmlns:p14="http://schemas.microsoft.com/office/powerpoint/2010/main" val="1748593336"/>
-      </p:ext>
-    </p:extLst>
-  </p:cSld>
-  <p:clrMapOvr>
-    <a:masterClrMapping/>
-  </p:clrMapOvr>
-  <mc:AlternateContent xmlns:mc="http://schemas.openxmlformats.org/markup-compatibility/2006" xmlns:p159="http://schemas.microsoft.com/office/powerpoint/2015/09/main">
-    <mc:Choice Requires="p159">
-      <p:transition xmlns:p14="http://schemas.microsoft.com/office/powerpoint/2010/main" spd="slow" p14:dur="2000">
-        <p159:morph option="byObject"/>
-      </p:transition>
-    </mc:Choice>
-    <mc:Fallback xmlns="">
-      <p:transition spd="slow">
-        <p:fade/>
-      </p:transition>
-    </mc:Fallback>
-  </mc:AlternateContent>
-</p:sld>
-</file>
-
-<file path=ppt/slides/slide9.xml><?xml version="1.0" encoding="utf-8"?>
-<p:sld xmlns:a="http://schemas.openxmlformats.org/drawingml/2006/main" xmlns:r="http://schemas.openxmlformats.org/officeDocument/2006/relationships" xmlns:p="http://schemas.openxmlformats.org/presentationml/2006/main">
-  <p:cSld>
-    <p:spTree>
-      <p:nvGrpSpPr>
-        <p:cNvPr id="1" name=""/>
-        <p:cNvGrpSpPr/>
-        <p:nvPr/>
-      </p:nvGrpSpPr>
-      <p:grpSpPr>
-        <a:xfrm>
-          <a:off x="0" y="0"/>
-          <a:ext cx="0" cy="0"/>
-          <a:chOff x="0" y="0"/>
-          <a:chExt cx="0" cy="0"/>
-        </a:xfrm>
-      </p:grpSpPr>
-      <p:sp>
-        <p:nvSpPr>
-          <p:cNvPr id="8" name="TextBox 7">
-            <a:extLst>
-              <a:ext uri="{FF2B5EF4-FFF2-40B4-BE49-F238E27FC236}">
-                <a16:creationId xmlns:a16="http://schemas.microsoft.com/office/drawing/2014/main" id="{5D0C9A45-A32B-45BB-B4DB-89BAF7E41E6D}"/>
-              </a:ext>
-            </a:extLst>
-          </p:cNvPr>
-          <p:cNvSpPr txBox="1"/>
-          <p:nvPr/>
-        </p:nvSpPr>
-        <p:spPr>
-          <a:xfrm>
-            <a:off x="276223" y="267285"/>
-            <a:ext cx="3496600" cy="553998"/>
-          </a:xfrm>
-          <a:prstGeom prst="rect">
-            <a:avLst/>
-          </a:prstGeom>
-          <a:noFill/>
-        </p:spPr>
-        <p:txBody>
-          <a:bodyPr wrap="square" rtlCol="0">
-            <a:spAutoFit/>
-          </a:bodyPr>
-          <a:lstStyle/>
-          <a:p>
-            <a:r>
-              <a:rPr lang="en-US" altLang="ko-KR" sz="3000" spc="100" dirty="0">
-                <a:solidFill>
-                  <a:schemeClr val="tx2">
-                    <a:lumMod val="50000"/>
-                  </a:schemeClr>
-                </a:solidFill>
-                <a:latin typeface="나눔스퀘어 ExtraBold" panose="020B0600000101010101" pitchFamily="50" charset="-127"/>
-                <a:ea typeface="나눔스퀘어 ExtraBold" panose="020B0600000101010101" pitchFamily="50" charset="-127"/>
-              </a:rPr>
-              <a:t>Ⅱ. </a:t>
-            </a:r>
-            <a:r>
-              <a:rPr lang="ko-KR" altLang="en-US" sz="3000" spc="100" dirty="0">
-                <a:solidFill>
-                  <a:schemeClr val="tx2">
-                    <a:lumMod val="50000"/>
-                  </a:schemeClr>
-                </a:solidFill>
-                <a:latin typeface="나눔스퀘어 ExtraBold" panose="020B0600000101010101" pitchFamily="50" charset="-127"/>
-                <a:ea typeface="나눔스퀘어 ExtraBold" panose="020B0600000101010101" pitchFamily="50" charset="-127"/>
-              </a:rPr>
-              <a:t>프로그램 개요</a:t>
-            </a:r>
-          </a:p>
-        </p:txBody>
-      </p:sp>
-      <p:sp>
-        <p:nvSpPr>
-          <p:cNvPr id="11" name="TextBox 10">
-            <a:extLst>
-              <a:ext uri="{FF2B5EF4-FFF2-40B4-BE49-F238E27FC236}">
-                <a16:creationId xmlns:a16="http://schemas.microsoft.com/office/drawing/2014/main" id="{796A3F55-A310-4812-82DA-85F76DEB9227}"/>
-              </a:ext>
-            </a:extLst>
-          </p:cNvPr>
-          <p:cNvSpPr txBox="1"/>
-          <p:nvPr/>
-        </p:nvSpPr>
-        <p:spPr>
-          <a:xfrm>
-            <a:off x="872058" y="932606"/>
-            <a:ext cx="3496600" cy="461665"/>
-          </a:xfrm>
-          <a:prstGeom prst="rect">
-            <a:avLst/>
-          </a:prstGeom>
-          <a:noFill/>
-        </p:spPr>
-        <p:txBody>
-          <a:bodyPr wrap="square" rtlCol="0">
-            <a:spAutoFit/>
-          </a:bodyPr>
-          <a:lstStyle/>
-          <a:p>
-            <a:r>
-              <a:rPr lang="ko-KR" altLang="en-US" sz="2400" spc="100" dirty="0" err="1">
-                <a:solidFill>
-                  <a:srgbClr val="44546A"/>
-                </a:solidFill>
-                <a:latin typeface="나눔스퀘어 Bold" panose="020B0600000101010101" pitchFamily="50" charset="-127"/>
-                <a:ea typeface="나눔스퀘어 Bold" panose="020B0600000101010101" pitchFamily="50" charset="-127"/>
-              </a:rPr>
-              <a:t>유스케이스</a:t>
-            </a:r>
-            <a:r>
-              <a:rPr lang="ko-KR" altLang="en-US" sz="2400" spc="100" dirty="0">
-                <a:solidFill>
-                  <a:srgbClr val="44546A"/>
-                </a:solidFill>
-                <a:latin typeface="나눔스퀘어 Bold" panose="020B0600000101010101" pitchFamily="50" charset="-127"/>
-                <a:ea typeface="나눔스퀘어 Bold" panose="020B0600000101010101" pitchFamily="50" charset="-127"/>
-              </a:rPr>
-              <a:t> 다이어그램</a:t>
-            </a:r>
-          </a:p>
-        </p:txBody>
-      </p:sp>
-      <p:pic>
-        <p:nvPicPr>
-          <p:cNvPr id="2" name="그림 1"/>
-          <p:cNvPicPr>
-            <a:picLocks noChangeAspect="1"/>
-          </p:cNvPicPr>
-          <p:nvPr/>
-        </p:nvPicPr>
-        <p:blipFill>
-          <a:blip r:embed="rId2"/>
-          <a:stretch>
-            <a:fillRect/>
-          </a:stretch>
-        </p:blipFill>
-        <p:spPr>
-          <a:xfrm>
-            <a:off x="3412503" y="1394272"/>
-            <a:ext cx="5544527" cy="5294210"/>
-          </a:xfrm>
-          <a:prstGeom prst="rect">
-            <a:avLst/>
-          </a:prstGeom>
-        </p:spPr>
-      </p:pic>
-      <p:cxnSp>
-        <p:nvCxnSpPr>
-          <p:cNvPr id="10" name="직선 연결선 9">
-            <a:extLst>
-              <a:ext uri="{FF2B5EF4-FFF2-40B4-BE49-F238E27FC236}">
-                <a16:creationId xmlns:a16="http://schemas.microsoft.com/office/drawing/2014/main" id="{01682371-E2C4-433F-A91D-909FE77C4BC5}"/>
-              </a:ext>
-            </a:extLst>
-          </p:cNvPr>
-          <p:cNvCxnSpPr>
-            <a:cxnSpLocks/>
-          </p:cNvCxnSpPr>
-          <p:nvPr/>
-        </p:nvCxnSpPr>
-        <p:spPr>
-          <a:xfrm>
-            <a:off x="10337785" y="696814"/>
-            <a:ext cx="1577992" cy="0"/>
-          </a:xfrm>
-          <a:prstGeom prst="line">
-            <a:avLst/>
-          </a:prstGeom>
-          <a:ln w="34925">
-            <a:solidFill>
-              <a:schemeClr val="tx2"/>
-            </a:solidFill>
-          </a:ln>
-        </p:spPr>
-        <p:style>
-          <a:lnRef idx="1">
-            <a:schemeClr val="accent1"/>
-          </a:lnRef>
-          <a:fillRef idx="0">
-            <a:schemeClr val="accent1"/>
-          </a:fillRef>
-          <a:effectRef idx="0">
-            <a:schemeClr val="accent1"/>
-          </a:effectRef>
-          <a:fontRef idx="minor">
-            <a:schemeClr val="tx1"/>
-          </a:fontRef>
-        </p:style>
-      </p:cxnSp>
-      <p:sp>
-        <p:nvSpPr>
-          <p:cNvPr id="12" name="TextBox 11">
-            <a:extLst>
-              <a:ext uri="{FF2B5EF4-FFF2-40B4-BE49-F238E27FC236}">
-                <a16:creationId xmlns:a16="http://schemas.microsoft.com/office/drawing/2014/main" id="{525CC816-9742-4A50-99E8-2B86369B2B26}"/>
-              </a:ext>
-            </a:extLst>
-          </p:cNvPr>
-          <p:cNvSpPr txBox="1"/>
-          <p:nvPr/>
-        </p:nvSpPr>
-        <p:spPr>
-          <a:xfrm>
-            <a:off x="10337785" y="310773"/>
-            <a:ext cx="1577991" cy="400110"/>
-          </a:xfrm>
-          <a:prstGeom prst="rect">
-            <a:avLst/>
-          </a:prstGeom>
-          <a:noFill/>
-        </p:spPr>
-        <p:txBody>
-          <a:bodyPr wrap="square" rtlCol="0">
-            <a:spAutoFit/>
-          </a:bodyPr>
-          <a:lstStyle/>
-          <a:p>
-            <a:pPr algn="ctr"/>
-            <a:r>
-              <a:rPr lang="ko-KR" altLang="en-US" sz="2000" dirty="0" err="1">
-                <a:solidFill>
-                  <a:schemeClr val="tx2">
-                    <a:lumMod val="50000"/>
-                  </a:schemeClr>
-                </a:solidFill>
-                <a:latin typeface="나눔스퀘어 ExtraBold" panose="020B0600000101010101" pitchFamily="50" charset="-127"/>
-                <a:ea typeface="나눔스퀘어 ExtraBold" panose="020B0600000101010101" pitchFamily="50" charset="-127"/>
-              </a:rPr>
-              <a:t>컴공특</a:t>
-            </a:r>
-            <a:r>
-              <a:rPr lang="ko-KR" altLang="en-US" sz="2000" dirty="0">
-                <a:solidFill>
-                  <a:schemeClr val="tx2">
-                    <a:lumMod val="50000"/>
-                  </a:schemeClr>
-                </a:solidFill>
-                <a:latin typeface="나눔스퀘어 ExtraBold" panose="020B0600000101010101" pitchFamily="50" charset="-127"/>
-                <a:ea typeface="나눔스퀘어 ExtraBold" panose="020B0600000101010101" pitchFamily="50" charset="-127"/>
-              </a:rPr>
-              <a:t> </a:t>
-            </a:r>
-            <a:r>
-              <a:rPr lang="en-US" altLang="ko-KR" sz="2000" dirty="0">
-                <a:solidFill>
-                  <a:schemeClr val="tx2">
-                    <a:lumMod val="50000"/>
-                  </a:schemeClr>
-                </a:solidFill>
-                <a:latin typeface="나눔스퀘어 ExtraBold" panose="020B0600000101010101" pitchFamily="50" charset="-127"/>
-                <a:ea typeface="나눔스퀘어 ExtraBold" panose="020B0600000101010101" pitchFamily="50" charset="-127"/>
-              </a:rPr>
-              <a:t>3</a:t>
-            </a:r>
-            <a:r>
-              <a:rPr lang="ko-KR" altLang="en-US" sz="2000" dirty="0">
-                <a:solidFill>
-                  <a:schemeClr val="tx2">
-                    <a:lumMod val="50000"/>
-                  </a:schemeClr>
-                </a:solidFill>
-                <a:latin typeface="나눔스퀘어 ExtraBold" panose="020B0600000101010101" pitchFamily="50" charset="-127"/>
-                <a:ea typeface="나눔스퀘어 ExtraBold" panose="020B0600000101010101" pitchFamily="50" charset="-127"/>
-              </a:rPr>
-              <a:t>팀</a:t>
-            </a:r>
-            <a:endParaRPr lang="en-US" altLang="ko-KR" sz="2000" dirty="0">
-              <a:solidFill>
-                <a:schemeClr val="tx2">
-                  <a:lumMod val="50000"/>
-                </a:schemeClr>
-              </a:solidFill>
-              <a:latin typeface="나눔스퀘어 ExtraBold" panose="020B0600000101010101" pitchFamily="50" charset="-127"/>
-              <a:ea typeface="나눔스퀘어 ExtraBold" panose="020B0600000101010101" pitchFamily="50" charset="-127"/>
-            </a:endParaRPr>
-          </a:p>
-        </p:txBody>
-      </p:sp>
-      <p:cxnSp>
-        <p:nvCxnSpPr>
-          <p:cNvPr id="13" name="직선 연결선 12">
-            <a:extLst>
-              <a:ext uri="{FF2B5EF4-FFF2-40B4-BE49-F238E27FC236}">
-                <a16:creationId xmlns:a16="http://schemas.microsoft.com/office/drawing/2014/main" id="{BEA2BF4D-B552-4FB5-81E6-E9175845A331}"/>
-              </a:ext>
-            </a:extLst>
-          </p:cNvPr>
-          <p:cNvCxnSpPr>
-            <a:cxnSpLocks/>
-          </p:cNvCxnSpPr>
-          <p:nvPr/>
-        </p:nvCxnSpPr>
-        <p:spPr>
-          <a:xfrm>
-            <a:off x="10337785" y="267285"/>
-            <a:ext cx="1577992" cy="0"/>
-          </a:xfrm>
-          <a:prstGeom prst="line">
-            <a:avLst/>
-          </a:prstGeom>
-          <a:ln w="34925">
-            <a:solidFill>
-              <a:schemeClr val="tx2"/>
-            </a:solidFill>
-          </a:ln>
-        </p:spPr>
-        <p:style>
-          <a:lnRef idx="1">
-            <a:schemeClr val="accent1"/>
-          </a:lnRef>
-          <a:fillRef idx="0">
-            <a:schemeClr val="accent1"/>
-          </a:fillRef>
-          <a:effectRef idx="0">
-            <a:schemeClr val="accent1"/>
-          </a:effectRef>
-          <a:fontRef idx="minor">
-            <a:schemeClr val="tx1"/>
-          </a:fontRef>
-        </p:style>
-      </p:cxnSp>
-    </p:spTree>
-    <p:extLst>
-      <p:ext uri="{BB962C8B-B14F-4D97-AF65-F5344CB8AC3E}">
-        <p14:creationId xmlns:p14="http://schemas.microsoft.com/office/powerpoint/2010/main" val="3758882484"/>
       </p:ext>
     </p:extLst>
   </p:cSld>

--- a/05. 객체 리터럴/presentation5/jaehoo1/객체_리터럴.pptx
+++ b/05. 객체 리터럴/presentation5/jaehoo1/객체_리터럴.pptx
@@ -293,7 +293,7 @@
           <a:p>
             <a:fld id="{BF6E7CB9-552A-40FD-8E25-6C9525410464}" type="datetimeFigureOut">
               <a:rPr lang="ko-KR" altLang="en-US" smtClean="0"/>
-              <a:t>2022-10-22</a:t>
+              <a:t>2022-10-23</a:t>
             </a:fld>
             <a:endParaRPr lang="ko-KR" altLang="en-US"/>
           </a:p>
@@ -491,7 +491,7 @@
           <a:p>
             <a:fld id="{BF6E7CB9-552A-40FD-8E25-6C9525410464}" type="datetimeFigureOut">
               <a:rPr lang="ko-KR" altLang="en-US" smtClean="0"/>
-              <a:t>2022-10-22</a:t>
+              <a:t>2022-10-23</a:t>
             </a:fld>
             <a:endParaRPr lang="ko-KR" altLang="en-US"/>
           </a:p>
@@ -699,7 +699,7 @@
           <a:p>
             <a:fld id="{BF6E7CB9-552A-40FD-8E25-6C9525410464}" type="datetimeFigureOut">
               <a:rPr lang="ko-KR" altLang="en-US" smtClean="0"/>
-              <a:t>2022-10-22</a:t>
+              <a:t>2022-10-23</a:t>
             </a:fld>
             <a:endParaRPr lang="ko-KR" altLang="en-US"/>
           </a:p>
@@ -897,7 +897,7 @@
           <a:p>
             <a:fld id="{BF6E7CB9-552A-40FD-8E25-6C9525410464}" type="datetimeFigureOut">
               <a:rPr lang="ko-KR" altLang="en-US" smtClean="0"/>
-              <a:t>2022-10-22</a:t>
+              <a:t>2022-10-23</a:t>
             </a:fld>
             <a:endParaRPr lang="ko-KR" altLang="en-US"/>
           </a:p>
@@ -1172,7 +1172,7 @@
           <a:p>
             <a:fld id="{BF6E7CB9-552A-40FD-8E25-6C9525410464}" type="datetimeFigureOut">
               <a:rPr lang="ko-KR" altLang="en-US" smtClean="0"/>
-              <a:t>2022-10-22</a:t>
+              <a:t>2022-10-23</a:t>
             </a:fld>
             <a:endParaRPr lang="ko-KR" altLang="en-US"/>
           </a:p>
@@ -1437,7 +1437,7 @@
           <a:p>
             <a:fld id="{BF6E7CB9-552A-40FD-8E25-6C9525410464}" type="datetimeFigureOut">
               <a:rPr lang="ko-KR" altLang="en-US" smtClean="0"/>
-              <a:t>2022-10-22</a:t>
+              <a:t>2022-10-23</a:t>
             </a:fld>
             <a:endParaRPr lang="ko-KR" altLang="en-US"/>
           </a:p>
@@ -1849,7 +1849,7 @@
           <a:p>
             <a:fld id="{BF6E7CB9-552A-40FD-8E25-6C9525410464}" type="datetimeFigureOut">
               <a:rPr lang="ko-KR" altLang="en-US" smtClean="0"/>
-              <a:t>2022-10-22</a:t>
+              <a:t>2022-10-23</a:t>
             </a:fld>
             <a:endParaRPr lang="ko-KR" altLang="en-US"/>
           </a:p>
@@ -1990,7 +1990,7 @@
           <a:p>
             <a:fld id="{BF6E7CB9-552A-40FD-8E25-6C9525410464}" type="datetimeFigureOut">
               <a:rPr lang="ko-KR" altLang="en-US" smtClean="0"/>
-              <a:t>2022-10-22</a:t>
+              <a:t>2022-10-23</a:t>
             </a:fld>
             <a:endParaRPr lang="ko-KR" altLang="en-US"/>
           </a:p>
@@ -2103,7 +2103,7 @@
           <a:p>
             <a:fld id="{BF6E7CB9-552A-40FD-8E25-6C9525410464}" type="datetimeFigureOut">
               <a:rPr lang="ko-KR" altLang="en-US" smtClean="0"/>
-              <a:t>2022-10-22</a:t>
+              <a:t>2022-10-23</a:t>
             </a:fld>
             <a:endParaRPr lang="ko-KR" altLang="en-US"/>
           </a:p>
@@ -2414,7 +2414,7 @@
           <a:p>
             <a:fld id="{BF6E7CB9-552A-40FD-8E25-6C9525410464}" type="datetimeFigureOut">
               <a:rPr lang="ko-KR" altLang="en-US" smtClean="0"/>
-              <a:t>2022-10-22</a:t>
+              <a:t>2022-10-23</a:t>
             </a:fld>
             <a:endParaRPr lang="ko-KR" altLang="en-US"/>
           </a:p>
@@ -2702,7 +2702,7 @@
           <a:p>
             <a:fld id="{BF6E7CB9-552A-40FD-8E25-6C9525410464}" type="datetimeFigureOut">
               <a:rPr lang="ko-KR" altLang="en-US" smtClean="0"/>
-              <a:t>2022-10-22</a:t>
+              <a:t>2022-10-23</a:t>
             </a:fld>
             <a:endParaRPr lang="ko-KR" altLang="en-US"/>
           </a:p>
@@ -2946,7 +2946,7 @@
           <a:p>
             <a:fld id="{BF6E7CB9-552A-40FD-8E25-6C9525410464}" type="datetimeFigureOut">
               <a:rPr lang="ko-KR" altLang="en-US" smtClean="0"/>
-              <a:t>2022-10-22</a:t>
+              <a:t>2022-10-23</a:t>
             </a:fld>
             <a:endParaRPr lang="ko-KR" altLang="en-US"/>
           </a:p>
@@ -4694,10 +4694,10 @@
       </p:sp>
       <p:pic>
         <p:nvPicPr>
-          <p:cNvPr id="16" name="그림 15">
-            <a:extLst>
-              <a:ext uri="{FF2B5EF4-FFF2-40B4-BE49-F238E27FC236}">
-                <a16:creationId xmlns:a16="http://schemas.microsoft.com/office/drawing/2014/main" id="{F8FBE012-0AD5-8D77-891D-7AA12B50DD48}"/>
+          <p:cNvPr id="12" name="그림 11">
+            <a:extLst>
+              <a:ext uri="{FF2B5EF4-FFF2-40B4-BE49-F238E27FC236}">
+                <a16:creationId xmlns:a16="http://schemas.microsoft.com/office/drawing/2014/main" id="{42BFA465-8190-475F-A1FC-F3BA84C25FBD}"/>
               </a:ext>
             </a:extLst>
           </p:cNvPr>
@@ -4714,8 +4714,8 @@
         </p:blipFill>
         <p:spPr>
           <a:xfrm>
-            <a:off x="762855" y="3272562"/>
-            <a:ext cx="10680876" cy="2850417"/>
+            <a:off x="762855" y="3429000"/>
+            <a:ext cx="10680876" cy="2857760"/>
           </a:xfrm>
           <a:prstGeom prst="rect">
             <a:avLst/>
@@ -4732,13 +4732,13 @@
   <p:clrMapOvr>
     <a:masterClrMapping/>
   </p:clrMapOvr>
-  <mc:AlternateContent xmlns:mc="http://schemas.openxmlformats.org/markup-compatibility/2006">
-    <mc:Choice xmlns:p159="http://schemas.microsoft.com/office/powerpoint/2015/09/main" Requires="p159">
+  <mc:AlternateContent xmlns:mc="http://schemas.openxmlformats.org/markup-compatibility/2006" xmlns:p159="http://schemas.microsoft.com/office/powerpoint/2015/09/main">
+    <mc:Choice Requires="p159">
       <p:transition xmlns:p14="http://schemas.microsoft.com/office/powerpoint/2010/main" spd="slow" p14:dur="2000">
         <p159:morph option="byObject"/>
       </p:transition>
     </mc:Choice>
-    <mc:Fallback>
+    <mc:Fallback xmlns="">
       <p:transition spd="slow">
         <p:fade/>
       </p:transition>
@@ -5350,13 +5350,13 @@
   <p:clrMapOvr>
     <a:masterClrMapping/>
   </p:clrMapOvr>
-  <mc:AlternateContent xmlns:mc="http://schemas.openxmlformats.org/markup-compatibility/2006">
-    <mc:Choice xmlns:p159="http://schemas.microsoft.com/office/powerpoint/2015/09/main" Requires="p159">
+  <mc:AlternateContent xmlns:mc="http://schemas.openxmlformats.org/markup-compatibility/2006" xmlns:p159="http://schemas.microsoft.com/office/powerpoint/2015/09/main">
+    <mc:Choice Requires="p159">
       <p:transition xmlns:p14="http://schemas.microsoft.com/office/powerpoint/2010/main" spd="slow" p14:dur="2000">
         <p159:morph option="byObject"/>
       </p:transition>
     </mc:Choice>
-    <mc:Fallback>
+    <mc:Fallback xmlns="">
       <p:transition spd="slow">
         <p:fade/>
       </p:transition>
@@ -5768,13 +5768,13 @@
   <p:clrMapOvr>
     <a:masterClrMapping/>
   </p:clrMapOvr>
-  <mc:AlternateContent xmlns:mc="http://schemas.openxmlformats.org/markup-compatibility/2006">
-    <mc:Choice xmlns:p159="http://schemas.microsoft.com/office/powerpoint/2015/09/main" Requires="p159">
+  <mc:AlternateContent xmlns:mc="http://schemas.openxmlformats.org/markup-compatibility/2006" xmlns:p159="http://schemas.microsoft.com/office/powerpoint/2015/09/main">
+    <mc:Choice Requires="p159">
       <p:transition xmlns:p14="http://schemas.microsoft.com/office/powerpoint/2010/main" spd="slow" p14:dur="2000">
         <p159:morph option="byObject"/>
       </p:transition>
     </mc:Choice>
-    <mc:Fallback>
+    <mc:Fallback xmlns="">
       <p:transition spd="slow">
         <p:fade/>
       </p:transition>
@@ -6189,13 +6189,13 @@
   <p:clrMapOvr>
     <a:masterClrMapping/>
   </p:clrMapOvr>
-  <mc:AlternateContent xmlns:mc="http://schemas.openxmlformats.org/markup-compatibility/2006">
-    <mc:Choice xmlns:p159="http://schemas.microsoft.com/office/powerpoint/2015/09/main" Requires="p159">
+  <mc:AlternateContent xmlns:mc="http://schemas.openxmlformats.org/markup-compatibility/2006" xmlns:p159="http://schemas.microsoft.com/office/powerpoint/2015/09/main">
+    <mc:Choice Requires="p159">
       <p:transition xmlns:p14="http://schemas.microsoft.com/office/powerpoint/2010/main" spd="slow" p14:dur="2000">
         <p159:morph option="byObject"/>
       </p:transition>
     </mc:Choice>
-    <mc:Fallback>
+    <mc:Fallback xmlns="">
       <p:transition spd="slow">
         <p:fade/>
       </p:transition>
@@ -7990,7 +7990,7 @@
         </p:blipFill>
         <p:spPr>
           <a:xfrm>
-            <a:off x="762854" y="2905719"/>
+            <a:off x="762854" y="3156963"/>
             <a:ext cx="5054273" cy="2297397"/>
           </a:xfrm>
           <a:prstGeom prst="rect">
@@ -8020,7 +8020,7 @@
         </p:blipFill>
         <p:spPr>
           <a:xfrm>
-            <a:off x="6374873" y="2904363"/>
+            <a:off x="6374873" y="3155607"/>
             <a:ext cx="5185374" cy="2295165"/>
           </a:xfrm>
           <a:prstGeom prst="rect">
@@ -8028,6 +8028,181 @@
           </a:prstGeom>
         </p:spPr>
       </p:pic>
+      <p:sp>
+        <p:nvSpPr>
+          <p:cNvPr id="11" name="TextBox 10">
+            <a:extLst>
+              <a:ext uri="{FF2B5EF4-FFF2-40B4-BE49-F238E27FC236}">
+                <a16:creationId xmlns:a16="http://schemas.microsoft.com/office/drawing/2014/main" id="{AC0AD95D-9F94-4760-8E24-3449C304039D}"/>
+              </a:ext>
+            </a:extLst>
+          </p:cNvPr>
+          <p:cNvSpPr txBox="1"/>
+          <p:nvPr/>
+        </p:nvSpPr>
+        <p:spPr>
+          <a:xfrm>
+            <a:off x="762855" y="2428630"/>
+            <a:ext cx="10680876" cy="461665"/>
+          </a:xfrm>
+          <a:prstGeom prst="rect">
+            <a:avLst/>
+          </a:prstGeom>
+          <a:noFill/>
+        </p:spPr>
+        <p:txBody>
+          <a:bodyPr wrap="square" rtlCol="0">
+            <a:spAutoFit/>
+          </a:bodyPr>
+          <a:lstStyle/>
+          <a:p>
+            <a:r>
+              <a:rPr lang="ko-KR" altLang="en-US" sz="2400" spc="100" dirty="0" err="1">
+                <a:solidFill>
+                  <a:srgbClr val="44546A"/>
+                </a:solidFill>
+                <a:latin typeface="나눔스퀘어 Bold" panose="020B0600000101010101" pitchFamily="50" charset="-127"/>
+                <a:ea typeface="나눔스퀘어 Bold" panose="020B0600000101010101" pitchFamily="50" charset="-127"/>
+              </a:rPr>
+              <a:t>어떤게</a:t>
+            </a:r>
+            <a:r>
+              <a:rPr lang="ko-KR" altLang="en-US" sz="2400" spc="100" dirty="0">
+                <a:solidFill>
+                  <a:srgbClr val="44546A"/>
+                </a:solidFill>
+                <a:latin typeface="나눔스퀘어 Bold" panose="020B0600000101010101" pitchFamily="50" charset="-127"/>
+                <a:ea typeface="나눔스퀘어 Bold" panose="020B0600000101010101" pitchFamily="50" charset="-127"/>
+              </a:rPr>
+              <a:t> 메서드이고</a:t>
+            </a:r>
+            <a:r>
+              <a:rPr lang="en-US" altLang="ko-KR" sz="2400" spc="100" dirty="0">
+                <a:solidFill>
+                  <a:srgbClr val="44546A"/>
+                </a:solidFill>
+                <a:latin typeface="나눔스퀘어 Bold" panose="020B0600000101010101" pitchFamily="50" charset="-127"/>
+                <a:ea typeface="나눔스퀘어 Bold" panose="020B0600000101010101" pitchFamily="50" charset="-127"/>
+              </a:rPr>
+              <a:t>, </a:t>
+            </a:r>
+            <a:r>
+              <a:rPr lang="ko-KR" altLang="en-US" sz="2400" spc="100" dirty="0" err="1">
+                <a:solidFill>
+                  <a:srgbClr val="44546A"/>
+                </a:solidFill>
+                <a:latin typeface="나눔스퀘어 Bold" panose="020B0600000101010101" pitchFamily="50" charset="-127"/>
+                <a:ea typeface="나눔스퀘어 Bold" panose="020B0600000101010101" pitchFamily="50" charset="-127"/>
+              </a:rPr>
+              <a:t>어떤게</a:t>
+            </a:r>
+            <a:r>
+              <a:rPr lang="ko-KR" altLang="en-US" sz="2400" spc="100" dirty="0">
+                <a:solidFill>
+                  <a:srgbClr val="44546A"/>
+                </a:solidFill>
+                <a:latin typeface="나눔스퀘어 Bold" panose="020B0600000101010101" pitchFamily="50" charset="-127"/>
+                <a:ea typeface="나눔스퀘어 Bold" panose="020B0600000101010101" pitchFamily="50" charset="-127"/>
+              </a:rPr>
+              <a:t> 함수일까요</a:t>
+            </a:r>
+            <a:r>
+              <a:rPr lang="en-US" altLang="ko-KR" sz="2400" spc="100" dirty="0">
+                <a:solidFill>
+                  <a:srgbClr val="44546A"/>
+                </a:solidFill>
+                <a:latin typeface="나눔스퀘어 Bold" panose="020B0600000101010101" pitchFamily="50" charset="-127"/>
+                <a:ea typeface="나눔스퀘어 Bold" panose="020B0600000101010101" pitchFamily="50" charset="-127"/>
+              </a:rPr>
+              <a:t>?</a:t>
+            </a:r>
+          </a:p>
+        </p:txBody>
+      </p:sp>
+      <p:sp>
+        <p:nvSpPr>
+          <p:cNvPr id="13" name="TextBox 12">
+            <a:extLst>
+              <a:ext uri="{FF2B5EF4-FFF2-40B4-BE49-F238E27FC236}">
+                <a16:creationId xmlns:a16="http://schemas.microsoft.com/office/drawing/2014/main" id="{3D192A5E-8BF0-44BD-B60C-B35A1C861267}"/>
+              </a:ext>
+            </a:extLst>
+          </p:cNvPr>
+          <p:cNvSpPr txBox="1"/>
+          <p:nvPr/>
+        </p:nvSpPr>
+        <p:spPr>
+          <a:xfrm>
+            <a:off x="762855" y="5699521"/>
+            <a:ext cx="5054272" cy="461665"/>
+          </a:xfrm>
+          <a:prstGeom prst="rect">
+            <a:avLst/>
+          </a:prstGeom>
+          <a:noFill/>
+        </p:spPr>
+        <p:txBody>
+          <a:bodyPr wrap="square" rtlCol="0">
+            <a:spAutoFit/>
+          </a:bodyPr>
+          <a:lstStyle/>
+          <a:p>
+            <a:pPr algn="ctr"/>
+            <a:r>
+              <a:rPr lang="en-US" altLang="ko-KR" sz="2400" spc="100" dirty="0">
+                <a:solidFill>
+                  <a:srgbClr val="44546A"/>
+                </a:solidFill>
+                <a:latin typeface="나눔스퀘어 Bold" panose="020B0600000101010101" pitchFamily="50" charset="-127"/>
+                <a:ea typeface="나눔스퀘어 Bold" panose="020B0600000101010101" pitchFamily="50" charset="-127"/>
+              </a:rPr>
+              <a:t>C</a:t>
+            </a:r>
+          </a:p>
+        </p:txBody>
+      </p:sp>
+      <p:sp>
+        <p:nvSpPr>
+          <p:cNvPr id="14" name="TextBox 13">
+            <a:extLst>
+              <a:ext uri="{FF2B5EF4-FFF2-40B4-BE49-F238E27FC236}">
+                <a16:creationId xmlns:a16="http://schemas.microsoft.com/office/drawing/2014/main" id="{956EA0C1-7998-4E2C-888E-4F1AC7D4BBDE}"/>
+              </a:ext>
+            </a:extLst>
+          </p:cNvPr>
+          <p:cNvSpPr txBox="1"/>
+          <p:nvPr/>
+        </p:nvSpPr>
+        <p:spPr>
+          <a:xfrm>
+            <a:off x="6374873" y="5699521"/>
+            <a:ext cx="5185374" cy="461665"/>
+          </a:xfrm>
+          <a:prstGeom prst="rect">
+            <a:avLst/>
+          </a:prstGeom>
+          <a:noFill/>
+        </p:spPr>
+        <p:txBody>
+          <a:bodyPr wrap="square" rtlCol="0">
+            <a:spAutoFit/>
+          </a:bodyPr>
+          <a:lstStyle/>
+          <a:p>
+            <a:pPr algn="ctr"/>
+            <a:r>
+              <a:rPr lang="en-US" altLang="ko-KR" sz="2400" spc="100" dirty="0">
+                <a:solidFill>
+                  <a:srgbClr val="44546A"/>
+                </a:solidFill>
+                <a:latin typeface="나눔스퀘어 Bold" panose="020B0600000101010101" pitchFamily="50" charset="-127"/>
+                <a:ea typeface="나눔스퀘어 Bold" panose="020B0600000101010101" pitchFamily="50" charset="-127"/>
+              </a:rPr>
+              <a:t>Java</a:t>
+            </a:r>
+          </a:p>
+        </p:txBody>
+      </p:sp>
     </p:spTree>
     <p:extLst>
       <p:ext uri="{BB962C8B-B14F-4D97-AF65-F5344CB8AC3E}">

--- a/05. 객체 리터럴/presentation5/jaehoo1/객체_리터럴.pptx
+++ b/05. 객체 리터럴/presentation5/jaehoo1/객체_리터럴.pptx
@@ -293,7 +293,7 @@
           <a:p>
             <a:fld id="{BF6E7CB9-552A-40FD-8E25-6C9525410464}" type="datetimeFigureOut">
               <a:rPr lang="ko-KR" altLang="en-US" smtClean="0"/>
-              <a:t>2022-10-23</a:t>
+              <a:t>2022-10-24</a:t>
             </a:fld>
             <a:endParaRPr lang="ko-KR" altLang="en-US"/>
           </a:p>
@@ -491,7 +491,7 @@
           <a:p>
             <a:fld id="{BF6E7CB9-552A-40FD-8E25-6C9525410464}" type="datetimeFigureOut">
               <a:rPr lang="ko-KR" altLang="en-US" smtClean="0"/>
-              <a:t>2022-10-23</a:t>
+              <a:t>2022-10-24</a:t>
             </a:fld>
             <a:endParaRPr lang="ko-KR" altLang="en-US"/>
           </a:p>
@@ -699,7 +699,7 @@
           <a:p>
             <a:fld id="{BF6E7CB9-552A-40FD-8E25-6C9525410464}" type="datetimeFigureOut">
               <a:rPr lang="ko-KR" altLang="en-US" smtClean="0"/>
-              <a:t>2022-10-23</a:t>
+              <a:t>2022-10-24</a:t>
             </a:fld>
             <a:endParaRPr lang="ko-KR" altLang="en-US"/>
           </a:p>
@@ -897,7 +897,7 @@
           <a:p>
             <a:fld id="{BF6E7CB9-552A-40FD-8E25-6C9525410464}" type="datetimeFigureOut">
               <a:rPr lang="ko-KR" altLang="en-US" smtClean="0"/>
-              <a:t>2022-10-23</a:t>
+              <a:t>2022-10-24</a:t>
             </a:fld>
             <a:endParaRPr lang="ko-KR" altLang="en-US"/>
           </a:p>
@@ -1172,7 +1172,7 @@
           <a:p>
             <a:fld id="{BF6E7CB9-552A-40FD-8E25-6C9525410464}" type="datetimeFigureOut">
               <a:rPr lang="ko-KR" altLang="en-US" smtClean="0"/>
-              <a:t>2022-10-23</a:t>
+              <a:t>2022-10-24</a:t>
             </a:fld>
             <a:endParaRPr lang="ko-KR" altLang="en-US"/>
           </a:p>
@@ -1437,7 +1437,7 @@
           <a:p>
             <a:fld id="{BF6E7CB9-552A-40FD-8E25-6C9525410464}" type="datetimeFigureOut">
               <a:rPr lang="ko-KR" altLang="en-US" smtClean="0"/>
-              <a:t>2022-10-23</a:t>
+              <a:t>2022-10-24</a:t>
             </a:fld>
             <a:endParaRPr lang="ko-KR" altLang="en-US"/>
           </a:p>
@@ -1849,7 +1849,7 @@
           <a:p>
             <a:fld id="{BF6E7CB9-552A-40FD-8E25-6C9525410464}" type="datetimeFigureOut">
               <a:rPr lang="ko-KR" altLang="en-US" smtClean="0"/>
-              <a:t>2022-10-23</a:t>
+              <a:t>2022-10-24</a:t>
             </a:fld>
             <a:endParaRPr lang="ko-KR" altLang="en-US"/>
           </a:p>
@@ -1990,7 +1990,7 @@
           <a:p>
             <a:fld id="{BF6E7CB9-552A-40FD-8E25-6C9525410464}" type="datetimeFigureOut">
               <a:rPr lang="ko-KR" altLang="en-US" smtClean="0"/>
-              <a:t>2022-10-23</a:t>
+              <a:t>2022-10-24</a:t>
             </a:fld>
             <a:endParaRPr lang="ko-KR" altLang="en-US"/>
           </a:p>
@@ -2103,7 +2103,7 @@
           <a:p>
             <a:fld id="{BF6E7CB9-552A-40FD-8E25-6C9525410464}" type="datetimeFigureOut">
               <a:rPr lang="ko-KR" altLang="en-US" smtClean="0"/>
-              <a:t>2022-10-23</a:t>
+              <a:t>2022-10-24</a:t>
             </a:fld>
             <a:endParaRPr lang="ko-KR" altLang="en-US"/>
           </a:p>
@@ -2414,7 +2414,7 @@
           <a:p>
             <a:fld id="{BF6E7CB9-552A-40FD-8E25-6C9525410464}" type="datetimeFigureOut">
               <a:rPr lang="ko-KR" altLang="en-US" smtClean="0"/>
-              <a:t>2022-10-23</a:t>
+              <a:t>2022-10-24</a:t>
             </a:fld>
             <a:endParaRPr lang="ko-KR" altLang="en-US"/>
           </a:p>
@@ -2702,7 +2702,7 @@
           <a:p>
             <a:fld id="{BF6E7CB9-552A-40FD-8E25-6C9525410464}" type="datetimeFigureOut">
               <a:rPr lang="ko-KR" altLang="en-US" smtClean="0"/>
-              <a:t>2022-10-23</a:t>
+              <a:t>2022-10-24</a:t>
             </a:fld>
             <a:endParaRPr lang="ko-KR" altLang="en-US"/>
           </a:p>
@@ -2946,7 +2946,7 @@
           <a:p>
             <a:fld id="{BF6E7CB9-552A-40FD-8E25-6C9525410464}" type="datetimeFigureOut">
               <a:rPr lang="ko-KR" altLang="en-US" smtClean="0"/>
-              <a:t>2022-10-23</a:t>
+              <a:t>2022-10-24</a:t>
             </a:fld>
             <a:endParaRPr lang="ko-KR" altLang="en-US"/>
           </a:p>
@@ -7968,12 +7968,103 @@
           </a:p>
         </p:txBody>
       </p:sp>
+      <p:sp>
+        <p:nvSpPr>
+          <p:cNvPr id="11" name="TextBox 10">
+            <a:extLst>
+              <a:ext uri="{FF2B5EF4-FFF2-40B4-BE49-F238E27FC236}">
+                <a16:creationId xmlns:a16="http://schemas.microsoft.com/office/drawing/2014/main" id="{AC0AD95D-9F94-4760-8E24-3449C304039D}"/>
+              </a:ext>
+            </a:extLst>
+          </p:cNvPr>
+          <p:cNvSpPr txBox="1"/>
+          <p:nvPr/>
+        </p:nvSpPr>
+        <p:spPr>
+          <a:xfrm>
+            <a:off x="762855" y="2428630"/>
+            <a:ext cx="10680876" cy="461665"/>
+          </a:xfrm>
+          <a:prstGeom prst="rect">
+            <a:avLst/>
+          </a:prstGeom>
+          <a:noFill/>
+        </p:spPr>
+        <p:txBody>
+          <a:bodyPr wrap="square" rtlCol="0">
+            <a:spAutoFit/>
+          </a:bodyPr>
+          <a:lstStyle/>
+          <a:p>
+            <a:r>
+              <a:rPr lang="ko-KR" altLang="en-US" sz="2400" spc="100" dirty="0" err="1">
+                <a:solidFill>
+                  <a:srgbClr val="44546A"/>
+                </a:solidFill>
+                <a:latin typeface="나눔스퀘어 Bold" panose="020B0600000101010101" pitchFamily="50" charset="-127"/>
+                <a:ea typeface="나눔스퀘어 Bold" panose="020B0600000101010101" pitchFamily="50" charset="-127"/>
+              </a:rPr>
+              <a:t>어떤게</a:t>
+            </a:r>
+            <a:r>
+              <a:rPr lang="ko-KR" altLang="en-US" sz="2400" spc="100" dirty="0">
+                <a:solidFill>
+                  <a:srgbClr val="44546A"/>
+                </a:solidFill>
+                <a:latin typeface="나눔스퀘어 Bold" panose="020B0600000101010101" pitchFamily="50" charset="-127"/>
+                <a:ea typeface="나눔스퀘어 Bold" panose="020B0600000101010101" pitchFamily="50" charset="-127"/>
+              </a:rPr>
+              <a:t> 메서드이고</a:t>
+            </a:r>
+            <a:r>
+              <a:rPr lang="en-US" altLang="ko-KR" sz="2400" spc="100" dirty="0">
+                <a:solidFill>
+                  <a:srgbClr val="44546A"/>
+                </a:solidFill>
+                <a:latin typeface="나눔스퀘어 Bold" panose="020B0600000101010101" pitchFamily="50" charset="-127"/>
+                <a:ea typeface="나눔스퀘어 Bold" panose="020B0600000101010101" pitchFamily="50" charset="-127"/>
+              </a:rPr>
+              <a:t>, </a:t>
+            </a:r>
+            <a:r>
+              <a:rPr lang="ko-KR" altLang="en-US" sz="2400" spc="100" dirty="0" err="1">
+                <a:solidFill>
+                  <a:srgbClr val="44546A"/>
+                </a:solidFill>
+                <a:latin typeface="나눔스퀘어 Bold" panose="020B0600000101010101" pitchFamily="50" charset="-127"/>
+                <a:ea typeface="나눔스퀘어 Bold" panose="020B0600000101010101" pitchFamily="50" charset="-127"/>
+              </a:rPr>
+              <a:t>어떤게</a:t>
+            </a:r>
+            <a:r>
+              <a:rPr lang="ko-KR" altLang="en-US" sz="2400" spc="100" dirty="0">
+                <a:solidFill>
+                  <a:srgbClr val="44546A"/>
+                </a:solidFill>
+                <a:latin typeface="나눔스퀘어 Bold" panose="020B0600000101010101" pitchFamily="50" charset="-127"/>
+                <a:ea typeface="나눔스퀘어 Bold" panose="020B0600000101010101" pitchFamily="50" charset="-127"/>
+              </a:rPr>
+              <a:t> 함수일까요</a:t>
+            </a:r>
+            <a:r>
+              <a:rPr lang="en-US" altLang="ko-KR" sz="2400" spc="100" dirty="0">
+                <a:solidFill>
+                  <a:srgbClr val="44546A"/>
+                </a:solidFill>
+                <a:latin typeface="나눔스퀘어 Bold" panose="020B0600000101010101" pitchFamily="50" charset="-127"/>
+                <a:ea typeface="나눔스퀘어 Bold" panose="020B0600000101010101" pitchFamily="50" charset="-127"/>
+              </a:rPr>
+              <a:t>?</a:t>
+            </a:r>
+          </a:p>
+        </p:txBody>
+      </p:sp>
       <p:pic>
         <p:nvPicPr>
-          <p:cNvPr id="10" name="그림 9">
-            <a:extLst>
-              <a:ext uri="{FF2B5EF4-FFF2-40B4-BE49-F238E27FC236}">
-                <a16:creationId xmlns:a16="http://schemas.microsoft.com/office/drawing/2014/main" id="{422DD9FB-F61E-8667-091A-AD12EF149E52}"/>
+          <p:cNvPr id="5" name="그림 4">
+            <a:extLst>
+              <a:ext uri="{FF2B5EF4-FFF2-40B4-BE49-F238E27FC236}">
+                <a16:creationId xmlns:a16="http://schemas.microsoft.com/office/drawing/2014/main" id="{D2FF113A-A847-4355-8E82-4DA92D145F80}"/>
               </a:ext>
             </a:extLst>
           </p:cNvPr>
@@ -7990,8 +8081,8 @@
         </p:blipFill>
         <p:spPr>
           <a:xfrm>
-            <a:off x="762854" y="3156963"/>
-            <a:ext cx="5054273" cy="2297397"/>
+            <a:off x="762855" y="3155607"/>
+            <a:ext cx="4723545" cy="2299292"/>
           </a:xfrm>
           <a:prstGeom prst="rect">
             <a:avLst/>
@@ -8000,10 +8091,10 @@
       </p:pic>
       <p:pic>
         <p:nvPicPr>
-          <p:cNvPr id="12" name="그림 11">
-            <a:extLst>
-              <a:ext uri="{FF2B5EF4-FFF2-40B4-BE49-F238E27FC236}">
-                <a16:creationId xmlns:a16="http://schemas.microsoft.com/office/drawing/2014/main" id="{EAD83C00-DE0C-060B-DF7D-6D6B3F07DD8E}"/>
+          <p:cNvPr id="15" name="그림 14">
+            <a:extLst>
+              <a:ext uri="{FF2B5EF4-FFF2-40B4-BE49-F238E27FC236}">
+                <a16:creationId xmlns:a16="http://schemas.microsoft.com/office/drawing/2014/main" id="{821F6323-9662-4D50-902E-512A7F8F0D69}"/>
               </a:ext>
             </a:extLst>
           </p:cNvPr>
@@ -8020,189 +8111,14 @@
         </p:blipFill>
         <p:spPr>
           <a:xfrm>
-            <a:off x="6374873" y="3155607"/>
-            <a:ext cx="5185374" cy="2295165"/>
+            <a:off x="6470264" y="3155607"/>
+            <a:ext cx="4973467" cy="2299292"/>
           </a:xfrm>
           <a:prstGeom prst="rect">
             <a:avLst/>
           </a:prstGeom>
         </p:spPr>
       </p:pic>
-      <p:sp>
-        <p:nvSpPr>
-          <p:cNvPr id="11" name="TextBox 10">
-            <a:extLst>
-              <a:ext uri="{FF2B5EF4-FFF2-40B4-BE49-F238E27FC236}">
-                <a16:creationId xmlns:a16="http://schemas.microsoft.com/office/drawing/2014/main" id="{AC0AD95D-9F94-4760-8E24-3449C304039D}"/>
-              </a:ext>
-            </a:extLst>
-          </p:cNvPr>
-          <p:cNvSpPr txBox="1"/>
-          <p:nvPr/>
-        </p:nvSpPr>
-        <p:spPr>
-          <a:xfrm>
-            <a:off x="762855" y="2428630"/>
-            <a:ext cx="10680876" cy="461665"/>
-          </a:xfrm>
-          <a:prstGeom prst="rect">
-            <a:avLst/>
-          </a:prstGeom>
-          <a:noFill/>
-        </p:spPr>
-        <p:txBody>
-          <a:bodyPr wrap="square" rtlCol="0">
-            <a:spAutoFit/>
-          </a:bodyPr>
-          <a:lstStyle/>
-          <a:p>
-            <a:r>
-              <a:rPr lang="ko-KR" altLang="en-US" sz="2400" spc="100" dirty="0" err="1">
-                <a:solidFill>
-                  <a:srgbClr val="44546A"/>
-                </a:solidFill>
-                <a:latin typeface="나눔스퀘어 Bold" panose="020B0600000101010101" pitchFamily="50" charset="-127"/>
-                <a:ea typeface="나눔스퀘어 Bold" panose="020B0600000101010101" pitchFamily="50" charset="-127"/>
-              </a:rPr>
-              <a:t>어떤게</a:t>
-            </a:r>
-            <a:r>
-              <a:rPr lang="ko-KR" altLang="en-US" sz="2400" spc="100" dirty="0">
-                <a:solidFill>
-                  <a:srgbClr val="44546A"/>
-                </a:solidFill>
-                <a:latin typeface="나눔스퀘어 Bold" panose="020B0600000101010101" pitchFamily="50" charset="-127"/>
-                <a:ea typeface="나눔스퀘어 Bold" panose="020B0600000101010101" pitchFamily="50" charset="-127"/>
-              </a:rPr>
-              <a:t> 메서드이고</a:t>
-            </a:r>
-            <a:r>
-              <a:rPr lang="en-US" altLang="ko-KR" sz="2400" spc="100" dirty="0">
-                <a:solidFill>
-                  <a:srgbClr val="44546A"/>
-                </a:solidFill>
-                <a:latin typeface="나눔스퀘어 Bold" panose="020B0600000101010101" pitchFamily="50" charset="-127"/>
-                <a:ea typeface="나눔스퀘어 Bold" panose="020B0600000101010101" pitchFamily="50" charset="-127"/>
-              </a:rPr>
-              <a:t>, </a:t>
-            </a:r>
-            <a:r>
-              <a:rPr lang="ko-KR" altLang="en-US" sz="2400" spc="100" dirty="0" err="1">
-                <a:solidFill>
-                  <a:srgbClr val="44546A"/>
-                </a:solidFill>
-                <a:latin typeface="나눔스퀘어 Bold" panose="020B0600000101010101" pitchFamily="50" charset="-127"/>
-                <a:ea typeface="나눔스퀘어 Bold" panose="020B0600000101010101" pitchFamily="50" charset="-127"/>
-              </a:rPr>
-              <a:t>어떤게</a:t>
-            </a:r>
-            <a:r>
-              <a:rPr lang="ko-KR" altLang="en-US" sz="2400" spc="100" dirty="0">
-                <a:solidFill>
-                  <a:srgbClr val="44546A"/>
-                </a:solidFill>
-                <a:latin typeface="나눔스퀘어 Bold" panose="020B0600000101010101" pitchFamily="50" charset="-127"/>
-                <a:ea typeface="나눔스퀘어 Bold" panose="020B0600000101010101" pitchFamily="50" charset="-127"/>
-              </a:rPr>
-              <a:t> 함수일까요</a:t>
-            </a:r>
-            <a:r>
-              <a:rPr lang="en-US" altLang="ko-KR" sz="2400" spc="100" dirty="0">
-                <a:solidFill>
-                  <a:srgbClr val="44546A"/>
-                </a:solidFill>
-                <a:latin typeface="나눔스퀘어 Bold" panose="020B0600000101010101" pitchFamily="50" charset="-127"/>
-                <a:ea typeface="나눔스퀘어 Bold" panose="020B0600000101010101" pitchFamily="50" charset="-127"/>
-              </a:rPr>
-              <a:t>?</a:t>
-            </a:r>
-          </a:p>
-        </p:txBody>
-      </p:sp>
-      <p:sp>
-        <p:nvSpPr>
-          <p:cNvPr id="13" name="TextBox 12">
-            <a:extLst>
-              <a:ext uri="{FF2B5EF4-FFF2-40B4-BE49-F238E27FC236}">
-                <a16:creationId xmlns:a16="http://schemas.microsoft.com/office/drawing/2014/main" id="{3D192A5E-8BF0-44BD-B60C-B35A1C861267}"/>
-              </a:ext>
-            </a:extLst>
-          </p:cNvPr>
-          <p:cNvSpPr txBox="1"/>
-          <p:nvPr/>
-        </p:nvSpPr>
-        <p:spPr>
-          <a:xfrm>
-            <a:off x="762855" y="5699521"/>
-            <a:ext cx="5054272" cy="461665"/>
-          </a:xfrm>
-          <a:prstGeom prst="rect">
-            <a:avLst/>
-          </a:prstGeom>
-          <a:noFill/>
-        </p:spPr>
-        <p:txBody>
-          <a:bodyPr wrap="square" rtlCol="0">
-            <a:spAutoFit/>
-          </a:bodyPr>
-          <a:lstStyle/>
-          <a:p>
-            <a:pPr algn="ctr"/>
-            <a:r>
-              <a:rPr lang="en-US" altLang="ko-KR" sz="2400" spc="100" dirty="0">
-                <a:solidFill>
-                  <a:srgbClr val="44546A"/>
-                </a:solidFill>
-                <a:latin typeface="나눔스퀘어 Bold" panose="020B0600000101010101" pitchFamily="50" charset="-127"/>
-                <a:ea typeface="나눔스퀘어 Bold" panose="020B0600000101010101" pitchFamily="50" charset="-127"/>
-              </a:rPr>
-              <a:t>C</a:t>
-            </a:r>
-          </a:p>
-        </p:txBody>
-      </p:sp>
-      <p:sp>
-        <p:nvSpPr>
-          <p:cNvPr id="14" name="TextBox 13">
-            <a:extLst>
-              <a:ext uri="{FF2B5EF4-FFF2-40B4-BE49-F238E27FC236}">
-                <a16:creationId xmlns:a16="http://schemas.microsoft.com/office/drawing/2014/main" id="{956EA0C1-7998-4E2C-888E-4F1AC7D4BBDE}"/>
-              </a:ext>
-            </a:extLst>
-          </p:cNvPr>
-          <p:cNvSpPr txBox="1"/>
-          <p:nvPr/>
-        </p:nvSpPr>
-        <p:spPr>
-          <a:xfrm>
-            <a:off x="6374873" y="5699521"/>
-            <a:ext cx="5185374" cy="461665"/>
-          </a:xfrm>
-          <a:prstGeom prst="rect">
-            <a:avLst/>
-          </a:prstGeom>
-          <a:noFill/>
-        </p:spPr>
-        <p:txBody>
-          <a:bodyPr wrap="square" rtlCol="0">
-            <a:spAutoFit/>
-          </a:bodyPr>
-          <a:lstStyle/>
-          <a:p>
-            <a:pPr algn="ctr"/>
-            <a:r>
-              <a:rPr lang="en-US" altLang="ko-KR" sz="2400" spc="100" dirty="0">
-                <a:solidFill>
-                  <a:srgbClr val="44546A"/>
-                </a:solidFill>
-                <a:latin typeface="나눔스퀘어 Bold" panose="020B0600000101010101" pitchFamily="50" charset="-127"/>
-                <a:ea typeface="나눔스퀘어 Bold" panose="020B0600000101010101" pitchFamily="50" charset="-127"/>
-              </a:rPr>
-              <a:t>Java</a:t>
-            </a:r>
-          </a:p>
-        </p:txBody>
-      </p:sp>
     </p:spTree>
     <p:extLst>
       <p:ext uri="{BB962C8B-B14F-4D97-AF65-F5344CB8AC3E}">
